--- a/Dashboad.pptx
+++ b/Dashboad.pptx
@@ -6,6 +6,15 @@
   </p:sldMasterIdLst>
   <p:sldIdLst>
     <p:sldId id="256" r:id="rId2"/>
+    <p:sldId id="257" r:id="rId3"/>
+    <p:sldId id="258" r:id="rId4"/>
+    <p:sldId id="259" r:id="rId5"/>
+    <p:sldId id="260" r:id="rId6"/>
+    <p:sldId id="261" r:id="rId7"/>
+    <p:sldId id="262" r:id="rId8"/>
+    <p:sldId id="263" r:id="rId9"/>
+    <p:sldId id="264" r:id="rId10"/>
+    <p:sldId id="265" r:id="rId11"/>
   </p:sldIdLst>
   <p:sldSz cx="12192000" cy="6858000"/>
   <p:notesSz cx="6858000" cy="9144000"/>
@@ -3600,6 +3609,18 @@
   <p:clrMapOvr>
     <a:masterClrMapping/>
   </p:clrMapOvr>
+  <mc:AlternateContent xmlns:mc="http://schemas.openxmlformats.org/markup-compatibility/2006">
+    <mc:Choice xmlns:p159="http://schemas.microsoft.com/office/powerpoint/2015/09/main" Requires="p159">
+      <p:transition xmlns:p14="http://schemas.microsoft.com/office/powerpoint/2010/main" spd="slow" p14:dur="2000">
+        <p159:morph option="byObject"/>
+      </p:transition>
+    </mc:Choice>
+    <mc:Fallback>
+      <p:transition spd="slow">
+        <p:fade/>
+      </p:transition>
+    </mc:Fallback>
+  </mc:AlternateContent>
   <p:timing>
     <p:tnLst>
       <p:par>
@@ -3621,7 +3642,7 @@
                             </p:stCondLst>
                             <p:childTnLst>
                               <p:par>
-                                <p:cTn id="5" presetID="1" presetClass="entr" presetSubtype="0" fill="hold" nodeType="clickEffect">
+                                <p:cTn id="5" presetID="53" presetClass="entr" presetSubtype="528" fill="hold" nodeType="clickEffect">
                                   <p:stCondLst>
                                     <p:cond delay="0"/>
                                   </p:stCondLst>
@@ -3644,6 +3665,106 @@
                                         <p:strVal val="visible"/>
                                       </p:to>
                                     </p:set>
+                                    <p:anim calcmode="lin" valueType="num">
+                                      <p:cBhvr>
+                                        <p:cTn id="7" dur="500" fill="hold"/>
+                                        <p:tgtEl>
+                                          <p:spTgt spid="4"/>
+                                        </p:tgtEl>
+                                        <p:attrNameLst>
+                                          <p:attrName>ppt_w</p:attrName>
+                                        </p:attrNameLst>
+                                      </p:cBhvr>
+                                      <p:tavLst>
+                                        <p:tav tm="0">
+                                          <p:val>
+                                            <p:fltVal val="0"/>
+                                          </p:val>
+                                        </p:tav>
+                                        <p:tav tm="100000">
+                                          <p:val>
+                                            <p:strVal val="#ppt_w"/>
+                                          </p:val>
+                                        </p:tav>
+                                      </p:tavLst>
+                                    </p:anim>
+                                    <p:anim calcmode="lin" valueType="num">
+                                      <p:cBhvr>
+                                        <p:cTn id="8" dur="500" fill="hold"/>
+                                        <p:tgtEl>
+                                          <p:spTgt spid="4"/>
+                                        </p:tgtEl>
+                                        <p:attrNameLst>
+                                          <p:attrName>ppt_h</p:attrName>
+                                        </p:attrNameLst>
+                                      </p:cBhvr>
+                                      <p:tavLst>
+                                        <p:tav tm="0">
+                                          <p:val>
+                                            <p:fltVal val="0"/>
+                                          </p:val>
+                                        </p:tav>
+                                        <p:tav tm="100000">
+                                          <p:val>
+                                            <p:strVal val="#ppt_h"/>
+                                          </p:val>
+                                        </p:tav>
+                                      </p:tavLst>
+                                    </p:anim>
+                                    <p:animEffect transition="in" filter="fade">
+                                      <p:cBhvr>
+                                        <p:cTn id="9" dur="500"/>
+                                        <p:tgtEl>
+                                          <p:spTgt spid="4"/>
+                                        </p:tgtEl>
+                                      </p:cBhvr>
+                                    </p:animEffect>
+                                    <p:anim calcmode="lin" valueType="num">
+                                      <p:cBhvr>
+                                        <p:cTn id="10" dur="500" fill="hold"/>
+                                        <p:tgtEl>
+                                          <p:spTgt spid="4"/>
+                                        </p:tgtEl>
+                                        <p:attrNameLst>
+                                          <p:attrName>ppt_x</p:attrName>
+                                        </p:attrNameLst>
+                                      </p:cBhvr>
+                                      <p:tavLst>
+                                        <p:tav tm="0">
+                                          <p:val>
+                                            <p:fltVal val="0.5"/>
+                                          </p:val>
+                                        </p:tav>
+                                        <p:tav tm="100000">
+                                          <p:val>
+                                            <p:strVal val="#ppt_x"/>
+                                          </p:val>
+                                        </p:tav>
+                                      </p:tavLst>
+                                    </p:anim>
+                                    <p:anim calcmode="lin" valueType="num">
+                                      <p:cBhvr>
+                                        <p:cTn id="11" dur="500" fill="hold"/>
+                                        <p:tgtEl>
+                                          <p:spTgt spid="4"/>
+                                        </p:tgtEl>
+                                        <p:attrNameLst>
+                                          <p:attrName>ppt_y</p:attrName>
+                                        </p:attrNameLst>
+                                      </p:cBhvr>
+                                      <p:tavLst>
+                                        <p:tav tm="0">
+                                          <p:val>
+                                            <p:fltVal val="0.5"/>
+                                          </p:val>
+                                        </p:tav>
+                                        <p:tav tm="100000">
+                                          <p:val>
+                                            <p:strVal val="#ppt_y"/>
+                                          </p:val>
+                                        </p:tav>
+                                      </p:tavLst>
+                                    </p:anim>
                                   </p:childTnLst>
                                 </p:cTn>
                               </p:par>
@@ -3654,26 +3775,26 @@
                     </p:cTn>
                   </p:par>
                   <p:par>
-                    <p:cTn id="7" fill="hold">
+                    <p:cTn id="12" fill="hold">
                       <p:stCondLst>
                         <p:cond delay="indefinite"/>
                       </p:stCondLst>
                       <p:childTnLst>
                         <p:par>
-                          <p:cTn id="8" fill="hold">
+                          <p:cTn id="13" fill="hold">
                             <p:stCondLst>
                               <p:cond delay="0"/>
                             </p:stCondLst>
                             <p:childTnLst>
                               <p:par>
-                                <p:cTn id="9" presetID="2" presetClass="entr" presetSubtype="4" fill="hold" nodeType="clickEffect">
+                                <p:cTn id="14" presetID="42" presetClass="entr" presetSubtype="0" fill="hold" nodeType="clickEffect">
                                   <p:stCondLst>
                                     <p:cond delay="0"/>
                                   </p:stCondLst>
                                   <p:childTnLst>
                                     <p:set>
                                       <p:cBhvr>
-                                        <p:cTn id="10" dur="1" fill="hold">
+                                        <p:cTn id="15" dur="1" fill="hold">
                                           <p:stCondLst>
                                             <p:cond delay="0"/>
                                           </p:stCondLst>
@@ -3689,9 +3810,17 @@
                                         <p:strVal val="visible"/>
                                       </p:to>
                                     </p:set>
+                                    <p:animEffect transition="in" filter="fade">
+                                      <p:cBhvr>
+                                        <p:cTn id="16" dur="1000"/>
+                                        <p:tgtEl>
+                                          <p:spTgt spid="8"/>
+                                        </p:tgtEl>
+                                      </p:cBhvr>
+                                    </p:animEffect>
                                     <p:anim calcmode="lin" valueType="num">
-                                      <p:cBhvr additive="base">
-                                        <p:cTn id="11" dur="500" fill="hold"/>
+                                      <p:cBhvr>
+                                        <p:cTn id="17" dur="1000" fill="hold"/>
                                         <p:tgtEl>
                                           <p:spTgt spid="8"/>
                                         </p:tgtEl>
@@ -3713,8 +3842,8 @@
                                       </p:tavLst>
                                     </p:anim>
                                     <p:anim calcmode="lin" valueType="num">
-                                      <p:cBhvr additive="base">
-                                        <p:cTn id="12" dur="500" fill="hold"/>
+                                      <p:cBhvr>
+                                        <p:cTn id="18" dur="1000" fill="hold"/>
                                         <p:tgtEl>
                                           <p:spTgt spid="8"/>
                                         </p:tgtEl>
@@ -3725,7 +3854,7 @@
                                       <p:tavLst>
                                         <p:tav tm="0">
                                           <p:val>
-                                            <p:strVal val="1+#ppt_h/2"/>
+                                            <p:strVal val="#ppt_y+.1"/>
                                           </p:val>
                                         </p:tav>
                                         <p:tav tm="100000">
@@ -3745,26 +3874,26 @@
                     </p:cTn>
                   </p:par>
                   <p:par>
-                    <p:cTn id="13" fill="hold">
+                    <p:cTn id="19" fill="hold">
                       <p:stCondLst>
                         <p:cond delay="indefinite"/>
                       </p:stCondLst>
                       <p:childTnLst>
                         <p:par>
-                          <p:cTn id="14" fill="hold">
+                          <p:cTn id="20" fill="hold">
                             <p:stCondLst>
                               <p:cond delay="0"/>
                             </p:stCondLst>
                             <p:childTnLst>
                               <p:par>
-                                <p:cTn id="15" presetID="42" presetClass="entr" presetSubtype="0" fill="hold" nodeType="clickEffect">
+                                <p:cTn id="21" presetID="42" presetClass="entr" presetSubtype="0" fill="hold" nodeType="clickEffect">
                                   <p:stCondLst>
                                     <p:cond delay="0"/>
                                   </p:stCondLst>
                                   <p:childTnLst>
                                     <p:set>
                                       <p:cBhvr>
-                                        <p:cTn id="16" dur="1" fill="hold">
+                                        <p:cTn id="22" dur="1" fill="hold">
                                           <p:stCondLst>
                                             <p:cond delay="0"/>
                                           </p:stCondLst>
@@ -3782,7 +3911,7 @@
                                     </p:set>
                                     <p:animEffect transition="in" filter="fade">
                                       <p:cBhvr>
-                                        <p:cTn id="17" dur="1000"/>
+                                        <p:cTn id="23" dur="1000"/>
                                         <p:tgtEl>
                                           <p:spTgt spid="9"/>
                                         </p:tgtEl>
@@ -3790,7 +3919,7 @@
                                     </p:animEffect>
                                     <p:anim calcmode="lin" valueType="num">
                                       <p:cBhvr>
-                                        <p:cTn id="18" dur="1000" fill="hold"/>
+                                        <p:cTn id="24" dur="1000" fill="hold"/>
                                         <p:tgtEl>
                                           <p:spTgt spid="9"/>
                                         </p:tgtEl>
@@ -3813,7 +3942,7 @@
                                     </p:anim>
                                     <p:anim calcmode="lin" valueType="num">
                                       <p:cBhvr>
-                                        <p:cTn id="19" dur="1000" fill="hold"/>
+                                        <p:cTn id="25" dur="1000" fill="hold"/>
                                         <p:tgtEl>
                                           <p:spTgt spid="9"/>
                                         </p:tgtEl>
@@ -3844,26 +3973,26 @@
                     </p:cTn>
                   </p:par>
                   <p:par>
-                    <p:cTn id="20" fill="hold">
+                    <p:cTn id="26" fill="hold">
                       <p:stCondLst>
                         <p:cond delay="indefinite"/>
                       </p:stCondLst>
                       <p:childTnLst>
                         <p:par>
-                          <p:cTn id="21" fill="hold">
+                          <p:cTn id="27" fill="hold">
                             <p:stCondLst>
                               <p:cond delay="0"/>
                             </p:stCondLst>
                             <p:childTnLst>
                               <p:par>
-                                <p:cTn id="22" presetID="42" presetClass="entr" presetSubtype="0" fill="hold" nodeType="clickEffect">
+                                <p:cTn id="28" presetID="42" presetClass="entr" presetSubtype="0" fill="hold" nodeType="clickEffect">
                                   <p:stCondLst>
                                     <p:cond delay="0"/>
                                   </p:stCondLst>
                                   <p:childTnLst>
                                     <p:set>
                                       <p:cBhvr>
-                                        <p:cTn id="23" dur="1" fill="hold">
+                                        <p:cTn id="29" dur="1" fill="hold">
                                           <p:stCondLst>
                                             <p:cond delay="0"/>
                                           </p:stCondLst>
@@ -3881,7 +4010,7 @@
                                     </p:set>
                                     <p:animEffect transition="in" filter="fade">
                                       <p:cBhvr>
-                                        <p:cTn id="24" dur="1000"/>
+                                        <p:cTn id="30" dur="1000"/>
                                         <p:tgtEl>
                                           <p:spTgt spid="12"/>
                                         </p:tgtEl>
@@ -3889,7 +4018,7 @@
                                     </p:animEffect>
                                     <p:anim calcmode="lin" valueType="num">
                                       <p:cBhvr>
-                                        <p:cTn id="25" dur="1000" fill="hold"/>
+                                        <p:cTn id="31" dur="1000" fill="hold"/>
                                         <p:tgtEl>
                                           <p:spTgt spid="12"/>
                                         </p:tgtEl>
@@ -3912,7 +4041,7 @@
                                     </p:anim>
                                     <p:anim calcmode="lin" valueType="num">
                                       <p:cBhvr>
-                                        <p:cTn id="26" dur="1000" fill="hold"/>
+                                        <p:cTn id="32" dur="1000" fill="hold"/>
                                         <p:tgtEl>
                                           <p:spTgt spid="12"/>
                                         </p:tgtEl>
@@ -3943,26 +4072,26 @@
                     </p:cTn>
                   </p:par>
                   <p:par>
-                    <p:cTn id="27" fill="hold">
+                    <p:cTn id="33" fill="hold">
                       <p:stCondLst>
                         <p:cond delay="indefinite"/>
                       </p:stCondLst>
                       <p:childTnLst>
                         <p:par>
-                          <p:cTn id="28" fill="hold">
+                          <p:cTn id="34" fill="hold">
                             <p:stCondLst>
                               <p:cond delay="0"/>
                             </p:stCondLst>
                             <p:childTnLst>
                               <p:par>
-                                <p:cTn id="29" presetID="42" presetClass="entr" presetSubtype="0" fill="hold" nodeType="clickEffect">
+                                <p:cTn id="35" presetID="42" presetClass="entr" presetSubtype="0" fill="hold" nodeType="clickEffect">
                                   <p:stCondLst>
                                     <p:cond delay="0"/>
                                   </p:stCondLst>
                                   <p:childTnLst>
                                     <p:set>
                                       <p:cBhvr>
-                                        <p:cTn id="30" dur="1" fill="hold">
+                                        <p:cTn id="36" dur="1" fill="hold">
                                           <p:stCondLst>
                                             <p:cond delay="0"/>
                                           </p:stCondLst>
@@ -3980,7 +4109,7 @@
                                     </p:set>
                                     <p:animEffect transition="in" filter="fade">
                                       <p:cBhvr>
-                                        <p:cTn id="31" dur="1000"/>
+                                        <p:cTn id="37" dur="1000"/>
                                         <p:tgtEl>
                                           <p:spTgt spid="13"/>
                                         </p:tgtEl>
@@ -3988,7 +4117,7 @@
                                     </p:animEffect>
                                     <p:anim calcmode="lin" valueType="num">
                                       <p:cBhvr>
-                                        <p:cTn id="32" dur="1000" fill="hold"/>
+                                        <p:cTn id="38" dur="1000" fill="hold"/>
                                         <p:tgtEl>
                                           <p:spTgt spid="13"/>
                                         </p:tgtEl>
@@ -4011,7 +4140,7 @@
                                     </p:anim>
                                     <p:anim calcmode="lin" valueType="num">
                                       <p:cBhvr>
-                                        <p:cTn id="33" dur="1000" fill="hold"/>
+                                        <p:cTn id="39" dur="1000" fill="hold"/>
                                         <p:tgtEl>
                                           <p:spTgt spid="13"/>
                                         </p:tgtEl>
@@ -4042,26 +4171,26 @@
                     </p:cTn>
                   </p:par>
                   <p:par>
-                    <p:cTn id="34" fill="hold">
+                    <p:cTn id="40" fill="hold">
                       <p:stCondLst>
                         <p:cond delay="indefinite"/>
                       </p:stCondLst>
                       <p:childTnLst>
                         <p:par>
-                          <p:cTn id="35" fill="hold">
+                          <p:cTn id="41" fill="hold">
                             <p:stCondLst>
                               <p:cond delay="0"/>
                             </p:stCondLst>
                             <p:childTnLst>
                               <p:par>
-                                <p:cTn id="36" presetID="42" presetClass="entr" presetSubtype="0" fill="hold" nodeType="clickEffect">
+                                <p:cTn id="42" presetID="42" presetClass="entr" presetSubtype="0" fill="hold" nodeType="clickEffect">
                                   <p:stCondLst>
                                     <p:cond delay="0"/>
                                   </p:stCondLst>
                                   <p:childTnLst>
                                     <p:set>
                                       <p:cBhvr>
-                                        <p:cTn id="37" dur="1" fill="hold">
+                                        <p:cTn id="43" dur="1" fill="hold">
                                           <p:stCondLst>
                                             <p:cond delay="0"/>
                                           </p:stCondLst>
@@ -4079,7 +4208,7 @@
                                     </p:set>
                                     <p:animEffect transition="in" filter="fade">
                                       <p:cBhvr>
-                                        <p:cTn id="38" dur="1000"/>
+                                        <p:cTn id="44" dur="1000"/>
                                         <p:tgtEl>
                                           <p:spTgt spid="16"/>
                                         </p:tgtEl>
@@ -4087,7 +4216,7 @@
                                     </p:animEffect>
                                     <p:anim calcmode="lin" valueType="num">
                                       <p:cBhvr>
-                                        <p:cTn id="39" dur="1000" fill="hold"/>
+                                        <p:cTn id="45" dur="1000" fill="hold"/>
                                         <p:tgtEl>
                                           <p:spTgt spid="16"/>
                                         </p:tgtEl>
@@ -4110,7 +4239,7 @@
                                     </p:anim>
                                     <p:anim calcmode="lin" valueType="num">
                                       <p:cBhvr>
-                                        <p:cTn id="40" dur="1000" fill="hold"/>
+                                        <p:cTn id="46" dur="1000" fill="hold"/>
                                         <p:tgtEl>
                                           <p:spTgt spid="16"/>
                                         </p:tgtEl>
@@ -4141,26 +4270,26 @@
                     </p:cTn>
                   </p:par>
                   <p:par>
-                    <p:cTn id="41" fill="hold">
+                    <p:cTn id="47" fill="hold">
                       <p:stCondLst>
                         <p:cond delay="indefinite"/>
                       </p:stCondLst>
                       <p:childTnLst>
                         <p:par>
-                          <p:cTn id="42" fill="hold">
+                          <p:cTn id="48" fill="hold">
                             <p:stCondLst>
                               <p:cond delay="0"/>
                             </p:stCondLst>
                             <p:childTnLst>
                               <p:par>
-                                <p:cTn id="43" presetID="42" presetClass="entr" presetSubtype="0" fill="hold" nodeType="clickEffect">
+                                <p:cTn id="49" presetID="42" presetClass="entr" presetSubtype="0" fill="hold" nodeType="clickEffect">
                                   <p:stCondLst>
                                     <p:cond delay="0"/>
                                   </p:stCondLst>
                                   <p:childTnLst>
                                     <p:set>
                                       <p:cBhvr>
-                                        <p:cTn id="44" dur="1" fill="hold">
+                                        <p:cTn id="50" dur="1" fill="hold">
                                           <p:stCondLst>
                                             <p:cond delay="0"/>
                                           </p:stCondLst>
@@ -4178,7 +4307,7 @@
                                     </p:set>
                                     <p:animEffect transition="in" filter="fade">
                                       <p:cBhvr>
-                                        <p:cTn id="45" dur="1000"/>
+                                        <p:cTn id="51" dur="1000"/>
                                         <p:tgtEl>
                                           <p:spTgt spid="17"/>
                                         </p:tgtEl>
@@ -4186,7 +4315,7 @@
                                     </p:animEffect>
                                     <p:anim calcmode="lin" valueType="num">
                                       <p:cBhvr>
-                                        <p:cTn id="46" dur="1000" fill="hold"/>
+                                        <p:cTn id="52" dur="1000" fill="hold"/>
                                         <p:tgtEl>
                                           <p:spTgt spid="17"/>
                                         </p:tgtEl>
@@ -4209,7 +4338,7 @@
                                     </p:anim>
                                     <p:anim calcmode="lin" valueType="num">
                                       <p:cBhvr>
-                                        <p:cTn id="47" dur="1000" fill="hold"/>
+                                        <p:cTn id="53" dur="1000" fill="hold"/>
                                         <p:tgtEl>
                                           <p:spTgt spid="17"/>
                                         </p:tgtEl>
@@ -4240,26 +4369,26 @@
                     </p:cTn>
                   </p:par>
                   <p:par>
-                    <p:cTn id="48" fill="hold">
+                    <p:cTn id="54" fill="hold">
                       <p:stCondLst>
                         <p:cond delay="indefinite"/>
                       </p:stCondLst>
                       <p:childTnLst>
                         <p:par>
-                          <p:cTn id="49" fill="hold">
+                          <p:cTn id="55" fill="hold">
                             <p:stCondLst>
                               <p:cond delay="0"/>
                             </p:stCondLst>
                             <p:childTnLst>
                               <p:par>
-                                <p:cTn id="50" presetID="42" presetClass="entr" presetSubtype="0" fill="hold" nodeType="clickEffect">
+                                <p:cTn id="56" presetID="42" presetClass="entr" presetSubtype="0" fill="hold" nodeType="clickEffect">
                                   <p:stCondLst>
                                     <p:cond delay="0"/>
                                   </p:stCondLst>
                                   <p:childTnLst>
                                     <p:set>
                                       <p:cBhvr>
-                                        <p:cTn id="51" dur="1" fill="hold">
+                                        <p:cTn id="57" dur="1" fill="hold">
                                           <p:stCondLst>
                                             <p:cond delay="0"/>
                                           </p:stCondLst>
@@ -4277,7 +4406,7 @@
                                     </p:set>
                                     <p:animEffect transition="in" filter="fade">
                                       <p:cBhvr>
-                                        <p:cTn id="52" dur="1000"/>
+                                        <p:cTn id="58" dur="1000"/>
                                         <p:tgtEl>
                                           <p:spTgt spid="19"/>
                                         </p:tgtEl>
@@ -4285,7 +4414,7 @@
                                     </p:animEffect>
                                     <p:anim calcmode="lin" valueType="num">
                                       <p:cBhvr>
-                                        <p:cTn id="53" dur="1000" fill="hold"/>
+                                        <p:cTn id="59" dur="1000" fill="hold"/>
                                         <p:tgtEl>
                                           <p:spTgt spid="19"/>
                                         </p:tgtEl>
@@ -4308,7 +4437,7 @@
                                     </p:anim>
                                     <p:anim calcmode="lin" valueType="num">
                                       <p:cBhvr>
-                                        <p:cTn id="54" dur="1000" fill="hold"/>
+                                        <p:cTn id="60" dur="1000" fill="hold"/>
                                         <p:tgtEl>
                                           <p:spTgt spid="19"/>
                                         </p:tgtEl>
@@ -4339,26 +4468,26 @@
                     </p:cTn>
                   </p:par>
                   <p:par>
-                    <p:cTn id="55" fill="hold">
+                    <p:cTn id="61" fill="hold">
                       <p:stCondLst>
                         <p:cond delay="indefinite"/>
                       </p:stCondLst>
                       <p:childTnLst>
                         <p:par>
-                          <p:cTn id="56" fill="hold">
+                          <p:cTn id="62" fill="hold">
                             <p:stCondLst>
                               <p:cond delay="0"/>
                             </p:stCondLst>
                             <p:childTnLst>
                               <p:par>
-                                <p:cTn id="57" presetID="42" presetClass="entr" presetSubtype="0" fill="hold" nodeType="clickEffect">
+                                <p:cTn id="63" presetID="42" presetClass="entr" presetSubtype="0" fill="hold" nodeType="clickEffect">
                                   <p:stCondLst>
                                     <p:cond delay="0"/>
                                   </p:stCondLst>
                                   <p:childTnLst>
                                     <p:set>
                                       <p:cBhvr>
-                                        <p:cTn id="58" dur="1" fill="hold">
+                                        <p:cTn id="64" dur="1" fill="hold">
                                           <p:stCondLst>
                                             <p:cond delay="0"/>
                                           </p:stCondLst>
@@ -4376,7 +4505,7 @@
                                     </p:set>
                                     <p:animEffect transition="in" filter="fade">
                                       <p:cBhvr>
-                                        <p:cTn id="59" dur="1000"/>
+                                        <p:cTn id="65" dur="1000"/>
                                         <p:tgtEl>
                                           <p:spTgt spid="22"/>
                                         </p:tgtEl>
@@ -4384,7 +4513,7 @@
                                     </p:animEffect>
                                     <p:anim calcmode="lin" valueType="num">
                                       <p:cBhvr>
-                                        <p:cTn id="60" dur="1000" fill="hold"/>
+                                        <p:cTn id="66" dur="1000" fill="hold"/>
                                         <p:tgtEl>
                                           <p:spTgt spid="22"/>
                                         </p:tgtEl>
@@ -4407,9 +4536,3170 @@
                                     </p:anim>
                                     <p:anim calcmode="lin" valueType="num">
                                       <p:cBhvr>
-                                        <p:cTn id="61" dur="1000" fill="hold"/>
+                                        <p:cTn id="67" dur="1000" fill="hold"/>
                                         <p:tgtEl>
                                           <p:spTgt spid="22"/>
+                                        </p:tgtEl>
+                                        <p:attrNameLst>
+                                          <p:attrName>ppt_y</p:attrName>
+                                        </p:attrNameLst>
+                                      </p:cBhvr>
+                                      <p:tavLst>
+                                        <p:tav tm="0">
+                                          <p:val>
+                                            <p:strVal val="#ppt_y+.1"/>
+                                          </p:val>
+                                        </p:tav>
+                                        <p:tav tm="100000">
+                                          <p:val>
+                                            <p:strVal val="#ppt_y"/>
+                                          </p:val>
+                                        </p:tav>
+                                      </p:tavLst>
+                                    </p:anim>
+                                  </p:childTnLst>
+                                </p:cTn>
+                              </p:par>
+                            </p:childTnLst>
+                          </p:cTn>
+                        </p:par>
+                      </p:childTnLst>
+                    </p:cTn>
+                  </p:par>
+                </p:childTnLst>
+              </p:cTn>
+              <p:prevCondLst>
+                <p:cond evt="onPrev" delay="0">
+                  <p:tgtEl>
+                    <p:sldTgt/>
+                  </p:tgtEl>
+                </p:cond>
+              </p:prevCondLst>
+              <p:nextCondLst>
+                <p:cond evt="onNext" delay="0">
+                  <p:tgtEl>
+                    <p:sldTgt/>
+                  </p:tgtEl>
+                </p:cond>
+              </p:nextCondLst>
+            </p:seq>
+          </p:childTnLst>
+        </p:cTn>
+      </p:par>
+    </p:tnLst>
+  </p:timing>
+</p:sld>
+</file>
+
+<file path=ppt/slides/slide10.xml><?xml version="1.0" encoding="utf-8"?>
+<p:sld xmlns:a="http://schemas.openxmlformats.org/drawingml/2006/main" xmlns:r="http://schemas.openxmlformats.org/officeDocument/2006/relationships" xmlns:p="http://schemas.openxmlformats.org/presentationml/2006/main">
+  <p:cSld>
+    <p:bg>
+      <p:bgPr>
+        <a:solidFill>
+          <a:schemeClr val="bg1"/>
+        </a:solidFill>
+        <a:effectLst/>
+      </p:bgPr>
+    </p:bg>
+    <p:spTree>
+      <p:nvGrpSpPr>
+        <p:cNvPr id="1" name=""/>
+        <p:cNvGrpSpPr/>
+        <p:nvPr/>
+      </p:nvGrpSpPr>
+      <p:grpSpPr>
+        <a:xfrm>
+          <a:off x="0" y="0"/>
+          <a:ext cx="0" cy="0"/>
+          <a:chOff x="0" y="0"/>
+          <a:chExt cx="0" cy="0"/>
+        </a:xfrm>
+      </p:grpSpPr>
+      <p:sp>
+        <p:nvSpPr>
+          <p:cNvPr id="9" name="Rectangle 8">
+            <a:extLst>
+              <a:ext uri="{FF2B5EF4-FFF2-40B4-BE49-F238E27FC236}">
+                <a16:creationId xmlns:a16="http://schemas.microsoft.com/office/drawing/2014/main" id="{42A4FC2C-047E-45A5-965D-8E1E3BF09BC6}"/>
+              </a:ext>
+              <a:ext uri="{C183D7F6-B498-43B3-948B-1728B52AA6E4}">
+                <adec:decorative xmlns:adec="http://schemas.microsoft.com/office/drawing/2017/decorative" val="1"/>
+              </a:ext>
+            </a:extLst>
+          </p:cNvPr>
+          <p:cNvSpPr>
+            <a:spLocks noGrp="1" noRot="1" noChangeAspect="1" noMove="1" noResize="1" noEditPoints="1" noAdjustHandles="1" noChangeArrowheads="1" noChangeShapeType="1" noTextEdit="1"/>
+          </p:cNvSpPr>
+          <p:nvPr>
+            <p:extLst>
+              <p:ext uri="{386F3935-93C4-4BCD-93E2-E3B085C9AB24}">
+                <p16:designElem xmlns:p16="http://schemas.microsoft.com/office/powerpoint/2015/main" val="1"/>
+              </p:ext>
+            </p:extLst>
+          </p:nvPr>
+        </p:nvSpPr>
+        <p:spPr bwMode="white">
+          <a:xfrm>
+            <a:off x="1524" y="0"/>
+            <a:ext cx="12188952" cy="6858000"/>
+          </a:xfrm>
+          <a:prstGeom prst="rect">
+            <a:avLst/>
+          </a:prstGeom>
+          <a:noFill/>
+          <a:ln>
+            <a:noFill/>
+          </a:ln>
+        </p:spPr>
+        <p:style>
+          <a:lnRef idx="2">
+            <a:schemeClr val="accent1">
+              <a:shade val="50000"/>
+            </a:schemeClr>
+          </a:lnRef>
+          <a:fillRef idx="1">
+            <a:schemeClr val="accent1"/>
+          </a:fillRef>
+          <a:effectRef idx="0">
+            <a:schemeClr val="accent1"/>
+          </a:effectRef>
+          <a:fontRef idx="minor">
+            <a:schemeClr val="lt1"/>
+          </a:fontRef>
+        </p:style>
+        <p:txBody>
+          <a:bodyPr rtlCol="0" anchor="ctr"/>
+          <a:lstStyle>
+            <a:defPPr>
+              <a:defRPr lang="en-US"/>
+            </a:defPPr>
+            <a:lvl1pPr marL="0" algn="l" defTabSz="914400" rtl="0" eaLnBrk="1" latinLnBrk="0" hangingPunct="1">
+              <a:defRPr sz="1800" kern="1200">
+                <a:solidFill>
+                  <a:schemeClr val="lt1"/>
+                </a:solidFill>
+                <a:latin typeface="+mn-lt"/>
+                <a:ea typeface="+mn-ea"/>
+                <a:cs typeface="+mn-cs"/>
+              </a:defRPr>
+            </a:lvl1pPr>
+            <a:lvl2pPr marL="457200" algn="l" defTabSz="914400" rtl="0" eaLnBrk="1" latinLnBrk="0" hangingPunct="1">
+              <a:defRPr sz="1800" kern="1200">
+                <a:solidFill>
+                  <a:schemeClr val="lt1"/>
+                </a:solidFill>
+                <a:latin typeface="+mn-lt"/>
+                <a:ea typeface="+mn-ea"/>
+                <a:cs typeface="+mn-cs"/>
+              </a:defRPr>
+            </a:lvl2pPr>
+            <a:lvl3pPr marL="914400" algn="l" defTabSz="914400" rtl="0" eaLnBrk="1" latinLnBrk="0" hangingPunct="1">
+              <a:defRPr sz="1800" kern="1200">
+                <a:solidFill>
+                  <a:schemeClr val="lt1"/>
+                </a:solidFill>
+                <a:latin typeface="+mn-lt"/>
+                <a:ea typeface="+mn-ea"/>
+                <a:cs typeface="+mn-cs"/>
+              </a:defRPr>
+            </a:lvl3pPr>
+            <a:lvl4pPr marL="1371600" algn="l" defTabSz="914400" rtl="0" eaLnBrk="1" latinLnBrk="0" hangingPunct="1">
+              <a:defRPr sz="1800" kern="1200">
+                <a:solidFill>
+                  <a:schemeClr val="lt1"/>
+                </a:solidFill>
+                <a:latin typeface="+mn-lt"/>
+                <a:ea typeface="+mn-ea"/>
+                <a:cs typeface="+mn-cs"/>
+              </a:defRPr>
+            </a:lvl4pPr>
+            <a:lvl5pPr marL="1828800" algn="l" defTabSz="914400" rtl="0" eaLnBrk="1" latinLnBrk="0" hangingPunct="1">
+              <a:defRPr sz="1800" kern="1200">
+                <a:solidFill>
+                  <a:schemeClr val="lt1"/>
+                </a:solidFill>
+                <a:latin typeface="+mn-lt"/>
+                <a:ea typeface="+mn-ea"/>
+                <a:cs typeface="+mn-cs"/>
+              </a:defRPr>
+            </a:lvl5pPr>
+            <a:lvl6pPr marL="2286000" algn="l" defTabSz="914400" rtl="0" eaLnBrk="1" latinLnBrk="0" hangingPunct="1">
+              <a:defRPr sz="1800" kern="1200">
+                <a:solidFill>
+                  <a:schemeClr val="lt1"/>
+                </a:solidFill>
+                <a:latin typeface="+mn-lt"/>
+                <a:ea typeface="+mn-ea"/>
+                <a:cs typeface="+mn-cs"/>
+              </a:defRPr>
+            </a:lvl6pPr>
+            <a:lvl7pPr marL="2743200" algn="l" defTabSz="914400" rtl="0" eaLnBrk="1" latinLnBrk="0" hangingPunct="1">
+              <a:defRPr sz="1800" kern="1200">
+                <a:solidFill>
+                  <a:schemeClr val="lt1"/>
+                </a:solidFill>
+                <a:latin typeface="+mn-lt"/>
+                <a:ea typeface="+mn-ea"/>
+                <a:cs typeface="+mn-cs"/>
+              </a:defRPr>
+            </a:lvl7pPr>
+            <a:lvl8pPr marL="3200400" algn="l" defTabSz="914400" rtl="0" eaLnBrk="1" latinLnBrk="0" hangingPunct="1">
+              <a:defRPr sz="1800" kern="1200">
+                <a:solidFill>
+                  <a:schemeClr val="lt1"/>
+                </a:solidFill>
+                <a:latin typeface="+mn-lt"/>
+                <a:ea typeface="+mn-ea"/>
+                <a:cs typeface="+mn-cs"/>
+              </a:defRPr>
+            </a:lvl8pPr>
+            <a:lvl9pPr marL="3657600" algn="l" defTabSz="914400" rtl="0" eaLnBrk="1" latinLnBrk="0" hangingPunct="1">
+              <a:defRPr sz="1800" kern="1200">
+                <a:solidFill>
+                  <a:schemeClr val="lt1"/>
+                </a:solidFill>
+                <a:latin typeface="+mn-lt"/>
+                <a:ea typeface="+mn-ea"/>
+                <a:cs typeface="+mn-cs"/>
+              </a:defRPr>
+            </a:lvl9pPr>
+          </a:lstStyle>
+          <a:p>
+            <a:pPr algn="ctr"/>
+            <a:endParaRPr lang="en-US"/>
+          </a:p>
+        </p:txBody>
+      </p:sp>
+      <p:pic>
+        <p:nvPicPr>
+          <p:cNvPr id="4" name="Content Placeholder 3">
+            <a:extLst>
+              <a:ext uri="{FF2B5EF4-FFF2-40B4-BE49-F238E27FC236}">
+                <a16:creationId xmlns:a16="http://schemas.microsoft.com/office/drawing/2014/main" id="{447BF77A-107B-4FAE-AD78-4DD610A703BC}"/>
+              </a:ext>
+            </a:extLst>
+          </p:cNvPr>
+          <p:cNvPicPr>
+            <a:picLocks noGrp="1" noChangeAspect="1"/>
+          </p:cNvPicPr>
+          <p:nvPr>
+            <p:ph idx="1"/>
+          </p:nvPr>
+        </p:nvPicPr>
+        <p:blipFill rotWithShape="1">
+          <a:blip r:embed="rId2"/>
+          <a:srcRect b="19"/>
+          <a:stretch/>
+        </p:blipFill>
+        <p:spPr>
+          <a:xfrm>
+            <a:off x="20" y="1282"/>
+            <a:ext cx="12191980" cy="6856718"/>
+          </a:xfrm>
+          <a:prstGeom prst="rect">
+            <a:avLst/>
+          </a:prstGeom>
+        </p:spPr>
+      </p:pic>
+    </p:spTree>
+    <p:extLst>
+      <p:ext uri="{BB962C8B-B14F-4D97-AF65-F5344CB8AC3E}">
+        <p14:creationId xmlns:p14="http://schemas.microsoft.com/office/powerpoint/2010/main" val="4199140132"/>
+      </p:ext>
+    </p:extLst>
+  </p:cSld>
+  <p:clrMapOvr>
+    <a:masterClrMapping/>
+  </p:clrMapOvr>
+  <p:timing>
+    <p:tnLst>
+      <p:par>
+        <p:cTn id="1" dur="indefinite" restart="never" nodeType="tmRoot">
+          <p:childTnLst>
+            <p:seq concurrent="1" nextAc="seek">
+              <p:cTn id="2" dur="indefinite" nodeType="mainSeq">
+                <p:childTnLst>
+                  <p:par>
+                    <p:cTn id="3" fill="hold">
+                      <p:stCondLst>
+                        <p:cond delay="indefinite"/>
+                      </p:stCondLst>
+                      <p:childTnLst>
+                        <p:par>
+                          <p:cTn id="4" fill="hold">
+                            <p:stCondLst>
+                              <p:cond delay="0"/>
+                            </p:stCondLst>
+                            <p:childTnLst>
+                              <p:par>
+                                <p:cTn id="5" presetID="42" presetClass="entr" presetSubtype="0" fill="hold" nodeType="clickEffect">
+                                  <p:stCondLst>
+                                    <p:cond delay="0"/>
+                                  </p:stCondLst>
+                                  <p:childTnLst>
+                                    <p:set>
+                                      <p:cBhvr>
+                                        <p:cTn id="6" dur="1" fill="hold">
+                                          <p:stCondLst>
+                                            <p:cond delay="0"/>
+                                          </p:stCondLst>
+                                        </p:cTn>
+                                        <p:tgtEl>
+                                          <p:spTgt spid="4"/>
+                                        </p:tgtEl>
+                                        <p:attrNameLst>
+                                          <p:attrName>style.visibility</p:attrName>
+                                        </p:attrNameLst>
+                                      </p:cBhvr>
+                                      <p:to>
+                                        <p:strVal val="visible"/>
+                                      </p:to>
+                                    </p:set>
+                                    <p:animEffect transition="in" filter="fade">
+                                      <p:cBhvr>
+                                        <p:cTn id="7" dur="1000"/>
+                                        <p:tgtEl>
+                                          <p:spTgt spid="4"/>
+                                        </p:tgtEl>
+                                      </p:cBhvr>
+                                    </p:animEffect>
+                                    <p:anim calcmode="lin" valueType="num">
+                                      <p:cBhvr>
+                                        <p:cTn id="8" dur="1000" fill="hold"/>
+                                        <p:tgtEl>
+                                          <p:spTgt spid="4"/>
+                                        </p:tgtEl>
+                                        <p:attrNameLst>
+                                          <p:attrName>ppt_x</p:attrName>
+                                        </p:attrNameLst>
+                                      </p:cBhvr>
+                                      <p:tavLst>
+                                        <p:tav tm="0">
+                                          <p:val>
+                                            <p:strVal val="#ppt_x"/>
+                                          </p:val>
+                                        </p:tav>
+                                        <p:tav tm="100000">
+                                          <p:val>
+                                            <p:strVal val="#ppt_x"/>
+                                          </p:val>
+                                        </p:tav>
+                                      </p:tavLst>
+                                    </p:anim>
+                                    <p:anim calcmode="lin" valueType="num">
+                                      <p:cBhvr>
+                                        <p:cTn id="9" dur="1000" fill="hold"/>
+                                        <p:tgtEl>
+                                          <p:spTgt spid="4"/>
+                                        </p:tgtEl>
+                                        <p:attrNameLst>
+                                          <p:attrName>ppt_y</p:attrName>
+                                        </p:attrNameLst>
+                                      </p:cBhvr>
+                                      <p:tavLst>
+                                        <p:tav tm="0">
+                                          <p:val>
+                                            <p:strVal val="#ppt_y+.1"/>
+                                          </p:val>
+                                        </p:tav>
+                                        <p:tav tm="100000">
+                                          <p:val>
+                                            <p:strVal val="#ppt_y"/>
+                                          </p:val>
+                                        </p:tav>
+                                      </p:tavLst>
+                                    </p:anim>
+                                  </p:childTnLst>
+                                </p:cTn>
+                              </p:par>
+                            </p:childTnLst>
+                          </p:cTn>
+                        </p:par>
+                      </p:childTnLst>
+                    </p:cTn>
+                  </p:par>
+                </p:childTnLst>
+              </p:cTn>
+              <p:prevCondLst>
+                <p:cond evt="onPrev" delay="0">
+                  <p:tgtEl>
+                    <p:sldTgt/>
+                  </p:tgtEl>
+                </p:cond>
+              </p:prevCondLst>
+              <p:nextCondLst>
+                <p:cond evt="onNext" delay="0">
+                  <p:tgtEl>
+                    <p:sldTgt/>
+                  </p:tgtEl>
+                </p:cond>
+              </p:nextCondLst>
+            </p:seq>
+          </p:childTnLst>
+        </p:cTn>
+      </p:par>
+    </p:tnLst>
+  </p:timing>
+</p:sld>
+</file>
+
+<file path=ppt/slides/slide2.xml><?xml version="1.0" encoding="utf-8"?>
+<p:sld xmlns:a="http://schemas.openxmlformats.org/drawingml/2006/main" xmlns:r="http://schemas.openxmlformats.org/officeDocument/2006/relationships" xmlns:p="http://schemas.openxmlformats.org/presentationml/2006/main">
+  <p:cSld>
+    <p:bg>
+      <p:bgPr>
+        <a:solidFill>
+          <a:schemeClr val="bg1"/>
+        </a:solidFill>
+        <a:effectLst/>
+      </p:bgPr>
+    </p:bg>
+    <p:spTree>
+      <p:nvGrpSpPr>
+        <p:cNvPr id="1" name=""/>
+        <p:cNvGrpSpPr/>
+        <p:nvPr/>
+      </p:nvGrpSpPr>
+      <p:grpSpPr>
+        <a:xfrm>
+          <a:off x="0" y="0"/>
+          <a:ext cx="0" cy="0"/>
+          <a:chOff x="0" y="0"/>
+          <a:chExt cx="0" cy="0"/>
+        </a:xfrm>
+      </p:grpSpPr>
+      <p:sp>
+        <p:nvSpPr>
+          <p:cNvPr id="9" name="Rectangle 8">
+            <a:extLst>
+              <a:ext uri="{FF2B5EF4-FFF2-40B4-BE49-F238E27FC236}">
+                <a16:creationId xmlns:a16="http://schemas.microsoft.com/office/drawing/2014/main" id="{42A4FC2C-047E-45A5-965D-8E1E3BF09BC6}"/>
+              </a:ext>
+              <a:ext uri="{C183D7F6-B498-43B3-948B-1728B52AA6E4}">
+                <adec:decorative xmlns:adec="http://schemas.microsoft.com/office/drawing/2017/decorative" val="1"/>
+              </a:ext>
+            </a:extLst>
+          </p:cNvPr>
+          <p:cNvSpPr>
+            <a:spLocks noGrp="1" noRot="1" noChangeAspect="1" noMove="1" noResize="1" noEditPoints="1" noAdjustHandles="1" noChangeArrowheads="1" noChangeShapeType="1" noTextEdit="1"/>
+          </p:cNvSpPr>
+          <p:nvPr>
+            <p:extLst>
+              <p:ext uri="{386F3935-93C4-4BCD-93E2-E3B085C9AB24}">
+                <p16:designElem xmlns:p16="http://schemas.microsoft.com/office/powerpoint/2015/main" val="1"/>
+              </p:ext>
+            </p:extLst>
+          </p:nvPr>
+        </p:nvSpPr>
+        <p:spPr bwMode="white">
+          <a:xfrm>
+            <a:off x="1524" y="0"/>
+            <a:ext cx="12188952" cy="6858000"/>
+          </a:xfrm>
+          <a:prstGeom prst="rect">
+            <a:avLst/>
+          </a:prstGeom>
+          <a:noFill/>
+          <a:ln>
+            <a:noFill/>
+          </a:ln>
+        </p:spPr>
+        <p:style>
+          <a:lnRef idx="2">
+            <a:schemeClr val="accent1">
+              <a:shade val="50000"/>
+            </a:schemeClr>
+          </a:lnRef>
+          <a:fillRef idx="1">
+            <a:schemeClr val="accent1"/>
+          </a:fillRef>
+          <a:effectRef idx="0">
+            <a:schemeClr val="accent1"/>
+          </a:effectRef>
+          <a:fontRef idx="minor">
+            <a:schemeClr val="lt1"/>
+          </a:fontRef>
+        </p:style>
+        <p:txBody>
+          <a:bodyPr rtlCol="0" anchor="ctr"/>
+          <a:lstStyle>
+            <a:defPPr>
+              <a:defRPr lang="en-US"/>
+            </a:defPPr>
+            <a:lvl1pPr marL="0" algn="l" defTabSz="914400" rtl="0" eaLnBrk="1" latinLnBrk="0" hangingPunct="1">
+              <a:defRPr sz="1800" kern="1200">
+                <a:solidFill>
+                  <a:schemeClr val="lt1"/>
+                </a:solidFill>
+                <a:latin typeface="+mn-lt"/>
+                <a:ea typeface="+mn-ea"/>
+                <a:cs typeface="+mn-cs"/>
+              </a:defRPr>
+            </a:lvl1pPr>
+            <a:lvl2pPr marL="457200" algn="l" defTabSz="914400" rtl="0" eaLnBrk="1" latinLnBrk="0" hangingPunct="1">
+              <a:defRPr sz="1800" kern="1200">
+                <a:solidFill>
+                  <a:schemeClr val="lt1"/>
+                </a:solidFill>
+                <a:latin typeface="+mn-lt"/>
+                <a:ea typeface="+mn-ea"/>
+                <a:cs typeface="+mn-cs"/>
+              </a:defRPr>
+            </a:lvl2pPr>
+            <a:lvl3pPr marL="914400" algn="l" defTabSz="914400" rtl="0" eaLnBrk="1" latinLnBrk="0" hangingPunct="1">
+              <a:defRPr sz="1800" kern="1200">
+                <a:solidFill>
+                  <a:schemeClr val="lt1"/>
+                </a:solidFill>
+                <a:latin typeface="+mn-lt"/>
+                <a:ea typeface="+mn-ea"/>
+                <a:cs typeface="+mn-cs"/>
+              </a:defRPr>
+            </a:lvl3pPr>
+            <a:lvl4pPr marL="1371600" algn="l" defTabSz="914400" rtl="0" eaLnBrk="1" latinLnBrk="0" hangingPunct="1">
+              <a:defRPr sz="1800" kern="1200">
+                <a:solidFill>
+                  <a:schemeClr val="lt1"/>
+                </a:solidFill>
+                <a:latin typeface="+mn-lt"/>
+                <a:ea typeface="+mn-ea"/>
+                <a:cs typeface="+mn-cs"/>
+              </a:defRPr>
+            </a:lvl4pPr>
+            <a:lvl5pPr marL="1828800" algn="l" defTabSz="914400" rtl="0" eaLnBrk="1" latinLnBrk="0" hangingPunct="1">
+              <a:defRPr sz="1800" kern="1200">
+                <a:solidFill>
+                  <a:schemeClr val="lt1"/>
+                </a:solidFill>
+                <a:latin typeface="+mn-lt"/>
+                <a:ea typeface="+mn-ea"/>
+                <a:cs typeface="+mn-cs"/>
+              </a:defRPr>
+            </a:lvl5pPr>
+            <a:lvl6pPr marL="2286000" algn="l" defTabSz="914400" rtl="0" eaLnBrk="1" latinLnBrk="0" hangingPunct="1">
+              <a:defRPr sz="1800" kern="1200">
+                <a:solidFill>
+                  <a:schemeClr val="lt1"/>
+                </a:solidFill>
+                <a:latin typeface="+mn-lt"/>
+                <a:ea typeface="+mn-ea"/>
+                <a:cs typeface="+mn-cs"/>
+              </a:defRPr>
+            </a:lvl6pPr>
+            <a:lvl7pPr marL="2743200" algn="l" defTabSz="914400" rtl="0" eaLnBrk="1" latinLnBrk="0" hangingPunct="1">
+              <a:defRPr sz="1800" kern="1200">
+                <a:solidFill>
+                  <a:schemeClr val="lt1"/>
+                </a:solidFill>
+                <a:latin typeface="+mn-lt"/>
+                <a:ea typeface="+mn-ea"/>
+                <a:cs typeface="+mn-cs"/>
+              </a:defRPr>
+            </a:lvl7pPr>
+            <a:lvl8pPr marL="3200400" algn="l" defTabSz="914400" rtl="0" eaLnBrk="1" latinLnBrk="0" hangingPunct="1">
+              <a:defRPr sz="1800" kern="1200">
+                <a:solidFill>
+                  <a:schemeClr val="lt1"/>
+                </a:solidFill>
+                <a:latin typeface="+mn-lt"/>
+                <a:ea typeface="+mn-ea"/>
+                <a:cs typeface="+mn-cs"/>
+              </a:defRPr>
+            </a:lvl8pPr>
+            <a:lvl9pPr marL="3657600" algn="l" defTabSz="914400" rtl="0" eaLnBrk="1" latinLnBrk="0" hangingPunct="1">
+              <a:defRPr sz="1800" kern="1200">
+                <a:solidFill>
+                  <a:schemeClr val="lt1"/>
+                </a:solidFill>
+                <a:latin typeface="+mn-lt"/>
+                <a:ea typeface="+mn-ea"/>
+                <a:cs typeface="+mn-cs"/>
+              </a:defRPr>
+            </a:lvl9pPr>
+          </a:lstStyle>
+          <a:p>
+            <a:pPr algn="ctr"/>
+            <a:endParaRPr lang="en-US"/>
+          </a:p>
+        </p:txBody>
+      </p:sp>
+      <p:pic>
+        <p:nvPicPr>
+          <p:cNvPr id="4" name="Content Placeholder 3">
+            <a:extLst>
+              <a:ext uri="{FF2B5EF4-FFF2-40B4-BE49-F238E27FC236}">
+                <a16:creationId xmlns:a16="http://schemas.microsoft.com/office/drawing/2014/main" id="{2874BF43-80D7-4A28-BDC5-A67CD3F3DDB9}"/>
+              </a:ext>
+            </a:extLst>
+          </p:cNvPr>
+          <p:cNvPicPr>
+            <a:picLocks noGrp="1" noChangeAspect="1"/>
+          </p:cNvPicPr>
+          <p:nvPr>
+            <p:ph idx="1"/>
+          </p:nvPr>
+        </p:nvPicPr>
+        <p:blipFill rotWithShape="1">
+          <a:blip r:embed="rId2"/>
+          <a:srcRect b="19"/>
+          <a:stretch/>
+        </p:blipFill>
+        <p:spPr>
+          <a:xfrm>
+            <a:off x="20" y="1282"/>
+            <a:ext cx="12191980" cy="6856718"/>
+          </a:xfrm>
+          <a:prstGeom prst="rect">
+            <a:avLst/>
+          </a:prstGeom>
+        </p:spPr>
+      </p:pic>
+    </p:spTree>
+    <p:extLst>
+      <p:ext uri="{BB962C8B-B14F-4D97-AF65-F5344CB8AC3E}">
+        <p14:creationId xmlns:p14="http://schemas.microsoft.com/office/powerpoint/2010/main" val="1998796787"/>
+      </p:ext>
+    </p:extLst>
+  </p:cSld>
+  <p:clrMapOvr>
+    <a:masterClrMapping/>
+  </p:clrMapOvr>
+  <p:timing>
+    <p:tnLst>
+      <p:par>
+        <p:cTn id="1" dur="indefinite" restart="never" nodeType="tmRoot">
+          <p:childTnLst>
+            <p:seq concurrent="1" nextAc="seek">
+              <p:cTn id="2" dur="indefinite" nodeType="mainSeq">
+                <p:childTnLst>
+                  <p:par>
+                    <p:cTn id="3" fill="hold">
+                      <p:stCondLst>
+                        <p:cond delay="indefinite"/>
+                      </p:stCondLst>
+                      <p:childTnLst>
+                        <p:par>
+                          <p:cTn id="4" fill="hold">
+                            <p:stCondLst>
+                              <p:cond delay="0"/>
+                            </p:stCondLst>
+                            <p:childTnLst>
+                              <p:par>
+                                <p:cTn id="5" presetID="2" presetClass="entr" presetSubtype="4" fill="hold" nodeType="clickEffect">
+                                  <p:stCondLst>
+                                    <p:cond delay="0"/>
+                                  </p:stCondLst>
+                                  <p:childTnLst>
+                                    <p:set>
+                                      <p:cBhvr>
+                                        <p:cTn id="6" dur="1" fill="hold">
+                                          <p:stCondLst>
+                                            <p:cond delay="0"/>
+                                          </p:stCondLst>
+                                        </p:cTn>
+                                        <p:tgtEl>
+                                          <p:spTgt spid="4"/>
+                                        </p:tgtEl>
+                                        <p:attrNameLst>
+                                          <p:attrName>style.visibility</p:attrName>
+                                        </p:attrNameLst>
+                                      </p:cBhvr>
+                                      <p:to>
+                                        <p:strVal val="visible"/>
+                                      </p:to>
+                                    </p:set>
+                                    <p:anim calcmode="lin" valueType="num">
+                                      <p:cBhvr additive="base">
+                                        <p:cTn id="7" dur="500" fill="hold"/>
+                                        <p:tgtEl>
+                                          <p:spTgt spid="4"/>
+                                        </p:tgtEl>
+                                        <p:attrNameLst>
+                                          <p:attrName>ppt_x</p:attrName>
+                                        </p:attrNameLst>
+                                      </p:cBhvr>
+                                      <p:tavLst>
+                                        <p:tav tm="0">
+                                          <p:val>
+                                            <p:strVal val="#ppt_x"/>
+                                          </p:val>
+                                        </p:tav>
+                                        <p:tav tm="100000">
+                                          <p:val>
+                                            <p:strVal val="#ppt_x"/>
+                                          </p:val>
+                                        </p:tav>
+                                      </p:tavLst>
+                                    </p:anim>
+                                    <p:anim calcmode="lin" valueType="num">
+                                      <p:cBhvr additive="base">
+                                        <p:cTn id="8" dur="500" fill="hold"/>
+                                        <p:tgtEl>
+                                          <p:spTgt spid="4"/>
+                                        </p:tgtEl>
+                                        <p:attrNameLst>
+                                          <p:attrName>ppt_y</p:attrName>
+                                        </p:attrNameLst>
+                                      </p:cBhvr>
+                                      <p:tavLst>
+                                        <p:tav tm="0">
+                                          <p:val>
+                                            <p:strVal val="1+#ppt_h/2"/>
+                                          </p:val>
+                                        </p:tav>
+                                        <p:tav tm="100000">
+                                          <p:val>
+                                            <p:strVal val="#ppt_y"/>
+                                          </p:val>
+                                        </p:tav>
+                                      </p:tavLst>
+                                    </p:anim>
+                                  </p:childTnLst>
+                                </p:cTn>
+                              </p:par>
+                            </p:childTnLst>
+                          </p:cTn>
+                        </p:par>
+                      </p:childTnLst>
+                    </p:cTn>
+                  </p:par>
+                </p:childTnLst>
+              </p:cTn>
+              <p:prevCondLst>
+                <p:cond evt="onPrev" delay="0">
+                  <p:tgtEl>
+                    <p:sldTgt/>
+                  </p:tgtEl>
+                </p:cond>
+              </p:prevCondLst>
+              <p:nextCondLst>
+                <p:cond evt="onNext" delay="0">
+                  <p:tgtEl>
+                    <p:sldTgt/>
+                  </p:tgtEl>
+                </p:cond>
+              </p:nextCondLst>
+            </p:seq>
+          </p:childTnLst>
+        </p:cTn>
+      </p:par>
+    </p:tnLst>
+  </p:timing>
+</p:sld>
+</file>
+
+<file path=ppt/slides/slide3.xml><?xml version="1.0" encoding="utf-8"?>
+<p:sld xmlns:a="http://schemas.openxmlformats.org/drawingml/2006/main" xmlns:r="http://schemas.openxmlformats.org/officeDocument/2006/relationships" xmlns:p="http://schemas.openxmlformats.org/presentationml/2006/main">
+  <p:cSld>
+    <p:bg>
+      <p:bgPr>
+        <a:solidFill>
+          <a:schemeClr val="bg1"/>
+        </a:solidFill>
+        <a:effectLst/>
+      </p:bgPr>
+    </p:bg>
+    <p:spTree>
+      <p:nvGrpSpPr>
+        <p:cNvPr id="1" name=""/>
+        <p:cNvGrpSpPr/>
+        <p:nvPr/>
+      </p:nvGrpSpPr>
+      <p:grpSpPr>
+        <a:xfrm>
+          <a:off x="0" y="0"/>
+          <a:ext cx="0" cy="0"/>
+          <a:chOff x="0" y="0"/>
+          <a:chExt cx="0" cy="0"/>
+        </a:xfrm>
+      </p:grpSpPr>
+      <p:sp>
+        <p:nvSpPr>
+          <p:cNvPr id="9" name="Rectangle 8">
+            <a:extLst>
+              <a:ext uri="{FF2B5EF4-FFF2-40B4-BE49-F238E27FC236}">
+                <a16:creationId xmlns:a16="http://schemas.microsoft.com/office/drawing/2014/main" id="{42A4FC2C-047E-45A5-965D-8E1E3BF09BC6}"/>
+              </a:ext>
+              <a:ext uri="{C183D7F6-B498-43B3-948B-1728B52AA6E4}">
+                <adec:decorative xmlns:adec="http://schemas.microsoft.com/office/drawing/2017/decorative" val="1"/>
+              </a:ext>
+            </a:extLst>
+          </p:cNvPr>
+          <p:cNvSpPr>
+            <a:spLocks noGrp="1" noRot="1" noChangeAspect="1" noMove="1" noResize="1" noEditPoints="1" noAdjustHandles="1" noChangeArrowheads="1" noChangeShapeType="1" noTextEdit="1"/>
+          </p:cNvSpPr>
+          <p:nvPr>
+            <p:extLst>
+              <p:ext uri="{386F3935-93C4-4BCD-93E2-E3B085C9AB24}">
+                <p16:designElem xmlns:p16="http://schemas.microsoft.com/office/powerpoint/2015/main" val="1"/>
+              </p:ext>
+            </p:extLst>
+          </p:nvPr>
+        </p:nvSpPr>
+        <p:spPr bwMode="white">
+          <a:xfrm>
+            <a:off x="1524" y="0"/>
+            <a:ext cx="12188952" cy="6858000"/>
+          </a:xfrm>
+          <a:prstGeom prst="rect">
+            <a:avLst/>
+          </a:prstGeom>
+          <a:noFill/>
+          <a:ln>
+            <a:noFill/>
+          </a:ln>
+        </p:spPr>
+        <p:style>
+          <a:lnRef idx="2">
+            <a:schemeClr val="accent1">
+              <a:shade val="50000"/>
+            </a:schemeClr>
+          </a:lnRef>
+          <a:fillRef idx="1">
+            <a:schemeClr val="accent1"/>
+          </a:fillRef>
+          <a:effectRef idx="0">
+            <a:schemeClr val="accent1"/>
+          </a:effectRef>
+          <a:fontRef idx="minor">
+            <a:schemeClr val="lt1"/>
+          </a:fontRef>
+        </p:style>
+        <p:txBody>
+          <a:bodyPr rtlCol="0" anchor="ctr"/>
+          <a:lstStyle>
+            <a:defPPr>
+              <a:defRPr lang="en-US"/>
+            </a:defPPr>
+            <a:lvl1pPr marL="0" algn="l" defTabSz="914400" rtl="0" eaLnBrk="1" latinLnBrk="0" hangingPunct="1">
+              <a:defRPr sz="1800" kern="1200">
+                <a:solidFill>
+                  <a:schemeClr val="lt1"/>
+                </a:solidFill>
+                <a:latin typeface="+mn-lt"/>
+                <a:ea typeface="+mn-ea"/>
+                <a:cs typeface="+mn-cs"/>
+              </a:defRPr>
+            </a:lvl1pPr>
+            <a:lvl2pPr marL="457200" algn="l" defTabSz="914400" rtl="0" eaLnBrk="1" latinLnBrk="0" hangingPunct="1">
+              <a:defRPr sz="1800" kern="1200">
+                <a:solidFill>
+                  <a:schemeClr val="lt1"/>
+                </a:solidFill>
+                <a:latin typeface="+mn-lt"/>
+                <a:ea typeface="+mn-ea"/>
+                <a:cs typeface="+mn-cs"/>
+              </a:defRPr>
+            </a:lvl2pPr>
+            <a:lvl3pPr marL="914400" algn="l" defTabSz="914400" rtl="0" eaLnBrk="1" latinLnBrk="0" hangingPunct="1">
+              <a:defRPr sz="1800" kern="1200">
+                <a:solidFill>
+                  <a:schemeClr val="lt1"/>
+                </a:solidFill>
+                <a:latin typeface="+mn-lt"/>
+                <a:ea typeface="+mn-ea"/>
+                <a:cs typeface="+mn-cs"/>
+              </a:defRPr>
+            </a:lvl3pPr>
+            <a:lvl4pPr marL="1371600" algn="l" defTabSz="914400" rtl="0" eaLnBrk="1" latinLnBrk="0" hangingPunct="1">
+              <a:defRPr sz="1800" kern="1200">
+                <a:solidFill>
+                  <a:schemeClr val="lt1"/>
+                </a:solidFill>
+                <a:latin typeface="+mn-lt"/>
+                <a:ea typeface="+mn-ea"/>
+                <a:cs typeface="+mn-cs"/>
+              </a:defRPr>
+            </a:lvl4pPr>
+            <a:lvl5pPr marL="1828800" algn="l" defTabSz="914400" rtl="0" eaLnBrk="1" latinLnBrk="0" hangingPunct="1">
+              <a:defRPr sz="1800" kern="1200">
+                <a:solidFill>
+                  <a:schemeClr val="lt1"/>
+                </a:solidFill>
+                <a:latin typeface="+mn-lt"/>
+                <a:ea typeface="+mn-ea"/>
+                <a:cs typeface="+mn-cs"/>
+              </a:defRPr>
+            </a:lvl5pPr>
+            <a:lvl6pPr marL="2286000" algn="l" defTabSz="914400" rtl="0" eaLnBrk="1" latinLnBrk="0" hangingPunct="1">
+              <a:defRPr sz="1800" kern="1200">
+                <a:solidFill>
+                  <a:schemeClr val="lt1"/>
+                </a:solidFill>
+                <a:latin typeface="+mn-lt"/>
+                <a:ea typeface="+mn-ea"/>
+                <a:cs typeface="+mn-cs"/>
+              </a:defRPr>
+            </a:lvl6pPr>
+            <a:lvl7pPr marL="2743200" algn="l" defTabSz="914400" rtl="0" eaLnBrk="1" latinLnBrk="0" hangingPunct="1">
+              <a:defRPr sz="1800" kern="1200">
+                <a:solidFill>
+                  <a:schemeClr val="lt1"/>
+                </a:solidFill>
+                <a:latin typeface="+mn-lt"/>
+                <a:ea typeface="+mn-ea"/>
+                <a:cs typeface="+mn-cs"/>
+              </a:defRPr>
+            </a:lvl7pPr>
+            <a:lvl8pPr marL="3200400" algn="l" defTabSz="914400" rtl="0" eaLnBrk="1" latinLnBrk="0" hangingPunct="1">
+              <a:defRPr sz="1800" kern="1200">
+                <a:solidFill>
+                  <a:schemeClr val="lt1"/>
+                </a:solidFill>
+                <a:latin typeface="+mn-lt"/>
+                <a:ea typeface="+mn-ea"/>
+                <a:cs typeface="+mn-cs"/>
+              </a:defRPr>
+            </a:lvl8pPr>
+            <a:lvl9pPr marL="3657600" algn="l" defTabSz="914400" rtl="0" eaLnBrk="1" latinLnBrk="0" hangingPunct="1">
+              <a:defRPr sz="1800" kern="1200">
+                <a:solidFill>
+                  <a:schemeClr val="lt1"/>
+                </a:solidFill>
+                <a:latin typeface="+mn-lt"/>
+                <a:ea typeface="+mn-ea"/>
+                <a:cs typeface="+mn-cs"/>
+              </a:defRPr>
+            </a:lvl9pPr>
+          </a:lstStyle>
+          <a:p>
+            <a:pPr algn="ctr"/>
+            <a:endParaRPr lang="en-US"/>
+          </a:p>
+        </p:txBody>
+      </p:sp>
+      <p:pic>
+        <p:nvPicPr>
+          <p:cNvPr id="4" name="Content Placeholder 3">
+            <a:extLst>
+              <a:ext uri="{FF2B5EF4-FFF2-40B4-BE49-F238E27FC236}">
+                <a16:creationId xmlns:a16="http://schemas.microsoft.com/office/drawing/2014/main" id="{8DD5C40E-4F10-4036-8B78-E389EEA1A440}"/>
+              </a:ext>
+            </a:extLst>
+          </p:cNvPr>
+          <p:cNvPicPr>
+            <a:picLocks noGrp="1" noChangeAspect="1"/>
+          </p:cNvPicPr>
+          <p:nvPr>
+            <p:ph idx="1"/>
+          </p:nvPr>
+        </p:nvPicPr>
+        <p:blipFill rotWithShape="1">
+          <a:blip r:embed="rId2"/>
+          <a:srcRect b="19"/>
+          <a:stretch/>
+        </p:blipFill>
+        <p:spPr>
+          <a:xfrm>
+            <a:off x="20" y="1282"/>
+            <a:ext cx="12191980" cy="6856718"/>
+          </a:xfrm>
+          <a:prstGeom prst="rect">
+            <a:avLst/>
+          </a:prstGeom>
+        </p:spPr>
+      </p:pic>
+    </p:spTree>
+    <p:extLst>
+      <p:ext uri="{BB962C8B-B14F-4D97-AF65-F5344CB8AC3E}">
+        <p14:creationId xmlns:p14="http://schemas.microsoft.com/office/powerpoint/2010/main" val="4168800938"/>
+      </p:ext>
+    </p:extLst>
+  </p:cSld>
+  <p:clrMapOvr>
+    <a:masterClrMapping/>
+  </p:clrMapOvr>
+  <p:timing>
+    <p:tnLst>
+      <p:par>
+        <p:cTn id="1" dur="indefinite" restart="never" nodeType="tmRoot">
+          <p:childTnLst>
+            <p:seq concurrent="1" nextAc="seek">
+              <p:cTn id="2" dur="indefinite" nodeType="mainSeq">
+                <p:childTnLst>
+                  <p:par>
+                    <p:cTn id="3" fill="hold">
+                      <p:stCondLst>
+                        <p:cond delay="indefinite"/>
+                      </p:stCondLst>
+                      <p:childTnLst>
+                        <p:par>
+                          <p:cTn id="4" fill="hold">
+                            <p:stCondLst>
+                              <p:cond delay="0"/>
+                            </p:stCondLst>
+                            <p:childTnLst>
+                              <p:par>
+                                <p:cTn id="5" presetID="2" presetClass="entr" presetSubtype="4" fill="hold" nodeType="clickEffect">
+                                  <p:stCondLst>
+                                    <p:cond delay="0"/>
+                                  </p:stCondLst>
+                                  <p:childTnLst>
+                                    <p:set>
+                                      <p:cBhvr>
+                                        <p:cTn id="6" dur="1" fill="hold">
+                                          <p:stCondLst>
+                                            <p:cond delay="0"/>
+                                          </p:stCondLst>
+                                        </p:cTn>
+                                        <p:tgtEl>
+                                          <p:spTgt spid="4"/>
+                                        </p:tgtEl>
+                                        <p:attrNameLst>
+                                          <p:attrName>style.visibility</p:attrName>
+                                        </p:attrNameLst>
+                                      </p:cBhvr>
+                                      <p:to>
+                                        <p:strVal val="visible"/>
+                                      </p:to>
+                                    </p:set>
+                                    <p:anim calcmode="lin" valueType="num">
+                                      <p:cBhvr additive="base">
+                                        <p:cTn id="7" dur="500" fill="hold"/>
+                                        <p:tgtEl>
+                                          <p:spTgt spid="4"/>
+                                        </p:tgtEl>
+                                        <p:attrNameLst>
+                                          <p:attrName>ppt_x</p:attrName>
+                                        </p:attrNameLst>
+                                      </p:cBhvr>
+                                      <p:tavLst>
+                                        <p:tav tm="0">
+                                          <p:val>
+                                            <p:strVal val="#ppt_x"/>
+                                          </p:val>
+                                        </p:tav>
+                                        <p:tav tm="100000">
+                                          <p:val>
+                                            <p:strVal val="#ppt_x"/>
+                                          </p:val>
+                                        </p:tav>
+                                      </p:tavLst>
+                                    </p:anim>
+                                    <p:anim calcmode="lin" valueType="num">
+                                      <p:cBhvr additive="base">
+                                        <p:cTn id="8" dur="500" fill="hold"/>
+                                        <p:tgtEl>
+                                          <p:spTgt spid="4"/>
+                                        </p:tgtEl>
+                                        <p:attrNameLst>
+                                          <p:attrName>ppt_y</p:attrName>
+                                        </p:attrNameLst>
+                                      </p:cBhvr>
+                                      <p:tavLst>
+                                        <p:tav tm="0">
+                                          <p:val>
+                                            <p:strVal val="1+#ppt_h/2"/>
+                                          </p:val>
+                                        </p:tav>
+                                        <p:tav tm="100000">
+                                          <p:val>
+                                            <p:strVal val="#ppt_y"/>
+                                          </p:val>
+                                        </p:tav>
+                                      </p:tavLst>
+                                    </p:anim>
+                                  </p:childTnLst>
+                                </p:cTn>
+                              </p:par>
+                            </p:childTnLst>
+                          </p:cTn>
+                        </p:par>
+                      </p:childTnLst>
+                    </p:cTn>
+                  </p:par>
+                </p:childTnLst>
+              </p:cTn>
+              <p:prevCondLst>
+                <p:cond evt="onPrev" delay="0">
+                  <p:tgtEl>
+                    <p:sldTgt/>
+                  </p:tgtEl>
+                </p:cond>
+              </p:prevCondLst>
+              <p:nextCondLst>
+                <p:cond evt="onNext" delay="0">
+                  <p:tgtEl>
+                    <p:sldTgt/>
+                  </p:tgtEl>
+                </p:cond>
+              </p:nextCondLst>
+            </p:seq>
+          </p:childTnLst>
+        </p:cTn>
+      </p:par>
+    </p:tnLst>
+  </p:timing>
+</p:sld>
+</file>
+
+<file path=ppt/slides/slide4.xml><?xml version="1.0" encoding="utf-8"?>
+<p:sld xmlns:a="http://schemas.openxmlformats.org/drawingml/2006/main" xmlns:r="http://schemas.openxmlformats.org/officeDocument/2006/relationships" xmlns:p="http://schemas.openxmlformats.org/presentationml/2006/main">
+  <p:cSld>
+    <p:bg>
+      <p:bgPr>
+        <a:solidFill>
+          <a:schemeClr val="bg1"/>
+        </a:solidFill>
+        <a:effectLst/>
+      </p:bgPr>
+    </p:bg>
+    <p:spTree>
+      <p:nvGrpSpPr>
+        <p:cNvPr id="1" name=""/>
+        <p:cNvGrpSpPr/>
+        <p:nvPr/>
+      </p:nvGrpSpPr>
+      <p:grpSpPr>
+        <a:xfrm>
+          <a:off x="0" y="0"/>
+          <a:ext cx="0" cy="0"/>
+          <a:chOff x="0" y="0"/>
+          <a:chExt cx="0" cy="0"/>
+        </a:xfrm>
+      </p:grpSpPr>
+      <p:sp>
+        <p:nvSpPr>
+          <p:cNvPr id="9" name="Rectangle 8">
+            <a:extLst>
+              <a:ext uri="{FF2B5EF4-FFF2-40B4-BE49-F238E27FC236}">
+                <a16:creationId xmlns:a16="http://schemas.microsoft.com/office/drawing/2014/main" id="{42A4FC2C-047E-45A5-965D-8E1E3BF09BC6}"/>
+              </a:ext>
+              <a:ext uri="{C183D7F6-B498-43B3-948B-1728B52AA6E4}">
+                <adec:decorative xmlns:adec="http://schemas.microsoft.com/office/drawing/2017/decorative" val="1"/>
+              </a:ext>
+            </a:extLst>
+          </p:cNvPr>
+          <p:cNvSpPr>
+            <a:spLocks noGrp="1" noRot="1" noChangeAspect="1" noMove="1" noResize="1" noEditPoints="1" noAdjustHandles="1" noChangeArrowheads="1" noChangeShapeType="1" noTextEdit="1"/>
+          </p:cNvSpPr>
+          <p:nvPr>
+            <p:extLst>
+              <p:ext uri="{386F3935-93C4-4BCD-93E2-E3B085C9AB24}">
+                <p16:designElem xmlns:p16="http://schemas.microsoft.com/office/powerpoint/2015/main" val="1"/>
+              </p:ext>
+            </p:extLst>
+          </p:nvPr>
+        </p:nvSpPr>
+        <p:spPr bwMode="white">
+          <a:xfrm>
+            <a:off x="1524" y="0"/>
+            <a:ext cx="12188952" cy="6858000"/>
+          </a:xfrm>
+          <a:prstGeom prst="rect">
+            <a:avLst/>
+          </a:prstGeom>
+          <a:noFill/>
+          <a:ln>
+            <a:noFill/>
+          </a:ln>
+        </p:spPr>
+        <p:style>
+          <a:lnRef idx="2">
+            <a:schemeClr val="accent1">
+              <a:shade val="50000"/>
+            </a:schemeClr>
+          </a:lnRef>
+          <a:fillRef idx="1">
+            <a:schemeClr val="accent1"/>
+          </a:fillRef>
+          <a:effectRef idx="0">
+            <a:schemeClr val="accent1"/>
+          </a:effectRef>
+          <a:fontRef idx="minor">
+            <a:schemeClr val="lt1"/>
+          </a:fontRef>
+        </p:style>
+        <p:txBody>
+          <a:bodyPr rtlCol="0" anchor="ctr"/>
+          <a:lstStyle>
+            <a:defPPr>
+              <a:defRPr lang="en-US"/>
+            </a:defPPr>
+            <a:lvl1pPr marL="0" algn="l" defTabSz="914400" rtl="0" eaLnBrk="1" latinLnBrk="0" hangingPunct="1">
+              <a:defRPr sz="1800" kern="1200">
+                <a:solidFill>
+                  <a:schemeClr val="lt1"/>
+                </a:solidFill>
+                <a:latin typeface="+mn-lt"/>
+                <a:ea typeface="+mn-ea"/>
+                <a:cs typeface="+mn-cs"/>
+              </a:defRPr>
+            </a:lvl1pPr>
+            <a:lvl2pPr marL="457200" algn="l" defTabSz="914400" rtl="0" eaLnBrk="1" latinLnBrk="0" hangingPunct="1">
+              <a:defRPr sz="1800" kern="1200">
+                <a:solidFill>
+                  <a:schemeClr val="lt1"/>
+                </a:solidFill>
+                <a:latin typeface="+mn-lt"/>
+                <a:ea typeface="+mn-ea"/>
+                <a:cs typeface="+mn-cs"/>
+              </a:defRPr>
+            </a:lvl2pPr>
+            <a:lvl3pPr marL="914400" algn="l" defTabSz="914400" rtl="0" eaLnBrk="1" latinLnBrk="0" hangingPunct="1">
+              <a:defRPr sz="1800" kern="1200">
+                <a:solidFill>
+                  <a:schemeClr val="lt1"/>
+                </a:solidFill>
+                <a:latin typeface="+mn-lt"/>
+                <a:ea typeface="+mn-ea"/>
+                <a:cs typeface="+mn-cs"/>
+              </a:defRPr>
+            </a:lvl3pPr>
+            <a:lvl4pPr marL="1371600" algn="l" defTabSz="914400" rtl="0" eaLnBrk="1" latinLnBrk="0" hangingPunct="1">
+              <a:defRPr sz="1800" kern="1200">
+                <a:solidFill>
+                  <a:schemeClr val="lt1"/>
+                </a:solidFill>
+                <a:latin typeface="+mn-lt"/>
+                <a:ea typeface="+mn-ea"/>
+                <a:cs typeface="+mn-cs"/>
+              </a:defRPr>
+            </a:lvl4pPr>
+            <a:lvl5pPr marL="1828800" algn="l" defTabSz="914400" rtl="0" eaLnBrk="1" latinLnBrk="0" hangingPunct="1">
+              <a:defRPr sz="1800" kern="1200">
+                <a:solidFill>
+                  <a:schemeClr val="lt1"/>
+                </a:solidFill>
+                <a:latin typeface="+mn-lt"/>
+                <a:ea typeface="+mn-ea"/>
+                <a:cs typeface="+mn-cs"/>
+              </a:defRPr>
+            </a:lvl5pPr>
+            <a:lvl6pPr marL="2286000" algn="l" defTabSz="914400" rtl="0" eaLnBrk="1" latinLnBrk="0" hangingPunct="1">
+              <a:defRPr sz="1800" kern="1200">
+                <a:solidFill>
+                  <a:schemeClr val="lt1"/>
+                </a:solidFill>
+                <a:latin typeface="+mn-lt"/>
+                <a:ea typeface="+mn-ea"/>
+                <a:cs typeface="+mn-cs"/>
+              </a:defRPr>
+            </a:lvl6pPr>
+            <a:lvl7pPr marL="2743200" algn="l" defTabSz="914400" rtl="0" eaLnBrk="1" latinLnBrk="0" hangingPunct="1">
+              <a:defRPr sz="1800" kern="1200">
+                <a:solidFill>
+                  <a:schemeClr val="lt1"/>
+                </a:solidFill>
+                <a:latin typeface="+mn-lt"/>
+                <a:ea typeface="+mn-ea"/>
+                <a:cs typeface="+mn-cs"/>
+              </a:defRPr>
+            </a:lvl7pPr>
+            <a:lvl8pPr marL="3200400" algn="l" defTabSz="914400" rtl="0" eaLnBrk="1" latinLnBrk="0" hangingPunct="1">
+              <a:defRPr sz="1800" kern="1200">
+                <a:solidFill>
+                  <a:schemeClr val="lt1"/>
+                </a:solidFill>
+                <a:latin typeface="+mn-lt"/>
+                <a:ea typeface="+mn-ea"/>
+                <a:cs typeface="+mn-cs"/>
+              </a:defRPr>
+            </a:lvl8pPr>
+            <a:lvl9pPr marL="3657600" algn="l" defTabSz="914400" rtl="0" eaLnBrk="1" latinLnBrk="0" hangingPunct="1">
+              <a:defRPr sz="1800" kern="1200">
+                <a:solidFill>
+                  <a:schemeClr val="lt1"/>
+                </a:solidFill>
+                <a:latin typeface="+mn-lt"/>
+                <a:ea typeface="+mn-ea"/>
+                <a:cs typeface="+mn-cs"/>
+              </a:defRPr>
+            </a:lvl9pPr>
+          </a:lstStyle>
+          <a:p>
+            <a:pPr algn="ctr"/>
+            <a:endParaRPr lang="en-US"/>
+          </a:p>
+        </p:txBody>
+      </p:sp>
+      <p:pic>
+        <p:nvPicPr>
+          <p:cNvPr id="4" name="Content Placeholder 3">
+            <a:extLst>
+              <a:ext uri="{FF2B5EF4-FFF2-40B4-BE49-F238E27FC236}">
+                <a16:creationId xmlns:a16="http://schemas.microsoft.com/office/drawing/2014/main" id="{79A32BF3-2599-4034-9A06-E8869BD55078}"/>
+              </a:ext>
+            </a:extLst>
+          </p:cNvPr>
+          <p:cNvPicPr>
+            <a:picLocks noGrp="1" noChangeAspect="1"/>
+          </p:cNvPicPr>
+          <p:nvPr>
+            <p:ph idx="1"/>
+          </p:nvPr>
+        </p:nvPicPr>
+        <p:blipFill rotWithShape="1">
+          <a:blip r:embed="rId2"/>
+          <a:srcRect b="19"/>
+          <a:stretch/>
+        </p:blipFill>
+        <p:spPr>
+          <a:xfrm>
+            <a:off x="20" y="1282"/>
+            <a:ext cx="12191980" cy="6856718"/>
+          </a:xfrm>
+          <a:prstGeom prst="rect">
+            <a:avLst/>
+          </a:prstGeom>
+        </p:spPr>
+      </p:pic>
+    </p:spTree>
+    <p:extLst>
+      <p:ext uri="{BB962C8B-B14F-4D97-AF65-F5344CB8AC3E}">
+        <p14:creationId xmlns:p14="http://schemas.microsoft.com/office/powerpoint/2010/main" val="4136052598"/>
+      </p:ext>
+    </p:extLst>
+  </p:cSld>
+  <p:clrMapOvr>
+    <a:masterClrMapping/>
+  </p:clrMapOvr>
+  <p:timing>
+    <p:tnLst>
+      <p:par>
+        <p:cTn id="1" dur="indefinite" restart="never" nodeType="tmRoot">
+          <p:childTnLst>
+            <p:seq concurrent="1" nextAc="seek">
+              <p:cTn id="2" dur="indefinite" nodeType="mainSeq">
+                <p:childTnLst>
+                  <p:par>
+                    <p:cTn id="3" fill="hold">
+                      <p:stCondLst>
+                        <p:cond delay="indefinite"/>
+                      </p:stCondLst>
+                      <p:childTnLst>
+                        <p:par>
+                          <p:cTn id="4" fill="hold">
+                            <p:stCondLst>
+                              <p:cond delay="0"/>
+                            </p:stCondLst>
+                            <p:childTnLst>
+                              <p:par>
+                                <p:cTn id="5" presetID="42" presetClass="entr" presetSubtype="0" fill="hold" nodeType="clickEffect">
+                                  <p:stCondLst>
+                                    <p:cond delay="0"/>
+                                  </p:stCondLst>
+                                  <p:childTnLst>
+                                    <p:set>
+                                      <p:cBhvr>
+                                        <p:cTn id="6" dur="1" fill="hold">
+                                          <p:stCondLst>
+                                            <p:cond delay="0"/>
+                                          </p:stCondLst>
+                                        </p:cTn>
+                                        <p:tgtEl>
+                                          <p:spTgt spid="4"/>
+                                        </p:tgtEl>
+                                        <p:attrNameLst>
+                                          <p:attrName>style.visibility</p:attrName>
+                                        </p:attrNameLst>
+                                      </p:cBhvr>
+                                      <p:to>
+                                        <p:strVal val="visible"/>
+                                      </p:to>
+                                    </p:set>
+                                    <p:animEffect transition="in" filter="fade">
+                                      <p:cBhvr>
+                                        <p:cTn id="7" dur="1000"/>
+                                        <p:tgtEl>
+                                          <p:spTgt spid="4"/>
+                                        </p:tgtEl>
+                                      </p:cBhvr>
+                                    </p:animEffect>
+                                    <p:anim calcmode="lin" valueType="num">
+                                      <p:cBhvr>
+                                        <p:cTn id="8" dur="1000" fill="hold"/>
+                                        <p:tgtEl>
+                                          <p:spTgt spid="4"/>
+                                        </p:tgtEl>
+                                        <p:attrNameLst>
+                                          <p:attrName>ppt_x</p:attrName>
+                                        </p:attrNameLst>
+                                      </p:cBhvr>
+                                      <p:tavLst>
+                                        <p:tav tm="0">
+                                          <p:val>
+                                            <p:strVal val="#ppt_x"/>
+                                          </p:val>
+                                        </p:tav>
+                                        <p:tav tm="100000">
+                                          <p:val>
+                                            <p:strVal val="#ppt_x"/>
+                                          </p:val>
+                                        </p:tav>
+                                      </p:tavLst>
+                                    </p:anim>
+                                    <p:anim calcmode="lin" valueType="num">
+                                      <p:cBhvr>
+                                        <p:cTn id="9" dur="1000" fill="hold"/>
+                                        <p:tgtEl>
+                                          <p:spTgt spid="4"/>
+                                        </p:tgtEl>
+                                        <p:attrNameLst>
+                                          <p:attrName>ppt_y</p:attrName>
+                                        </p:attrNameLst>
+                                      </p:cBhvr>
+                                      <p:tavLst>
+                                        <p:tav tm="0">
+                                          <p:val>
+                                            <p:strVal val="#ppt_y+.1"/>
+                                          </p:val>
+                                        </p:tav>
+                                        <p:tav tm="100000">
+                                          <p:val>
+                                            <p:strVal val="#ppt_y"/>
+                                          </p:val>
+                                        </p:tav>
+                                      </p:tavLst>
+                                    </p:anim>
+                                  </p:childTnLst>
+                                </p:cTn>
+                              </p:par>
+                            </p:childTnLst>
+                          </p:cTn>
+                        </p:par>
+                      </p:childTnLst>
+                    </p:cTn>
+                  </p:par>
+                </p:childTnLst>
+              </p:cTn>
+              <p:prevCondLst>
+                <p:cond evt="onPrev" delay="0">
+                  <p:tgtEl>
+                    <p:sldTgt/>
+                  </p:tgtEl>
+                </p:cond>
+              </p:prevCondLst>
+              <p:nextCondLst>
+                <p:cond evt="onNext" delay="0">
+                  <p:tgtEl>
+                    <p:sldTgt/>
+                  </p:tgtEl>
+                </p:cond>
+              </p:nextCondLst>
+            </p:seq>
+          </p:childTnLst>
+        </p:cTn>
+      </p:par>
+    </p:tnLst>
+  </p:timing>
+</p:sld>
+</file>
+
+<file path=ppt/slides/slide5.xml><?xml version="1.0" encoding="utf-8"?>
+<p:sld xmlns:a="http://schemas.openxmlformats.org/drawingml/2006/main" xmlns:r="http://schemas.openxmlformats.org/officeDocument/2006/relationships" xmlns:p="http://schemas.openxmlformats.org/presentationml/2006/main">
+  <p:cSld>
+    <p:bg>
+      <p:bgPr>
+        <a:solidFill>
+          <a:schemeClr val="bg1"/>
+        </a:solidFill>
+        <a:effectLst/>
+      </p:bgPr>
+    </p:bg>
+    <p:spTree>
+      <p:nvGrpSpPr>
+        <p:cNvPr id="1" name=""/>
+        <p:cNvGrpSpPr/>
+        <p:nvPr/>
+      </p:nvGrpSpPr>
+      <p:grpSpPr>
+        <a:xfrm>
+          <a:off x="0" y="0"/>
+          <a:ext cx="0" cy="0"/>
+          <a:chOff x="0" y="0"/>
+          <a:chExt cx="0" cy="0"/>
+        </a:xfrm>
+      </p:grpSpPr>
+      <p:sp>
+        <p:nvSpPr>
+          <p:cNvPr id="9" name="Rectangle 8">
+            <a:extLst>
+              <a:ext uri="{FF2B5EF4-FFF2-40B4-BE49-F238E27FC236}">
+                <a16:creationId xmlns:a16="http://schemas.microsoft.com/office/drawing/2014/main" id="{42A4FC2C-047E-45A5-965D-8E1E3BF09BC6}"/>
+              </a:ext>
+              <a:ext uri="{C183D7F6-B498-43B3-948B-1728B52AA6E4}">
+                <adec:decorative xmlns:adec="http://schemas.microsoft.com/office/drawing/2017/decorative" val="1"/>
+              </a:ext>
+            </a:extLst>
+          </p:cNvPr>
+          <p:cNvSpPr>
+            <a:spLocks noGrp="1" noRot="1" noChangeAspect="1" noMove="1" noResize="1" noEditPoints="1" noAdjustHandles="1" noChangeArrowheads="1" noChangeShapeType="1" noTextEdit="1"/>
+          </p:cNvSpPr>
+          <p:nvPr>
+            <p:extLst>
+              <p:ext uri="{386F3935-93C4-4BCD-93E2-E3B085C9AB24}">
+                <p16:designElem xmlns:p16="http://schemas.microsoft.com/office/powerpoint/2015/main" val="1"/>
+              </p:ext>
+            </p:extLst>
+          </p:nvPr>
+        </p:nvSpPr>
+        <p:spPr bwMode="white">
+          <a:xfrm>
+            <a:off x="1524" y="0"/>
+            <a:ext cx="12188952" cy="6858000"/>
+          </a:xfrm>
+          <a:prstGeom prst="rect">
+            <a:avLst/>
+          </a:prstGeom>
+          <a:noFill/>
+          <a:ln>
+            <a:noFill/>
+          </a:ln>
+        </p:spPr>
+        <p:style>
+          <a:lnRef idx="2">
+            <a:schemeClr val="accent1">
+              <a:shade val="50000"/>
+            </a:schemeClr>
+          </a:lnRef>
+          <a:fillRef idx="1">
+            <a:schemeClr val="accent1"/>
+          </a:fillRef>
+          <a:effectRef idx="0">
+            <a:schemeClr val="accent1"/>
+          </a:effectRef>
+          <a:fontRef idx="minor">
+            <a:schemeClr val="lt1"/>
+          </a:fontRef>
+        </p:style>
+        <p:txBody>
+          <a:bodyPr rtlCol="0" anchor="ctr"/>
+          <a:lstStyle>
+            <a:defPPr>
+              <a:defRPr lang="en-US"/>
+            </a:defPPr>
+            <a:lvl1pPr marL="0" algn="l" defTabSz="914400" rtl="0" eaLnBrk="1" latinLnBrk="0" hangingPunct="1">
+              <a:defRPr sz="1800" kern="1200">
+                <a:solidFill>
+                  <a:schemeClr val="lt1"/>
+                </a:solidFill>
+                <a:latin typeface="+mn-lt"/>
+                <a:ea typeface="+mn-ea"/>
+                <a:cs typeface="+mn-cs"/>
+              </a:defRPr>
+            </a:lvl1pPr>
+            <a:lvl2pPr marL="457200" algn="l" defTabSz="914400" rtl="0" eaLnBrk="1" latinLnBrk="0" hangingPunct="1">
+              <a:defRPr sz="1800" kern="1200">
+                <a:solidFill>
+                  <a:schemeClr val="lt1"/>
+                </a:solidFill>
+                <a:latin typeface="+mn-lt"/>
+                <a:ea typeface="+mn-ea"/>
+                <a:cs typeface="+mn-cs"/>
+              </a:defRPr>
+            </a:lvl2pPr>
+            <a:lvl3pPr marL="914400" algn="l" defTabSz="914400" rtl="0" eaLnBrk="1" latinLnBrk="0" hangingPunct="1">
+              <a:defRPr sz="1800" kern="1200">
+                <a:solidFill>
+                  <a:schemeClr val="lt1"/>
+                </a:solidFill>
+                <a:latin typeface="+mn-lt"/>
+                <a:ea typeface="+mn-ea"/>
+                <a:cs typeface="+mn-cs"/>
+              </a:defRPr>
+            </a:lvl3pPr>
+            <a:lvl4pPr marL="1371600" algn="l" defTabSz="914400" rtl="0" eaLnBrk="1" latinLnBrk="0" hangingPunct="1">
+              <a:defRPr sz="1800" kern="1200">
+                <a:solidFill>
+                  <a:schemeClr val="lt1"/>
+                </a:solidFill>
+                <a:latin typeface="+mn-lt"/>
+                <a:ea typeface="+mn-ea"/>
+                <a:cs typeface="+mn-cs"/>
+              </a:defRPr>
+            </a:lvl4pPr>
+            <a:lvl5pPr marL="1828800" algn="l" defTabSz="914400" rtl="0" eaLnBrk="1" latinLnBrk="0" hangingPunct="1">
+              <a:defRPr sz="1800" kern="1200">
+                <a:solidFill>
+                  <a:schemeClr val="lt1"/>
+                </a:solidFill>
+                <a:latin typeface="+mn-lt"/>
+                <a:ea typeface="+mn-ea"/>
+                <a:cs typeface="+mn-cs"/>
+              </a:defRPr>
+            </a:lvl5pPr>
+            <a:lvl6pPr marL="2286000" algn="l" defTabSz="914400" rtl="0" eaLnBrk="1" latinLnBrk="0" hangingPunct="1">
+              <a:defRPr sz="1800" kern="1200">
+                <a:solidFill>
+                  <a:schemeClr val="lt1"/>
+                </a:solidFill>
+                <a:latin typeface="+mn-lt"/>
+                <a:ea typeface="+mn-ea"/>
+                <a:cs typeface="+mn-cs"/>
+              </a:defRPr>
+            </a:lvl6pPr>
+            <a:lvl7pPr marL="2743200" algn="l" defTabSz="914400" rtl="0" eaLnBrk="1" latinLnBrk="0" hangingPunct="1">
+              <a:defRPr sz="1800" kern="1200">
+                <a:solidFill>
+                  <a:schemeClr val="lt1"/>
+                </a:solidFill>
+                <a:latin typeface="+mn-lt"/>
+                <a:ea typeface="+mn-ea"/>
+                <a:cs typeface="+mn-cs"/>
+              </a:defRPr>
+            </a:lvl7pPr>
+            <a:lvl8pPr marL="3200400" algn="l" defTabSz="914400" rtl="0" eaLnBrk="1" latinLnBrk="0" hangingPunct="1">
+              <a:defRPr sz="1800" kern="1200">
+                <a:solidFill>
+                  <a:schemeClr val="lt1"/>
+                </a:solidFill>
+                <a:latin typeface="+mn-lt"/>
+                <a:ea typeface="+mn-ea"/>
+                <a:cs typeface="+mn-cs"/>
+              </a:defRPr>
+            </a:lvl8pPr>
+            <a:lvl9pPr marL="3657600" algn="l" defTabSz="914400" rtl="0" eaLnBrk="1" latinLnBrk="0" hangingPunct="1">
+              <a:defRPr sz="1800" kern="1200">
+                <a:solidFill>
+                  <a:schemeClr val="lt1"/>
+                </a:solidFill>
+                <a:latin typeface="+mn-lt"/>
+                <a:ea typeface="+mn-ea"/>
+                <a:cs typeface="+mn-cs"/>
+              </a:defRPr>
+            </a:lvl9pPr>
+          </a:lstStyle>
+          <a:p>
+            <a:pPr algn="ctr"/>
+            <a:endParaRPr lang="en-US"/>
+          </a:p>
+        </p:txBody>
+      </p:sp>
+      <p:pic>
+        <p:nvPicPr>
+          <p:cNvPr id="4" name="Content Placeholder 3">
+            <a:extLst>
+              <a:ext uri="{FF2B5EF4-FFF2-40B4-BE49-F238E27FC236}">
+                <a16:creationId xmlns:a16="http://schemas.microsoft.com/office/drawing/2014/main" id="{40DA9619-5588-4D5F-B079-B2DE38D4FFE6}"/>
+              </a:ext>
+            </a:extLst>
+          </p:cNvPr>
+          <p:cNvPicPr>
+            <a:picLocks noGrp="1" noChangeAspect="1"/>
+          </p:cNvPicPr>
+          <p:nvPr>
+            <p:ph idx="1"/>
+          </p:nvPr>
+        </p:nvPicPr>
+        <p:blipFill rotWithShape="1">
+          <a:blip r:embed="rId2"/>
+          <a:srcRect t="19"/>
+          <a:stretch/>
+        </p:blipFill>
+        <p:spPr>
+          <a:xfrm>
+            <a:off x="20" y="1282"/>
+            <a:ext cx="12191980" cy="6856718"/>
+          </a:xfrm>
+          <a:prstGeom prst="rect">
+            <a:avLst/>
+          </a:prstGeom>
+        </p:spPr>
+      </p:pic>
+    </p:spTree>
+    <p:extLst>
+      <p:ext uri="{BB962C8B-B14F-4D97-AF65-F5344CB8AC3E}">
+        <p14:creationId xmlns:p14="http://schemas.microsoft.com/office/powerpoint/2010/main" val="2482952895"/>
+      </p:ext>
+    </p:extLst>
+  </p:cSld>
+  <p:clrMapOvr>
+    <a:masterClrMapping/>
+  </p:clrMapOvr>
+  <p:timing>
+    <p:tnLst>
+      <p:par>
+        <p:cTn id="1" dur="indefinite" restart="never" nodeType="tmRoot">
+          <p:childTnLst>
+            <p:seq concurrent="1" nextAc="seek">
+              <p:cTn id="2" dur="indefinite" nodeType="mainSeq">
+                <p:childTnLst>
+                  <p:par>
+                    <p:cTn id="3" fill="hold">
+                      <p:stCondLst>
+                        <p:cond delay="indefinite"/>
+                      </p:stCondLst>
+                      <p:childTnLst>
+                        <p:par>
+                          <p:cTn id="4" fill="hold">
+                            <p:stCondLst>
+                              <p:cond delay="0"/>
+                            </p:stCondLst>
+                            <p:childTnLst>
+                              <p:par>
+                                <p:cTn id="5" presetID="42" presetClass="entr" presetSubtype="0" fill="hold" nodeType="clickEffect">
+                                  <p:stCondLst>
+                                    <p:cond delay="0"/>
+                                  </p:stCondLst>
+                                  <p:childTnLst>
+                                    <p:set>
+                                      <p:cBhvr>
+                                        <p:cTn id="6" dur="1" fill="hold">
+                                          <p:stCondLst>
+                                            <p:cond delay="0"/>
+                                          </p:stCondLst>
+                                        </p:cTn>
+                                        <p:tgtEl>
+                                          <p:spTgt spid="4"/>
+                                        </p:tgtEl>
+                                        <p:attrNameLst>
+                                          <p:attrName>style.visibility</p:attrName>
+                                        </p:attrNameLst>
+                                      </p:cBhvr>
+                                      <p:to>
+                                        <p:strVal val="visible"/>
+                                      </p:to>
+                                    </p:set>
+                                    <p:animEffect transition="in" filter="fade">
+                                      <p:cBhvr>
+                                        <p:cTn id="7" dur="1000"/>
+                                        <p:tgtEl>
+                                          <p:spTgt spid="4"/>
+                                        </p:tgtEl>
+                                      </p:cBhvr>
+                                    </p:animEffect>
+                                    <p:anim calcmode="lin" valueType="num">
+                                      <p:cBhvr>
+                                        <p:cTn id="8" dur="1000" fill="hold"/>
+                                        <p:tgtEl>
+                                          <p:spTgt spid="4"/>
+                                        </p:tgtEl>
+                                        <p:attrNameLst>
+                                          <p:attrName>ppt_x</p:attrName>
+                                        </p:attrNameLst>
+                                      </p:cBhvr>
+                                      <p:tavLst>
+                                        <p:tav tm="0">
+                                          <p:val>
+                                            <p:strVal val="#ppt_x"/>
+                                          </p:val>
+                                        </p:tav>
+                                        <p:tav tm="100000">
+                                          <p:val>
+                                            <p:strVal val="#ppt_x"/>
+                                          </p:val>
+                                        </p:tav>
+                                      </p:tavLst>
+                                    </p:anim>
+                                    <p:anim calcmode="lin" valueType="num">
+                                      <p:cBhvr>
+                                        <p:cTn id="9" dur="1000" fill="hold"/>
+                                        <p:tgtEl>
+                                          <p:spTgt spid="4"/>
+                                        </p:tgtEl>
+                                        <p:attrNameLst>
+                                          <p:attrName>ppt_y</p:attrName>
+                                        </p:attrNameLst>
+                                      </p:cBhvr>
+                                      <p:tavLst>
+                                        <p:tav tm="0">
+                                          <p:val>
+                                            <p:strVal val="#ppt_y+.1"/>
+                                          </p:val>
+                                        </p:tav>
+                                        <p:tav tm="100000">
+                                          <p:val>
+                                            <p:strVal val="#ppt_y"/>
+                                          </p:val>
+                                        </p:tav>
+                                      </p:tavLst>
+                                    </p:anim>
+                                  </p:childTnLst>
+                                </p:cTn>
+                              </p:par>
+                            </p:childTnLst>
+                          </p:cTn>
+                        </p:par>
+                      </p:childTnLst>
+                    </p:cTn>
+                  </p:par>
+                </p:childTnLst>
+              </p:cTn>
+              <p:prevCondLst>
+                <p:cond evt="onPrev" delay="0">
+                  <p:tgtEl>
+                    <p:sldTgt/>
+                  </p:tgtEl>
+                </p:cond>
+              </p:prevCondLst>
+              <p:nextCondLst>
+                <p:cond evt="onNext" delay="0">
+                  <p:tgtEl>
+                    <p:sldTgt/>
+                  </p:tgtEl>
+                </p:cond>
+              </p:nextCondLst>
+            </p:seq>
+          </p:childTnLst>
+        </p:cTn>
+      </p:par>
+    </p:tnLst>
+  </p:timing>
+</p:sld>
+</file>
+
+<file path=ppt/slides/slide6.xml><?xml version="1.0" encoding="utf-8"?>
+<p:sld xmlns:a="http://schemas.openxmlformats.org/drawingml/2006/main" xmlns:r="http://schemas.openxmlformats.org/officeDocument/2006/relationships" xmlns:p="http://schemas.openxmlformats.org/presentationml/2006/main">
+  <p:cSld>
+    <p:bg>
+      <p:bgPr>
+        <a:solidFill>
+          <a:schemeClr val="bg1"/>
+        </a:solidFill>
+        <a:effectLst/>
+      </p:bgPr>
+    </p:bg>
+    <p:spTree>
+      <p:nvGrpSpPr>
+        <p:cNvPr id="1" name=""/>
+        <p:cNvGrpSpPr/>
+        <p:nvPr/>
+      </p:nvGrpSpPr>
+      <p:grpSpPr>
+        <a:xfrm>
+          <a:off x="0" y="0"/>
+          <a:ext cx="0" cy="0"/>
+          <a:chOff x="0" y="0"/>
+          <a:chExt cx="0" cy="0"/>
+        </a:xfrm>
+      </p:grpSpPr>
+      <p:sp>
+        <p:nvSpPr>
+          <p:cNvPr id="9" name="Rectangle 8">
+            <a:extLst>
+              <a:ext uri="{FF2B5EF4-FFF2-40B4-BE49-F238E27FC236}">
+                <a16:creationId xmlns:a16="http://schemas.microsoft.com/office/drawing/2014/main" id="{42A4FC2C-047E-45A5-965D-8E1E3BF09BC6}"/>
+              </a:ext>
+              <a:ext uri="{C183D7F6-B498-43B3-948B-1728B52AA6E4}">
+                <adec:decorative xmlns:adec="http://schemas.microsoft.com/office/drawing/2017/decorative" val="1"/>
+              </a:ext>
+            </a:extLst>
+          </p:cNvPr>
+          <p:cNvSpPr>
+            <a:spLocks noGrp="1" noRot="1" noChangeAspect="1" noMove="1" noResize="1" noEditPoints="1" noAdjustHandles="1" noChangeArrowheads="1" noChangeShapeType="1" noTextEdit="1"/>
+          </p:cNvSpPr>
+          <p:nvPr>
+            <p:extLst>
+              <p:ext uri="{386F3935-93C4-4BCD-93E2-E3B085C9AB24}">
+                <p16:designElem xmlns:p16="http://schemas.microsoft.com/office/powerpoint/2015/main" val="1"/>
+              </p:ext>
+            </p:extLst>
+          </p:nvPr>
+        </p:nvSpPr>
+        <p:spPr bwMode="white">
+          <a:xfrm>
+            <a:off x="1524" y="0"/>
+            <a:ext cx="12188952" cy="6858000"/>
+          </a:xfrm>
+          <a:prstGeom prst="rect">
+            <a:avLst/>
+          </a:prstGeom>
+          <a:noFill/>
+          <a:ln>
+            <a:noFill/>
+          </a:ln>
+        </p:spPr>
+        <p:style>
+          <a:lnRef idx="2">
+            <a:schemeClr val="accent1">
+              <a:shade val="50000"/>
+            </a:schemeClr>
+          </a:lnRef>
+          <a:fillRef idx="1">
+            <a:schemeClr val="accent1"/>
+          </a:fillRef>
+          <a:effectRef idx="0">
+            <a:schemeClr val="accent1"/>
+          </a:effectRef>
+          <a:fontRef idx="minor">
+            <a:schemeClr val="lt1"/>
+          </a:fontRef>
+        </p:style>
+        <p:txBody>
+          <a:bodyPr rtlCol="0" anchor="ctr"/>
+          <a:lstStyle>
+            <a:defPPr>
+              <a:defRPr lang="en-US"/>
+            </a:defPPr>
+            <a:lvl1pPr marL="0" algn="l" defTabSz="914400" rtl="0" eaLnBrk="1" latinLnBrk="0" hangingPunct="1">
+              <a:defRPr sz="1800" kern="1200">
+                <a:solidFill>
+                  <a:schemeClr val="lt1"/>
+                </a:solidFill>
+                <a:latin typeface="+mn-lt"/>
+                <a:ea typeface="+mn-ea"/>
+                <a:cs typeface="+mn-cs"/>
+              </a:defRPr>
+            </a:lvl1pPr>
+            <a:lvl2pPr marL="457200" algn="l" defTabSz="914400" rtl="0" eaLnBrk="1" latinLnBrk="0" hangingPunct="1">
+              <a:defRPr sz="1800" kern="1200">
+                <a:solidFill>
+                  <a:schemeClr val="lt1"/>
+                </a:solidFill>
+                <a:latin typeface="+mn-lt"/>
+                <a:ea typeface="+mn-ea"/>
+                <a:cs typeface="+mn-cs"/>
+              </a:defRPr>
+            </a:lvl2pPr>
+            <a:lvl3pPr marL="914400" algn="l" defTabSz="914400" rtl="0" eaLnBrk="1" latinLnBrk="0" hangingPunct="1">
+              <a:defRPr sz="1800" kern="1200">
+                <a:solidFill>
+                  <a:schemeClr val="lt1"/>
+                </a:solidFill>
+                <a:latin typeface="+mn-lt"/>
+                <a:ea typeface="+mn-ea"/>
+                <a:cs typeface="+mn-cs"/>
+              </a:defRPr>
+            </a:lvl3pPr>
+            <a:lvl4pPr marL="1371600" algn="l" defTabSz="914400" rtl="0" eaLnBrk="1" latinLnBrk="0" hangingPunct="1">
+              <a:defRPr sz="1800" kern="1200">
+                <a:solidFill>
+                  <a:schemeClr val="lt1"/>
+                </a:solidFill>
+                <a:latin typeface="+mn-lt"/>
+                <a:ea typeface="+mn-ea"/>
+                <a:cs typeface="+mn-cs"/>
+              </a:defRPr>
+            </a:lvl4pPr>
+            <a:lvl5pPr marL="1828800" algn="l" defTabSz="914400" rtl="0" eaLnBrk="1" latinLnBrk="0" hangingPunct="1">
+              <a:defRPr sz="1800" kern="1200">
+                <a:solidFill>
+                  <a:schemeClr val="lt1"/>
+                </a:solidFill>
+                <a:latin typeface="+mn-lt"/>
+                <a:ea typeface="+mn-ea"/>
+                <a:cs typeface="+mn-cs"/>
+              </a:defRPr>
+            </a:lvl5pPr>
+            <a:lvl6pPr marL="2286000" algn="l" defTabSz="914400" rtl="0" eaLnBrk="1" latinLnBrk="0" hangingPunct="1">
+              <a:defRPr sz="1800" kern="1200">
+                <a:solidFill>
+                  <a:schemeClr val="lt1"/>
+                </a:solidFill>
+                <a:latin typeface="+mn-lt"/>
+                <a:ea typeface="+mn-ea"/>
+                <a:cs typeface="+mn-cs"/>
+              </a:defRPr>
+            </a:lvl6pPr>
+            <a:lvl7pPr marL="2743200" algn="l" defTabSz="914400" rtl="0" eaLnBrk="1" latinLnBrk="0" hangingPunct="1">
+              <a:defRPr sz="1800" kern="1200">
+                <a:solidFill>
+                  <a:schemeClr val="lt1"/>
+                </a:solidFill>
+                <a:latin typeface="+mn-lt"/>
+                <a:ea typeface="+mn-ea"/>
+                <a:cs typeface="+mn-cs"/>
+              </a:defRPr>
+            </a:lvl7pPr>
+            <a:lvl8pPr marL="3200400" algn="l" defTabSz="914400" rtl="0" eaLnBrk="1" latinLnBrk="0" hangingPunct="1">
+              <a:defRPr sz="1800" kern="1200">
+                <a:solidFill>
+                  <a:schemeClr val="lt1"/>
+                </a:solidFill>
+                <a:latin typeface="+mn-lt"/>
+                <a:ea typeface="+mn-ea"/>
+                <a:cs typeface="+mn-cs"/>
+              </a:defRPr>
+            </a:lvl8pPr>
+            <a:lvl9pPr marL="3657600" algn="l" defTabSz="914400" rtl="0" eaLnBrk="1" latinLnBrk="0" hangingPunct="1">
+              <a:defRPr sz="1800" kern="1200">
+                <a:solidFill>
+                  <a:schemeClr val="lt1"/>
+                </a:solidFill>
+                <a:latin typeface="+mn-lt"/>
+                <a:ea typeface="+mn-ea"/>
+                <a:cs typeface="+mn-cs"/>
+              </a:defRPr>
+            </a:lvl9pPr>
+          </a:lstStyle>
+          <a:p>
+            <a:pPr algn="ctr"/>
+            <a:endParaRPr lang="en-US"/>
+          </a:p>
+        </p:txBody>
+      </p:sp>
+      <p:pic>
+        <p:nvPicPr>
+          <p:cNvPr id="4" name="Content Placeholder 3">
+            <a:extLst>
+              <a:ext uri="{FF2B5EF4-FFF2-40B4-BE49-F238E27FC236}">
+                <a16:creationId xmlns:a16="http://schemas.microsoft.com/office/drawing/2014/main" id="{20BA4626-7985-40D9-95FF-2A41FEF31EE5}"/>
+              </a:ext>
+            </a:extLst>
+          </p:cNvPr>
+          <p:cNvPicPr>
+            <a:picLocks noGrp="1" noChangeAspect="1"/>
+          </p:cNvPicPr>
+          <p:nvPr>
+            <p:ph idx="1"/>
+          </p:nvPr>
+        </p:nvPicPr>
+        <p:blipFill rotWithShape="1">
+          <a:blip r:embed="rId2"/>
+          <a:srcRect b="19"/>
+          <a:stretch/>
+        </p:blipFill>
+        <p:spPr>
+          <a:xfrm>
+            <a:off x="20" y="1282"/>
+            <a:ext cx="12191980" cy="6856718"/>
+          </a:xfrm>
+          <a:prstGeom prst="rect">
+            <a:avLst/>
+          </a:prstGeom>
+        </p:spPr>
+      </p:pic>
+    </p:spTree>
+    <p:extLst>
+      <p:ext uri="{BB962C8B-B14F-4D97-AF65-F5344CB8AC3E}">
+        <p14:creationId xmlns:p14="http://schemas.microsoft.com/office/powerpoint/2010/main" val="2339208034"/>
+      </p:ext>
+    </p:extLst>
+  </p:cSld>
+  <p:clrMapOvr>
+    <a:masterClrMapping/>
+  </p:clrMapOvr>
+  <p:timing>
+    <p:tnLst>
+      <p:par>
+        <p:cTn id="1" dur="indefinite" restart="never" nodeType="tmRoot">
+          <p:childTnLst>
+            <p:seq concurrent="1" nextAc="seek">
+              <p:cTn id="2" dur="indefinite" nodeType="mainSeq">
+                <p:childTnLst>
+                  <p:par>
+                    <p:cTn id="3" fill="hold">
+                      <p:stCondLst>
+                        <p:cond delay="indefinite"/>
+                      </p:stCondLst>
+                      <p:childTnLst>
+                        <p:par>
+                          <p:cTn id="4" fill="hold">
+                            <p:stCondLst>
+                              <p:cond delay="0"/>
+                            </p:stCondLst>
+                            <p:childTnLst>
+                              <p:par>
+                                <p:cTn id="5" presetID="42" presetClass="entr" presetSubtype="0" fill="hold" nodeType="clickEffect">
+                                  <p:stCondLst>
+                                    <p:cond delay="0"/>
+                                  </p:stCondLst>
+                                  <p:childTnLst>
+                                    <p:set>
+                                      <p:cBhvr>
+                                        <p:cTn id="6" dur="1" fill="hold">
+                                          <p:stCondLst>
+                                            <p:cond delay="0"/>
+                                          </p:stCondLst>
+                                        </p:cTn>
+                                        <p:tgtEl>
+                                          <p:spTgt spid="4"/>
+                                        </p:tgtEl>
+                                        <p:attrNameLst>
+                                          <p:attrName>style.visibility</p:attrName>
+                                        </p:attrNameLst>
+                                      </p:cBhvr>
+                                      <p:to>
+                                        <p:strVal val="visible"/>
+                                      </p:to>
+                                    </p:set>
+                                    <p:animEffect transition="in" filter="fade">
+                                      <p:cBhvr>
+                                        <p:cTn id="7" dur="1000"/>
+                                        <p:tgtEl>
+                                          <p:spTgt spid="4"/>
+                                        </p:tgtEl>
+                                      </p:cBhvr>
+                                    </p:animEffect>
+                                    <p:anim calcmode="lin" valueType="num">
+                                      <p:cBhvr>
+                                        <p:cTn id="8" dur="1000" fill="hold"/>
+                                        <p:tgtEl>
+                                          <p:spTgt spid="4"/>
+                                        </p:tgtEl>
+                                        <p:attrNameLst>
+                                          <p:attrName>ppt_x</p:attrName>
+                                        </p:attrNameLst>
+                                      </p:cBhvr>
+                                      <p:tavLst>
+                                        <p:tav tm="0">
+                                          <p:val>
+                                            <p:strVal val="#ppt_x"/>
+                                          </p:val>
+                                        </p:tav>
+                                        <p:tav tm="100000">
+                                          <p:val>
+                                            <p:strVal val="#ppt_x"/>
+                                          </p:val>
+                                        </p:tav>
+                                      </p:tavLst>
+                                    </p:anim>
+                                    <p:anim calcmode="lin" valueType="num">
+                                      <p:cBhvr>
+                                        <p:cTn id="9" dur="1000" fill="hold"/>
+                                        <p:tgtEl>
+                                          <p:spTgt spid="4"/>
+                                        </p:tgtEl>
+                                        <p:attrNameLst>
+                                          <p:attrName>ppt_y</p:attrName>
+                                        </p:attrNameLst>
+                                      </p:cBhvr>
+                                      <p:tavLst>
+                                        <p:tav tm="0">
+                                          <p:val>
+                                            <p:strVal val="#ppt_y+.1"/>
+                                          </p:val>
+                                        </p:tav>
+                                        <p:tav tm="100000">
+                                          <p:val>
+                                            <p:strVal val="#ppt_y"/>
+                                          </p:val>
+                                        </p:tav>
+                                      </p:tavLst>
+                                    </p:anim>
+                                  </p:childTnLst>
+                                </p:cTn>
+                              </p:par>
+                            </p:childTnLst>
+                          </p:cTn>
+                        </p:par>
+                      </p:childTnLst>
+                    </p:cTn>
+                  </p:par>
+                </p:childTnLst>
+              </p:cTn>
+              <p:prevCondLst>
+                <p:cond evt="onPrev" delay="0">
+                  <p:tgtEl>
+                    <p:sldTgt/>
+                  </p:tgtEl>
+                </p:cond>
+              </p:prevCondLst>
+              <p:nextCondLst>
+                <p:cond evt="onNext" delay="0">
+                  <p:tgtEl>
+                    <p:sldTgt/>
+                  </p:tgtEl>
+                </p:cond>
+              </p:nextCondLst>
+            </p:seq>
+          </p:childTnLst>
+        </p:cTn>
+      </p:par>
+    </p:tnLst>
+  </p:timing>
+</p:sld>
+</file>
+
+<file path=ppt/slides/slide7.xml><?xml version="1.0" encoding="utf-8"?>
+<p:sld xmlns:a="http://schemas.openxmlformats.org/drawingml/2006/main" xmlns:r="http://schemas.openxmlformats.org/officeDocument/2006/relationships" xmlns:p="http://schemas.openxmlformats.org/presentationml/2006/main">
+  <p:cSld>
+    <p:bg>
+      <p:bgPr>
+        <a:solidFill>
+          <a:schemeClr val="bg1"/>
+        </a:solidFill>
+        <a:effectLst/>
+      </p:bgPr>
+    </p:bg>
+    <p:spTree>
+      <p:nvGrpSpPr>
+        <p:cNvPr id="1" name=""/>
+        <p:cNvGrpSpPr/>
+        <p:nvPr/>
+      </p:nvGrpSpPr>
+      <p:grpSpPr>
+        <a:xfrm>
+          <a:off x="0" y="0"/>
+          <a:ext cx="0" cy="0"/>
+          <a:chOff x="0" y="0"/>
+          <a:chExt cx="0" cy="0"/>
+        </a:xfrm>
+      </p:grpSpPr>
+      <p:sp>
+        <p:nvSpPr>
+          <p:cNvPr id="10" name="Rectangle 9">
+            <a:extLst>
+              <a:ext uri="{FF2B5EF4-FFF2-40B4-BE49-F238E27FC236}">
+                <a16:creationId xmlns:a16="http://schemas.microsoft.com/office/drawing/2014/main" id="{42A4FC2C-047E-45A5-965D-8E1E3BF09BC6}"/>
+              </a:ext>
+              <a:ext uri="{C183D7F6-B498-43B3-948B-1728B52AA6E4}">
+                <adec:decorative xmlns:adec="http://schemas.microsoft.com/office/drawing/2017/decorative" val="1"/>
+              </a:ext>
+            </a:extLst>
+          </p:cNvPr>
+          <p:cNvSpPr>
+            <a:spLocks noGrp="1" noRot="1" noChangeAspect="1" noMove="1" noResize="1" noEditPoints="1" noAdjustHandles="1" noChangeArrowheads="1" noChangeShapeType="1" noTextEdit="1"/>
+          </p:cNvSpPr>
+          <p:nvPr>
+            <p:extLst>
+              <p:ext uri="{386F3935-93C4-4BCD-93E2-E3B085C9AB24}">
+                <p16:designElem xmlns:p16="http://schemas.microsoft.com/office/powerpoint/2015/main" val="1"/>
+              </p:ext>
+            </p:extLst>
+          </p:nvPr>
+        </p:nvSpPr>
+        <p:spPr bwMode="white">
+          <a:xfrm>
+            <a:off x="1524" y="0"/>
+            <a:ext cx="12188952" cy="6858000"/>
+          </a:xfrm>
+          <a:prstGeom prst="rect">
+            <a:avLst/>
+          </a:prstGeom>
+          <a:noFill/>
+          <a:ln>
+            <a:noFill/>
+          </a:ln>
+        </p:spPr>
+        <p:style>
+          <a:lnRef idx="2">
+            <a:schemeClr val="accent1">
+              <a:shade val="50000"/>
+            </a:schemeClr>
+          </a:lnRef>
+          <a:fillRef idx="1">
+            <a:schemeClr val="accent1"/>
+          </a:fillRef>
+          <a:effectRef idx="0">
+            <a:schemeClr val="accent1"/>
+          </a:effectRef>
+          <a:fontRef idx="minor">
+            <a:schemeClr val="lt1"/>
+          </a:fontRef>
+        </p:style>
+        <p:txBody>
+          <a:bodyPr rtlCol="0" anchor="ctr"/>
+          <a:lstStyle>
+            <a:defPPr>
+              <a:defRPr lang="en-US"/>
+            </a:defPPr>
+            <a:lvl1pPr marL="0" algn="l" defTabSz="914400" rtl="0" eaLnBrk="1" latinLnBrk="0" hangingPunct="1">
+              <a:defRPr sz="1800" kern="1200">
+                <a:solidFill>
+                  <a:schemeClr val="lt1"/>
+                </a:solidFill>
+                <a:latin typeface="+mn-lt"/>
+                <a:ea typeface="+mn-ea"/>
+                <a:cs typeface="+mn-cs"/>
+              </a:defRPr>
+            </a:lvl1pPr>
+            <a:lvl2pPr marL="457200" algn="l" defTabSz="914400" rtl="0" eaLnBrk="1" latinLnBrk="0" hangingPunct="1">
+              <a:defRPr sz="1800" kern="1200">
+                <a:solidFill>
+                  <a:schemeClr val="lt1"/>
+                </a:solidFill>
+                <a:latin typeface="+mn-lt"/>
+                <a:ea typeface="+mn-ea"/>
+                <a:cs typeface="+mn-cs"/>
+              </a:defRPr>
+            </a:lvl2pPr>
+            <a:lvl3pPr marL="914400" algn="l" defTabSz="914400" rtl="0" eaLnBrk="1" latinLnBrk="0" hangingPunct="1">
+              <a:defRPr sz="1800" kern="1200">
+                <a:solidFill>
+                  <a:schemeClr val="lt1"/>
+                </a:solidFill>
+                <a:latin typeface="+mn-lt"/>
+                <a:ea typeface="+mn-ea"/>
+                <a:cs typeface="+mn-cs"/>
+              </a:defRPr>
+            </a:lvl3pPr>
+            <a:lvl4pPr marL="1371600" algn="l" defTabSz="914400" rtl="0" eaLnBrk="1" latinLnBrk="0" hangingPunct="1">
+              <a:defRPr sz="1800" kern="1200">
+                <a:solidFill>
+                  <a:schemeClr val="lt1"/>
+                </a:solidFill>
+                <a:latin typeface="+mn-lt"/>
+                <a:ea typeface="+mn-ea"/>
+                <a:cs typeface="+mn-cs"/>
+              </a:defRPr>
+            </a:lvl4pPr>
+            <a:lvl5pPr marL="1828800" algn="l" defTabSz="914400" rtl="0" eaLnBrk="1" latinLnBrk="0" hangingPunct="1">
+              <a:defRPr sz="1800" kern="1200">
+                <a:solidFill>
+                  <a:schemeClr val="lt1"/>
+                </a:solidFill>
+                <a:latin typeface="+mn-lt"/>
+                <a:ea typeface="+mn-ea"/>
+                <a:cs typeface="+mn-cs"/>
+              </a:defRPr>
+            </a:lvl5pPr>
+            <a:lvl6pPr marL="2286000" algn="l" defTabSz="914400" rtl="0" eaLnBrk="1" latinLnBrk="0" hangingPunct="1">
+              <a:defRPr sz="1800" kern="1200">
+                <a:solidFill>
+                  <a:schemeClr val="lt1"/>
+                </a:solidFill>
+                <a:latin typeface="+mn-lt"/>
+                <a:ea typeface="+mn-ea"/>
+                <a:cs typeface="+mn-cs"/>
+              </a:defRPr>
+            </a:lvl6pPr>
+            <a:lvl7pPr marL="2743200" algn="l" defTabSz="914400" rtl="0" eaLnBrk="1" latinLnBrk="0" hangingPunct="1">
+              <a:defRPr sz="1800" kern="1200">
+                <a:solidFill>
+                  <a:schemeClr val="lt1"/>
+                </a:solidFill>
+                <a:latin typeface="+mn-lt"/>
+                <a:ea typeface="+mn-ea"/>
+                <a:cs typeface="+mn-cs"/>
+              </a:defRPr>
+            </a:lvl7pPr>
+            <a:lvl8pPr marL="3200400" algn="l" defTabSz="914400" rtl="0" eaLnBrk="1" latinLnBrk="0" hangingPunct="1">
+              <a:defRPr sz="1800" kern="1200">
+                <a:solidFill>
+                  <a:schemeClr val="lt1"/>
+                </a:solidFill>
+                <a:latin typeface="+mn-lt"/>
+                <a:ea typeface="+mn-ea"/>
+                <a:cs typeface="+mn-cs"/>
+              </a:defRPr>
+            </a:lvl8pPr>
+            <a:lvl9pPr marL="3657600" algn="l" defTabSz="914400" rtl="0" eaLnBrk="1" latinLnBrk="0" hangingPunct="1">
+              <a:defRPr sz="1800" kern="1200">
+                <a:solidFill>
+                  <a:schemeClr val="lt1"/>
+                </a:solidFill>
+                <a:latin typeface="+mn-lt"/>
+                <a:ea typeface="+mn-ea"/>
+                <a:cs typeface="+mn-cs"/>
+              </a:defRPr>
+            </a:lvl9pPr>
+          </a:lstStyle>
+          <a:p>
+            <a:pPr algn="ctr"/>
+            <a:endParaRPr lang="en-US"/>
+          </a:p>
+        </p:txBody>
+      </p:sp>
+      <p:pic>
+        <p:nvPicPr>
+          <p:cNvPr id="5" name="Content Placeholder 3">
+            <a:extLst>
+              <a:ext uri="{FF2B5EF4-FFF2-40B4-BE49-F238E27FC236}">
+                <a16:creationId xmlns:a16="http://schemas.microsoft.com/office/drawing/2014/main" id="{D42B8634-7A7F-4145-9475-BD5EE0E79771}"/>
+              </a:ext>
+            </a:extLst>
+          </p:cNvPr>
+          <p:cNvPicPr>
+            <a:picLocks noGrp="1" noChangeAspect="1"/>
+          </p:cNvPicPr>
+          <p:nvPr>
+            <p:ph idx="1"/>
+          </p:nvPr>
+        </p:nvPicPr>
+        <p:blipFill rotWithShape="1">
+          <a:blip r:embed="rId2"/>
+          <a:srcRect l="16883" r="8881"/>
+          <a:stretch/>
+        </p:blipFill>
+        <p:spPr>
+          <a:xfrm>
+            <a:off x="20" y="1282"/>
+            <a:ext cx="12191980" cy="6856718"/>
+          </a:xfrm>
+          <a:prstGeom prst="rect">
+            <a:avLst/>
+          </a:prstGeom>
+        </p:spPr>
+      </p:pic>
+    </p:spTree>
+    <p:extLst>
+      <p:ext uri="{BB962C8B-B14F-4D97-AF65-F5344CB8AC3E}">
+        <p14:creationId xmlns:p14="http://schemas.microsoft.com/office/powerpoint/2010/main" val="394429050"/>
+      </p:ext>
+    </p:extLst>
+  </p:cSld>
+  <p:clrMapOvr>
+    <a:masterClrMapping/>
+  </p:clrMapOvr>
+  <p:timing>
+    <p:tnLst>
+      <p:par>
+        <p:cTn id="1" dur="indefinite" restart="never" nodeType="tmRoot">
+          <p:childTnLst>
+            <p:seq concurrent="1" nextAc="seek">
+              <p:cTn id="2" dur="indefinite" nodeType="mainSeq">
+                <p:childTnLst>
+                  <p:par>
+                    <p:cTn id="3" fill="hold">
+                      <p:stCondLst>
+                        <p:cond delay="indefinite"/>
+                      </p:stCondLst>
+                      <p:childTnLst>
+                        <p:par>
+                          <p:cTn id="4" fill="hold">
+                            <p:stCondLst>
+                              <p:cond delay="0"/>
+                            </p:stCondLst>
+                            <p:childTnLst>
+                              <p:par>
+                                <p:cTn id="5" presetID="42" presetClass="entr" presetSubtype="0" fill="hold" nodeType="clickEffect">
+                                  <p:stCondLst>
+                                    <p:cond delay="0"/>
+                                  </p:stCondLst>
+                                  <p:childTnLst>
+                                    <p:set>
+                                      <p:cBhvr>
+                                        <p:cTn id="6" dur="1" fill="hold">
+                                          <p:stCondLst>
+                                            <p:cond delay="0"/>
+                                          </p:stCondLst>
+                                        </p:cTn>
+                                        <p:tgtEl>
+                                          <p:spTgt spid="5"/>
+                                        </p:tgtEl>
+                                        <p:attrNameLst>
+                                          <p:attrName>style.visibility</p:attrName>
+                                        </p:attrNameLst>
+                                      </p:cBhvr>
+                                      <p:to>
+                                        <p:strVal val="visible"/>
+                                      </p:to>
+                                    </p:set>
+                                    <p:animEffect transition="in" filter="fade">
+                                      <p:cBhvr>
+                                        <p:cTn id="7" dur="1000"/>
+                                        <p:tgtEl>
+                                          <p:spTgt spid="5"/>
+                                        </p:tgtEl>
+                                      </p:cBhvr>
+                                    </p:animEffect>
+                                    <p:anim calcmode="lin" valueType="num">
+                                      <p:cBhvr>
+                                        <p:cTn id="8" dur="1000" fill="hold"/>
+                                        <p:tgtEl>
+                                          <p:spTgt spid="5"/>
+                                        </p:tgtEl>
+                                        <p:attrNameLst>
+                                          <p:attrName>ppt_x</p:attrName>
+                                        </p:attrNameLst>
+                                      </p:cBhvr>
+                                      <p:tavLst>
+                                        <p:tav tm="0">
+                                          <p:val>
+                                            <p:strVal val="#ppt_x"/>
+                                          </p:val>
+                                        </p:tav>
+                                        <p:tav tm="100000">
+                                          <p:val>
+                                            <p:strVal val="#ppt_x"/>
+                                          </p:val>
+                                        </p:tav>
+                                      </p:tavLst>
+                                    </p:anim>
+                                    <p:anim calcmode="lin" valueType="num">
+                                      <p:cBhvr>
+                                        <p:cTn id="9" dur="1000" fill="hold"/>
+                                        <p:tgtEl>
+                                          <p:spTgt spid="5"/>
+                                        </p:tgtEl>
+                                        <p:attrNameLst>
+                                          <p:attrName>ppt_y</p:attrName>
+                                        </p:attrNameLst>
+                                      </p:cBhvr>
+                                      <p:tavLst>
+                                        <p:tav tm="0">
+                                          <p:val>
+                                            <p:strVal val="#ppt_y+.1"/>
+                                          </p:val>
+                                        </p:tav>
+                                        <p:tav tm="100000">
+                                          <p:val>
+                                            <p:strVal val="#ppt_y"/>
+                                          </p:val>
+                                        </p:tav>
+                                      </p:tavLst>
+                                    </p:anim>
+                                  </p:childTnLst>
+                                </p:cTn>
+                              </p:par>
+                            </p:childTnLst>
+                          </p:cTn>
+                        </p:par>
+                      </p:childTnLst>
+                    </p:cTn>
+                  </p:par>
+                </p:childTnLst>
+              </p:cTn>
+              <p:prevCondLst>
+                <p:cond evt="onPrev" delay="0">
+                  <p:tgtEl>
+                    <p:sldTgt/>
+                  </p:tgtEl>
+                </p:cond>
+              </p:prevCondLst>
+              <p:nextCondLst>
+                <p:cond evt="onNext" delay="0">
+                  <p:tgtEl>
+                    <p:sldTgt/>
+                  </p:tgtEl>
+                </p:cond>
+              </p:nextCondLst>
+            </p:seq>
+          </p:childTnLst>
+        </p:cTn>
+      </p:par>
+    </p:tnLst>
+  </p:timing>
+</p:sld>
+</file>
+
+<file path=ppt/slides/slide8.xml><?xml version="1.0" encoding="utf-8"?>
+<p:sld xmlns:a="http://schemas.openxmlformats.org/drawingml/2006/main" xmlns:r="http://schemas.openxmlformats.org/officeDocument/2006/relationships" xmlns:p="http://schemas.openxmlformats.org/presentationml/2006/main">
+  <p:cSld>
+    <p:bg>
+      <p:bgPr>
+        <a:solidFill>
+          <a:schemeClr val="bg1"/>
+        </a:solidFill>
+        <a:effectLst/>
+      </p:bgPr>
+    </p:bg>
+    <p:spTree>
+      <p:nvGrpSpPr>
+        <p:cNvPr id="1" name=""/>
+        <p:cNvGrpSpPr/>
+        <p:nvPr/>
+      </p:nvGrpSpPr>
+      <p:grpSpPr>
+        <a:xfrm>
+          <a:off x="0" y="0"/>
+          <a:ext cx="0" cy="0"/>
+          <a:chOff x="0" y="0"/>
+          <a:chExt cx="0" cy="0"/>
+        </a:xfrm>
+      </p:grpSpPr>
+      <p:sp>
+        <p:nvSpPr>
+          <p:cNvPr id="9" name="Rectangle 8">
+            <a:extLst>
+              <a:ext uri="{FF2B5EF4-FFF2-40B4-BE49-F238E27FC236}">
+                <a16:creationId xmlns:a16="http://schemas.microsoft.com/office/drawing/2014/main" id="{42A4FC2C-047E-45A5-965D-8E1E3BF09BC6}"/>
+              </a:ext>
+              <a:ext uri="{C183D7F6-B498-43B3-948B-1728B52AA6E4}">
+                <adec:decorative xmlns:adec="http://schemas.microsoft.com/office/drawing/2017/decorative" val="1"/>
+              </a:ext>
+            </a:extLst>
+          </p:cNvPr>
+          <p:cNvSpPr>
+            <a:spLocks noGrp="1" noRot="1" noChangeAspect="1" noMove="1" noResize="1" noEditPoints="1" noAdjustHandles="1" noChangeArrowheads="1" noChangeShapeType="1" noTextEdit="1"/>
+          </p:cNvSpPr>
+          <p:nvPr>
+            <p:extLst>
+              <p:ext uri="{386F3935-93C4-4BCD-93E2-E3B085C9AB24}">
+                <p16:designElem xmlns:p16="http://schemas.microsoft.com/office/powerpoint/2015/main" val="1"/>
+              </p:ext>
+            </p:extLst>
+          </p:nvPr>
+        </p:nvSpPr>
+        <p:spPr bwMode="white">
+          <a:xfrm>
+            <a:off x="1524" y="0"/>
+            <a:ext cx="12188952" cy="6858000"/>
+          </a:xfrm>
+          <a:prstGeom prst="rect">
+            <a:avLst/>
+          </a:prstGeom>
+          <a:noFill/>
+          <a:ln>
+            <a:noFill/>
+          </a:ln>
+        </p:spPr>
+        <p:style>
+          <a:lnRef idx="2">
+            <a:schemeClr val="accent1">
+              <a:shade val="50000"/>
+            </a:schemeClr>
+          </a:lnRef>
+          <a:fillRef idx="1">
+            <a:schemeClr val="accent1"/>
+          </a:fillRef>
+          <a:effectRef idx="0">
+            <a:schemeClr val="accent1"/>
+          </a:effectRef>
+          <a:fontRef idx="minor">
+            <a:schemeClr val="lt1"/>
+          </a:fontRef>
+        </p:style>
+        <p:txBody>
+          <a:bodyPr rtlCol="0" anchor="ctr"/>
+          <a:lstStyle>
+            <a:defPPr>
+              <a:defRPr lang="en-US"/>
+            </a:defPPr>
+            <a:lvl1pPr marL="0" algn="l" defTabSz="914400" rtl="0" eaLnBrk="1" latinLnBrk="0" hangingPunct="1">
+              <a:defRPr sz="1800" kern="1200">
+                <a:solidFill>
+                  <a:schemeClr val="lt1"/>
+                </a:solidFill>
+                <a:latin typeface="+mn-lt"/>
+                <a:ea typeface="+mn-ea"/>
+                <a:cs typeface="+mn-cs"/>
+              </a:defRPr>
+            </a:lvl1pPr>
+            <a:lvl2pPr marL="457200" algn="l" defTabSz="914400" rtl="0" eaLnBrk="1" latinLnBrk="0" hangingPunct="1">
+              <a:defRPr sz="1800" kern="1200">
+                <a:solidFill>
+                  <a:schemeClr val="lt1"/>
+                </a:solidFill>
+                <a:latin typeface="+mn-lt"/>
+                <a:ea typeface="+mn-ea"/>
+                <a:cs typeface="+mn-cs"/>
+              </a:defRPr>
+            </a:lvl2pPr>
+            <a:lvl3pPr marL="914400" algn="l" defTabSz="914400" rtl="0" eaLnBrk="1" latinLnBrk="0" hangingPunct="1">
+              <a:defRPr sz="1800" kern="1200">
+                <a:solidFill>
+                  <a:schemeClr val="lt1"/>
+                </a:solidFill>
+                <a:latin typeface="+mn-lt"/>
+                <a:ea typeface="+mn-ea"/>
+                <a:cs typeface="+mn-cs"/>
+              </a:defRPr>
+            </a:lvl3pPr>
+            <a:lvl4pPr marL="1371600" algn="l" defTabSz="914400" rtl="0" eaLnBrk="1" latinLnBrk="0" hangingPunct="1">
+              <a:defRPr sz="1800" kern="1200">
+                <a:solidFill>
+                  <a:schemeClr val="lt1"/>
+                </a:solidFill>
+                <a:latin typeface="+mn-lt"/>
+                <a:ea typeface="+mn-ea"/>
+                <a:cs typeface="+mn-cs"/>
+              </a:defRPr>
+            </a:lvl4pPr>
+            <a:lvl5pPr marL="1828800" algn="l" defTabSz="914400" rtl="0" eaLnBrk="1" latinLnBrk="0" hangingPunct="1">
+              <a:defRPr sz="1800" kern="1200">
+                <a:solidFill>
+                  <a:schemeClr val="lt1"/>
+                </a:solidFill>
+                <a:latin typeface="+mn-lt"/>
+                <a:ea typeface="+mn-ea"/>
+                <a:cs typeface="+mn-cs"/>
+              </a:defRPr>
+            </a:lvl5pPr>
+            <a:lvl6pPr marL="2286000" algn="l" defTabSz="914400" rtl="0" eaLnBrk="1" latinLnBrk="0" hangingPunct="1">
+              <a:defRPr sz="1800" kern="1200">
+                <a:solidFill>
+                  <a:schemeClr val="lt1"/>
+                </a:solidFill>
+                <a:latin typeface="+mn-lt"/>
+                <a:ea typeface="+mn-ea"/>
+                <a:cs typeface="+mn-cs"/>
+              </a:defRPr>
+            </a:lvl6pPr>
+            <a:lvl7pPr marL="2743200" algn="l" defTabSz="914400" rtl="0" eaLnBrk="1" latinLnBrk="0" hangingPunct="1">
+              <a:defRPr sz="1800" kern="1200">
+                <a:solidFill>
+                  <a:schemeClr val="lt1"/>
+                </a:solidFill>
+                <a:latin typeface="+mn-lt"/>
+                <a:ea typeface="+mn-ea"/>
+                <a:cs typeface="+mn-cs"/>
+              </a:defRPr>
+            </a:lvl7pPr>
+            <a:lvl8pPr marL="3200400" algn="l" defTabSz="914400" rtl="0" eaLnBrk="1" latinLnBrk="0" hangingPunct="1">
+              <a:defRPr sz="1800" kern="1200">
+                <a:solidFill>
+                  <a:schemeClr val="lt1"/>
+                </a:solidFill>
+                <a:latin typeface="+mn-lt"/>
+                <a:ea typeface="+mn-ea"/>
+                <a:cs typeface="+mn-cs"/>
+              </a:defRPr>
+            </a:lvl8pPr>
+            <a:lvl9pPr marL="3657600" algn="l" defTabSz="914400" rtl="0" eaLnBrk="1" latinLnBrk="0" hangingPunct="1">
+              <a:defRPr sz="1800" kern="1200">
+                <a:solidFill>
+                  <a:schemeClr val="lt1"/>
+                </a:solidFill>
+                <a:latin typeface="+mn-lt"/>
+                <a:ea typeface="+mn-ea"/>
+                <a:cs typeface="+mn-cs"/>
+              </a:defRPr>
+            </a:lvl9pPr>
+          </a:lstStyle>
+          <a:p>
+            <a:pPr algn="ctr"/>
+            <a:endParaRPr lang="en-US"/>
+          </a:p>
+        </p:txBody>
+      </p:sp>
+      <p:pic>
+        <p:nvPicPr>
+          <p:cNvPr id="4" name="Content Placeholder 3">
+            <a:extLst>
+              <a:ext uri="{FF2B5EF4-FFF2-40B4-BE49-F238E27FC236}">
+                <a16:creationId xmlns:a16="http://schemas.microsoft.com/office/drawing/2014/main" id="{1BF72BC0-1DD1-4B46-BD8E-8B951C78C231}"/>
+              </a:ext>
+            </a:extLst>
+          </p:cNvPr>
+          <p:cNvPicPr>
+            <a:picLocks noGrp="1" noChangeAspect="1"/>
+          </p:cNvPicPr>
+          <p:nvPr>
+            <p:ph idx="1"/>
+          </p:nvPr>
+        </p:nvPicPr>
+        <p:blipFill rotWithShape="1">
+          <a:blip r:embed="rId2"/>
+          <a:srcRect t="19"/>
+          <a:stretch/>
+        </p:blipFill>
+        <p:spPr>
+          <a:xfrm>
+            <a:off x="20" y="1282"/>
+            <a:ext cx="12191980" cy="6856718"/>
+          </a:xfrm>
+          <a:prstGeom prst="rect">
+            <a:avLst/>
+          </a:prstGeom>
+        </p:spPr>
+      </p:pic>
+    </p:spTree>
+    <p:extLst>
+      <p:ext uri="{BB962C8B-B14F-4D97-AF65-F5344CB8AC3E}">
+        <p14:creationId xmlns:p14="http://schemas.microsoft.com/office/powerpoint/2010/main" val="1189516025"/>
+      </p:ext>
+    </p:extLst>
+  </p:cSld>
+  <p:clrMapOvr>
+    <a:masterClrMapping/>
+  </p:clrMapOvr>
+  <p:timing>
+    <p:tnLst>
+      <p:par>
+        <p:cTn id="1" dur="indefinite" restart="never" nodeType="tmRoot">
+          <p:childTnLst>
+            <p:seq concurrent="1" nextAc="seek">
+              <p:cTn id="2" dur="indefinite" nodeType="mainSeq">
+                <p:childTnLst>
+                  <p:par>
+                    <p:cTn id="3" fill="hold">
+                      <p:stCondLst>
+                        <p:cond delay="indefinite"/>
+                      </p:stCondLst>
+                      <p:childTnLst>
+                        <p:par>
+                          <p:cTn id="4" fill="hold">
+                            <p:stCondLst>
+                              <p:cond delay="0"/>
+                            </p:stCondLst>
+                            <p:childTnLst>
+                              <p:par>
+                                <p:cTn id="5" presetID="42" presetClass="entr" presetSubtype="0" fill="hold" nodeType="clickEffect">
+                                  <p:stCondLst>
+                                    <p:cond delay="0"/>
+                                  </p:stCondLst>
+                                  <p:childTnLst>
+                                    <p:set>
+                                      <p:cBhvr>
+                                        <p:cTn id="6" dur="1" fill="hold">
+                                          <p:stCondLst>
+                                            <p:cond delay="0"/>
+                                          </p:stCondLst>
+                                        </p:cTn>
+                                        <p:tgtEl>
+                                          <p:spTgt spid="4"/>
+                                        </p:tgtEl>
+                                        <p:attrNameLst>
+                                          <p:attrName>style.visibility</p:attrName>
+                                        </p:attrNameLst>
+                                      </p:cBhvr>
+                                      <p:to>
+                                        <p:strVal val="visible"/>
+                                      </p:to>
+                                    </p:set>
+                                    <p:animEffect transition="in" filter="fade">
+                                      <p:cBhvr>
+                                        <p:cTn id="7" dur="1000"/>
+                                        <p:tgtEl>
+                                          <p:spTgt spid="4"/>
+                                        </p:tgtEl>
+                                      </p:cBhvr>
+                                    </p:animEffect>
+                                    <p:anim calcmode="lin" valueType="num">
+                                      <p:cBhvr>
+                                        <p:cTn id="8" dur="1000" fill="hold"/>
+                                        <p:tgtEl>
+                                          <p:spTgt spid="4"/>
+                                        </p:tgtEl>
+                                        <p:attrNameLst>
+                                          <p:attrName>ppt_x</p:attrName>
+                                        </p:attrNameLst>
+                                      </p:cBhvr>
+                                      <p:tavLst>
+                                        <p:tav tm="0">
+                                          <p:val>
+                                            <p:strVal val="#ppt_x"/>
+                                          </p:val>
+                                        </p:tav>
+                                        <p:tav tm="100000">
+                                          <p:val>
+                                            <p:strVal val="#ppt_x"/>
+                                          </p:val>
+                                        </p:tav>
+                                      </p:tavLst>
+                                    </p:anim>
+                                    <p:anim calcmode="lin" valueType="num">
+                                      <p:cBhvr>
+                                        <p:cTn id="9" dur="1000" fill="hold"/>
+                                        <p:tgtEl>
+                                          <p:spTgt spid="4"/>
+                                        </p:tgtEl>
+                                        <p:attrNameLst>
+                                          <p:attrName>ppt_y</p:attrName>
+                                        </p:attrNameLst>
+                                      </p:cBhvr>
+                                      <p:tavLst>
+                                        <p:tav tm="0">
+                                          <p:val>
+                                            <p:strVal val="#ppt_y+.1"/>
+                                          </p:val>
+                                        </p:tav>
+                                        <p:tav tm="100000">
+                                          <p:val>
+                                            <p:strVal val="#ppt_y"/>
+                                          </p:val>
+                                        </p:tav>
+                                      </p:tavLst>
+                                    </p:anim>
+                                  </p:childTnLst>
+                                </p:cTn>
+                              </p:par>
+                            </p:childTnLst>
+                          </p:cTn>
+                        </p:par>
+                      </p:childTnLst>
+                    </p:cTn>
+                  </p:par>
+                </p:childTnLst>
+              </p:cTn>
+              <p:prevCondLst>
+                <p:cond evt="onPrev" delay="0">
+                  <p:tgtEl>
+                    <p:sldTgt/>
+                  </p:tgtEl>
+                </p:cond>
+              </p:prevCondLst>
+              <p:nextCondLst>
+                <p:cond evt="onNext" delay="0">
+                  <p:tgtEl>
+                    <p:sldTgt/>
+                  </p:tgtEl>
+                </p:cond>
+              </p:nextCondLst>
+            </p:seq>
+          </p:childTnLst>
+        </p:cTn>
+      </p:par>
+    </p:tnLst>
+  </p:timing>
+</p:sld>
+</file>
+
+<file path=ppt/slides/slide9.xml><?xml version="1.0" encoding="utf-8"?>
+<p:sld xmlns:a="http://schemas.openxmlformats.org/drawingml/2006/main" xmlns:r="http://schemas.openxmlformats.org/officeDocument/2006/relationships" xmlns:p="http://schemas.openxmlformats.org/presentationml/2006/main">
+  <p:cSld>
+    <p:bg>
+      <p:bgPr>
+        <a:solidFill>
+          <a:schemeClr val="bg1"/>
+        </a:solidFill>
+        <a:effectLst/>
+      </p:bgPr>
+    </p:bg>
+    <p:spTree>
+      <p:nvGrpSpPr>
+        <p:cNvPr id="1" name=""/>
+        <p:cNvGrpSpPr/>
+        <p:nvPr/>
+      </p:nvGrpSpPr>
+      <p:grpSpPr>
+        <a:xfrm>
+          <a:off x="0" y="0"/>
+          <a:ext cx="0" cy="0"/>
+          <a:chOff x="0" y="0"/>
+          <a:chExt cx="0" cy="0"/>
+        </a:xfrm>
+      </p:grpSpPr>
+      <p:sp>
+        <p:nvSpPr>
+          <p:cNvPr id="9" name="Rectangle 8">
+            <a:extLst>
+              <a:ext uri="{FF2B5EF4-FFF2-40B4-BE49-F238E27FC236}">
+                <a16:creationId xmlns:a16="http://schemas.microsoft.com/office/drawing/2014/main" id="{42A4FC2C-047E-45A5-965D-8E1E3BF09BC6}"/>
+              </a:ext>
+              <a:ext uri="{C183D7F6-B498-43B3-948B-1728B52AA6E4}">
+                <adec:decorative xmlns:adec="http://schemas.microsoft.com/office/drawing/2017/decorative" val="1"/>
+              </a:ext>
+            </a:extLst>
+          </p:cNvPr>
+          <p:cNvSpPr>
+            <a:spLocks noGrp="1" noRot="1" noChangeAspect="1" noMove="1" noResize="1" noEditPoints="1" noAdjustHandles="1" noChangeArrowheads="1" noChangeShapeType="1" noTextEdit="1"/>
+          </p:cNvSpPr>
+          <p:nvPr>
+            <p:extLst>
+              <p:ext uri="{386F3935-93C4-4BCD-93E2-E3B085C9AB24}">
+                <p16:designElem xmlns:p16="http://schemas.microsoft.com/office/powerpoint/2015/main" val="1"/>
+              </p:ext>
+            </p:extLst>
+          </p:nvPr>
+        </p:nvSpPr>
+        <p:spPr bwMode="white">
+          <a:xfrm>
+            <a:off x="1524" y="0"/>
+            <a:ext cx="12188952" cy="6858000"/>
+          </a:xfrm>
+          <a:prstGeom prst="rect">
+            <a:avLst/>
+          </a:prstGeom>
+          <a:noFill/>
+          <a:ln>
+            <a:noFill/>
+          </a:ln>
+        </p:spPr>
+        <p:style>
+          <a:lnRef idx="2">
+            <a:schemeClr val="accent1">
+              <a:shade val="50000"/>
+            </a:schemeClr>
+          </a:lnRef>
+          <a:fillRef idx="1">
+            <a:schemeClr val="accent1"/>
+          </a:fillRef>
+          <a:effectRef idx="0">
+            <a:schemeClr val="accent1"/>
+          </a:effectRef>
+          <a:fontRef idx="minor">
+            <a:schemeClr val="lt1"/>
+          </a:fontRef>
+        </p:style>
+        <p:txBody>
+          <a:bodyPr rtlCol="0" anchor="ctr"/>
+          <a:lstStyle>
+            <a:defPPr>
+              <a:defRPr lang="en-US"/>
+            </a:defPPr>
+            <a:lvl1pPr marL="0" algn="l" defTabSz="914400" rtl="0" eaLnBrk="1" latinLnBrk="0" hangingPunct="1">
+              <a:defRPr sz="1800" kern="1200">
+                <a:solidFill>
+                  <a:schemeClr val="lt1"/>
+                </a:solidFill>
+                <a:latin typeface="+mn-lt"/>
+                <a:ea typeface="+mn-ea"/>
+                <a:cs typeface="+mn-cs"/>
+              </a:defRPr>
+            </a:lvl1pPr>
+            <a:lvl2pPr marL="457200" algn="l" defTabSz="914400" rtl="0" eaLnBrk="1" latinLnBrk="0" hangingPunct="1">
+              <a:defRPr sz="1800" kern="1200">
+                <a:solidFill>
+                  <a:schemeClr val="lt1"/>
+                </a:solidFill>
+                <a:latin typeface="+mn-lt"/>
+                <a:ea typeface="+mn-ea"/>
+                <a:cs typeface="+mn-cs"/>
+              </a:defRPr>
+            </a:lvl2pPr>
+            <a:lvl3pPr marL="914400" algn="l" defTabSz="914400" rtl="0" eaLnBrk="1" latinLnBrk="0" hangingPunct="1">
+              <a:defRPr sz="1800" kern="1200">
+                <a:solidFill>
+                  <a:schemeClr val="lt1"/>
+                </a:solidFill>
+                <a:latin typeface="+mn-lt"/>
+                <a:ea typeface="+mn-ea"/>
+                <a:cs typeface="+mn-cs"/>
+              </a:defRPr>
+            </a:lvl3pPr>
+            <a:lvl4pPr marL="1371600" algn="l" defTabSz="914400" rtl="0" eaLnBrk="1" latinLnBrk="0" hangingPunct="1">
+              <a:defRPr sz="1800" kern="1200">
+                <a:solidFill>
+                  <a:schemeClr val="lt1"/>
+                </a:solidFill>
+                <a:latin typeface="+mn-lt"/>
+                <a:ea typeface="+mn-ea"/>
+                <a:cs typeface="+mn-cs"/>
+              </a:defRPr>
+            </a:lvl4pPr>
+            <a:lvl5pPr marL="1828800" algn="l" defTabSz="914400" rtl="0" eaLnBrk="1" latinLnBrk="0" hangingPunct="1">
+              <a:defRPr sz="1800" kern="1200">
+                <a:solidFill>
+                  <a:schemeClr val="lt1"/>
+                </a:solidFill>
+                <a:latin typeface="+mn-lt"/>
+                <a:ea typeface="+mn-ea"/>
+                <a:cs typeface="+mn-cs"/>
+              </a:defRPr>
+            </a:lvl5pPr>
+            <a:lvl6pPr marL="2286000" algn="l" defTabSz="914400" rtl="0" eaLnBrk="1" latinLnBrk="0" hangingPunct="1">
+              <a:defRPr sz="1800" kern="1200">
+                <a:solidFill>
+                  <a:schemeClr val="lt1"/>
+                </a:solidFill>
+                <a:latin typeface="+mn-lt"/>
+                <a:ea typeface="+mn-ea"/>
+                <a:cs typeface="+mn-cs"/>
+              </a:defRPr>
+            </a:lvl6pPr>
+            <a:lvl7pPr marL="2743200" algn="l" defTabSz="914400" rtl="0" eaLnBrk="1" latinLnBrk="0" hangingPunct="1">
+              <a:defRPr sz="1800" kern="1200">
+                <a:solidFill>
+                  <a:schemeClr val="lt1"/>
+                </a:solidFill>
+                <a:latin typeface="+mn-lt"/>
+                <a:ea typeface="+mn-ea"/>
+                <a:cs typeface="+mn-cs"/>
+              </a:defRPr>
+            </a:lvl7pPr>
+            <a:lvl8pPr marL="3200400" algn="l" defTabSz="914400" rtl="0" eaLnBrk="1" latinLnBrk="0" hangingPunct="1">
+              <a:defRPr sz="1800" kern="1200">
+                <a:solidFill>
+                  <a:schemeClr val="lt1"/>
+                </a:solidFill>
+                <a:latin typeface="+mn-lt"/>
+                <a:ea typeface="+mn-ea"/>
+                <a:cs typeface="+mn-cs"/>
+              </a:defRPr>
+            </a:lvl8pPr>
+            <a:lvl9pPr marL="3657600" algn="l" defTabSz="914400" rtl="0" eaLnBrk="1" latinLnBrk="0" hangingPunct="1">
+              <a:defRPr sz="1800" kern="1200">
+                <a:solidFill>
+                  <a:schemeClr val="lt1"/>
+                </a:solidFill>
+                <a:latin typeface="+mn-lt"/>
+                <a:ea typeface="+mn-ea"/>
+                <a:cs typeface="+mn-cs"/>
+              </a:defRPr>
+            </a:lvl9pPr>
+          </a:lstStyle>
+          <a:p>
+            <a:pPr algn="ctr"/>
+            <a:endParaRPr lang="en-US"/>
+          </a:p>
+        </p:txBody>
+      </p:sp>
+      <p:pic>
+        <p:nvPicPr>
+          <p:cNvPr id="4" name="Content Placeholder 3">
+            <a:extLst>
+              <a:ext uri="{FF2B5EF4-FFF2-40B4-BE49-F238E27FC236}">
+                <a16:creationId xmlns:a16="http://schemas.microsoft.com/office/drawing/2014/main" id="{D5E8ED19-1A31-43F6-91E7-B8FD9890FA68}"/>
+              </a:ext>
+            </a:extLst>
+          </p:cNvPr>
+          <p:cNvPicPr>
+            <a:picLocks noGrp="1" noChangeAspect="1"/>
+          </p:cNvPicPr>
+          <p:nvPr>
+            <p:ph idx="1"/>
+          </p:nvPr>
+        </p:nvPicPr>
+        <p:blipFill rotWithShape="1">
+          <a:blip r:embed="rId2"/>
+          <a:srcRect b="19"/>
+          <a:stretch/>
+        </p:blipFill>
+        <p:spPr>
+          <a:xfrm>
+            <a:off x="20" y="1282"/>
+            <a:ext cx="12191980" cy="6856718"/>
+          </a:xfrm>
+          <a:prstGeom prst="rect">
+            <a:avLst/>
+          </a:prstGeom>
+        </p:spPr>
+      </p:pic>
+    </p:spTree>
+    <p:extLst>
+      <p:ext uri="{BB962C8B-B14F-4D97-AF65-F5344CB8AC3E}">
+        <p14:creationId xmlns:p14="http://schemas.microsoft.com/office/powerpoint/2010/main" val="3164539950"/>
+      </p:ext>
+    </p:extLst>
+  </p:cSld>
+  <p:clrMapOvr>
+    <a:masterClrMapping/>
+  </p:clrMapOvr>
+  <p:timing>
+    <p:tnLst>
+      <p:par>
+        <p:cTn id="1" dur="indefinite" restart="never" nodeType="tmRoot">
+          <p:childTnLst>
+            <p:seq concurrent="1" nextAc="seek">
+              <p:cTn id="2" dur="indefinite" nodeType="mainSeq">
+                <p:childTnLst>
+                  <p:par>
+                    <p:cTn id="3" fill="hold">
+                      <p:stCondLst>
+                        <p:cond delay="indefinite"/>
+                      </p:stCondLst>
+                      <p:childTnLst>
+                        <p:par>
+                          <p:cTn id="4" fill="hold">
+                            <p:stCondLst>
+                              <p:cond delay="0"/>
+                            </p:stCondLst>
+                            <p:childTnLst>
+                              <p:par>
+                                <p:cTn id="5" presetID="42" presetClass="entr" presetSubtype="0" fill="hold" nodeType="clickEffect">
+                                  <p:stCondLst>
+                                    <p:cond delay="0"/>
+                                  </p:stCondLst>
+                                  <p:childTnLst>
+                                    <p:set>
+                                      <p:cBhvr>
+                                        <p:cTn id="6" dur="1" fill="hold">
+                                          <p:stCondLst>
+                                            <p:cond delay="0"/>
+                                          </p:stCondLst>
+                                        </p:cTn>
+                                        <p:tgtEl>
+                                          <p:spTgt spid="4"/>
+                                        </p:tgtEl>
+                                        <p:attrNameLst>
+                                          <p:attrName>style.visibility</p:attrName>
+                                        </p:attrNameLst>
+                                      </p:cBhvr>
+                                      <p:to>
+                                        <p:strVal val="visible"/>
+                                      </p:to>
+                                    </p:set>
+                                    <p:animEffect transition="in" filter="fade">
+                                      <p:cBhvr>
+                                        <p:cTn id="7" dur="1000"/>
+                                        <p:tgtEl>
+                                          <p:spTgt spid="4"/>
+                                        </p:tgtEl>
+                                      </p:cBhvr>
+                                    </p:animEffect>
+                                    <p:anim calcmode="lin" valueType="num">
+                                      <p:cBhvr>
+                                        <p:cTn id="8" dur="1000" fill="hold"/>
+                                        <p:tgtEl>
+                                          <p:spTgt spid="4"/>
+                                        </p:tgtEl>
+                                        <p:attrNameLst>
+                                          <p:attrName>ppt_x</p:attrName>
+                                        </p:attrNameLst>
+                                      </p:cBhvr>
+                                      <p:tavLst>
+                                        <p:tav tm="0">
+                                          <p:val>
+                                            <p:strVal val="#ppt_x"/>
+                                          </p:val>
+                                        </p:tav>
+                                        <p:tav tm="100000">
+                                          <p:val>
+                                            <p:strVal val="#ppt_x"/>
+                                          </p:val>
+                                        </p:tav>
+                                      </p:tavLst>
+                                    </p:anim>
+                                    <p:anim calcmode="lin" valueType="num">
+                                      <p:cBhvr>
+                                        <p:cTn id="9" dur="1000" fill="hold"/>
+                                        <p:tgtEl>
+                                          <p:spTgt spid="4"/>
                                         </p:tgtEl>
                                         <p:attrNameLst>
                                           <p:attrName>ppt_y</p:attrName>

--- a/Dashboad.pptx
+++ b/Dashboad.pptx
@@ -13,8 +13,10 @@
     <p:sldId id="261" r:id="rId7"/>
     <p:sldId id="262" r:id="rId8"/>
     <p:sldId id="263" r:id="rId9"/>
-    <p:sldId id="264" r:id="rId10"/>
-    <p:sldId id="265" r:id="rId11"/>
+    <p:sldId id="265" r:id="rId10"/>
+    <p:sldId id="266" r:id="rId11"/>
+    <p:sldId id="267" r:id="rId12"/>
+    <p:sldId id="268" r:id="rId13"/>
   </p:sldIdLst>
   <p:sldSz cx="12192000" cy="6858000"/>
   <p:notesSz cx="6858000" cy="9144000"/>
@@ -113,7 +115,3490 @@
       </a:defRPr>
     </a:lvl9pPr>
   </p:defaultTextStyle>
+  <p:extLst>
+    <p:ext uri="{EFAFB233-063F-42B5-8137-9DF3F51BA10A}">
+      <p15:sldGuideLst xmlns:p15="http://schemas.microsoft.com/office/powerpoint/2012/main"/>
+    </p:ext>
+  </p:extLst>
 </p:presentation>
+</file>
+
+<file path=ppt/diagrams/colors1.xml><?xml version="1.0" encoding="utf-8"?>
+<dgm:colorsDef xmlns:dgm="http://schemas.openxmlformats.org/drawingml/2006/diagram" xmlns:a="http://schemas.openxmlformats.org/drawingml/2006/main" uniqueId="urn:microsoft.com/office/officeart/2005/8/colors/colorful2">
+  <dgm:title val=""/>
+  <dgm:desc val=""/>
+  <dgm:catLst>
+    <dgm:cat type="colorful" pri="10200"/>
+  </dgm:catLst>
+  <dgm:styleLbl name="node0">
+    <dgm:fillClrLst meth="repeat">
+      <a:schemeClr val="accent1"/>
+    </dgm:fillClrLst>
+    <dgm:linClrLst meth="repeat">
+      <a:schemeClr val="lt1"/>
+    </dgm:linClrLst>
+    <dgm:effectClrLst/>
+    <dgm:txLinClrLst/>
+    <dgm:txFillClrLst/>
+    <dgm:txEffectClrLst/>
+  </dgm:styleLbl>
+  <dgm:styleLbl name="node1">
+    <dgm:fillClrLst>
+      <a:schemeClr val="accent2"/>
+      <a:schemeClr val="accent3"/>
+    </dgm:fillClrLst>
+    <dgm:linClrLst meth="repeat">
+      <a:schemeClr val="lt1"/>
+    </dgm:linClrLst>
+    <dgm:effectClrLst/>
+    <dgm:txLinClrLst/>
+    <dgm:txFillClrLst/>
+    <dgm:txEffectClrLst/>
+  </dgm:styleLbl>
+  <dgm:styleLbl name="alignNode1">
+    <dgm:fillClrLst>
+      <a:schemeClr val="accent2"/>
+      <a:schemeClr val="accent3"/>
+    </dgm:fillClrLst>
+    <dgm:linClrLst>
+      <a:schemeClr val="accent2"/>
+      <a:schemeClr val="accent3"/>
+    </dgm:linClrLst>
+    <dgm:effectClrLst/>
+    <dgm:txLinClrLst/>
+    <dgm:txFillClrLst/>
+    <dgm:txEffectClrLst/>
+  </dgm:styleLbl>
+  <dgm:styleLbl name="lnNode1">
+    <dgm:fillClrLst>
+      <a:schemeClr val="accent2"/>
+      <a:schemeClr val="accent3"/>
+    </dgm:fillClrLst>
+    <dgm:linClrLst meth="repeat">
+      <a:schemeClr val="lt1"/>
+    </dgm:linClrLst>
+    <dgm:effectClrLst/>
+    <dgm:txLinClrLst/>
+    <dgm:txFillClrLst/>
+    <dgm:txEffectClrLst/>
+  </dgm:styleLbl>
+  <dgm:styleLbl name="vennNode1">
+    <dgm:fillClrLst>
+      <a:schemeClr val="accent2">
+        <a:alpha val="50000"/>
+      </a:schemeClr>
+      <a:schemeClr val="accent3">
+        <a:alpha val="50000"/>
+      </a:schemeClr>
+    </dgm:fillClrLst>
+    <dgm:linClrLst meth="repeat">
+      <a:schemeClr val="lt1"/>
+    </dgm:linClrLst>
+    <dgm:effectClrLst/>
+    <dgm:txLinClrLst/>
+    <dgm:txFillClrLst/>
+    <dgm:txEffectClrLst/>
+  </dgm:styleLbl>
+  <dgm:styleLbl name="node2">
+    <dgm:fillClrLst>
+      <a:schemeClr val="accent3"/>
+    </dgm:fillClrLst>
+    <dgm:linClrLst meth="repeat">
+      <a:schemeClr val="lt1"/>
+    </dgm:linClrLst>
+    <dgm:effectClrLst/>
+    <dgm:txLinClrLst/>
+    <dgm:txFillClrLst/>
+    <dgm:txEffectClrLst/>
+  </dgm:styleLbl>
+  <dgm:styleLbl name="node3">
+    <dgm:fillClrLst>
+      <a:schemeClr val="accent4"/>
+    </dgm:fillClrLst>
+    <dgm:linClrLst meth="repeat">
+      <a:schemeClr val="lt1"/>
+    </dgm:linClrLst>
+    <dgm:effectClrLst/>
+    <dgm:txLinClrLst/>
+    <dgm:txFillClrLst/>
+    <dgm:txEffectClrLst/>
+  </dgm:styleLbl>
+  <dgm:styleLbl name="node4">
+    <dgm:fillClrLst>
+      <a:schemeClr val="accent5"/>
+    </dgm:fillClrLst>
+    <dgm:linClrLst meth="repeat">
+      <a:schemeClr val="lt1"/>
+    </dgm:linClrLst>
+    <dgm:effectClrLst/>
+    <dgm:txLinClrLst/>
+    <dgm:txFillClrLst/>
+    <dgm:txEffectClrLst/>
+  </dgm:styleLbl>
+  <dgm:styleLbl name="fgImgPlace1">
+    <dgm:fillClrLst>
+      <a:schemeClr val="accent2">
+        <a:tint val="50000"/>
+      </a:schemeClr>
+      <a:schemeClr val="accent3">
+        <a:tint val="50000"/>
+      </a:schemeClr>
+    </dgm:fillClrLst>
+    <dgm:linClrLst meth="repeat">
+      <a:schemeClr val="lt1"/>
+    </dgm:linClrLst>
+    <dgm:effectClrLst/>
+    <dgm:txLinClrLst/>
+    <dgm:txFillClrLst meth="repeat">
+      <a:schemeClr val="lt1"/>
+    </dgm:txFillClrLst>
+    <dgm:txEffectClrLst/>
+  </dgm:styleLbl>
+  <dgm:styleLbl name="alignImgPlace1">
+    <dgm:fillClrLst>
+      <a:schemeClr val="accent2">
+        <a:tint val="50000"/>
+      </a:schemeClr>
+      <a:schemeClr val="accent3">
+        <a:tint val="20000"/>
+      </a:schemeClr>
+    </dgm:fillClrLst>
+    <dgm:linClrLst meth="repeat">
+      <a:schemeClr val="lt1"/>
+    </dgm:linClrLst>
+    <dgm:effectClrLst/>
+    <dgm:txLinClrLst/>
+    <dgm:txFillClrLst meth="repeat">
+      <a:schemeClr val="lt1"/>
+    </dgm:txFillClrLst>
+    <dgm:txEffectClrLst/>
+  </dgm:styleLbl>
+  <dgm:styleLbl name="bgImgPlace1">
+    <dgm:fillClrLst>
+      <a:schemeClr val="accent2">
+        <a:tint val="50000"/>
+      </a:schemeClr>
+      <a:schemeClr val="accent3">
+        <a:tint val="20000"/>
+      </a:schemeClr>
+    </dgm:fillClrLst>
+    <dgm:linClrLst meth="repeat">
+      <a:schemeClr val="lt1"/>
+    </dgm:linClrLst>
+    <dgm:effectClrLst/>
+    <dgm:txLinClrLst/>
+    <dgm:txFillClrLst meth="repeat">
+      <a:schemeClr val="lt1"/>
+    </dgm:txFillClrLst>
+    <dgm:txEffectClrLst/>
+  </dgm:styleLbl>
+  <dgm:styleLbl name="sibTrans2D1">
+    <dgm:fillClrLst>
+      <a:schemeClr val="accent2"/>
+      <a:schemeClr val="accent3"/>
+    </dgm:fillClrLst>
+    <dgm:linClrLst meth="repeat">
+      <a:schemeClr val="lt1"/>
+    </dgm:linClrLst>
+    <dgm:effectClrLst/>
+    <dgm:txLinClrLst/>
+    <dgm:txFillClrLst/>
+    <dgm:txEffectClrLst/>
+  </dgm:styleLbl>
+  <dgm:styleLbl name="fgSibTrans2D1">
+    <dgm:fillClrLst>
+      <a:schemeClr val="accent2"/>
+      <a:schemeClr val="accent3"/>
+    </dgm:fillClrLst>
+    <dgm:linClrLst meth="repeat">
+      <a:schemeClr val="lt1"/>
+    </dgm:linClrLst>
+    <dgm:effectClrLst/>
+    <dgm:txLinClrLst/>
+    <dgm:txFillClrLst meth="repeat">
+      <a:schemeClr val="lt1"/>
+    </dgm:txFillClrLst>
+    <dgm:txEffectClrLst/>
+  </dgm:styleLbl>
+  <dgm:styleLbl name="bgSibTrans2D1">
+    <dgm:fillClrLst>
+      <a:schemeClr val="accent2"/>
+      <a:schemeClr val="accent3"/>
+    </dgm:fillClrLst>
+    <dgm:linClrLst meth="repeat">
+      <a:schemeClr val="lt1"/>
+    </dgm:linClrLst>
+    <dgm:effectClrLst/>
+    <dgm:txLinClrLst/>
+    <dgm:txFillClrLst meth="repeat">
+      <a:schemeClr val="lt1"/>
+    </dgm:txFillClrLst>
+    <dgm:txEffectClrLst/>
+  </dgm:styleLbl>
+  <dgm:styleLbl name="sibTrans1D1">
+    <dgm:fillClrLst/>
+    <dgm:linClrLst>
+      <a:schemeClr val="accent2"/>
+      <a:schemeClr val="accent3"/>
+    </dgm:linClrLst>
+    <dgm:effectClrLst/>
+    <dgm:txLinClrLst/>
+    <dgm:txFillClrLst meth="repeat">
+      <a:schemeClr val="tx1"/>
+    </dgm:txFillClrLst>
+    <dgm:txEffectClrLst/>
+  </dgm:styleLbl>
+  <dgm:styleLbl name="callout">
+    <dgm:fillClrLst meth="repeat">
+      <a:schemeClr val="accent2"/>
+    </dgm:fillClrLst>
+    <dgm:linClrLst meth="repeat">
+      <a:schemeClr val="accent2">
+        <a:tint val="50000"/>
+      </a:schemeClr>
+    </dgm:linClrLst>
+    <dgm:effectClrLst/>
+    <dgm:txLinClrLst/>
+    <dgm:txFillClrLst meth="repeat">
+      <a:schemeClr val="tx1"/>
+    </dgm:txFillClrLst>
+    <dgm:txEffectClrLst/>
+  </dgm:styleLbl>
+  <dgm:styleLbl name="asst0">
+    <dgm:fillClrLst meth="repeat">
+      <a:schemeClr val="accent2"/>
+    </dgm:fillClrLst>
+    <dgm:linClrLst meth="repeat">
+      <a:schemeClr val="lt1">
+        <a:shade val="80000"/>
+      </a:schemeClr>
+    </dgm:linClrLst>
+    <dgm:effectClrLst/>
+    <dgm:txLinClrLst/>
+    <dgm:txFillClrLst/>
+    <dgm:txEffectClrLst/>
+  </dgm:styleLbl>
+  <dgm:styleLbl name="asst1">
+    <dgm:fillClrLst meth="repeat">
+      <a:schemeClr val="accent3"/>
+    </dgm:fillClrLst>
+    <dgm:linClrLst meth="repeat">
+      <a:schemeClr val="lt1">
+        <a:shade val="80000"/>
+      </a:schemeClr>
+    </dgm:linClrLst>
+    <dgm:effectClrLst/>
+    <dgm:txLinClrLst/>
+    <dgm:txFillClrLst/>
+    <dgm:txEffectClrLst/>
+  </dgm:styleLbl>
+  <dgm:styleLbl name="asst2">
+    <dgm:fillClrLst>
+      <a:schemeClr val="accent4"/>
+    </dgm:fillClrLst>
+    <dgm:linClrLst meth="repeat">
+      <a:schemeClr val="lt1"/>
+    </dgm:linClrLst>
+    <dgm:effectClrLst/>
+    <dgm:txLinClrLst/>
+    <dgm:txFillClrLst/>
+    <dgm:txEffectClrLst/>
+  </dgm:styleLbl>
+  <dgm:styleLbl name="asst3">
+    <dgm:fillClrLst>
+      <a:schemeClr val="accent5"/>
+    </dgm:fillClrLst>
+    <dgm:linClrLst meth="repeat">
+      <a:schemeClr val="lt1"/>
+    </dgm:linClrLst>
+    <dgm:effectClrLst/>
+    <dgm:txLinClrLst/>
+    <dgm:txFillClrLst/>
+    <dgm:txEffectClrLst/>
+  </dgm:styleLbl>
+  <dgm:styleLbl name="asst4">
+    <dgm:fillClrLst>
+      <a:schemeClr val="accent6"/>
+    </dgm:fillClrLst>
+    <dgm:linClrLst meth="repeat">
+      <a:schemeClr val="lt1"/>
+    </dgm:linClrLst>
+    <dgm:effectClrLst/>
+    <dgm:txLinClrLst/>
+    <dgm:txFillClrLst/>
+    <dgm:txEffectClrLst/>
+  </dgm:styleLbl>
+  <dgm:styleLbl name="parChTrans2D1">
+    <dgm:fillClrLst meth="repeat">
+      <a:schemeClr val="accent2"/>
+    </dgm:fillClrLst>
+    <dgm:linClrLst meth="repeat">
+      <a:schemeClr val="lt1"/>
+    </dgm:linClrLst>
+    <dgm:effectClrLst/>
+    <dgm:txLinClrLst/>
+    <dgm:txFillClrLst meth="repeat">
+      <a:schemeClr val="lt1"/>
+    </dgm:txFillClrLst>
+    <dgm:txEffectClrLst/>
+  </dgm:styleLbl>
+  <dgm:styleLbl name="parChTrans2D2">
+    <dgm:fillClrLst meth="repeat">
+      <a:schemeClr val="accent3"/>
+    </dgm:fillClrLst>
+    <dgm:linClrLst meth="repeat">
+      <a:schemeClr val="lt1"/>
+    </dgm:linClrLst>
+    <dgm:effectClrLst/>
+    <dgm:txLinClrLst/>
+    <dgm:txFillClrLst/>
+    <dgm:txEffectClrLst/>
+  </dgm:styleLbl>
+  <dgm:styleLbl name="parChTrans2D3">
+    <dgm:fillClrLst meth="repeat">
+      <a:schemeClr val="accent4"/>
+    </dgm:fillClrLst>
+    <dgm:linClrLst meth="repeat">
+      <a:schemeClr val="lt1"/>
+    </dgm:linClrLst>
+    <dgm:effectClrLst/>
+    <dgm:txLinClrLst/>
+    <dgm:txFillClrLst/>
+    <dgm:txEffectClrLst/>
+  </dgm:styleLbl>
+  <dgm:styleLbl name="parChTrans2D4">
+    <dgm:fillClrLst meth="repeat">
+      <a:schemeClr val="accent5"/>
+    </dgm:fillClrLst>
+    <dgm:linClrLst meth="repeat">
+      <a:schemeClr val="lt1"/>
+    </dgm:linClrLst>
+    <dgm:effectClrLst/>
+    <dgm:txLinClrLst/>
+    <dgm:txFillClrLst meth="repeat">
+      <a:schemeClr val="lt1"/>
+    </dgm:txFillClrLst>
+    <dgm:txEffectClrLst/>
+  </dgm:styleLbl>
+  <dgm:styleLbl name="parChTrans1D1">
+    <dgm:fillClrLst meth="repeat">
+      <a:schemeClr val="accent2"/>
+    </dgm:fillClrLst>
+    <dgm:linClrLst meth="repeat">
+      <a:schemeClr val="accent2"/>
+    </dgm:linClrLst>
+    <dgm:effectClrLst/>
+    <dgm:txLinClrLst/>
+    <dgm:txFillClrLst meth="repeat">
+      <a:schemeClr val="tx1"/>
+    </dgm:txFillClrLst>
+    <dgm:txEffectClrLst/>
+  </dgm:styleLbl>
+  <dgm:styleLbl name="parChTrans1D2">
+    <dgm:fillClrLst meth="repeat">
+      <a:schemeClr val="accent2">
+        <a:tint val="90000"/>
+      </a:schemeClr>
+    </dgm:fillClrLst>
+    <dgm:linClrLst meth="repeat">
+      <a:schemeClr val="accent3"/>
+    </dgm:linClrLst>
+    <dgm:effectClrLst/>
+    <dgm:txLinClrLst/>
+    <dgm:txFillClrLst meth="repeat">
+      <a:schemeClr val="tx1"/>
+    </dgm:txFillClrLst>
+    <dgm:txEffectClrLst/>
+  </dgm:styleLbl>
+  <dgm:styleLbl name="parChTrans1D3">
+    <dgm:fillClrLst meth="repeat">
+      <a:schemeClr val="accent2">
+        <a:tint val="70000"/>
+      </a:schemeClr>
+    </dgm:fillClrLst>
+    <dgm:linClrLst meth="repeat">
+      <a:schemeClr val="accent4"/>
+    </dgm:linClrLst>
+    <dgm:effectClrLst/>
+    <dgm:txLinClrLst/>
+    <dgm:txFillClrLst meth="repeat">
+      <a:schemeClr val="tx1"/>
+    </dgm:txFillClrLst>
+    <dgm:txEffectClrLst/>
+  </dgm:styleLbl>
+  <dgm:styleLbl name="parChTrans1D4">
+    <dgm:fillClrLst meth="repeat">
+      <a:schemeClr val="accent2">
+        <a:tint val="50000"/>
+      </a:schemeClr>
+    </dgm:fillClrLst>
+    <dgm:linClrLst meth="repeat">
+      <a:schemeClr val="accent5"/>
+    </dgm:linClrLst>
+    <dgm:effectClrLst/>
+    <dgm:txLinClrLst/>
+    <dgm:txFillClrLst meth="repeat">
+      <a:schemeClr val="tx1"/>
+    </dgm:txFillClrLst>
+    <dgm:txEffectClrLst/>
+  </dgm:styleLbl>
+  <dgm:styleLbl name="fgAcc1">
+    <dgm:fillClrLst meth="repeat">
+      <a:schemeClr val="lt1">
+        <a:alpha val="90000"/>
+      </a:schemeClr>
+    </dgm:fillClrLst>
+    <dgm:linClrLst>
+      <a:schemeClr val="accent2"/>
+      <a:schemeClr val="accent3"/>
+    </dgm:linClrLst>
+    <dgm:effectClrLst/>
+    <dgm:txLinClrLst/>
+    <dgm:txFillClrLst meth="repeat">
+      <a:schemeClr val="dk1"/>
+    </dgm:txFillClrLst>
+    <dgm:txEffectClrLst/>
+  </dgm:styleLbl>
+  <dgm:styleLbl name="conFgAcc1">
+    <dgm:fillClrLst meth="repeat">
+      <a:schemeClr val="lt1">
+        <a:alpha val="90000"/>
+      </a:schemeClr>
+    </dgm:fillClrLst>
+    <dgm:linClrLst>
+      <a:schemeClr val="accent2"/>
+      <a:schemeClr val="accent3"/>
+    </dgm:linClrLst>
+    <dgm:effectClrLst/>
+    <dgm:txLinClrLst/>
+    <dgm:txFillClrLst meth="repeat">
+      <a:schemeClr val="dk1"/>
+    </dgm:txFillClrLst>
+    <dgm:txEffectClrLst/>
+  </dgm:styleLbl>
+  <dgm:styleLbl name="alignAcc1">
+    <dgm:fillClrLst meth="repeat">
+      <a:schemeClr val="lt1">
+        <a:alpha val="90000"/>
+      </a:schemeClr>
+    </dgm:fillClrLst>
+    <dgm:linClrLst>
+      <a:schemeClr val="accent2"/>
+      <a:schemeClr val="accent3"/>
+    </dgm:linClrLst>
+    <dgm:effectClrLst/>
+    <dgm:txLinClrLst/>
+    <dgm:txFillClrLst meth="repeat">
+      <a:schemeClr val="dk1"/>
+    </dgm:txFillClrLst>
+    <dgm:txEffectClrLst/>
+  </dgm:styleLbl>
+  <dgm:styleLbl name="trAlignAcc1">
+    <dgm:fillClrLst meth="repeat">
+      <a:schemeClr val="lt1">
+        <a:alpha val="40000"/>
+      </a:schemeClr>
+    </dgm:fillClrLst>
+    <dgm:linClrLst meth="repeat">
+      <a:schemeClr val="accent2"/>
+    </dgm:linClrLst>
+    <dgm:effectClrLst/>
+    <dgm:txLinClrLst/>
+    <dgm:txFillClrLst meth="repeat">
+      <a:schemeClr val="dk1"/>
+    </dgm:txFillClrLst>
+    <dgm:txEffectClrLst/>
+  </dgm:styleLbl>
+  <dgm:styleLbl name="bgAcc1">
+    <dgm:fillClrLst meth="repeat">
+      <a:schemeClr val="lt1">
+        <a:alpha val="90000"/>
+      </a:schemeClr>
+    </dgm:fillClrLst>
+    <dgm:linClrLst>
+      <a:schemeClr val="accent2"/>
+      <a:schemeClr val="accent3"/>
+    </dgm:linClrLst>
+    <dgm:effectClrLst/>
+    <dgm:txLinClrLst/>
+    <dgm:txFillClrLst meth="repeat">
+      <a:schemeClr val="dk1"/>
+    </dgm:txFillClrLst>
+    <dgm:txEffectClrLst/>
+  </dgm:styleLbl>
+  <dgm:styleLbl name="solidFgAcc1">
+    <dgm:fillClrLst meth="repeat">
+      <a:schemeClr val="lt1"/>
+    </dgm:fillClrLst>
+    <dgm:linClrLst>
+      <a:schemeClr val="accent2"/>
+      <a:schemeClr val="accent3"/>
+    </dgm:linClrLst>
+    <dgm:effectClrLst/>
+    <dgm:txLinClrLst/>
+    <dgm:txFillClrLst meth="repeat">
+      <a:schemeClr val="dk1"/>
+    </dgm:txFillClrLst>
+    <dgm:txEffectClrLst/>
+  </dgm:styleLbl>
+  <dgm:styleLbl name="solidAlignAcc1">
+    <dgm:fillClrLst meth="repeat">
+      <a:schemeClr val="lt1"/>
+    </dgm:fillClrLst>
+    <dgm:linClrLst>
+      <a:schemeClr val="accent2"/>
+      <a:schemeClr val="accent3"/>
+    </dgm:linClrLst>
+    <dgm:effectClrLst/>
+    <dgm:txLinClrLst/>
+    <dgm:txFillClrLst meth="repeat">
+      <a:schemeClr val="dk1"/>
+    </dgm:txFillClrLst>
+    <dgm:txEffectClrLst/>
+  </dgm:styleLbl>
+  <dgm:styleLbl name="solidBgAcc1">
+    <dgm:fillClrLst meth="repeat">
+      <a:schemeClr val="lt1"/>
+    </dgm:fillClrLst>
+    <dgm:linClrLst>
+      <a:schemeClr val="accent2"/>
+      <a:schemeClr val="accent3"/>
+    </dgm:linClrLst>
+    <dgm:effectClrLst/>
+    <dgm:txLinClrLst/>
+    <dgm:txFillClrLst meth="repeat">
+      <a:schemeClr val="dk1"/>
+    </dgm:txFillClrLst>
+    <dgm:txEffectClrLst/>
+  </dgm:styleLbl>
+  <dgm:styleLbl name="fgAccFollowNode1">
+    <dgm:fillClrLst>
+      <a:schemeClr val="accent2">
+        <a:tint val="40000"/>
+        <a:alpha val="90000"/>
+      </a:schemeClr>
+      <a:schemeClr val="accent3">
+        <a:tint val="40000"/>
+        <a:alpha val="90000"/>
+      </a:schemeClr>
+    </dgm:fillClrLst>
+    <dgm:linClrLst>
+      <a:schemeClr val="accent2">
+        <a:tint val="40000"/>
+        <a:alpha val="90000"/>
+      </a:schemeClr>
+      <a:schemeClr val="accent3">
+        <a:tint val="40000"/>
+        <a:alpha val="90000"/>
+      </a:schemeClr>
+    </dgm:linClrLst>
+    <dgm:effectClrLst/>
+    <dgm:txLinClrLst/>
+    <dgm:txFillClrLst meth="repeat">
+      <a:schemeClr val="dk1"/>
+    </dgm:txFillClrLst>
+    <dgm:txEffectClrLst/>
+  </dgm:styleLbl>
+  <dgm:styleLbl name="alignAccFollowNode1">
+    <dgm:fillClrLst>
+      <a:schemeClr val="accent2">
+        <a:tint val="40000"/>
+        <a:alpha val="90000"/>
+      </a:schemeClr>
+      <a:schemeClr val="accent3">
+        <a:tint val="40000"/>
+        <a:alpha val="90000"/>
+      </a:schemeClr>
+    </dgm:fillClrLst>
+    <dgm:linClrLst>
+      <a:schemeClr val="accent2">
+        <a:tint val="40000"/>
+        <a:alpha val="90000"/>
+      </a:schemeClr>
+      <a:schemeClr val="accent3">
+        <a:tint val="40000"/>
+        <a:alpha val="90000"/>
+      </a:schemeClr>
+    </dgm:linClrLst>
+    <dgm:effectClrLst/>
+    <dgm:txLinClrLst/>
+    <dgm:txFillClrLst meth="repeat">
+      <a:schemeClr val="dk1"/>
+    </dgm:txFillClrLst>
+    <dgm:txEffectClrLst/>
+  </dgm:styleLbl>
+  <dgm:styleLbl name="bgAccFollowNode1">
+    <dgm:fillClrLst>
+      <a:schemeClr val="accent2">
+        <a:tint val="40000"/>
+        <a:alpha val="90000"/>
+      </a:schemeClr>
+      <a:schemeClr val="accent3">
+        <a:tint val="40000"/>
+        <a:alpha val="90000"/>
+      </a:schemeClr>
+    </dgm:fillClrLst>
+    <dgm:linClrLst>
+      <a:schemeClr val="accent2">
+        <a:tint val="40000"/>
+        <a:alpha val="90000"/>
+      </a:schemeClr>
+      <a:schemeClr val="accent3">
+        <a:tint val="40000"/>
+        <a:alpha val="90000"/>
+      </a:schemeClr>
+    </dgm:linClrLst>
+    <dgm:effectClrLst/>
+    <dgm:txLinClrLst/>
+    <dgm:txFillClrLst meth="repeat">
+      <a:schemeClr val="dk1"/>
+    </dgm:txFillClrLst>
+    <dgm:txEffectClrLst/>
+  </dgm:styleLbl>
+  <dgm:styleLbl name="fgAcc0">
+    <dgm:fillClrLst meth="repeat">
+      <a:schemeClr val="lt1">
+        <a:alpha val="90000"/>
+      </a:schemeClr>
+    </dgm:fillClrLst>
+    <dgm:linClrLst>
+      <a:schemeClr val="accent1"/>
+    </dgm:linClrLst>
+    <dgm:effectClrLst/>
+    <dgm:txLinClrLst/>
+    <dgm:txFillClrLst meth="repeat">
+      <a:schemeClr val="dk1"/>
+    </dgm:txFillClrLst>
+    <dgm:txEffectClrLst/>
+  </dgm:styleLbl>
+  <dgm:styleLbl name="fgAcc2">
+    <dgm:fillClrLst meth="repeat">
+      <a:schemeClr val="lt1">
+        <a:alpha val="90000"/>
+      </a:schemeClr>
+    </dgm:fillClrLst>
+    <dgm:linClrLst>
+      <a:schemeClr val="accent3"/>
+    </dgm:linClrLst>
+    <dgm:effectClrLst/>
+    <dgm:txLinClrLst/>
+    <dgm:txFillClrLst meth="repeat">
+      <a:schemeClr val="dk1"/>
+    </dgm:txFillClrLst>
+    <dgm:txEffectClrLst/>
+  </dgm:styleLbl>
+  <dgm:styleLbl name="fgAcc3">
+    <dgm:fillClrLst meth="repeat">
+      <a:schemeClr val="lt1">
+        <a:alpha val="90000"/>
+      </a:schemeClr>
+    </dgm:fillClrLst>
+    <dgm:linClrLst>
+      <a:schemeClr val="accent4"/>
+    </dgm:linClrLst>
+    <dgm:effectClrLst/>
+    <dgm:txLinClrLst/>
+    <dgm:txFillClrLst meth="repeat">
+      <a:schemeClr val="dk1"/>
+    </dgm:txFillClrLst>
+    <dgm:txEffectClrLst/>
+  </dgm:styleLbl>
+  <dgm:styleLbl name="fgAcc4">
+    <dgm:fillClrLst meth="repeat">
+      <a:schemeClr val="lt1">
+        <a:alpha val="90000"/>
+      </a:schemeClr>
+    </dgm:fillClrLst>
+    <dgm:linClrLst>
+      <a:schemeClr val="accent5"/>
+    </dgm:linClrLst>
+    <dgm:effectClrLst/>
+    <dgm:txLinClrLst/>
+    <dgm:txFillClrLst meth="repeat">
+      <a:schemeClr val="dk1"/>
+    </dgm:txFillClrLst>
+    <dgm:txEffectClrLst/>
+  </dgm:styleLbl>
+  <dgm:styleLbl name="bgShp">
+    <dgm:fillClrLst meth="repeat">
+      <a:schemeClr val="accent2">
+        <a:tint val="40000"/>
+      </a:schemeClr>
+    </dgm:fillClrLst>
+    <dgm:linClrLst meth="repeat">
+      <a:schemeClr val="dk1"/>
+    </dgm:linClrLst>
+    <dgm:effectClrLst/>
+    <dgm:txLinClrLst/>
+    <dgm:txFillClrLst meth="repeat">
+      <a:schemeClr val="dk1"/>
+    </dgm:txFillClrLst>
+    <dgm:txEffectClrLst/>
+  </dgm:styleLbl>
+  <dgm:styleLbl name="dkBgShp">
+    <dgm:fillClrLst meth="repeat">
+      <a:schemeClr val="accent2">
+        <a:shade val="90000"/>
+      </a:schemeClr>
+    </dgm:fillClrLst>
+    <dgm:linClrLst meth="repeat">
+      <a:schemeClr val="dk1"/>
+    </dgm:linClrLst>
+    <dgm:effectClrLst/>
+    <dgm:txLinClrLst/>
+    <dgm:txFillClrLst meth="repeat">
+      <a:schemeClr val="lt1"/>
+    </dgm:txFillClrLst>
+    <dgm:txEffectClrLst/>
+  </dgm:styleLbl>
+  <dgm:styleLbl name="trBgShp">
+    <dgm:fillClrLst meth="repeat">
+      <a:schemeClr val="accent2">
+        <a:tint val="50000"/>
+        <a:alpha val="40000"/>
+      </a:schemeClr>
+    </dgm:fillClrLst>
+    <dgm:linClrLst meth="repeat">
+      <a:schemeClr val="accent2"/>
+    </dgm:linClrLst>
+    <dgm:effectClrLst/>
+    <dgm:txLinClrLst/>
+    <dgm:txFillClrLst meth="repeat">
+      <a:schemeClr val="lt1"/>
+    </dgm:txFillClrLst>
+    <dgm:txEffectClrLst/>
+  </dgm:styleLbl>
+  <dgm:styleLbl name="fgShp">
+    <dgm:fillClrLst meth="repeat">
+      <a:schemeClr val="accent2">
+        <a:tint val="40000"/>
+      </a:schemeClr>
+    </dgm:fillClrLst>
+    <dgm:linClrLst meth="repeat">
+      <a:schemeClr val="lt1"/>
+    </dgm:linClrLst>
+    <dgm:effectClrLst/>
+    <dgm:txLinClrLst/>
+    <dgm:txFillClrLst meth="repeat">
+      <a:schemeClr val="dk1"/>
+    </dgm:txFillClrLst>
+    <dgm:txEffectClrLst/>
+  </dgm:styleLbl>
+  <dgm:styleLbl name="revTx">
+    <dgm:fillClrLst meth="repeat">
+      <a:schemeClr val="lt1">
+        <a:alpha val="0"/>
+      </a:schemeClr>
+    </dgm:fillClrLst>
+    <dgm:linClrLst meth="repeat">
+      <a:schemeClr val="dk1">
+        <a:alpha val="0"/>
+      </a:schemeClr>
+    </dgm:linClrLst>
+    <dgm:effectClrLst/>
+    <dgm:txLinClrLst/>
+    <dgm:txFillClrLst meth="repeat">
+      <a:schemeClr val="tx1"/>
+    </dgm:txFillClrLst>
+    <dgm:txEffectClrLst/>
+  </dgm:styleLbl>
+</dgm:colorsDef>
+</file>
+
+<file path=ppt/diagrams/data1.xml><?xml version="1.0" encoding="utf-8"?>
+<dgm:dataModel xmlns:dgm="http://schemas.openxmlformats.org/drawingml/2006/diagram" xmlns:a="http://schemas.openxmlformats.org/drawingml/2006/main">
+  <dgm:ptLst>
+    <dgm:pt modelId="{038DA489-74A5-414A-B48B-32E0EFB84459}" type="doc">
+      <dgm:prSet loTypeId="urn:microsoft.com/office/officeart/2016/7/layout/RepeatingBendingProcessNew" loCatId="process" qsTypeId="urn:microsoft.com/office/officeart/2005/8/quickstyle/simple5" qsCatId="simple" csTypeId="urn:microsoft.com/office/officeart/2005/8/colors/colorful2" csCatId="colorful"/>
+      <dgm:spPr/>
+      <dgm:t>
+        <a:bodyPr/>
+        <a:lstStyle/>
+        <a:p>
+          <a:endParaRPr lang="en-US"/>
+        </a:p>
+      </dgm:t>
+    </dgm:pt>
+    <dgm:pt modelId="{830C0062-CAD7-441A-8280-D6742B5A8B12}">
+      <dgm:prSet/>
+      <dgm:spPr/>
+      <dgm:t>
+        <a:bodyPr/>
+        <a:lstStyle/>
+        <a:p>
+          <a:r>
+            <a:rPr lang="en-US" dirty="0"/>
+            <a:t>Linear Regression - Continuous dependent variable</a:t>
+          </a:r>
+        </a:p>
+      </dgm:t>
+    </dgm:pt>
+    <dgm:pt modelId="{561098AD-EF92-4196-A818-B76897EF4B7F}" type="parTrans" cxnId="{8AA51D95-9654-4300-88DB-67FF461ED522}">
+      <dgm:prSet/>
+      <dgm:spPr/>
+      <dgm:t>
+        <a:bodyPr/>
+        <a:lstStyle/>
+        <a:p>
+          <a:endParaRPr lang="en-US"/>
+        </a:p>
+      </dgm:t>
+    </dgm:pt>
+    <dgm:pt modelId="{EBCEA7B4-00F8-4D3D-A94F-910C3D4658E5}" type="sibTrans" cxnId="{8AA51D95-9654-4300-88DB-67FF461ED522}">
+      <dgm:prSet/>
+      <dgm:spPr/>
+      <dgm:t>
+        <a:bodyPr/>
+        <a:lstStyle/>
+        <a:p>
+          <a:endParaRPr lang="en-US"/>
+        </a:p>
+      </dgm:t>
+    </dgm:pt>
+    <dgm:pt modelId="{024EBC23-C97D-4610-AB8C-FE713FF4F371}">
+      <dgm:prSet/>
+      <dgm:spPr/>
+      <dgm:t>
+        <a:bodyPr/>
+        <a:lstStyle/>
+        <a:p>
+          <a:r>
+            <a:rPr lang="en-US"/>
+            <a:t>Preprocess the data</a:t>
+          </a:r>
+        </a:p>
+      </dgm:t>
+    </dgm:pt>
+    <dgm:pt modelId="{C482DA60-D50A-4920-86BD-400B5A689C9B}" type="parTrans" cxnId="{EBA6B07E-0253-431E-B91B-765C86542176}">
+      <dgm:prSet/>
+      <dgm:spPr/>
+      <dgm:t>
+        <a:bodyPr/>
+        <a:lstStyle/>
+        <a:p>
+          <a:endParaRPr lang="en-US"/>
+        </a:p>
+      </dgm:t>
+    </dgm:pt>
+    <dgm:pt modelId="{0127A1DF-9258-417F-A874-708369319D51}" type="sibTrans" cxnId="{EBA6B07E-0253-431E-B91B-765C86542176}">
+      <dgm:prSet/>
+      <dgm:spPr/>
+      <dgm:t>
+        <a:bodyPr/>
+        <a:lstStyle/>
+        <a:p>
+          <a:endParaRPr lang="en-US"/>
+        </a:p>
+      </dgm:t>
+    </dgm:pt>
+    <dgm:pt modelId="{5BB3CE09-9CD3-41B1-9216-F48A3118D919}">
+      <dgm:prSet/>
+      <dgm:spPr/>
+      <dgm:t>
+        <a:bodyPr/>
+        <a:lstStyle/>
+        <a:p>
+          <a:r>
+            <a:rPr lang="en-US" i="0" dirty="0"/>
+            <a:t>Create a model  - model = </a:t>
+          </a:r>
+          <a:r>
+            <a:rPr lang="en-US" i="0" dirty="0" err="1"/>
+            <a:t>LinearRegression</a:t>
+          </a:r>
+          <a:r>
+            <a:rPr lang="en-US" i="0" dirty="0"/>
+            <a:t>()</a:t>
+          </a:r>
+          <a:endParaRPr lang="en-US" dirty="0"/>
+        </a:p>
+      </dgm:t>
+    </dgm:pt>
+    <dgm:pt modelId="{DC20BBB0-FE4B-45C6-AD7E-6E652A5D4E38}" type="parTrans" cxnId="{FDA96E40-3A96-4C52-839E-64D95182CB3D}">
+      <dgm:prSet/>
+      <dgm:spPr/>
+      <dgm:t>
+        <a:bodyPr/>
+        <a:lstStyle/>
+        <a:p>
+          <a:endParaRPr lang="en-US"/>
+        </a:p>
+      </dgm:t>
+    </dgm:pt>
+    <dgm:pt modelId="{56BD6053-C8EE-490E-9B01-7602B0B9289F}" type="sibTrans" cxnId="{FDA96E40-3A96-4C52-839E-64D95182CB3D}">
+      <dgm:prSet/>
+      <dgm:spPr/>
+      <dgm:t>
+        <a:bodyPr/>
+        <a:lstStyle/>
+        <a:p>
+          <a:endParaRPr lang="en-US"/>
+        </a:p>
+      </dgm:t>
+    </dgm:pt>
+    <dgm:pt modelId="{C5BDE290-C47D-4CD7-AED3-2FB0471C192F}">
+      <dgm:prSet/>
+      <dgm:spPr/>
+      <dgm:t>
+        <a:bodyPr/>
+        <a:lstStyle/>
+        <a:p>
+          <a:r>
+            <a:rPr lang="en-US"/>
+            <a:t>F</a:t>
+          </a:r>
+          <a:r>
+            <a:rPr lang="en-US" i="0"/>
+            <a:t>it it   -  </a:t>
+          </a:r>
+          <a:r>
+            <a:rPr lang="en-US" b="0" i="0" baseline="0"/>
+            <a:t>model.fit(x, y) </a:t>
+          </a:r>
+          <a:endParaRPr lang="en-US"/>
+        </a:p>
+      </dgm:t>
+    </dgm:pt>
+    <dgm:pt modelId="{DDC58ADD-E845-41B5-8426-381361A6E5EE}" type="parTrans" cxnId="{140F17A6-C039-45D8-BBDE-8C6B20AB2307}">
+      <dgm:prSet/>
+      <dgm:spPr/>
+      <dgm:t>
+        <a:bodyPr/>
+        <a:lstStyle/>
+        <a:p>
+          <a:endParaRPr lang="en-US"/>
+        </a:p>
+      </dgm:t>
+    </dgm:pt>
+    <dgm:pt modelId="{D5F06FB1-A88F-4E34-9899-EA9D13BA7CC6}" type="sibTrans" cxnId="{140F17A6-C039-45D8-BBDE-8C6B20AB2307}">
+      <dgm:prSet/>
+      <dgm:spPr/>
+      <dgm:t>
+        <a:bodyPr/>
+        <a:lstStyle/>
+        <a:p>
+          <a:endParaRPr lang="en-US"/>
+        </a:p>
+      </dgm:t>
+    </dgm:pt>
+    <dgm:pt modelId="{C64DA0B2-F8F6-49A4-91AA-A331A0C4210C}">
+      <dgm:prSet/>
+      <dgm:spPr/>
+      <dgm:t>
+        <a:bodyPr/>
+        <a:lstStyle/>
+        <a:p>
+          <a:r>
+            <a:rPr lang="en-US" b="0" i="0" baseline="0"/>
+            <a:t>r_sq  -  model.score(x, y) </a:t>
+          </a:r>
+          <a:endParaRPr lang="en-US"/>
+        </a:p>
+      </dgm:t>
+    </dgm:pt>
+    <dgm:pt modelId="{FC6D5EB7-1B3B-40C3-9EDB-EE4CCA75A372}" type="parTrans" cxnId="{0FCE4E3D-6193-40BE-9D18-6A03DFE35A42}">
+      <dgm:prSet/>
+      <dgm:spPr/>
+      <dgm:t>
+        <a:bodyPr/>
+        <a:lstStyle/>
+        <a:p>
+          <a:endParaRPr lang="en-US"/>
+        </a:p>
+      </dgm:t>
+    </dgm:pt>
+    <dgm:pt modelId="{CBDBF0C0-587B-4C3A-BFCD-294EE33105B8}" type="sibTrans" cxnId="{0FCE4E3D-6193-40BE-9D18-6A03DFE35A42}">
+      <dgm:prSet/>
+      <dgm:spPr/>
+      <dgm:t>
+        <a:bodyPr/>
+        <a:lstStyle/>
+        <a:p>
+          <a:endParaRPr lang="en-US"/>
+        </a:p>
+      </dgm:t>
+    </dgm:pt>
+    <dgm:pt modelId="{ECC7A58D-053C-462A-9350-44A47DD21B35}">
+      <dgm:prSet/>
+      <dgm:spPr/>
+      <dgm:t>
+        <a:bodyPr/>
+        <a:lstStyle/>
+        <a:p>
+          <a:r>
+            <a:rPr lang="en-US"/>
+            <a:t>Predict Response – y_pred = model.predict(X)</a:t>
+          </a:r>
+        </a:p>
+      </dgm:t>
+    </dgm:pt>
+    <dgm:pt modelId="{7777C805-BD24-462F-8B70-D841FCC8B439}" type="parTrans" cxnId="{A0E5C1A1-4066-4FDA-88AD-4F01A412A496}">
+      <dgm:prSet/>
+      <dgm:spPr/>
+      <dgm:t>
+        <a:bodyPr/>
+        <a:lstStyle/>
+        <a:p>
+          <a:endParaRPr lang="en-US"/>
+        </a:p>
+      </dgm:t>
+    </dgm:pt>
+    <dgm:pt modelId="{1B3C8850-673C-44D9-A91A-059C7A3DEFA5}" type="sibTrans" cxnId="{A0E5C1A1-4066-4FDA-88AD-4F01A412A496}">
+      <dgm:prSet/>
+      <dgm:spPr/>
+      <dgm:t>
+        <a:bodyPr/>
+        <a:lstStyle/>
+        <a:p>
+          <a:endParaRPr lang="en-US"/>
+        </a:p>
+      </dgm:t>
+    </dgm:pt>
+    <dgm:pt modelId="{55204F5C-3353-4589-90D9-7BB4183F8D96}" type="pres">
+      <dgm:prSet presAssocID="{038DA489-74A5-414A-B48B-32E0EFB84459}" presName="Name0" presStyleCnt="0">
+        <dgm:presLayoutVars>
+          <dgm:dir/>
+          <dgm:resizeHandles val="exact"/>
+        </dgm:presLayoutVars>
+      </dgm:prSet>
+      <dgm:spPr/>
+    </dgm:pt>
+    <dgm:pt modelId="{CB2945EF-2055-4070-BF61-8DD6778ABBDD}" type="pres">
+      <dgm:prSet presAssocID="{830C0062-CAD7-441A-8280-D6742B5A8B12}" presName="node" presStyleLbl="node1" presStyleIdx="0" presStyleCnt="6">
+        <dgm:presLayoutVars>
+          <dgm:bulletEnabled val="1"/>
+        </dgm:presLayoutVars>
+      </dgm:prSet>
+      <dgm:spPr/>
+    </dgm:pt>
+    <dgm:pt modelId="{1F67D241-ADF0-46C9-A1D3-3A13A3D7B2D3}" type="pres">
+      <dgm:prSet presAssocID="{EBCEA7B4-00F8-4D3D-A94F-910C3D4658E5}" presName="sibTrans" presStyleLbl="sibTrans1D1" presStyleIdx="0" presStyleCnt="5"/>
+      <dgm:spPr/>
+    </dgm:pt>
+    <dgm:pt modelId="{E0BF61EF-115C-4965-8957-37B7458A2065}" type="pres">
+      <dgm:prSet presAssocID="{EBCEA7B4-00F8-4D3D-A94F-910C3D4658E5}" presName="connectorText" presStyleLbl="sibTrans1D1" presStyleIdx="0" presStyleCnt="5"/>
+      <dgm:spPr/>
+    </dgm:pt>
+    <dgm:pt modelId="{762AD954-1564-48B7-A6E3-6BD0556424EB}" type="pres">
+      <dgm:prSet presAssocID="{024EBC23-C97D-4610-AB8C-FE713FF4F371}" presName="node" presStyleLbl="node1" presStyleIdx="1" presStyleCnt="6">
+        <dgm:presLayoutVars>
+          <dgm:bulletEnabled val="1"/>
+        </dgm:presLayoutVars>
+      </dgm:prSet>
+      <dgm:spPr/>
+    </dgm:pt>
+    <dgm:pt modelId="{2337B037-99E4-4449-B7D8-34442983FB19}" type="pres">
+      <dgm:prSet presAssocID="{0127A1DF-9258-417F-A874-708369319D51}" presName="sibTrans" presStyleLbl="sibTrans1D1" presStyleIdx="1" presStyleCnt="5"/>
+      <dgm:spPr/>
+    </dgm:pt>
+    <dgm:pt modelId="{C09BF01B-E87D-45A0-928B-4D2D66F4EFCF}" type="pres">
+      <dgm:prSet presAssocID="{0127A1DF-9258-417F-A874-708369319D51}" presName="connectorText" presStyleLbl="sibTrans1D1" presStyleIdx="1" presStyleCnt="5"/>
+      <dgm:spPr/>
+    </dgm:pt>
+    <dgm:pt modelId="{8B15FF32-1DD4-4257-A578-0B1A84561A4D}" type="pres">
+      <dgm:prSet presAssocID="{5BB3CE09-9CD3-41B1-9216-F48A3118D919}" presName="node" presStyleLbl="node1" presStyleIdx="2" presStyleCnt="6">
+        <dgm:presLayoutVars>
+          <dgm:bulletEnabled val="1"/>
+        </dgm:presLayoutVars>
+      </dgm:prSet>
+      <dgm:spPr/>
+    </dgm:pt>
+    <dgm:pt modelId="{448D11AE-5739-4525-ABB7-49042439C00B}" type="pres">
+      <dgm:prSet presAssocID="{56BD6053-C8EE-490E-9B01-7602B0B9289F}" presName="sibTrans" presStyleLbl="sibTrans1D1" presStyleIdx="2" presStyleCnt="5"/>
+      <dgm:spPr/>
+    </dgm:pt>
+    <dgm:pt modelId="{FAA0662F-C3FE-4C53-AAFA-70E5F2136C4B}" type="pres">
+      <dgm:prSet presAssocID="{56BD6053-C8EE-490E-9B01-7602B0B9289F}" presName="connectorText" presStyleLbl="sibTrans1D1" presStyleIdx="2" presStyleCnt="5"/>
+      <dgm:spPr/>
+    </dgm:pt>
+    <dgm:pt modelId="{8541365C-84F2-4DBC-AF8F-9CEEE8C7846B}" type="pres">
+      <dgm:prSet presAssocID="{C5BDE290-C47D-4CD7-AED3-2FB0471C192F}" presName="node" presStyleLbl="node1" presStyleIdx="3" presStyleCnt="6">
+        <dgm:presLayoutVars>
+          <dgm:bulletEnabled val="1"/>
+        </dgm:presLayoutVars>
+      </dgm:prSet>
+      <dgm:spPr/>
+    </dgm:pt>
+    <dgm:pt modelId="{88130906-DD59-4F28-9A2E-CBD9C0C2FDB6}" type="pres">
+      <dgm:prSet presAssocID="{D5F06FB1-A88F-4E34-9899-EA9D13BA7CC6}" presName="sibTrans" presStyleLbl="sibTrans1D1" presStyleIdx="3" presStyleCnt="5"/>
+      <dgm:spPr/>
+    </dgm:pt>
+    <dgm:pt modelId="{75462AD1-4619-4F7E-AC46-2D52EE585670}" type="pres">
+      <dgm:prSet presAssocID="{D5F06FB1-A88F-4E34-9899-EA9D13BA7CC6}" presName="connectorText" presStyleLbl="sibTrans1D1" presStyleIdx="3" presStyleCnt="5"/>
+      <dgm:spPr/>
+    </dgm:pt>
+    <dgm:pt modelId="{F190E802-895B-419C-BD05-228A9B4B22EE}" type="pres">
+      <dgm:prSet presAssocID="{C64DA0B2-F8F6-49A4-91AA-A331A0C4210C}" presName="node" presStyleLbl="node1" presStyleIdx="4" presStyleCnt="6">
+        <dgm:presLayoutVars>
+          <dgm:bulletEnabled val="1"/>
+        </dgm:presLayoutVars>
+      </dgm:prSet>
+      <dgm:spPr/>
+    </dgm:pt>
+    <dgm:pt modelId="{3BD88314-4936-41BB-ABEF-D3B1968C242A}" type="pres">
+      <dgm:prSet presAssocID="{CBDBF0C0-587B-4C3A-BFCD-294EE33105B8}" presName="sibTrans" presStyleLbl="sibTrans1D1" presStyleIdx="4" presStyleCnt="5"/>
+      <dgm:spPr/>
+    </dgm:pt>
+    <dgm:pt modelId="{22DA39C2-F72C-4005-BB65-26EA745EECFB}" type="pres">
+      <dgm:prSet presAssocID="{CBDBF0C0-587B-4C3A-BFCD-294EE33105B8}" presName="connectorText" presStyleLbl="sibTrans1D1" presStyleIdx="4" presStyleCnt="5"/>
+      <dgm:spPr/>
+    </dgm:pt>
+    <dgm:pt modelId="{55CFBBA6-B662-40CF-B6A0-61B043302A18}" type="pres">
+      <dgm:prSet presAssocID="{ECC7A58D-053C-462A-9350-44A47DD21B35}" presName="node" presStyleLbl="node1" presStyleIdx="5" presStyleCnt="6">
+        <dgm:presLayoutVars>
+          <dgm:bulletEnabled val="1"/>
+        </dgm:presLayoutVars>
+      </dgm:prSet>
+      <dgm:spPr/>
+    </dgm:pt>
+  </dgm:ptLst>
+  <dgm:cxnLst>
+    <dgm:cxn modelId="{FF54EE0C-E102-4018-9C64-6A653DD5B0A5}" type="presOf" srcId="{038DA489-74A5-414A-B48B-32E0EFB84459}" destId="{55204F5C-3353-4589-90D9-7BB4183F8D96}" srcOrd="0" destOrd="0" presId="urn:microsoft.com/office/officeart/2016/7/layout/RepeatingBendingProcessNew"/>
+    <dgm:cxn modelId="{CC4C5426-B877-4207-AA0E-E516A0566457}" type="presOf" srcId="{024EBC23-C97D-4610-AB8C-FE713FF4F371}" destId="{762AD954-1564-48B7-A6E3-6BD0556424EB}" srcOrd="0" destOrd="0" presId="urn:microsoft.com/office/officeart/2016/7/layout/RepeatingBendingProcessNew"/>
+    <dgm:cxn modelId="{0FCE4E3D-6193-40BE-9D18-6A03DFE35A42}" srcId="{038DA489-74A5-414A-B48B-32E0EFB84459}" destId="{C64DA0B2-F8F6-49A4-91AA-A331A0C4210C}" srcOrd="4" destOrd="0" parTransId="{FC6D5EB7-1B3B-40C3-9EDB-EE4CCA75A372}" sibTransId="{CBDBF0C0-587B-4C3A-BFCD-294EE33105B8}"/>
+    <dgm:cxn modelId="{FDA96E40-3A96-4C52-839E-64D95182CB3D}" srcId="{038DA489-74A5-414A-B48B-32E0EFB84459}" destId="{5BB3CE09-9CD3-41B1-9216-F48A3118D919}" srcOrd="2" destOrd="0" parTransId="{DC20BBB0-FE4B-45C6-AD7E-6E652A5D4E38}" sibTransId="{56BD6053-C8EE-490E-9B01-7602B0B9289F}"/>
+    <dgm:cxn modelId="{EF43EC63-BD68-4B6C-BE73-D44BBC90F056}" type="presOf" srcId="{5BB3CE09-9CD3-41B1-9216-F48A3118D919}" destId="{8B15FF32-1DD4-4257-A578-0B1A84561A4D}" srcOrd="0" destOrd="0" presId="urn:microsoft.com/office/officeart/2016/7/layout/RepeatingBendingProcessNew"/>
+    <dgm:cxn modelId="{A138064A-87FF-4D85-B92A-92249A785D80}" type="presOf" srcId="{C64DA0B2-F8F6-49A4-91AA-A331A0C4210C}" destId="{F190E802-895B-419C-BD05-228A9B4B22EE}" srcOrd="0" destOrd="0" presId="urn:microsoft.com/office/officeart/2016/7/layout/RepeatingBendingProcessNew"/>
+    <dgm:cxn modelId="{40E9E46C-7541-4B9D-8A84-0C77BAC14851}" type="presOf" srcId="{0127A1DF-9258-417F-A874-708369319D51}" destId="{2337B037-99E4-4449-B7D8-34442983FB19}" srcOrd="0" destOrd="0" presId="urn:microsoft.com/office/officeart/2016/7/layout/RepeatingBendingProcessNew"/>
+    <dgm:cxn modelId="{02BF7F54-A68D-488C-BFD6-3EE5DE4E1B35}" type="presOf" srcId="{CBDBF0C0-587B-4C3A-BFCD-294EE33105B8}" destId="{22DA39C2-F72C-4005-BB65-26EA745EECFB}" srcOrd="1" destOrd="0" presId="urn:microsoft.com/office/officeart/2016/7/layout/RepeatingBendingProcessNew"/>
+    <dgm:cxn modelId="{9D9FE355-3141-40F1-ADC8-5381CA6C629A}" type="presOf" srcId="{D5F06FB1-A88F-4E34-9899-EA9D13BA7CC6}" destId="{75462AD1-4619-4F7E-AC46-2D52EE585670}" srcOrd="1" destOrd="0" presId="urn:microsoft.com/office/officeart/2016/7/layout/RepeatingBendingProcessNew"/>
+    <dgm:cxn modelId="{EBA6B07E-0253-431E-B91B-765C86542176}" srcId="{038DA489-74A5-414A-B48B-32E0EFB84459}" destId="{024EBC23-C97D-4610-AB8C-FE713FF4F371}" srcOrd="1" destOrd="0" parTransId="{C482DA60-D50A-4920-86BD-400B5A689C9B}" sibTransId="{0127A1DF-9258-417F-A874-708369319D51}"/>
+    <dgm:cxn modelId="{941F7385-97D3-4972-8BAD-8422337CD3BB}" type="presOf" srcId="{C5BDE290-C47D-4CD7-AED3-2FB0471C192F}" destId="{8541365C-84F2-4DBC-AF8F-9CEEE8C7846B}" srcOrd="0" destOrd="0" presId="urn:microsoft.com/office/officeart/2016/7/layout/RepeatingBendingProcessNew"/>
+    <dgm:cxn modelId="{BD29B192-3868-4B21-A8B2-08DFB65D0EF5}" type="presOf" srcId="{EBCEA7B4-00F8-4D3D-A94F-910C3D4658E5}" destId="{1F67D241-ADF0-46C9-A1D3-3A13A3D7B2D3}" srcOrd="0" destOrd="0" presId="urn:microsoft.com/office/officeart/2016/7/layout/RepeatingBendingProcessNew"/>
+    <dgm:cxn modelId="{8AA51D95-9654-4300-88DB-67FF461ED522}" srcId="{038DA489-74A5-414A-B48B-32E0EFB84459}" destId="{830C0062-CAD7-441A-8280-D6742B5A8B12}" srcOrd="0" destOrd="0" parTransId="{561098AD-EF92-4196-A818-B76897EF4B7F}" sibTransId="{EBCEA7B4-00F8-4D3D-A94F-910C3D4658E5}"/>
+    <dgm:cxn modelId="{F943049C-F3F3-4C5A-ADE0-D6C91A335ED3}" type="presOf" srcId="{56BD6053-C8EE-490E-9B01-7602B0B9289F}" destId="{448D11AE-5739-4525-ABB7-49042439C00B}" srcOrd="0" destOrd="0" presId="urn:microsoft.com/office/officeart/2016/7/layout/RepeatingBendingProcessNew"/>
+    <dgm:cxn modelId="{A0E5C1A1-4066-4FDA-88AD-4F01A412A496}" srcId="{038DA489-74A5-414A-B48B-32E0EFB84459}" destId="{ECC7A58D-053C-462A-9350-44A47DD21B35}" srcOrd="5" destOrd="0" parTransId="{7777C805-BD24-462F-8B70-D841FCC8B439}" sibTransId="{1B3C8850-673C-44D9-A91A-059C7A3DEFA5}"/>
+    <dgm:cxn modelId="{653A01A6-3226-4ACB-906E-BE1151C6159B}" type="presOf" srcId="{ECC7A58D-053C-462A-9350-44A47DD21B35}" destId="{55CFBBA6-B662-40CF-B6A0-61B043302A18}" srcOrd="0" destOrd="0" presId="urn:microsoft.com/office/officeart/2016/7/layout/RepeatingBendingProcessNew"/>
+    <dgm:cxn modelId="{140F17A6-C039-45D8-BBDE-8C6B20AB2307}" srcId="{038DA489-74A5-414A-B48B-32E0EFB84459}" destId="{C5BDE290-C47D-4CD7-AED3-2FB0471C192F}" srcOrd="3" destOrd="0" parTransId="{DDC58ADD-E845-41B5-8426-381361A6E5EE}" sibTransId="{D5F06FB1-A88F-4E34-9899-EA9D13BA7CC6}"/>
+    <dgm:cxn modelId="{A42BFDA7-39F6-4807-8437-CB30878A69B3}" type="presOf" srcId="{EBCEA7B4-00F8-4D3D-A94F-910C3D4658E5}" destId="{E0BF61EF-115C-4965-8957-37B7458A2065}" srcOrd="1" destOrd="0" presId="urn:microsoft.com/office/officeart/2016/7/layout/RepeatingBendingProcessNew"/>
+    <dgm:cxn modelId="{1E6F0BAF-8F8B-4D03-BA27-1FFB79437789}" type="presOf" srcId="{D5F06FB1-A88F-4E34-9899-EA9D13BA7CC6}" destId="{88130906-DD59-4F28-9A2E-CBD9C0C2FDB6}" srcOrd="0" destOrd="0" presId="urn:microsoft.com/office/officeart/2016/7/layout/RepeatingBendingProcessNew"/>
+    <dgm:cxn modelId="{A11063BB-FF05-4044-A6BD-FAF1583F8EA7}" type="presOf" srcId="{0127A1DF-9258-417F-A874-708369319D51}" destId="{C09BF01B-E87D-45A0-928B-4D2D66F4EFCF}" srcOrd="1" destOrd="0" presId="urn:microsoft.com/office/officeart/2016/7/layout/RepeatingBendingProcessNew"/>
+    <dgm:cxn modelId="{D78D0DBC-45D5-4D9C-B668-0FF320823981}" type="presOf" srcId="{830C0062-CAD7-441A-8280-D6742B5A8B12}" destId="{CB2945EF-2055-4070-BF61-8DD6778ABBDD}" srcOrd="0" destOrd="0" presId="urn:microsoft.com/office/officeart/2016/7/layout/RepeatingBendingProcessNew"/>
+    <dgm:cxn modelId="{D8CC90D8-AB1F-4E63-8768-B3DA7BA11A76}" type="presOf" srcId="{CBDBF0C0-587B-4C3A-BFCD-294EE33105B8}" destId="{3BD88314-4936-41BB-ABEF-D3B1968C242A}" srcOrd="0" destOrd="0" presId="urn:microsoft.com/office/officeart/2016/7/layout/RepeatingBendingProcessNew"/>
+    <dgm:cxn modelId="{2B44CBF7-9D6E-40CB-A9CD-46D012A8FD5B}" type="presOf" srcId="{56BD6053-C8EE-490E-9B01-7602B0B9289F}" destId="{FAA0662F-C3FE-4C53-AAFA-70E5F2136C4B}" srcOrd="1" destOrd="0" presId="urn:microsoft.com/office/officeart/2016/7/layout/RepeatingBendingProcessNew"/>
+    <dgm:cxn modelId="{44583F3D-AAE9-4757-B28F-01E4E1B1ECB9}" type="presParOf" srcId="{55204F5C-3353-4589-90D9-7BB4183F8D96}" destId="{CB2945EF-2055-4070-BF61-8DD6778ABBDD}" srcOrd="0" destOrd="0" presId="urn:microsoft.com/office/officeart/2016/7/layout/RepeatingBendingProcessNew"/>
+    <dgm:cxn modelId="{15AF5CD3-3C85-4911-A50B-831D523C821B}" type="presParOf" srcId="{55204F5C-3353-4589-90D9-7BB4183F8D96}" destId="{1F67D241-ADF0-46C9-A1D3-3A13A3D7B2D3}" srcOrd="1" destOrd="0" presId="urn:microsoft.com/office/officeart/2016/7/layout/RepeatingBendingProcessNew"/>
+    <dgm:cxn modelId="{83E8105C-39E6-448C-997A-F703899330D7}" type="presParOf" srcId="{1F67D241-ADF0-46C9-A1D3-3A13A3D7B2D3}" destId="{E0BF61EF-115C-4965-8957-37B7458A2065}" srcOrd="0" destOrd="0" presId="urn:microsoft.com/office/officeart/2016/7/layout/RepeatingBendingProcessNew"/>
+    <dgm:cxn modelId="{19A7125A-8009-47A5-BB44-729BC23FDE30}" type="presParOf" srcId="{55204F5C-3353-4589-90D9-7BB4183F8D96}" destId="{762AD954-1564-48B7-A6E3-6BD0556424EB}" srcOrd="2" destOrd="0" presId="urn:microsoft.com/office/officeart/2016/7/layout/RepeatingBendingProcessNew"/>
+    <dgm:cxn modelId="{F5C6271E-59BC-42A8-9C3C-517E27AF0357}" type="presParOf" srcId="{55204F5C-3353-4589-90D9-7BB4183F8D96}" destId="{2337B037-99E4-4449-B7D8-34442983FB19}" srcOrd="3" destOrd="0" presId="urn:microsoft.com/office/officeart/2016/7/layout/RepeatingBendingProcessNew"/>
+    <dgm:cxn modelId="{35B2DEE2-A306-4C90-846E-5757F0D26973}" type="presParOf" srcId="{2337B037-99E4-4449-B7D8-34442983FB19}" destId="{C09BF01B-E87D-45A0-928B-4D2D66F4EFCF}" srcOrd="0" destOrd="0" presId="urn:microsoft.com/office/officeart/2016/7/layout/RepeatingBendingProcessNew"/>
+    <dgm:cxn modelId="{FED73FDB-F83E-4421-81D3-4EE9CDD1BD49}" type="presParOf" srcId="{55204F5C-3353-4589-90D9-7BB4183F8D96}" destId="{8B15FF32-1DD4-4257-A578-0B1A84561A4D}" srcOrd="4" destOrd="0" presId="urn:microsoft.com/office/officeart/2016/7/layout/RepeatingBendingProcessNew"/>
+    <dgm:cxn modelId="{5320BD1C-F043-4BDB-B53A-B1E01BE1CE9A}" type="presParOf" srcId="{55204F5C-3353-4589-90D9-7BB4183F8D96}" destId="{448D11AE-5739-4525-ABB7-49042439C00B}" srcOrd="5" destOrd="0" presId="urn:microsoft.com/office/officeart/2016/7/layout/RepeatingBendingProcessNew"/>
+    <dgm:cxn modelId="{A0DF6BD2-AB62-452B-8EB7-C6BF1E2DA51D}" type="presParOf" srcId="{448D11AE-5739-4525-ABB7-49042439C00B}" destId="{FAA0662F-C3FE-4C53-AAFA-70E5F2136C4B}" srcOrd="0" destOrd="0" presId="urn:microsoft.com/office/officeart/2016/7/layout/RepeatingBendingProcessNew"/>
+    <dgm:cxn modelId="{4F7E1817-C52E-426F-89C9-5856730785EB}" type="presParOf" srcId="{55204F5C-3353-4589-90D9-7BB4183F8D96}" destId="{8541365C-84F2-4DBC-AF8F-9CEEE8C7846B}" srcOrd="6" destOrd="0" presId="urn:microsoft.com/office/officeart/2016/7/layout/RepeatingBendingProcessNew"/>
+    <dgm:cxn modelId="{C2739375-364E-4A0D-923B-0CC1C0304979}" type="presParOf" srcId="{55204F5C-3353-4589-90D9-7BB4183F8D96}" destId="{88130906-DD59-4F28-9A2E-CBD9C0C2FDB6}" srcOrd="7" destOrd="0" presId="urn:microsoft.com/office/officeart/2016/7/layout/RepeatingBendingProcessNew"/>
+    <dgm:cxn modelId="{40D76811-D051-4CB7-9388-B242782DA771}" type="presParOf" srcId="{88130906-DD59-4F28-9A2E-CBD9C0C2FDB6}" destId="{75462AD1-4619-4F7E-AC46-2D52EE585670}" srcOrd="0" destOrd="0" presId="urn:microsoft.com/office/officeart/2016/7/layout/RepeatingBendingProcessNew"/>
+    <dgm:cxn modelId="{5963108F-DA31-4FD6-9BCA-581D3147893B}" type="presParOf" srcId="{55204F5C-3353-4589-90D9-7BB4183F8D96}" destId="{F190E802-895B-419C-BD05-228A9B4B22EE}" srcOrd="8" destOrd="0" presId="urn:microsoft.com/office/officeart/2016/7/layout/RepeatingBendingProcessNew"/>
+    <dgm:cxn modelId="{25AC6613-EBD7-4B19-BBBE-11129882BE03}" type="presParOf" srcId="{55204F5C-3353-4589-90D9-7BB4183F8D96}" destId="{3BD88314-4936-41BB-ABEF-D3B1968C242A}" srcOrd="9" destOrd="0" presId="urn:microsoft.com/office/officeart/2016/7/layout/RepeatingBendingProcessNew"/>
+    <dgm:cxn modelId="{29FD856A-E421-4DCC-9800-9F8A2464EAE7}" type="presParOf" srcId="{3BD88314-4936-41BB-ABEF-D3B1968C242A}" destId="{22DA39C2-F72C-4005-BB65-26EA745EECFB}" srcOrd="0" destOrd="0" presId="urn:microsoft.com/office/officeart/2016/7/layout/RepeatingBendingProcessNew"/>
+    <dgm:cxn modelId="{31C86572-022D-42DB-A2B1-D269C1369430}" type="presParOf" srcId="{55204F5C-3353-4589-90D9-7BB4183F8D96}" destId="{55CFBBA6-B662-40CF-B6A0-61B043302A18}" srcOrd="10" destOrd="0" presId="urn:microsoft.com/office/officeart/2016/7/layout/RepeatingBendingProcessNew"/>
+  </dgm:cxnLst>
+  <dgm:bg/>
+  <dgm:whole/>
+  <dgm:extLst>
+    <a:ext uri="http://schemas.microsoft.com/office/drawing/2008/diagram">
+      <dsp:dataModelExt xmlns:dsp="http://schemas.microsoft.com/office/drawing/2008/diagram" relId="rId7" minVer="http://schemas.openxmlformats.org/drawingml/2006/diagram"/>
+    </a:ext>
+  </dgm:extLst>
+</dgm:dataModel>
+</file>
+
+<file path=ppt/diagrams/drawing1.xml><?xml version="1.0" encoding="utf-8"?>
+<dsp:drawing xmlns:dgm="http://schemas.openxmlformats.org/drawingml/2006/diagram" xmlns:dsp="http://schemas.microsoft.com/office/drawing/2008/diagram" xmlns:a="http://schemas.openxmlformats.org/drawingml/2006/main">
+  <dsp:spTree>
+    <dsp:nvGrpSpPr>
+      <dsp:cNvPr id="0" name=""/>
+      <dsp:cNvGrpSpPr/>
+    </dsp:nvGrpSpPr>
+    <dsp:grpSpPr/>
+    <dsp:sp modelId="{1F67D241-ADF0-46C9-A1D3-3A13A3D7B2D3}">
+      <dsp:nvSpPr>
+        <dsp:cNvPr id="0" name=""/>
+        <dsp:cNvSpPr/>
+      </dsp:nvSpPr>
+      <dsp:spPr>
+        <a:xfrm>
+          <a:off x="1903940" y="1058202"/>
+          <a:ext cx="406558" cy="91440"/>
+        </a:xfrm>
+        <a:custGeom>
+          <a:avLst/>
+          <a:gdLst/>
+          <a:ahLst/>
+          <a:cxnLst/>
+          <a:rect l="0" t="0" r="0" b="0"/>
+          <a:pathLst>
+            <a:path>
+              <a:moveTo>
+                <a:pt x="0" y="45720"/>
+              </a:moveTo>
+              <a:lnTo>
+                <a:pt x="406558" y="45720"/>
+              </a:lnTo>
+            </a:path>
+          </a:pathLst>
+        </a:custGeom>
+        <a:noFill/>
+        <a:ln w="6350" cap="flat" cmpd="sng" algn="ctr">
+          <a:solidFill>
+            <a:schemeClr val="accent2">
+              <a:hueOff val="0"/>
+              <a:satOff val="0"/>
+              <a:lumOff val="0"/>
+              <a:alphaOff val="0"/>
+            </a:schemeClr>
+          </a:solidFill>
+          <a:prstDash val="solid"/>
+          <a:miter lim="800000"/>
+          <a:tailEnd type="arrow"/>
+        </a:ln>
+        <a:effectLst/>
+      </dsp:spPr>
+      <dsp:style>
+        <a:lnRef idx="1">
+          <a:scrgbClr r="0" g="0" b="0"/>
+        </a:lnRef>
+        <a:fillRef idx="0">
+          <a:scrgbClr r="0" g="0" b="0"/>
+        </a:fillRef>
+        <a:effectRef idx="0">
+          <a:scrgbClr r="0" g="0" b="0"/>
+        </a:effectRef>
+        <a:fontRef idx="minor"/>
+      </dsp:style>
+      <dsp:txBody>
+        <a:bodyPr spcFirstLastPara="0" vert="horz" wrap="square" lIns="12700" tIns="0" rIns="12700" bIns="0" numCol="1" spcCol="1270" anchor="ctr" anchorCtr="0">
+          <a:noAutofit/>
+        </a:bodyPr>
+        <a:lstStyle/>
+        <a:p>
+          <a:pPr marL="0" lvl="0" indent="0" algn="ctr" defTabSz="222250">
+            <a:lnSpc>
+              <a:spcPct val="90000"/>
+            </a:lnSpc>
+            <a:spcBef>
+              <a:spcPct val="0"/>
+            </a:spcBef>
+            <a:spcAft>
+              <a:spcPct val="35000"/>
+            </a:spcAft>
+            <a:buNone/>
+          </a:pPr>
+          <a:endParaRPr lang="en-US" sz="500" kern="1200"/>
+        </a:p>
+      </dsp:txBody>
+      <dsp:txXfrm>
+        <a:off x="2096290" y="1101736"/>
+        <a:ext cx="21857" cy="4371"/>
+      </dsp:txXfrm>
+    </dsp:sp>
+    <dsp:sp modelId="{CB2945EF-2055-4070-BF61-8DD6778ABBDD}">
+      <dsp:nvSpPr>
+        <dsp:cNvPr id="0" name=""/>
+        <dsp:cNvSpPr/>
+      </dsp:nvSpPr>
+      <dsp:spPr>
+        <a:xfrm>
+          <a:off x="5049" y="533715"/>
+          <a:ext cx="1900690" cy="1140414"/>
+        </a:xfrm>
+        <a:prstGeom prst="rect">
+          <a:avLst/>
+        </a:prstGeom>
+        <a:gradFill rotWithShape="0">
+          <a:gsLst>
+            <a:gs pos="0">
+              <a:schemeClr val="accent2">
+                <a:hueOff val="0"/>
+                <a:satOff val="0"/>
+                <a:lumOff val="0"/>
+                <a:alphaOff val="0"/>
+                <a:satMod val="103000"/>
+                <a:lumMod val="102000"/>
+                <a:tint val="94000"/>
+              </a:schemeClr>
+            </a:gs>
+            <a:gs pos="50000">
+              <a:schemeClr val="accent2">
+                <a:hueOff val="0"/>
+                <a:satOff val="0"/>
+                <a:lumOff val="0"/>
+                <a:alphaOff val="0"/>
+                <a:satMod val="110000"/>
+                <a:lumMod val="100000"/>
+                <a:shade val="100000"/>
+              </a:schemeClr>
+            </a:gs>
+            <a:gs pos="100000">
+              <a:schemeClr val="accent2">
+                <a:hueOff val="0"/>
+                <a:satOff val="0"/>
+                <a:lumOff val="0"/>
+                <a:alphaOff val="0"/>
+                <a:lumMod val="99000"/>
+                <a:satMod val="120000"/>
+                <a:shade val="78000"/>
+              </a:schemeClr>
+            </a:gs>
+          </a:gsLst>
+          <a:lin ang="5400000" scaled="0"/>
+        </a:gradFill>
+        <a:ln>
+          <a:noFill/>
+        </a:ln>
+        <a:effectLst>
+          <a:outerShdw blurRad="57150" dist="19050" dir="5400000" algn="ctr" rotWithShape="0">
+            <a:srgbClr val="000000">
+              <a:alpha val="63000"/>
+            </a:srgbClr>
+          </a:outerShdw>
+        </a:effectLst>
+      </dsp:spPr>
+      <dsp:style>
+        <a:lnRef idx="0">
+          <a:scrgbClr r="0" g="0" b="0"/>
+        </a:lnRef>
+        <a:fillRef idx="3">
+          <a:scrgbClr r="0" g="0" b="0"/>
+        </a:fillRef>
+        <a:effectRef idx="3">
+          <a:scrgbClr r="0" g="0" b="0"/>
+        </a:effectRef>
+        <a:fontRef idx="minor">
+          <a:schemeClr val="lt1"/>
+        </a:fontRef>
+      </dsp:style>
+      <dsp:txBody>
+        <a:bodyPr spcFirstLastPara="0" vert="horz" wrap="square" lIns="93135" tIns="97762" rIns="93135" bIns="97762" numCol="1" spcCol="1270" anchor="ctr" anchorCtr="0">
+          <a:noAutofit/>
+        </a:bodyPr>
+        <a:lstStyle/>
+        <a:p>
+          <a:pPr marL="0" lvl="0" indent="0" algn="ctr" defTabSz="755650">
+            <a:lnSpc>
+              <a:spcPct val="90000"/>
+            </a:lnSpc>
+            <a:spcBef>
+              <a:spcPct val="0"/>
+            </a:spcBef>
+            <a:spcAft>
+              <a:spcPct val="35000"/>
+            </a:spcAft>
+            <a:buNone/>
+          </a:pPr>
+          <a:r>
+            <a:rPr lang="en-US" sz="1700" kern="1200" dirty="0"/>
+            <a:t>Linear Regression - Continuous dependent variable</a:t>
+          </a:r>
+        </a:p>
+      </dsp:txBody>
+      <dsp:txXfrm>
+        <a:off x="5049" y="533715"/>
+        <a:ext cx="1900690" cy="1140414"/>
+      </dsp:txXfrm>
+    </dsp:sp>
+    <dsp:sp modelId="{2337B037-99E4-4449-B7D8-34442983FB19}">
+      <dsp:nvSpPr>
+        <dsp:cNvPr id="0" name=""/>
+        <dsp:cNvSpPr/>
+      </dsp:nvSpPr>
+      <dsp:spPr>
+        <a:xfrm>
+          <a:off x="4241789" y="1058202"/>
+          <a:ext cx="406558" cy="91440"/>
+        </a:xfrm>
+        <a:custGeom>
+          <a:avLst/>
+          <a:gdLst/>
+          <a:ahLst/>
+          <a:cxnLst/>
+          <a:rect l="0" t="0" r="0" b="0"/>
+          <a:pathLst>
+            <a:path>
+              <a:moveTo>
+                <a:pt x="0" y="45720"/>
+              </a:moveTo>
+              <a:lnTo>
+                <a:pt x="406558" y="45720"/>
+              </a:lnTo>
+            </a:path>
+          </a:pathLst>
+        </a:custGeom>
+        <a:noFill/>
+        <a:ln w="6350" cap="flat" cmpd="sng" algn="ctr">
+          <a:solidFill>
+            <a:schemeClr val="accent2">
+              <a:hueOff val="-363841"/>
+              <a:satOff val="-20982"/>
+              <a:lumOff val="2157"/>
+              <a:alphaOff val="0"/>
+            </a:schemeClr>
+          </a:solidFill>
+          <a:prstDash val="solid"/>
+          <a:miter lim="800000"/>
+          <a:tailEnd type="arrow"/>
+        </a:ln>
+        <a:effectLst/>
+      </dsp:spPr>
+      <dsp:style>
+        <a:lnRef idx="1">
+          <a:scrgbClr r="0" g="0" b="0"/>
+        </a:lnRef>
+        <a:fillRef idx="0">
+          <a:scrgbClr r="0" g="0" b="0"/>
+        </a:fillRef>
+        <a:effectRef idx="0">
+          <a:scrgbClr r="0" g="0" b="0"/>
+        </a:effectRef>
+        <a:fontRef idx="minor"/>
+      </dsp:style>
+      <dsp:txBody>
+        <a:bodyPr spcFirstLastPara="0" vert="horz" wrap="square" lIns="12700" tIns="0" rIns="12700" bIns="0" numCol="1" spcCol="1270" anchor="ctr" anchorCtr="0">
+          <a:noAutofit/>
+        </a:bodyPr>
+        <a:lstStyle/>
+        <a:p>
+          <a:pPr marL="0" lvl="0" indent="0" algn="ctr" defTabSz="222250">
+            <a:lnSpc>
+              <a:spcPct val="90000"/>
+            </a:lnSpc>
+            <a:spcBef>
+              <a:spcPct val="0"/>
+            </a:spcBef>
+            <a:spcAft>
+              <a:spcPct val="35000"/>
+            </a:spcAft>
+            <a:buNone/>
+          </a:pPr>
+          <a:endParaRPr lang="en-US" sz="500" kern="1200"/>
+        </a:p>
+      </dsp:txBody>
+      <dsp:txXfrm>
+        <a:off x="4434140" y="1101736"/>
+        <a:ext cx="21857" cy="4371"/>
+      </dsp:txXfrm>
+    </dsp:sp>
+    <dsp:sp modelId="{762AD954-1564-48B7-A6E3-6BD0556424EB}">
+      <dsp:nvSpPr>
+        <dsp:cNvPr id="0" name=""/>
+        <dsp:cNvSpPr/>
+      </dsp:nvSpPr>
+      <dsp:spPr>
+        <a:xfrm>
+          <a:off x="2342899" y="533715"/>
+          <a:ext cx="1900690" cy="1140414"/>
+        </a:xfrm>
+        <a:prstGeom prst="rect">
+          <a:avLst/>
+        </a:prstGeom>
+        <a:gradFill rotWithShape="0">
+          <a:gsLst>
+            <a:gs pos="0">
+              <a:schemeClr val="accent2">
+                <a:hueOff val="-291073"/>
+                <a:satOff val="-16786"/>
+                <a:lumOff val="1726"/>
+                <a:alphaOff val="0"/>
+                <a:satMod val="103000"/>
+                <a:lumMod val="102000"/>
+                <a:tint val="94000"/>
+              </a:schemeClr>
+            </a:gs>
+            <a:gs pos="50000">
+              <a:schemeClr val="accent2">
+                <a:hueOff val="-291073"/>
+                <a:satOff val="-16786"/>
+                <a:lumOff val="1726"/>
+                <a:alphaOff val="0"/>
+                <a:satMod val="110000"/>
+                <a:lumMod val="100000"/>
+                <a:shade val="100000"/>
+              </a:schemeClr>
+            </a:gs>
+            <a:gs pos="100000">
+              <a:schemeClr val="accent2">
+                <a:hueOff val="-291073"/>
+                <a:satOff val="-16786"/>
+                <a:lumOff val="1726"/>
+                <a:alphaOff val="0"/>
+                <a:lumMod val="99000"/>
+                <a:satMod val="120000"/>
+                <a:shade val="78000"/>
+              </a:schemeClr>
+            </a:gs>
+          </a:gsLst>
+          <a:lin ang="5400000" scaled="0"/>
+        </a:gradFill>
+        <a:ln>
+          <a:noFill/>
+        </a:ln>
+        <a:effectLst>
+          <a:outerShdw blurRad="57150" dist="19050" dir="5400000" algn="ctr" rotWithShape="0">
+            <a:srgbClr val="000000">
+              <a:alpha val="63000"/>
+            </a:srgbClr>
+          </a:outerShdw>
+        </a:effectLst>
+      </dsp:spPr>
+      <dsp:style>
+        <a:lnRef idx="0">
+          <a:scrgbClr r="0" g="0" b="0"/>
+        </a:lnRef>
+        <a:fillRef idx="3">
+          <a:scrgbClr r="0" g="0" b="0"/>
+        </a:fillRef>
+        <a:effectRef idx="3">
+          <a:scrgbClr r="0" g="0" b="0"/>
+        </a:effectRef>
+        <a:fontRef idx="minor">
+          <a:schemeClr val="lt1"/>
+        </a:fontRef>
+      </dsp:style>
+      <dsp:txBody>
+        <a:bodyPr spcFirstLastPara="0" vert="horz" wrap="square" lIns="93135" tIns="97762" rIns="93135" bIns="97762" numCol="1" spcCol="1270" anchor="ctr" anchorCtr="0">
+          <a:noAutofit/>
+        </a:bodyPr>
+        <a:lstStyle/>
+        <a:p>
+          <a:pPr marL="0" lvl="0" indent="0" algn="ctr" defTabSz="755650">
+            <a:lnSpc>
+              <a:spcPct val="90000"/>
+            </a:lnSpc>
+            <a:spcBef>
+              <a:spcPct val="0"/>
+            </a:spcBef>
+            <a:spcAft>
+              <a:spcPct val="35000"/>
+            </a:spcAft>
+            <a:buNone/>
+          </a:pPr>
+          <a:r>
+            <a:rPr lang="en-US" sz="1700" kern="1200"/>
+            <a:t>Preprocess the data</a:t>
+          </a:r>
+        </a:p>
+      </dsp:txBody>
+      <dsp:txXfrm>
+        <a:off x="2342899" y="533715"/>
+        <a:ext cx="1900690" cy="1140414"/>
+      </dsp:txXfrm>
+    </dsp:sp>
+    <dsp:sp modelId="{448D11AE-5739-4525-ABB7-49042439C00B}">
+      <dsp:nvSpPr>
+        <dsp:cNvPr id="0" name=""/>
+        <dsp:cNvSpPr/>
+      </dsp:nvSpPr>
+      <dsp:spPr>
+        <a:xfrm>
+          <a:off x="955394" y="1672330"/>
+          <a:ext cx="4675699" cy="406558"/>
+        </a:xfrm>
+        <a:custGeom>
+          <a:avLst/>
+          <a:gdLst/>
+          <a:ahLst/>
+          <a:cxnLst/>
+          <a:rect l="0" t="0" r="0" b="0"/>
+          <a:pathLst>
+            <a:path>
+              <a:moveTo>
+                <a:pt x="4675699" y="0"/>
+              </a:moveTo>
+              <a:lnTo>
+                <a:pt x="4675699" y="220379"/>
+              </a:lnTo>
+              <a:lnTo>
+                <a:pt x="0" y="220379"/>
+              </a:lnTo>
+              <a:lnTo>
+                <a:pt x="0" y="406558"/>
+              </a:lnTo>
+            </a:path>
+          </a:pathLst>
+        </a:custGeom>
+        <a:noFill/>
+        <a:ln w="6350" cap="flat" cmpd="sng" algn="ctr">
+          <a:solidFill>
+            <a:schemeClr val="accent2">
+              <a:hueOff val="-727682"/>
+              <a:satOff val="-41964"/>
+              <a:lumOff val="4314"/>
+              <a:alphaOff val="0"/>
+            </a:schemeClr>
+          </a:solidFill>
+          <a:prstDash val="solid"/>
+          <a:miter lim="800000"/>
+          <a:tailEnd type="arrow"/>
+        </a:ln>
+        <a:effectLst/>
+      </dsp:spPr>
+      <dsp:style>
+        <a:lnRef idx="1">
+          <a:scrgbClr r="0" g="0" b="0"/>
+        </a:lnRef>
+        <a:fillRef idx="0">
+          <a:scrgbClr r="0" g="0" b="0"/>
+        </a:fillRef>
+        <a:effectRef idx="0">
+          <a:scrgbClr r="0" g="0" b="0"/>
+        </a:effectRef>
+        <a:fontRef idx="minor"/>
+      </dsp:style>
+      <dsp:txBody>
+        <a:bodyPr spcFirstLastPara="0" vert="horz" wrap="square" lIns="12700" tIns="0" rIns="12700" bIns="0" numCol="1" spcCol="1270" anchor="ctr" anchorCtr="0">
+          <a:noAutofit/>
+        </a:bodyPr>
+        <a:lstStyle/>
+        <a:p>
+          <a:pPr marL="0" lvl="0" indent="0" algn="ctr" defTabSz="222250">
+            <a:lnSpc>
+              <a:spcPct val="90000"/>
+            </a:lnSpc>
+            <a:spcBef>
+              <a:spcPct val="0"/>
+            </a:spcBef>
+            <a:spcAft>
+              <a:spcPct val="35000"/>
+            </a:spcAft>
+            <a:buNone/>
+          </a:pPr>
+          <a:endParaRPr lang="en-US" sz="500" kern="1200"/>
+        </a:p>
+      </dsp:txBody>
+      <dsp:txXfrm>
+        <a:off x="3175842" y="1873423"/>
+        <a:ext cx="234804" cy="4371"/>
+      </dsp:txXfrm>
+    </dsp:sp>
+    <dsp:sp modelId="{8B15FF32-1DD4-4257-A578-0B1A84561A4D}">
+      <dsp:nvSpPr>
+        <dsp:cNvPr id="0" name=""/>
+        <dsp:cNvSpPr/>
+      </dsp:nvSpPr>
+      <dsp:spPr>
+        <a:xfrm>
+          <a:off x="4680748" y="533715"/>
+          <a:ext cx="1900690" cy="1140414"/>
+        </a:xfrm>
+        <a:prstGeom prst="rect">
+          <a:avLst/>
+        </a:prstGeom>
+        <a:gradFill rotWithShape="0">
+          <a:gsLst>
+            <a:gs pos="0">
+              <a:schemeClr val="accent2">
+                <a:hueOff val="-582145"/>
+                <a:satOff val="-33571"/>
+                <a:lumOff val="3451"/>
+                <a:alphaOff val="0"/>
+                <a:satMod val="103000"/>
+                <a:lumMod val="102000"/>
+                <a:tint val="94000"/>
+              </a:schemeClr>
+            </a:gs>
+            <a:gs pos="50000">
+              <a:schemeClr val="accent2">
+                <a:hueOff val="-582145"/>
+                <a:satOff val="-33571"/>
+                <a:lumOff val="3451"/>
+                <a:alphaOff val="0"/>
+                <a:satMod val="110000"/>
+                <a:lumMod val="100000"/>
+                <a:shade val="100000"/>
+              </a:schemeClr>
+            </a:gs>
+            <a:gs pos="100000">
+              <a:schemeClr val="accent2">
+                <a:hueOff val="-582145"/>
+                <a:satOff val="-33571"/>
+                <a:lumOff val="3451"/>
+                <a:alphaOff val="0"/>
+                <a:lumMod val="99000"/>
+                <a:satMod val="120000"/>
+                <a:shade val="78000"/>
+              </a:schemeClr>
+            </a:gs>
+          </a:gsLst>
+          <a:lin ang="5400000" scaled="0"/>
+        </a:gradFill>
+        <a:ln>
+          <a:noFill/>
+        </a:ln>
+        <a:effectLst>
+          <a:outerShdw blurRad="57150" dist="19050" dir="5400000" algn="ctr" rotWithShape="0">
+            <a:srgbClr val="000000">
+              <a:alpha val="63000"/>
+            </a:srgbClr>
+          </a:outerShdw>
+        </a:effectLst>
+      </dsp:spPr>
+      <dsp:style>
+        <a:lnRef idx="0">
+          <a:scrgbClr r="0" g="0" b="0"/>
+        </a:lnRef>
+        <a:fillRef idx="3">
+          <a:scrgbClr r="0" g="0" b="0"/>
+        </a:fillRef>
+        <a:effectRef idx="3">
+          <a:scrgbClr r="0" g="0" b="0"/>
+        </a:effectRef>
+        <a:fontRef idx="minor">
+          <a:schemeClr val="lt1"/>
+        </a:fontRef>
+      </dsp:style>
+      <dsp:txBody>
+        <a:bodyPr spcFirstLastPara="0" vert="horz" wrap="square" lIns="93135" tIns="97762" rIns="93135" bIns="97762" numCol="1" spcCol="1270" anchor="ctr" anchorCtr="0">
+          <a:noAutofit/>
+        </a:bodyPr>
+        <a:lstStyle/>
+        <a:p>
+          <a:pPr marL="0" lvl="0" indent="0" algn="ctr" defTabSz="755650">
+            <a:lnSpc>
+              <a:spcPct val="90000"/>
+            </a:lnSpc>
+            <a:spcBef>
+              <a:spcPct val="0"/>
+            </a:spcBef>
+            <a:spcAft>
+              <a:spcPct val="35000"/>
+            </a:spcAft>
+            <a:buNone/>
+          </a:pPr>
+          <a:r>
+            <a:rPr lang="en-US" sz="1700" i="0" kern="1200" dirty="0"/>
+            <a:t>Create a model  - model = </a:t>
+          </a:r>
+          <a:r>
+            <a:rPr lang="en-US" sz="1700" i="0" kern="1200" dirty="0" err="1"/>
+            <a:t>LinearRegression</a:t>
+          </a:r>
+          <a:r>
+            <a:rPr lang="en-US" sz="1700" i="0" kern="1200" dirty="0"/>
+            <a:t>()</a:t>
+          </a:r>
+          <a:endParaRPr lang="en-US" sz="1700" kern="1200" dirty="0"/>
+        </a:p>
+      </dsp:txBody>
+      <dsp:txXfrm>
+        <a:off x="4680748" y="533715"/>
+        <a:ext cx="1900690" cy="1140414"/>
+      </dsp:txXfrm>
+    </dsp:sp>
+    <dsp:sp modelId="{88130906-DD59-4F28-9A2E-CBD9C0C2FDB6}">
+      <dsp:nvSpPr>
+        <dsp:cNvPr id="0" name=""/>
+        <dsp:cNvSpPr/>
+      </dsp:nvSpPr>
+      <dsp:spPr>
+        <a:xfrm>
+          <a:off x="1903940" y="2635776"/>
+          <a:ext cx="406558" cy="91440"/>
+        </a:xfrm>
+        <a:custGeom>
+          <a:avLst/>
+          <a:gdLst/>
+          <a:ahLst/>
+          <a:cxnLst/>
+          <a:rect l="0" t="0" r="0" b="0"/>
+          <a:pathLst>
+            <a:path>
+              <a:moveTo>
+                <a:pt x="0" y="45720"/>
+              </a:moveTo>
+              <a:lnTo>
+                <a:pt x="406558" y="45720"/>
+              </a:lnTo>
+            </a:path>
+          </a:pathLst>
+        </a:custGeom>
+        <a:noFill/>
+        <a:ln w="6350" cap="flat" cmpd="sng" algn="ctr">
+          <a:solidFill>
+            <a:schemeClr val="accent2">
+              <a:hueOff val="-1091522"/>
+              <a:satOff val="-62946"/>
+              <a:lumOff val="6471"/>
+              <a:alphaOff val="0"/>
+            </a:schemeClr>
+          </a:solidFill>
+          <a:prstDash val="solid"/>
+          <a:miter lim="800000"/>
+          <a:tailEnd type="arrow"/>
+        </a:ln>
+        <a:effectLst/>
+      </dsp:spPr>
+      <dsp:style>
+        <a:lnRef idx="1">
+          <a:scrgbClr r="0" g="0" b="0"/>
+        </a:lnRef>
+        <a:fillRef idx="0">
+          <a:scrgbClr r="0" g="0" b="0"/>
+        </a:fillRef>
+        <a:effectRef idx="0">
+          <a:scrgbClr r="0" g="0" b="0"/>
+        </a:effectRef>
+        <a:fontRef idx="minor"/>
+      </dsp:style>
+      <dsp:txBody>
+        <a:bodyPr spcFirstLastPara="0" vert="horz" wrap="square" lIns="12700" tIns="0" rIns="12700" bIns="0" numCol="1" spcCol="1270" anchor="ctr" anchorCtr="0">
+          <a:noAutofit/>
+        </a:bodyPr>
+        <a:lstStyle/>
+        <a:p>
+          <a:pPr marL="0" lvl="0" indent="0" algn="ctr" defTabSz="222250">
+            <a:lnSpc>
+              <a:spcPct val="90000"/>
+            </a:lnSpc>
+            <a:spcBef>
+              <a:spcPct val="0"/>
+            </a:spcBef>
+            <a:spcAft>
+              <a:spcPct val="35000"/>
+            </a:spcAft>
+            <a:buNone/>
+          </a:pPr>
+          <a:endParaRPr lang="en-US" sz="500" kern="1200"/>
+        </a:p>
+      </dsp:txBody>
+      <dsp:txXfrm>
+        <a:off x="2096290" y="2679310"/>
+        <a:ext cx="21857" cy="4371"/>
+      </dsp:txXfrm>
+    </dsp:sp>
+    <dsp:sp modelId="{8541365C-84F2-4DBC-AF8F-9CEEE8C7846B}">
+      <dsp:nvSpPr>
+        <dsp:cNvPr id="0" name=""/>
+        <dsp:cNvSpPr/>
+      </dsp:nvSpPr>
+      <dsp:spPr>
+        <a:xfrm>
+          <a:off x="5049" y="2111288"/>
+          <a:ext cx="1900690" cy="1140414"/>
+        </a:xfrm>
+        <a:prstGeom prst="rect">
+          <a:avLst/>
+        </a:prstGeom>
+        <a:gradFill rotWithShape="0">
+          <a:gsLst>
+            <a:gs pos="0">
+              <a:schemeClr val="accent2">
+                <a:hueOff val="-873218"/>
+                <a:satOff val="-50357"/>
+                <a:lumOff val="5177"/>
+                <a:alphaOff val="0"/>
+                <a:satMod val="103000"/>
+                <a:lumMod val="102000"/>
+                <a:tint val="94000"/>
+              </a:schemeClr>
+            </a:gs>
+            <a:gs pos="50000">
+              <a:schemeClr val="accent2">
+                <a:hueOff val="-873218"/>
+                <a:satOff val="-50357"/>
+                <a:lumOff val="5177"/>
+                <a:alphaOff val="0"/>
+                <a:satMod val="110000"/>
+                <a:lumMod val="100000"/>
+                <a:shade val="100000"/>
+              </a:schemeClr>
+            </a:gs>
+            <a:gs pos="100000">
+              <a:schemeClr val="accent2">
+                <a:hueOff val="-873218"/>
+                <a:satOff val="-50357"/>
+                <a:lumOff val="5177"/>
+                <a:alphaOff val="0"/>
+                <a:lumMod val="99000"/>
+                <a:satMod val="120000"/>
+                <a:shade val="78000"/>
+              </a:schemeClr>
+            </a:gs>
+          </a:gsLst>
+          <a:lin ang="5400000" scaled="0"/>
+        </a:gradFill>
+        <a:ln>
+          <a:noFill/>
+        </a:ln>
+        <a:effectLst>
+          <a:outerShdw blurRad="57150" dist="19050" dir="5400000" algn="ctr" rotWithShape="0">
+            <a:srgbClr val="000000">
+              <a:alpha val="63000"/>
+            </a:srgbClr>
+          </a:outerShdw>
+        </a:effectLst>
+      </dsp:spPr>
+      <dsp:style>
+        <a:lnRef idx="0">
+          <a:scrgbClr r="0" g="0" b="0"/>
+        </a:lnRef>
+        <a:fillRef idx="3">
+          <a:scrgbClr r="0" g="0" b="0"/>
+        </a:fillRef>
+        <a:effectRef idx="3">
+          <a:scrgbClr r="0" g="0" b="0"/>
+        </a:effectRef>
+        <a:fontRef idx="minor">
+          <a:schemeClr val="lt1"/>
+        </a:fontRef>
+      </dsp:style>
+      <dsp:txBody>
+        <a:bodyPr spcFirstLastPara="0" vert="horz" wrap="square" lIns="93135" tIns="97762" rIns="93135" bIns="97762" numCol="1" spcCol="1270" anchor="ctr" anchorCtr="0">
+          <a:noAutofit/>
+        </a:bodyPr>
+        <a:lstStyle/>
+        <a:p>
+          <a:pPr marL="0" lvl="0" indent="0" algn="ctr" defTabSz="755650">
+            <a:lnSpc>
+              <a:spcPct val="90000"/>
+            </a:lnSpc>
+            <a:spcBef>
+              <a:spcPct val="0"/>
+            </a:spcBef>
+            <a:spcAft>
+              <a:spcPct val="35000"/>
+            </a:spcAft>
+            <a:buNone/>
+          </a:pPr>
+          <a:r>
+            <a:rPr lang="en-US" sz="1700" kern="1200"/>
+            <a:t>F</a:t>
+          </a:r>
+          <a:r>
+            <a:rPr lang="en-US" sz="1700" i="0" kern="1200"/>
+            <a:t>it it   -  </a:t>
+          </a:r>
+          <a:r>
+            <a:rPr lang="en-US" sz="1700" b="0" i="0" kern="1200" baseline="0"/>
+            <a:t>model.fit(x, y) </a:t>
+          </a:r>
+          <a:endParaRPr lang="en-US" sz="1700" kern="1200"/>
+        </a:p>
+      </dsp:txBody>
+      <dsp:txXfrm>
+        <a:off x="5049" y="2111288"/>
+        <a:ext cx="1900690" cy="1140414"/>
+      </dsp:txXfrm>
+    </dsp:sp>
+    <dsp:sp modelId="{3BD88314-4936-41BB-ABEF-D3B1968C242A}">
+      <dsp:nvSpPr>
+        <dsp:cNvPr id="0" name=""/>
+        <dsp:cNvSpPr/>
+      </dsp:nvSpPr>
+      <dsp:spPr>
+        <a:xfrm>
+          <a:off x="4241789" y="2635776"/>
+          <a:ext cx="406558" cy="91440"/>
+        </a:xfrm>
+        <a:custGeom>
+          <a:avLst/>
+          <a:gdLst/>
+          <a:ahLst/>
+          <a:cxnLst/>
+          <a:rect l="0" t="0" r="0" b="0"/>
+          <a:pathLst>
+            <a:path>
+              <a:moveTo>
+                <a:pt x="0" y="45720"/>
+              </a:moveTo>
+              <a:lnTo>
+                <a:pt x="406558" y="45720"/>
+              </a:lnTo>
+            </a:path>
+          </a:pathLst>
+        </a:custGeom>
+        <a:noFill/>
+        <a:ln w="6350" cap="flat" cmpd="sng" algn="ctr">
+          <a:solidFill>
+            <a:schemeClr val="accent2">
+              <a:hueOff val="-1455363"/>
+              <a:satOff val="-83928"/>
+              <a:lumOff val="8628"/>
+              <a:alphaOff val="0"/>
+            </a:schemeClr>
+          </a:solidFill>
+          <a:prstDash val="solid"/>
+          <a:miter lim="800000"/>
+          <a:tailEnd type="arrow"/>
+        </a:ln>
+        <a:effectLst/>
+      </dsp:spPr>
+      <dsp:style>
+        <a:lnRef idx="1">
+          <a:scrgbClr r="0" g="0" b="0"/>
+        </a:lnRef>
+        <a:fillRef idx="0">
+          <a:scrgbClr r="0" g="0" b="0"/>
+        </a:fillRef>
+        <a:effectRef idx="0">
+          <a:scrgbClr r="0" g="0" b="0"/>
+        </a:effectRef>
+        <a:fontRef idx="minor"/>
+      </dsp:style>
+      <dsp:txBody>
+        <a:bodyPr spcFirstLastPara="0" vert="horz" wrap="square" lIns="12700" tIns="0" rIns="12700" bIns="0" numCol="1" spcCol="1270" anchor="ctr" anchorCtr="0">
+          <a:noAutofit/>
+        </a:bodyPr>
+        <a:lstStyle/>
+        <a:p>
+          <a:pPr marL="0" lvl="0" indent="0" algn="ctr" defTabSz="222250">
+            <a:lnSpc>
+              <a:spcPct val="90000"/>
+            </a:lnSpc>
+            <a:spcBef>
+              <a:spcPct val="0"/>
+            </a:spcBef>
+            <a:spcAft>
+              <a:spcPct val="35000"/>
+            </a:spcAft>
+            <a:buNone/>
+          </a:pPr>
+          <a:endParaRPr lang="en-US" sz="500" kern="1200"/>
+        </a:p>
+      </dsp:txBody>
+      <dsp:txXfrm>
+        <a:off x="4434140" y="2679310"/>
+        <a:ext cx="21857" cy="4371"/>
+      </dsp:txXfrm>
+    </dsp:sp>
+    <dsp:sp modelId="{F190E802-895B-419C-BD05-228A9B4B22EE}">
+      <dsp:nvSpPr>
+        <dsp:cNvPr id="0" name=""/>
+        <dsp:cNvSpPr/>
+      </dsp:nvSpPr>
+      <dsp:spPr>
+        <a:xfrm>
+          <a:off x="2342899" y="2111288"/>
+          <a:ext cx="1900690" cy="1140414"/>
+        </a:xfrm>
+        <a:prstGeom prst="rect">
+          <a:avLst/>
+        </a:prstGeom>
+        <a:gradFill rotWithShape="0">
+          <a:gsLst>
+            <a:gs pos="0">
+              <a:schemeClr val="accent2">
+                <a:hueOff val="-1164290"/>
+                <a:satOff val="-67142"/>
+                <a:lumOff val="6902"/>
+                <a:alphaOff val="0"/>
+                <a:satMod val="103000"/>
+                <a:lumMod val="102000"/>
+                <a:tint val="94000"/>
+              </a:schemeClr>
+            </a:gs>
+            <a:gs pos="50000">
+              <a:schemeClr val="accent2">
+                <a:hueOff val="-1164290"/>
+                <a:satOff val="-67142"/>
+                <a:lumOff val="6902"/>
+                <a:alphaOff val="0"/>
+                <a:satMod val="110000"/>
+                <a:lumMod val="100000"/>
+                <a:shade val="100000"/>
+              </a:schemeClr>
+            </a:gs>
+            <a:gs pos="100000">
+              <a:schemeClr val="accent2">
+                <a:hueOff val="-1164290"/>
+                <a:satOff val="-67142"/>
+                <a:lumOff val="6902"/>
+                <a:alphaOff val="0"/>
+                <a:lumMod val="99000"/>
+                <a:satMod val="120000"/>
+                <a:shade val="78000"/>
+              </a:schemeClr>
+            </a:gs>
+          </a:gsLst>
+          <a:lin ang="5400000" scaled="0"/>
+        </a:gradFill>
+        <a:ln>
+          <a:noFill/>
+        </a:ln>
+        <a:effectLst>
+          <a:outerShdw blurRad="57150" dist="19050" dir="5400000" algn="ctr" rotWithShape="0">
+            <a:srgbClr val="000000">
+              <a:alpha val="63000"/>
+            </a:srgbClr>
+          </a:outerShdw>
+        </a:effectLst>
+      </dsp:spPr>
+      <dsp:style>
+        <a:lnRef idx="0">
+          <a:scrgbClr r="0" g="0" b="0"/>
+        </a:lnRef>
+        <a:fillRef idx="3">
+          <a:scrgbClr r="0" g="0" b="0"/>
+        </a:fillRef>
+        <a:effectRef idx="3">
+          <a:scrgbClr r="0" g="0" b="0"/>
+        </a:effectRef>
+        <a:fontRef idx="minor">
+          <a:schemeClr val="lt1"/>
+        </a:fontRef>
+      </dsp:style>
+      <dsp:txBody>
+        <a:bodyPr spcFirstLastPara="0" vert="horz" wrap="square" lIns="93135" tIns="97762" rIns="93135" bIns="97762" numCol="1" spcCol="1270" anchor="ctr" anchorCtr="0">
+          <a:noAutofit/>
+        </a:bodyPr>
+        <a:lstStyle/>
+        <a:p>
+          <a:pPr marL="0" lvl="0" indent="0" algn="ctr" defTabSz="755650">
+            <a:lnSpc>
+              <a:spcPct val="90000"/>
+            </a:lnSpc>
+            <a:spcBef>
+              <a:spcPct val="0"/>
+            </a:spcBef>
+            <a:spcAft>
+              <a:spcPct val="35000"/>
+            </a:spcAft>
+            <a:buNone/>
+          </a:pPr>
+          <a:r>
+            <a:rPr lang="en-US" sz="1700" b="0" i="0" kern="1200" baseline="0"/>
+            <a:t>r_sq  -  model.score(x, y) </a:t>
+          </a:r>
+          <a:endParaRPr lang="en-US" sz="1700" kern="1200"/>
+        </a:p>
+      </dsp:txBody>
+      <dsp:txXfrm>
+        <a:off x="2342899" y="2111288"/>
+        <a:ext cx="1900690" cy="1140414"/>
+      </dsp:txXfrm>
+    </dsp:sp>
+    <dsp:sp modelId="{55CFBBA6-B662-40CF-B6A0-61B043302A18}">
+      <dsp:nvSpPr>
+        <dsp:cNvPr id="0" name=""/>
+        <dsp:cNvSpPr/>
+      </dsp:nvSpPr>
+      <dsp:spPr>
+        <a:xfrm>
+          <a:off x="4680748" y="2111288"/>
+          <a:ext cx="1900690" cy="1140414"/>
+        </a:xfrm>
+        <a:prstGeom prst="rect">
+          <a:avLst/>
+        </a:prstGeom>
+        <a:gradFill rotWithShape="0">
+          <a:gsLst>
+            <a:gs pos="0">
+              <a:schemeClr val="accent2">
+                <a:hueOff val="-1455363"/>
+                <a:satOff val="-83928"/>
+                <a:lumOff val="8628"/>
+                <a:alphaOff val="0"/>
+                <a:satMod val="103000"/>
+                <a:lumMod val="102000"/>
+                <a:tint val="94000"/>
+              </a:schemeClr>
+            </a:gs>
+            <a:gs pos="50000">
+              <a:schemeClr val="accent2">
+                <a:hueOff val="-1455363"/>
+                <a:satOff val="-83928"/>
+                <a:lumOff val="8628"/>
+                <a:alphaOff val="0"/>
+                <a:satMod val="110000"/>
+                <a:lumMod val="100000"/>
+                <a:shade val="100000"/>
+              </a:schemeClr>
+            </a:gs>
+            <a:gs pos="100000">
+              <a:schemeClr val="accent2">
+                <a:hueOff val="-1455363"/>
+                <a:satOff val="-83928"/>
+                <a:lumOff val="8628"/>
+                <a:alphaOff val="0"/>
+                <a:lumMod val="99000"/>
+                <a:satMod val="120000"/>
+                <a:shade val="78000"/>
+              </a:schemeClr>
+            </a:gs>
+          </a:gsLst>
+          <a:lin ang="5400000" scaled="0"/>
+        </a:gradFill>
+        <a:ln>
+          <a:noFill/>
+        </a:ln>
+        <a:effectLst>
+          <a:outerShdw blurRad="57150" dist="19050" dir="5400000" algn="ctr" rotWithShape="0">
+            <a:srgbClr val="000000">
+              <a:alpha val="63000"/>
+            </a:srgbClr>
+          </a:outerShdw>
+        </a:effectLst>
+      </dsp:spPr>
+      <dsp:style>
+        <a:lnRef idx="0">
+          <a:scrgbClr r="0" g="0" b="0"/>
+        </a:lnRef>
+        <a:fillRef idx="3">
+          <a:scrgbClr r="0" g="0" b="0"/>
+        </a:fillRef>
+        <a:effectRef idx="3">
+          <a:scrgbClr r="0" g="0" b="0"/>
+        </a:effectRef>
+        <a:fontRef idx="minor">
+          <a:schemeClr val="lt1"/>
+        </a:fontRef>
+      </dsp:style>
+      <dsp:txBody>
+        <a:bodyPr spcFirstLastPara="0" vert="horz" wrap="square" lIns="93135" tIns="97762" rIns="93135" bIns="97762" numCol="1" spcCol="1270" anchor="ctr" anchorCtr="0">
+          <a:noAutofit/>
+        </a:bodyPr>
+        <a:lstStyle/>
+        <a:p>
+          <a:pPr marL="0" lvl="0" indent="0" algn="ctr" defTabSz="755650">
+            <a:lnSpc>
+              <a:spcPct val="90000"/>
+            </a:lnSpc>
+            <a:spcBef>
+              <a:spcPct val="0"/>
+            </a:spcBef>
+            <a:spcAft>
+              <a:spcPct val="35000"/>
+            </a:spcAft>
+            <a:buNone/>
+          </a:pPr>
+          <a:r>
+            <a:rPr lang="en-US" sz="1700" kern="1200"/>
+            <a:t>Predict Response – y_pred = model.predict(X)</a:t>
+          </a:r>
+        </a:p>
+      </dsp:txBody>
+      <dsp:txXfrm>
+        <a:off x="4680748" y="2111288"/>
+        <a:ext cx="1900690" cy="1140414"/>
+      </dsp:txXfrm>
+    </dsp:sp>
+  </dsp:spTree>
+</dsp:drawing>
+</file>
+
+<file path=ppt/diagrams/layout1.xml><?xml version="1.0" encoding="utf-8"?>
+<dgm:layoutDef xmlns:dgm="http://schemas.openxmlformats.org/drawingml/2006/diagram" xmlns:a="http://schemas.openxmlformats.org/drawingml/2006/main" uniqueId="urn:microsoft.com/office/officeart/2016/7/layout/RepeatingBendingProcessNew">
+  <dgm:title val="Repeating Bending Process New"/>
+  <dgm:desc val=""/>
+  <dgm:catLst>
+    <dgm:cat type="process" pri="500"/>
+  </dgm:catLst>
+  <dgm:sampData>
+    <dgm:dataModel>
+      <dgm:ptLst>
+        <dgm:pt modelId="0" type="doc"/>
+        <dgm:pt modelId="1">
+          <dgm:prSet phldr="1"/>
+        </dgm:pt>
+        <dgm:pt modelId="2">
+          <dgm:prSet phldr="1"/>
+        </dgm:pt>
+        <dgm:pt modelId="3">
+          <dgm:prSet phldr="1"/>
+        </dgm:pt>
+        <dgm:pt modelId="4">
+          <dgm:prSet phldr="1"/>
+        </dgm:pt>
+        <dgm:pt modelId="5">
+          <dgm:prSet phldr="1"/>
+        </dgm:pt>
+      </dgm:ptLst>
+      <dgm:cxnLst>
+        <dgm:cxn modelId="7" srcId="0" destId="1" srcOrd="0" destOrd="0"/>
+        <dgm:cxn modelId="8" srcId="0" destId="2" srcOrd="1" destOrd="0"/>
+        <dgm:cxn modelId="9" srcId="0" destId="3" srcOrd="2" destOrd="0"/>
+        <dgm:cxn modelId="10" srcId="0" destId="4" srcOrd="3" destOrd="0"/>
+        <dgm:cxn modelId="11" srcId="0" destId="5" srcOrd="4" destOrd="0"/>
+      </dgm:cxnLst>
+      <dgm:bg/>
+      <dgm:whole/>
+    </dgm:dataModel>
+  </dgm:sampData>
+  <dgm:styleData>
+    <dgm:dataModel>
+      <dgm:ptLst>
+        <dgm:pt modelId="0" type="doc"/>
+        <dgm:pt modelId="1"/>
+        <dgm:pt modelId="2"/>
+      </dgm:ptLst>
+      <dgm:cxnLst>
+        <dgm:cxn modelId="3" srcId="0" destId="1" srcOrd="0" destOrd="0"/>
+        <dgm:cxn modelId="4" srcId="0" destId="2" srcOrd="1" destOrd="0"/>
+      </dgm:cxnLst>
+      <dgm:bg/>
+      <dgm:whole/>
+    </dgm:dataModel>
+  </dgm:styleData>
+  <dgm:clrData>
+    <dgm:dataModel>
+      <dgm:ptLst>
+        <dgm:pt modelId="0" type="doc"/>
+        <dgm:pt modelId="1"/>
+        <dgm:pt modelId="2"/>
+        <dgm:pt modelId="3"/>
+        <dgm:pt modelId="4"/>
+      </dgm:ptLst>
+      <dgm:cxnLst>
+        <dgm:cxn modelId="5" srcId="0" destId="1" srcOrd="0" destOrd="0"/>
+        <dgm:cxn modelId="6" srcId="0" destId="2" srcOrd="1" destOrd="0"/>
+        <dgm:cxn modelId="7" srcId="0" destId="3" srcOrd="2" destOrd="0"/>
+        <dgm:cxn modelId="8" srcId="0" destId="4" srcOrd="3" destOrd="0"/>
+      </dgm:cxnLst>
+      <dgm:bg/>
+      <dgm:whole/>
+    </dgm:dataModel>
+  </dgm:clrData>
+  <dgm:layoutNode name="Name0">
+    <dgm:varLst>
+      <dgm:dir/>
+      <dgm:resizeHandles val="exact"/>
+    </dgm:varLst>
+    <dgm:choose name="Name1">
+      <dgm:if name="Name2" axis="self" func="var" arg="dir" op="equ" val="norm">
+        <dgm:alg type="snake">
+          <dgm:param type="grDir" val="tL"/>
+          <dgm:param type="flowDir" val="row"/>
+          <dgm:param type="contDir" val="sameDir"/>
+          <dgm:param type="bkpt" val="endCnv"/>
+        </dgm:alg>
+      </dgm:if>
+      <dgm:else name="Name3">
+        <dgm:alg type="snake">
+          <dgm:param type="grDir" val="tR"/>
+          <dgm:param type="flowDir" val="row"/>
+          <dgm:param type="contDir" val="sameDir"/>
+          <dgm:param type="bkpt" val="endCnv"/>
+        </dgm:alg>
+      </dgm:else>
+    </dgm:choose>
+    <dgm:shape xmlns:r="http://schemas.openxmlformats.org/officeDocument/2006/relationships" r:blip="">
+      <dgm:adjLst/>
+    </dgm:shape>
+    <dgm:presOf/>
+    <dgm:constrLst>
+      <dgm:constr type="w" for="ch" ptType="node" refType="w"/>
+      <dgm:constr type="w" for="ch" forName="sibTrans" refType="w" refFor="ch" refPtType="node" op="equ" fact="0.23"/>
+      <dgm:constr type="sp" refType="w" refFor="ch" refForName="sibTrans" op="equ"/>
+      <dgm:constr type="userB" for="des" forName="connectorText" refType="sp"/>
+      <dgm:constr type="primFontSz" for="ch" ptType="node" op="equ" val="65"/>
+      <dgm:constr type="h" for="ch" ptType="sibTrans" op="equ"/>
+      <dgm:constr type="primFontSz" for="des" forName="connectorText" op="equ" val="55"/>
+      <dgm:constr type="primFontSz" for="des" forName="connectorText" refType="primFontSz" refFor="ch" refPtType="node" op="lte" fact="0.8"/>
+    </dgm:constrLst>
+    <dgm:ruleLst/>
+    <dgm:forEach name="nodesForEach" axis="ch" ptType="node">
+      <dgm:layoutNode name="node">
+        <dgm:varLst>
+          <dgm:bulletEnabled val="1"/>
+        </dgm:varLst>
+        <dgm:alg type="tx"/>
+        <dgm:shape xmlns:r="http://schemas.openxmlformats.org/officeDocument/2006/relationships" type="rect" r:blip="">
+          <dgm:adjLst/>
+        </dgm:shape>
+        <dgm:presOf axis="desOrSelf" ptType="node"/>
+        <dgm:constrLst>
+          <dgm:constr type="h" refType="w" fact="0.6"/>
+          <dgm:constr type="tMarg" refType="h" fact="0.243"/>
+          <dgm:constr type="bMarg" refType="h" fact="0.243"/>
+          <dgm:constr type="lMarg" refType="w" fact="0.1389"/>
+          <dgm:constr type="rMarg" refType="w" fact="0.1389"/>
+        </dgm:constrLst>
+        <dgm:ruleLst>
+          <dgm:rule type="primFontSz" val="12" fact="NaN" max="NaN"/>
+        </dgm:ruleLst>
+      </dgm:layoutNode>
+      <dgm:forEach name="sibTransForEach" axis="followSib" ptType="sibTrans" cnt="1">
+        <dgm:layoutNode name="sibTrans">
+          <dgm:choose name="Name4">
+            <dgm:if name="Name5" axis="self" func="var" arg="dir" op="equ" val="norm">
+              <dgm:alg type="conn">
+                <dgm:param type="connRout" val="bend"/>
+                <dgm:param type="dim" val="1D"/>
+                <dgm:param type="begPts" val="midR bCtr"/>
+                <dgm:param type="endPts" val="midL tCtr"/>
+              </dgm:alg>
+            </dgm:if>
+            <dgm:else name="Name6">
+              <dgm:alg type="conn">
+                <dgm:param type="connRout" val="bend"/>
+                <dgm:param type="dim" val="1D"/>
+                <dgm:param type="begPts" val="midL bCtr"/>
+                <dgm:param type="endPts" val="midR tCtr"/>
+              </dgm:alg>
+            </dgm:else>
+          </dgm:choose>
+          <dgm:shape xmlns:r="http://schemas.openxmlformats.org/officeDocument/2006/relationships" type="conn" r:blip="" zOrderOff="-2">
+            <dgm:adjLst/>
+          </dgm:shape>
+          <dgm:presOf axis="self"/>
+          <dgm:constrLst>
+            <dgm:constr type="begPad" val="-0.05"/>
+            <dgm:constr type="endPad" val="0.9"/>
+            <dgm:constr type="userA" for="ch" refType="connDist"/>
+          </dgm:constrLst>
+          <dgm:ruleLst/>
+          <dgm:layoutNode name="connectorText">
+            <dgm:alg type="tx">
+              <dgm:param type="autoTxRot" val="upr"/>
+            </dgm:alg>
+            <dgm:shape xmlns:r="http://schemas.openxmlformats.org/officeDocument/2006/relationships" type="rect" r:blip="" hideGeom="1">
+              <dgm:adjLst/>
+            </dgm:shape>
+            <dgm:presOf axis="self"/>
+            <dgm:constrLst>
+              <dgm:constr type="userA"/>
+              <dgm:constr type="userB"/>
+              <dgm:constr type="w" refType="userA" fact="0.05"/>
+              <dgm:constr type="h" refType="userB" fact="0.01"/>
+              <dgm:constr type="lMarg" val="1"/>
+              <dgm:constr type="rMarg" val="1"/>
+              <dgm:constr type="tMarg"/>
+              <dgm:constr type="bMarg"/>
+            </dgm:constrLst>
+            <dgm:ruleLst>
+              <dgm:rule type="w" val="NaN" fact="0.6" max="NaN"/>
+              <dgm:rule type="h" val="NaN" fact="0.6" max="NaN"/>
+              <dgm:rule type="primFontSz" val="5" fact="NaN" max="NaN"/>
+            </dgm:ruleLst>
+          </dgm:layoutNode>
+        </dgm:layoutNode>
+      </dgm:forEach>
+    </dgm:forEach>
+  </dgm:layoutNode>
+</dgm:layoutDef>
+</file>
+
+<file path=ppt/diagrams/quickStyle1.xml><?xml version="1.0" encoding="utf-8"?>
+<dgm:styleDef xmlns:dgm="http://schemas.openxmlformats.org/drawingml/2006/diagram" xmlns:a="http://schemas.openxmlformats.org/drawingml/2006/main" uniqueId="urn:microsoft.com/office/officeart/2005/8/quickstyle/simple5">
+  <dgm:title val=""/>
+  <dgm:desc val=""/>
+  <dgm:catLst>
+    <dgm:cat type="simple" pri="10500"/>
+  </dgm:catLst>
+  <dgm:scene3d>
+    <a:camera prst="orthographicFront"/>
+    <a:lightRig rig="threePt" dir="t"/>
+  </dgm:scene3d>
+  <dgm:styleLbl name="node0">
+    <dgm:scene3d>
+      <a:camera prst="orthographicFront"/>
+      <a:lightRig rig="threePt" dir="t"/>
+    </dgm:scene3d>
+    <dgm:sp3d/>
+    <dgm:txPr/>
+    <dgm:style>
+      <a:lnRef idx="0">
+        <a:scrgbClr r="0" g="0" b="0"/>
+      </a:lnRef>
+      <a:fillRef idx="3">
+        <a:scrgbClr r="0" g="0" b="0"/>
+      </a:fillRef>
+      <a:effectRef idx="3">
+        <a:scrgbClr r="0" g="0" b="0"/>
+      </a:effectRef>
+      <a:fontRef idx="minor">
+        <a:schemeClr val="lt1"/>
+      </a:fontRef>
+    </dgm:style>
+  </dgm:styleLbl>
+  <dgm:styleLbl name="lnNode1">
+    <dgm:scene3d>
+      <a:camera prst="orthographicFront"/>
+      <a:lightRig rig="threePt" dir="t"/>
+    </dgm:scene3d>
+    <dgm:sp3d/>
+    <dgm:txPr/>
+    <dgm:style>
+      <a:lnRef idx="0">
+        <a:scrgbClr r="0" g="0" b="0"/>
+      </a:lnRef>
+      <a:fillRef idx="3">
+        <a:scrgbClr r="0" g="0" b="0"/>
+      </a:fillRef>
+      <a:effectRef idx="3">
+        <a:scrgbClr r="0" g="0" b="0"/>
+      </a:effectRef>
+      <a:fontRef idx="minor">
+        <a:schemeClr val="lt1"/>
+      </a:fontRef>
+    </dgm:style>
+  </dgm:styleLbl>
+  <dgm:styleLbl name="vennNode1">
+    <dgm:scene3d>
+      <a:camera prst="orthographicFront"/>
+      <a:lightRig rig="threePt" dir="t"/>
+    </dgm:scene3d>
+    <dgm:sp3d/>
+    <dgm:txPr/>
+    <dgm:style>
+      <a:lnRef idx="0">
+        <a:scrgbClr r="0" g="0" b="0"/>
+      </a:lnRef>
+      <a:fillRef idx="3">
+        <a:scrgbClr r="0" g="0" b="0"/>
+      </a:fillRef>
+      <a:effectRef idx="3">
+        <a:scrgbClr r="0" g="0" b="0"/>
+      </a:effectRef>
+      <a:fontRef idx="minor">
+        <a:schemeClr val="tx1"/>
+      </a:fontRef>
+    </dgm:style>
+  </dgm:styleLbl>
+  <dgm:styleLbl name="alignNode1">
+    <dgm:scene3d>
+      <a:camera prst="orthographicFront"/>
+      <a:lightRig rig="threePt" dir="t"/>
+    </dgm:scene3d>
+    <dgm:sp3d/>
+    <dgm:txPr/>
+    <dgm:style>
+      <a:lnRef idx="1">
+        <a:scrgbClr r="0" g="0" b="0"/>
+      </a:lnRef>
+      <a:fillRef idx="3">
+        <a:scrgbClr r="0" g="0" b="0"/>
+      </a:fillRef>
+      <a:effectRef idx="3">
+        <a:scrgbClr r="0" g="0" b="0"/>
+      </a:effectRef>
+      <a:fontRef idx="minor">
+        <a:schemeClr val="lt1"/>
+      </a:fontRef>
+    </dgm:style>
+  </dgm:styleLbl>
+  <dgm:styleLbl name="node1">
+    <dgm:scene3d>
+      <a:camera prst="orthographicFront"/>
+      <a:lightRig rig="threePt" dir="t"/>
+    </dgm:scene3d>
+    <dgm:sp3d/>
+    <dgm:txPr/>
+    <dgm:style>
+      <a:lnRef idx="0">
+        <a:scrgbClr r="0" g="0" b="0"/>
+      </a:lnRef>
+      <a:fillRef idx="3">
+        <a:scrgbClr r="0" g="0" b="0"/>
+      </a:fillRef>
+      <a:effectRef idx="3">
+        <a:scrgbClr r="0" g="0" b="0"/>
+      </a:effectRef>
+      <a:fontRef idx="minor">
+        <a:schemeClr val="lt1"/>
+      </a:fontRef>
+    </dgm:style>
+  </dgm:styleLbl>
+  <dgm:styleLbl name="node2">
+    <dgm:scene3d>
+      <a:camera prst="orthographicFront"/>
+      <a:lightRig rig="threePt" dir="t"/>
+    </dgm:scene3d>
+    <dgm:sp3d/>
+    <dgm:txPr/>
+    <dgm:style>
+      <a:lnRef idx="0">
+        <a:scrgbClr r="0" g="0" b="0"/>
+      </a:lnRef>
+      <a:fillRef idx="3">
+        <a:scrgbClr r="0" g="0" b="0"/>
+      </a:fillRef>
+      <a:effectRef idx="3">
+        <a:scrgbClr r="0" g="0" b="0"/>
+      </a:effectRef>
+      <a:fontRef idx="minor">
+        <a:schemeClr val="lt1"/>
+      </a:fontRef>
+    </dgm:style>
+  </dgm:styleLbl>
+  <dgm:styleLbl name="node3">
+    <dgm:scene3d>
+      <a:camera prst="orthographicFront"/>
+      <a:lightRig rig="threePt" dir="t"/>
+    </dgm:scene3d>
+    <dgm:sp3d/>
+    <dgm:txPr/>
+    <dgm:style>
+      <a:lnRef idx="0">
+        <a:scrgbClr r="0" g="0" b="0"/>
+      </a:lnRef>
+      <a:fillRef idx="3">
+        <a:scrgbClr r="0" g="0" b="0"/>
+      </a:fillRef>
+      <a:effectRef idx="3">
+        <a:scrgbClr r="0" g="0" b="0"/>
+      </a:effectRef>
+      <a:fontRef idx="minor">
+        <a:schemeClr val="lt1"/>
+      </a:fontRef>
+    </dgm:style>
+  </dgm:styleLbl>
+  <dgm:styleLbl name="node4">
+    <dgm:scene3d>
+      <a:camera prst="orthographicFront"/>
+      <a:lightRig rig="threePt" dir="t"/>
+    </dgm:scene3d>
+    <dgm:sp3d/>
+    <dgm:txPr/>
+    <dgm:style>
+      <a:lnRef idx="0">
+        <a:scrgbClr r="0" g="0" b="0"/>
+      </a:lnRef>
+      <a:fillRef idx="3">
+        <a:scrgbClr r="0" g="0" b="0"/>
+      </a:fillRef>
+      <a:effectRef idx="3">
+        <a:scrgbClr r="0" g="0" b="0"/>
+      </a:effectRef>
+      <a:fontRef idx="minor">
+        <a:schemeClr val="lt1"/>
+      </a:fontRef>
+    </dgm:style>
+  </dgm:styleLbl>
+  <dgm:styleLbl name="fgImgPlace1">
+    <dgm:scene3d>
+      <a:camera prst="orthographicFront"/>
+      <a:lightRig rig="threePt" dir="t"/>
+    </dgm:scene3d>
+    <dgm:sp3d/>
+    <dgm:txPr/>
+    <dgm:style>
+      <a:lnRef idx="0">
+        <a:scrgbClr r="0" g="0" b="0"/>
+      </a:lnRef>
+      <a:fillRef idx="1">
+        <a:scrgbClr r="0" g="0" b="0"/>
+      </a:fillRef>
+      <a:effectRef idx="3">
+        <a:scrgbClr r="0" g="0" b="0"/>
+      </a:effectRef>
+      <a:fontRef idx="minor"/>
+    </dgm:style>
+  </dgm:styleLbl>
+  <dgm:styleLbl name="alignImgPlace1">
+    <dgm:scene3d>
+      <a:camera prst="orthographicFront"/>
+      <a:lightRig rig="threePt" dir="t"/>
+    </dgm:scene3d>
+    <dgm:sp3d/>
+    <dgm:txPr/>
+    <dgm:style>
+      <a:lnRef idx="0">
+        <a:scrgbClr r="0" g="0" b="0"/>
+      </a:lnRef>
+      <a:fillRef idx="1">
+        <a:scrgbClr r="0" g="0" b="0"/>
+      </a:fillRef>
+      <a:effectRef idx="3">
+        <a:scrgbClr r="0" g="0" b="0"/>
+      </a:effectRef>
+      <a:fontRef idx="minor"/>
+    </dgm:style>
+  </dgm:styleLbl>
+  <dgm:styleLbl name="bgImgPlace1">
+    <dgm:scene3d>
+      <a:camera prst="orthographicFront"/>
+      <a:lightRig rig="threePt" dir="t"/>
+    </dgm:scene3d>
+    <dgm:sp3d/>
+    <dgm:txPr/>
+    <dgm:style>
+      <a:lnRef idx="0">
+        <a:scrgbClr r="0" g="0" b="0"/>
+      </a:lnRef>
+      <a:fillRef idx="1">
+        <a:scrgbClr r="0" g="0" b="0"/>
+      </a:fillRef>
+      <a:effectRef idx="3">
+        <a:scrgbClr r="0" g="0" b="0"/>
+      </a:effectRef>
+      <a:fontRef idx="minor"/>
+    </dgm:style>
+  </dgm:styleLbl>
+  <dgm:styleLbl name="sibTrans2D1">
+    <dgm:scene3d>
+      <a:camera prst="orthographicFront"/>
+      <a:lightRig rig="threePt" dir="t"/>
+    </dgm:scene3d>
+    <dgm:sp3d/>
+    <dgm:txPr/>
+    <dgm:style>
+      <a:lnRef idx="0">
+        <a:scrgbClr r="0" g="0" b="0"/>
+      </a:lnRef>
+      <a:fillRef idx="3">
+        <a:scrgbClr r="0" g="0" b="0"/>
+      </a:fillRef>
+      <a:effectRef idx="3">
+        <a:scrgbClr r="0" g="0" b="0"/>
+      </a:effectRef>
+      <a:fontRef idx="minor">
+        <a:schemeClr val="lt1"/>
+      </a:fontRef>
+    </dgm:style>
+  </dgm:styleLbl>
+  <dgm:styleLbl name="fgSibTrans2D1">
+    <dgm:scene3d>
+      <a:camera prst="orthographicFront"/>
+      <a:lightRig rig="threePt" dir="t"/>
+    </dgm:scene3d>
+    <dgm:sp3d/>
+    <dgm:txPr/>
+    <dgm:style>
+      <a:lnRef idx="0">
+        <a:scrgbClr r="0" g="0" b="0"/>
+      </a:lnRef>
+      <a:fillRef idx="3">
+        <a:scrgbClr r="0" g="0" b="0"/>
+      </a:fillRef>
+      <a:effectRef idx="3">
+        <a:scrgbClr r="0" g="0" b="0"/>
+      </a:effectRef>
+      <a:fontRef idx="minor">
+        <a:schemeClr val="lt1"/>
+      </a:fontRef>
+    </dgm:style>
+  </dgm:styleLbl>
+  <dgm:styleLbl name="bgSibTrans2D1">
+    <dgm:scene3d>
+      <a:camera prst="orthographicFront"/>
+      <a:lightRig rig="threePt" dir="t"/>
+    </dgm:scene3d>
+    <dgm:sp3d/>
+    <dgm:txPr/>
+    <dgm:style>
+      <a:lnRef idx="0">
+        <a:scrgbClr r="0" g="0" b="0"/>
+      </a:lnRef>
+      <a:fillRef idx="3">
+        <a:scrgbClr r="0" g="0" b="0"/>
+      </a:fillRef>
+      <a:effectRef idx="3">
+        <a:scrgbClr r="0" g="0" b="0"/>
+      </a:effectRef>
+      <a:fontRef idx="minor">
+        <a:schemeClr val="lt1"/>
+      </a:fontRef>
+    </dgm:style>
+  </dgm:styleLbl>
+  <dgm:styleLbl name="sibTrans1D1">
+    <dgm:scene3d>
+      <a:camera prst="orthographicFront"/>
+      <a:lightRig rig="threePt" dir="t"/>
+    </dgm:scene3d>
+    <dgm:sp3d/>
+    <dgm:txPr/>
+    <dgm:style>
+      <a:lnRef idx="1">
+        <a:scrgbClr r="0" g="0" b="0"/>
+      </a:lnRef>
+      <a:fillRef idx="0">
+        <a:scrgbClr r="0" g="0" b="0"/>
+      </a:fillRef>
+      <a:effectRef idx="0">
+        <a:scrgbClr r="0" g="0" b="0"/>
+      </a:effectRef>
+      <a:fontRef idx="minor"/>
+    </dgm:style>
+  </dgm:styleLbl>
+  <dgm:styleLbl name="callout">
+    <dgm:scene3d>
+      <a:camera prst="orthographicFront"/>
+      <a:lightRig rig="threePt" dir="t"/>
+    </dgm:scene3d>
+    <dgm:sp3d/>
+    <dgm:txPr/>
+    <dgm:style>
+      <a:lnRef idx="1">
+        <a:scrgbClr r="0" g="0" b="0"/>
+      </a:lnRef>
+      <a:fillRef idx="0">
+        <a:scrgbClr r="0" g="0" b="0"/>
+      </a:fillRef>
+      <a:effectRef idx="1">
+        <a:scrgbClr r="0" g="0" b="0"/>
+      </a:effectRef>
+      <a:fontRef idx="minor"/>
+    </dgm:style>
+  </dgm:styleLbl>
+  <dgm:styleLbl name="asst0">
+    <dgm:scene3d>
+      <a:camera prst="orthographicFront"/>
+      <a:lightRig rig="threePt" dir="t"/>
+    </dgm:scene3d>
+    <dgm:sp3d/>
+    <dgm:txPr/>
+    <dgm:style>
+      <a:lnRef idx="0">
+        <a:scrgbClr r="0" g="0" b="0"/>
+      </a:lnRef>
+      <a:fillRef idx="3">
+        <a:scrgbClr r="0" g="0" b="0"/>
+      </a:fillRef>
+      <a:effectRef idx="3">
+        <a:scrgbClr r="0" g="0" b="0"/>
+      </a:effectRef>
+      <a:fontRef idx="minor">
+        <a:schemeClr val="lt1"/>
+      </a:fontRef>
+    </dgm:style>
+  </dgm:styleLbl>
+  <dgm:styleLbl name="asst1">
+    <dgm:scene3d>
+      <a:camera prst="orthographicFront"/>
+      <a:lightRig rig="threePt" dir="t"/>
+    </dgm:scene3d>
+    <dgm:sp3d/>
+    <dgm:txPr/>
+    <dgm:style>
+      <a:lnRef idx="0">
+        <a:scrgbClr r="0" g="0" b="0"/>
+      </a:lnRef>
+      <a:fillRef idx="3">
+        <a:scrgbClr r="0" g="0" b="0"/>
+      </a:fillRef>
+      <a:effectRef idx="3">
+        <a:scrgbClr r="0" g="0" b="0"/>
+      </a:effectRef>
+      <a:fontRef idx="minor">
+        <a:schemeClr val="lt1"/>
+      </a:fontRef>
+    </dgm:style>
+  </dgm:styleLbl>
+  <dgm:styleLbl name="asst2">
+    <dgm:scene3d>
+      <a:camera prst="orthographicFront"/>
+      <a:lightRig rig="threePt" dir="t"/>
+    </dgm:scene3d>
+    <dgm:sp3d/>
+    <dgm:txPr/>
+    <dgm:style>
+      <a:lnRef idx="0">
+        <a:scrgbClr r="0" g="0" b="0"/>
+      </a:lnRef>
+      <a:fillRef idx="3">
+        <a:scrgbClr r="0" g="0" b="0"/>
+      </a:fillRef>
+      <a:effectRef idx="3">
+        <a:scrgbClr r="0" g="0" b="0"/>
+      </a:effectRef>
+      <a:fontRef idx="minor">
+        <a:schemeClr val="lt1"/>
+      </a:fontRef>
+    </dgm:style>
+  </dgm:styleLbl>
+  <dgm:styleLbl name="asst3">
+    <dgm:scene3d>
+      <a:camera prst="orthographicFront"/>
+      <a:lightRig rig="threePt" dir="t"/>
+    </dgm:scene3d>
+    <dgm:sp3d/>
+    <dgm:txPr/>
+    <dgm:style>
+      <a:lnRef idx="0">
+        <a:scrgbClr r="0" g="0" b="0"/>
+      </a:lnRef>
+      <a:fillRef idx="3">
+        <a:scrgbClr r="0" g="0" b="0"/>
+      </a:fillRef>
+      <a:effectRef idx="3">
+        <a:scrgbClr r="0" g="0" b="0"/>
+      </a:effectRef>
+      <a:fontRef idx="minor">
+        <a:schemeClr val="lt1"/>
+      </a:fontRef>
+    </dgm:style>
+  </dgm:styleLbl>
+  <dgm:styleLbl name="asst4">
+    <dgm:scene3d>
+      <a:camera prst="orthographicFront"/>
+      <a:lightRig rig="threePt" dir="t"/>
+    </dgm:scene3d>
+    <dgm:sp3d/>
+    <dgm:txPr/>
+    <dgm:style>
+      <a:lnRef idx="0">
+        <a:scrgbClr r="0" g="0" b="0"/>
+      </a:lnRef>
+      <a:fillRef idx="3">
+        <a:scrgbClr r="0" g="0" b="0"/>
+      </a:fillRef>
+      <a:effectRef idx="3">
+        <a:scrgbClr r="0" g="0" b="0"/>
+      </a:effectRef>
+      <a:fontRef idx="minor">
+        <a:schemeClr val="lt1"/>
+      </a:fontRef>
+    </dgm:style>
+  </dgm:styleLbl>
+  <dgm:styleLbl name="parChTrans2D1">
+    <dgm:scene3d>
+      <a:camera prst="orthographicFront"/>
+      <a:lightRig rig="threePt" dir="t"/>
+    </dgm:scene3d>
+    <dgm:sp3d/>
+    <dgm:txPr/>
+    <dgm:style>
+      <a:lnRef idx="0">
+        <a:scrgbClr r="0" g="0" b="0"/>
+      </a:lnRef>
+      <a:fillRef idx="3">
+        <a:scrgbClr r="0" g="0" b="0"/>
+      </a:fillRef>
+      <a:effectRef idx="3">
+        <a:scrgbClr r="0" g="0" b="0"/>
+      </a:effectRef>
+      <a:fontRef idx="minor">
+        <a:schemeClr val="lt1"/>
+      </a:fontRef>
+    </dgm:style>
+  </dgm:styleLbl>
+  <dgm:styleLbl name="parChTrans2D2">
+    <dgm:scene3d>
+      <a:camera prst="orthographicFront"/>
+      <a:lightRig rig="threePt" dir="t"/>
+    </dgm:scene3d>
+    <dgm:sp3d/>
+    <dgm:txPr/>
+    <dgm:style>
+      <a:lnRef idx="0">
+        <a:scrgbClr r="0" g="0" b="0"/>
+      </a:lnRef>
+      <a:fillRef idx="3">
+        <a:scrgbClr r="0" g="0" b="0"/>
+      </a:fillRef>
+      <a:effectRef idx="3">
+        <a:scrgbClr r="0" g="0" b="0"/>
+      </a:effectRef>
+      <a:fontRef idx="minor">
+        <a:schemeClr val="lt1"/>
+      </a:fontRef>
+    </dgm:style>
+  </dgm:styleLbl>
+  <dgm:styleLbl name="parChTrans2D3">
+    <dgm:scene3d>
+      <a:camera prst="orthographicFront"/>
+      <a:lightRig rig="threePt" dir="t"/>
+    </dgm:scene3d>
+    <dgm:sp3d/>
+    <dgm:txPr/>
+    <dgm:style>
+      <a:lnRef idx="0">
+        <a:scrgbClr r="0" g="0" b="0"/>
+      </a:lnRef>
+      <a:fillRef idx="3">
+        <a:scrgbClr r="0" g="0" b="0"/>
+      </a:fillRef>
+      <a:effectRef idx="3">
+        <a:scrgbClr r="0" g="0" b="0"/>
+      </a:effectRef>
+      <a:fontRef idx="minor">
+        <a:schemeClr val="lt1"/>
+      </a:fontRef>
+    </dgm:style>
+  </dgm:styleLbl>
+  <dgm:styleLbl name="parChTrans2D4">
+    <dgm:scene3d>
+      <a:camera prst="orthographicFront"/>
+      <a:lightRig rig="threePt" dir="t"/>
+    </dgm:scene3d>
+    <dgm:sp3d/>
+    <dgm:txPr/>
+    <dgm:style>
+      <a:lnRef idx="0">
+        <a:scrgbClr r="0" g="0" b="0"/>
+      </a:lnRef>
+      <a:fillRef idx="3">
+        <a:scrgbClr r="0" g="0" b="0"/>
+      </a:fillRef>
+      <a:effectRef idx="3">
+        <a:scrgbClr r="0" g="0" b="0"/>
+      </a:effectRef>
+      <a:fontRef idx="minor">
+        <a:schemeClr val="lt1"/>
+      </a:fontRef>
+    </dgm:style>
+  </dgm:styleLbl>
+  <dgm:styleLbl name="parChTrans1D1">
+    <dgm:scene3d>
+      <a:camera prst="orthographicFront"/>
+      <a:lightRig rig="threePt" dir="t"/>
+    </dgm:scene3d>
+    <dgm:sp3d/>
+    <dgm:txPr/>
+    <dgm:style>
+      <a:lnRef idx="2">
+        <a:scrgbClr r="0" g="0" b="0"/>
+      </a:lnRef>
+      <a:fillRef idx="0">
+        <a:scrgbClr r="0" g="0" b="0"/>
+      </a:fillRef>
+      <a:effectRef idx="0">
+        <a:scrgbClr r="0" g="0" b="0"/>
+      </a:effectRef>
+      <a:fontRef idx="minor"/>
+    </dgm:style>
+  </dgm:styleLbl>
+  <dgm:styleLbl name="parChTrans1D2">
+    <dgm:scene3d>
+      <a:camera prst="orthographicFront"/>
+      <a:lightRig rig="threePt" dir="t"/>
+    </dgm:scene3d>
+    <dgm:sp3d/>
+    <dgm:txPr/>
+    <dgm:style>
+      <a:lnRef idx="2">
+        <a:scrgbClr r="0" g="0" b="0"/>
+      </a:lnRef>
+      <a:fillRef idx="0">
+        <a:scrgbClr r="0" g="0" b="0"/>
+      </a:fillRef>
+      <a:effectRef idx="0">
+        <a:scrgbClr r="0" g="0" b="0"/>
+      </a:effectRef>
+      <a:fontRef idx="minor"/>
+    </dgm:style>
+  </dgm:styleLbl>
+  <dgm:styleLbl name="parChTrans1D3">
+    <dgm:scene3d>
+      <a:camera prst="orthographicFront"/>
+      <a:lightRig rig="threePt" dir="t"/>
+    </dgm:scene3d>
+    <dgm:sp3d/>
+    <dgm:txPr/>
+    <dgm:style>
+      <a:lnRef idx="2">
+        <a:scrgbClr r="0" g="0" b="0"/>
+      </a:lnRef>
+      <a:fillRef idx="0">
+        <a:scrgbClr r="0" g="0" b="0"/>
+      </a:fillRef>
+      <a:effectRef idx="0">
+        <a:scrgbClr r="0" g="0" b="0"/>
+      </a:effectRef>
+      <a:fontRef idx="minor"/>
+    </dgm:style>
+  </dgm:styleLbl>
+  <dgm:styleLbl name="parChTrans1D4">
+    <dgm:scene3d>
+      <a:camera prst="orthographicFront"/>
+      <a:lightRig rig="threePt" dir="t"/>
+    </dgm:scene3d>
+    <dgm:sp3d/>
+    <dgm:txPr/>
+    <dgm:style>
+      <a:lnRef idx="2">
+        <a:scrgbClr r="0" g="0" b="0"/>
+      </a:lnRef>
+      <a:fillRef idx="0">
+        <a:scrgbClr r="0" g="0" b="0"/>
+      </a:fillRef>
+      <a:effectRef idx="0">
+        <a:scrgbClr r="0" g="0" b="0"/>
+      </a:effectRef>
+      <a:fontRef idx="minor"/>
+    </dgm:style>
+  </dgm:styleLbl>
+  <dgm:styleLbl name="fgAcc1">
+    <dgm:scene3d>
+      <a:camera prst="orthographicFront"/>
+      <a:lightRig rig="threePt" dir="t"/>
+    </dgm:scene3d>
+    <dgm:sp3d/>
+    <dgm:txPr/>
+    <dgm:style>
+      <a:lnRef idx="1">
+        <a:scrgbClr r="0" g="0" b="0"/>
+      </a:lnRef>
+      <a:fillRef idx="1">
+        <a:scrgbClr r="0" g="0" b="0"/>
+      </a:fillRef>
+      <a:effectRef idx="2">
+        <a:scrgbClr r="0" g="0" b="0"/>
+      </a:effectRef>
+      <a:fontRef idx="minor"/>
+    </dgm:style>
+  </dgm:styleLbl>
+  <dgm:styleLbl name="conFgAcc1">
+    <dgm:scene3d>
+      <a:camera prst="orthographicFront"/>
+      <a:lightRig rig="threePt" dir="t"/>
+    </dgm:scene3d>
+    <dgm:sp3d/>
+    <dgm:txPr/>
+    <dgm:style>
+      <a:lnRef idx="1">
+        <a:scrgbClr r="0" g="0" b="0"/>
+      </a:lnRef>
+      <a:fillRef idx="1">
+        <a:scrgbClr r="0" g="0" b="0"/>
+      </a:fillRef>
+      <a:effectRef idx="2">
+        <a:scrgbClr r="0" g="0" b="0"/>
+      </a:effectRef>
+      <a:fontRef idx="minor"/>
+    </dgm:style>
+  </dgm:styleLbl>
+  <dgm:styleLbl name="alignAcc1">
+    <dgm:scene3d>
+      <a:camera prst="orthographicFront"/>
+      <a:lightRig rig="threePt" dir="t"/>
+    </dgm:scene3d>
+    <dgm:sp3d/>
+    <dgm:txPr/>
+    <dgm:style>
+      <a:lnRef idx="1">
+        <a:scrgbClr r="0" g="0" b="0"/>
+      </a:lnRef>
+      <a:fillRef idx="1">
+        <a:scrgbClr r="0" g="0" b="0"/>
+      </a:fillRef>
+      <a:effectRef idx="2">
+        <a:scrgbClr r="0" g="0" b="0"/>
+      </a:effectRef>
+      <a:fontRef idx="minor"/>
+    </dgm:style>
+  </dgm:styleLbl>
+  <dgm:styleLbl name="trAlignAcc1">
+    <dgm:scene3d>
+      <a:camera prst="orthographicFront"/>
+      <a:lightRig rig="threePt" dir="t"/>
+    </dgm:scene3d>
+    <dgm:sp3d/>
+    <dgm:txPr/>
+    <dgm:style>
+      <a:lnRef idx="1">
+        <a:scrgbClr r="0" g="0" b="0"/>
+      </a:lnRef>
+      <a:fillRef idx="1">
+        <a:scrgbClr r="0" g="0" b="0"/>
+      </a:fillRef>
+      <a:effectRef idx="0">
+        <a:scrgbClr r="0" g="0" b="0"/>
+      </a:effectRef>
+      <a:fontRef idx="minor"/>
+    </dgm:style>
+  </dgm:styleLbl>
+  <dgm:styleLbl name="bgAcc1">
+    <dgm:scene3d>
+      <a:camera prst="orthographicFront"/>
+      <a:lightRig rig="threePt" dir="t"/>
+    </dgm:scene3d>
+    <dgm:sp3d/>
+    <dgm:txPr/>
+    <dgm:style>
+      <a:lnRef idx="1">
+        <a:scrgbClr r="0" g="0" b="0"/>
+      </a:lnRef>
+      <a:fillRef idx="1">
+        <a:scrgbClr r="0" g="0" b="0"/>
+      </a:fillRef>
+      <a:effectRef idx="2">
+        <a:scrgbClr r="0" g="0" b="0"/>
+      </a:effectRef>
+      <a:fontRef idx="minor"/>
+    </dgm:style>
+  </dgm:styleLbl>
+  <dgm:styleLbl name="solidFgAcc1">
+    <dgm:scene3d>
+      <a:camera prst="orthographicFront"/>
+      <a:lightRig rig="threePt" dir="t"/>
+    </dgm:scene3d>
+    <dgm:sp3d/>
+    <dgm:txPr/>
+    <dgm:style>
+      <a:lnRef idx="1">
+        <a:scrgbClr r="0" g="0" b="0"/>
+      </a:lnRef>
+      <a:fillRef idx="1">
+        <a:scrgbClr r="0" g="0" b="0"/>
+      </a:fillRef>
+      <a:effectRef idx="2">
+        <a:scrgbClr r="0" g="0" b="0"/>
+      </a:effectRef>
+      <a:fontRef idx="minor"/>
+    </dgm:style>
+  </dgm:styleLbl>
+  <dgm:styleLbl name="solidAlignAcc1">
+    <dgm:scene3d>
+      <a:camera prst="orthographicFront"/>
+      <a:lightRig rig="threePt" dir="t"/>
+    </dgm:scene3d>
+    <dgm:sp3d/>
+    <dgm:txPr/>
+    <dgm:style>
+      <a:lnRef idx="1">
+        <a:scrgbClr r="0" g="0" b="0"/>
+      </a:lnRef>
+      <a:fillRef idx="1">
+        <a:scrgbClr r="0" g="0" b="0"/>
+      </a:fillRef>
+      <a:effectRef idx="3">
+        <a:scrgbClr r="0" g="0" b="0"/>
+      </a:effectRef>
+      <a:fontRef idx="minor"/>
+    </dgm:style>
+  </dgm:styleLbl>
+  <dgm:styleLbl name="solidBgAcc1">
+    <dgm:scene3d>
+      <a:camera prst="orthographicFront"/>
+      <a:lightRig rig="threePt" dir="t"/>
+    </dgm:scene3d>
+    <dgm:sp3d/>
+    <dgm:txPr/>
+    <dgm:style>
+      <a:lnRef idx="1">
+        <a:scrgbClr r="0" g="0" b="0"/>
+      </a:lnRef>
+      <a:fillRef idx="1">
+        <a:scrgbClr r="0" g="0" b="0"/>
+      </a:fillRef>
+      <a:effectRef idx="3">
+        <a:scrgbClr r="0" g="0" b="0"/>
+      </a:effectRef>
+      <a:fontRef idx="minor"/>
+    </dgm:style>
+  </dgm:styleLbl>
+  <dgm:styleLbl name="fgAccFollowNode1">
+    <dgm:scene3d>
+      <a:camera prst="orthographicFront"/>
+      <a:lightRig rig="threePt" dir="t"/>
+    </dgm:scene3d>
+    <dgm:sp3d/>
+    <dgm:txPr/>
+    <dgm:style>
+      <a:lnRef idx="1">
+        <a:scrgbClr r="0" g="0" b="0"/>
+      </a:lnRef>
+      <a:fillRef idx="1">
+        <a:scrgbClr r="0" g="0" b="0"/>
+      </a:fillRef>
+      <a:effectRef idx="2">
+        <a:scrgbClr r="0" g="0" b="0"/>
+      </a:effectRef>
+      <a:fontRef idx="minor"/>
+    </dgm:style>
+  </dgm:styleLbl>
+  <dgm:styleLbl name="alignAccFollowNode1">
+    <dgm:scene3d>
+      <a:camera prst="orthographicFront"/>
+      <a:lightRig rig="threePt" dir="t"/>
+    </dgm:scene3d>
+    <dgm:sp3d/>
+    <dgm:txPr/>
+    <dgm:style>
+      <a:lnRef idx="1">
+        <a:scrgbClr r="0" g="0" b="0"/>
+      </a:lnRef>
+      <a:fillRef idx="1">
+        <a:scrgbClr r="0" g="0" b="0"/>
+      </a:fillRef>
+      <a:effectRef idx="2">
+        <a:scrgbClr r="0" g="0" b="0"/>
+      </a:effectRef>
+      <a:fontRef idx="minor"/>
+    </dgm:style>
+  </dgm:styleLbl>
+  <dgm:styleLbl name="bgAccFollowNode1">
+    <dgm:scene3d>
+      <a:camera prst="orthographicFront"/>
+      <a:lightRig rig="threePt" dir="t"/>
+    </dgm:scene3d>
+    <dgm:sp3d/>
+    <dgm:txPr/>
+    <dgm:style>
+      <a:lnRef idx="1">
+        <a:scrgbClr r="0" g="0" b="0"/>
+      </a:lnRef>
+      <a:fillRef idx="1">
+        <a:scrgbClr r="0" g="0" b="0"/>
+      </a:fillRef>
+      <a:effectRef idx="2">
+        <a:scrgbClr r="0" g="0" b="0"/>
+      </a:effectRef>
+      <a:fontRef idx="minor"/>
+    </dgm:style>
+  </dgm:styleLbl>
+  <dgm:styleLbl name="fgAcc0">
+    <dgm:scene3d>
+      <a:camera prst="orthographicFront"/>
+      <a:lightRig rig="threePt" dir="t"/>
+    </dgm:scene3d>
+    <dgm:sp3d/>
+    <dgm:txPr/>
+    <dgm:style>
+      <a:lnRef idx="1">
+        <a:scrgbClr r="0" g="0" b="0"/>
+      </a:lnRef>
+      <a:fillRef idx="1">
+        <a:scrgbClr r="0" g="0" b="0"/>
+      </a:fillRef>
+      <a:effectRef idx="2">
+        <a:scrgbClr r="0" g="0" b="0"/>
+      </a:effectRef>
+      <a:fontRef idx="minor"/>
+    </dgm:style>
+  </dgm:styleLbl>
+  <dgm:styleLbl name="fgAcc2">
+    <dgm:scene3d>
+      <a:camera prst="orthographicFront"/>
+      <a:lightRig rig="threePt" dir="t"/>
+    </dgm:scene3d>
+    <dgm:sp3d/>
+    <dgm:txPr/>
+    <dgm:style>
+      <a:lnRef idx="1">
+        <a:scrgbClr r="0" g="0" b="0"/>
+      </a:lnRef>
+      <a:fillRef idx="1">
+        <a:scrgbClr r="0" g="0" b="0"/>
+      </a:fillRef>
+      <a:effectRef idx="2">
+        <a:scrgbClr r="0" g="0" b="0"/>
+      </a:effectRef>
+      <a:fontRef idx="minor"/>
+    </dgm:style>
+  </dgm:styleLbl>
+  <dgm:styleLbl name="fgAcc3">
+    <dgm:scene3d>
+      <a:camera prst="orthographicFront"/>
+      <a:lightRig rig="threePt" dir="t"/>
+    </dgm:scene3d>
+    <dgm:sp3d/>
+    <dgm:txPr/>
+    <dgm:style>
+      <a:lnRef idx="1">
+        <a:scrgbClr r="0" g="0" b="0"/>
+      </a:lnRef>
+      <a:fillRef idx="1">
+        <a:scrgbClr r="0" g="0" b="0"/>
+      </a:fillRef>
+      <a:effectRef idx="2">
+        <a:scrgbClr r="0" g="0" b="0"/>
+      </a:effectRef>
+      <a:fontRef idx="minor"/>
+    </dgm:style>
+  </dgm:styleLbl>
+  <dgm:styleLbl name="fgAcc4">
+    <dgm:scene3d>
+      <a:camera prst="orthographicFront"/>
+      <a:lightRig rig="threePt" dir="t"/>
+    </dgm:scene3d>
+    <dgm:sp3d/>
+    <dgm:txPr/>
+    <dgm:style>
+      <a:lnRef idx="1">
+        <a:scrgbClr r="0" g="0" b="0"/>
+      </a:lnRef>
+      <a:fillRef idx="1">
+        <a:scrgbClr r="0" g="0" b="0"/>
+      </a:fillRef>
+      <a:effectRef idx="2">
+        <a:scrgbClr r="0" g="0" b="0"/>
+      </a:effectRef>
+      <a:fontRef idx="minor"/>
+    </dgm:style>
+  </dgm:styleLbl>
+  <dgm:styleLbl name="bgShp">
+    <dgm:scene3d>
+      <a:camera prst="orthographicFront"/>
+      <a:lightRig rig="threePt" dir="t"/>
+    </dgm:scene3d>
+    <dgm:sp3d/>
+    <dgm:txPr/>
+    <dgm:style>
+      <a:lnRef idx="0">
+        <a:scrgbClr r="0" g="0" b="0"/>
+      </a:lnRef>
+      <a:fillRef idx="1">
+        <a:scrgbClr r="0" g="0" b="0"/>
+      </a:fillRef>
+      <a:effectRef idx="2">
+        <a:scrgbClr r="0" g="0" b="0"/>
+      </a:effectRef>
+      <a:fontRef idx="minor"/>
+    </dgm:style>
+  </dgm:styleLbl>
+  <dgm:styleLbl name="dkBgShp">
+    <dgm:scene3d>
+      <a:camera prst="orthographicFront"/>
+      <a:lightRig rig="threePt" dir="t"/>
+    </dgm:scene3d>
+    <dgm:sp3d/>
+    <dgm:txPr/>
+    <dgm:style>
+      <a:lnRef idx="0">
+        <a:scrgbClr r="0" g="0" b="0"/>
+      </a:lnRef>
+      <a:fillRef idx="1">
+        <a:scrgbClr r="0" g="0" b="0"/>
+      </a:fillRef>
+      <a:effectRef idx="3">
+        <a:scrgbClr r="0" g="0" b="0"/>
+      </a:effectRef>
+      <a:fontRef idx="minor"/>
+    </dgm:style>
+  </dgm:styleLbl>
+  <dgm:styleLbl name="trBgShp">
+    <dgm:scene3d>
+      <a:camera prst="orthographicFront"/>
+      <a:lightRig rig="threePt" dir="t"/>
+    </dgm:scene3d>
+    <dgm:sp3d/>
+    <dgm:txPr/>
+    <dgm:style>
+      <a:lnRef idx="0">
+        <a:scrgbClr r="0" g="0" b="0"/>
+      </a:lnRef>
+      <a:fillRef idx="1">
+        <a:scrgbClr r="0" g="0" b="0"/>
+      </a:fillRef>
+      <a:effectRef idx="0">
+        <a:scrgbClr r="0" g="0" b="0"/>
+      </a:effectRef>
+      <a:fontRef idx="minor"/>
+    </dgm:style>
+  </dgm:styleLbl>
+  <dgm:styleLbl name="fgShp">
+    <dgm:scene3d>
+      <a:camera prst="orthographicFront"/>
+      <a:lightRig rig="threePt" dir="t"/>
+    </dgm:scene3d>
+    <dgm:sp3d/>
+    <dgm:txPr/>
+    <dgm:style>
+      <a:lnRef idx="0">
+        <a:scrgbClr r="0" g="0" b="0"/>
+      </a:lnRef>
+      <a:fillRef idx="3">
+        <a:scrgbClr r="0" g="0" b="0"/>
+      </a:fillRef>
+      <a:effectRef idx="3">
+        <a:scrgbClr r="0" g="0" b="0"/>
+      </a:effectRef>
+      <a:fontRef idx="minor"/>
+    </dgm:style>
+  </dgm:styleLbl>
+  <dgm:styleLbl name="revTx">
+    <dgm:scene3d>
+      <a:camera prst="orthographicFront"/>
+      <a:lightRig rig="threePt" dir="t"/>
+    </dgm:scene3d>
+    <dgm:sp3d/>
+    <dgm:txPr/>
+    <dgm:style>
+      <a:lnRef idx="0">
+        <a:scrgbClr r="0" g="0" b="0"/>
+      </a:lnRef>
+      <a:fillRef idx="0">
+        <a:scrgbClr r="0" g="0" b="0"/>
+      </a:fillRef>
+      <a:effectRef idx="0">
+        <a:scrgbClr r="0" g="0" b="0"/>
+      </a:effectRef>
+      <a:fontRef idx="minor"/>
+    </dgm:style>
+  </dgm:styleLbl>
+</dgm:styleDef>
 </file>
 
 <file path=ppt/slideLayouts/slideLayout1.xml><?xml version="1.0" encoding="utf-8"?>
@@ -263,7 +3748,7 @@
           <a:p>
             <a:fld id="{7E4FBFA5-6146-4E0B-9353-C6E38D9236E1}" type="datetimeFigureOut">
               <a:rPr lang="en-US" smtClean="0"/>
-              <a:t>10/14/2020</a:t>
+              <a:t>10/19/2020</a:t>
             </a:fld>
             <a:endParaRPr lang="en-US"/>
           </a:p>
@@ -461,7 +3946,7 @@
           <a:p>
             <a:fld id="{7E4FBFA5-6146-4E0B-9353-C6E38D9236E1}" type="datetimeFigureOut">
               <a:rPr lang="en-US" smtClean="0"/>
-              <a:t>10/14/2020</a:t>
+              <a:t>10/19/2020</a:t>
             </a:fld>
             <a:endParaRPr lang="en-US"/>
           </a:p>
@@ -669,7 +4154,7 @@
           <a:p>
             <a:fld id="{7E4FBFA5-6146-4E0B-9353-C6E38D9236E1}" type="datetimeFigureOut">
               <a:rPr lang="en-US" smtClean="0"/>
-              <a:t>10/14/2020</a:t>
+              <a:t>10/19/2020</a:t>
             </a:fld>
             <a:endParaRPr lang="en-US"/>
           </a:p>
@@ -867,7 +4352,7 @@
           <a:p>
             <a:fld id="{7E4FBFA5-6146-4E0B-9353-C6E38D9236E1}" type="datetimeFigureOut">
               <a:rPr lang="en-US" smtClean="0"/>
-              <a:t>10/14/2020</a:t>
+              <a:t>10/19/2020</a:t>
             </a:fld>
             <a:endParaRPr lang="en-US"/>
           </a:p>
@@ -1142,7 +4627,7 @@
           <a:p>
             <a:fld id="{7E4FBFA5-6146-4E0B-9353-C6E38D9236E1}" type="datetimeFigureOut">
               <a:rPr lang="en-US" smtClean="0"/>
-              <a:t>10/14/2020</a:t>
+              <a:t>10/19/2020</a:t>
             </a:fld>
             <a:endParaRPr lang="en-US"/>
           </a:p>
@@ -1407,7 +4892,7 @@
           <a:p>
             <a:fld id="{7E4FBFA5-6146-4E0B-9353-C6E38D9236E1}" type="datetimeFigureOut">
               <a:rPr lang="en-US" smtClean="0"/>
-              <a:t>10/14/2020</a:t>
+              <a:t>10/19/2020</a:t>
             </a:fld>
             <a:endParaRPr lang="en-US"/>
           </a:p>
@@ -1819,7 +5304,7 @@
           <a:p>
             <a:fld id="{7E4FBFA5-6146-4E0B-9353-C6E38D9236E1}" type="datetimeFigureOut">
               <a:rPr lang="en-US" smtClean="0"/>
-              <a:t>10/14/2020</a:t>
+              <a:t>10/19/2020</a:t>
             </a:fld>
             <a:endParaRPr lang="en-US"/>
           </a:p>
@@ -1960,7 +5445,7 @@
           <a:p>
             <a:fld id="{7E4FBFA5-6146-4E0B-9353-C6E38D9236E1}" type="datetimeFigureOut">
               <a:rPr lang="en-US" smtClean="0"/>
-              <a:t>10/14/2020</a:t>
+              <a:t>10/19/2020</a:t>
             </a:fld>
             <a:endParaRPr lang="en-US"/>
           </a:p>
@@ -2073,7 +5558,7 @@
           <a:p>
             <a:fld id="{7E4FBFA5-6146-4E0B-9353-C6E38D9236E1}" type="datetimeFigureOut">
               <a:rPr lang="en-US" smtClean="0"/>
-              <a:t>10/14/2020</a:t>
+              <a:t>10/19/2020</a:t>
             </a:fld>
             <a:endParaRPr lang="en-US"/>
           </a:p>
@@ -2384,7 +5869,7 @@
           <a:p>
             <a:fld id="{7E4FBFA5-6146-4E0B-9353-C6E38D9236E1}" type="datetimeFigureOut">
               <a:rPr lang="en-US" smtClean="0"/>
-              <a:t>10/14/2020</a:t>
+              <a:t>10/19/2020</a:t>
             </a:fld>
             <a:endParaRPr lang="en-US"/>
           </a:p>
@@ -2672,7 +6157,7 @@
           <a:p>
             <a:fld id="{7E4FBFA5-6146-4E0B-9353-C6E38D9236E1}" type="datetimeFigureOut">
               <a:rPr lang="en-US" smtClean="0"/>
-              <a:t>10/14/2020</a:t>
+              <a:t>10/19/2020</a:t>
             </a:fld>
             <a:endParaRPr lang="en-US"/>
           </a:p>
@@ -2913,7 +6398,7 @@
           <a:p>
             <a:fld id="{7E4FBFA5-6146-4E0B-9353-C6E38D9236E1}" type="datetimeFigureOut">
               <a:rPr lang="en-US" smtClean="0"/>
-              <a:t>10/14/2020</a:t>
+              <a:t>10/19/2020</a:t>
             </a:fld>
             <a:endParaRPr lang="en-US"/>
           </a:p>
@@ -3541,10 +7026,10 @@
       </p:pic>
       <p:pic>
         <p:nvPicPr>
-          <p:cNvPr id="19" name="Picture 18">
+          <p:cNvPr id="22" name="Picture 21">
             <a:extLst>
               <a:ext uri="{FF2B5EF4-FFF2-40B4-BE49-F238E27FC236}">
-                <a16:creationId xmlns:a16="http://schemas.microsoft.com/office/drawing/2014/main" id="{210EDE70-D7FF-40D9-B49C-435CAF63A30B}"/>
+                <a16:creationId xmlns:a16="http://schemas.microsoft.com/office/drawing/2014/main" id="{483DF61A-BE1B-4DC8-81B5-2E02EE12AF9F}"/>
               </a:ext>
             </a:extLst>
           </p:cNvPr>
@@ -3561,8 +7046,8 @@
         </p:blipFill>
         <p:spPr>
           <a:xfrm>
-            <a:off x="4087005" y="4377462"/>
-            <a:ext cx="3678138" cy="2666719"/>
+            <a:off x="7761942" y="4421265"/>
+            <a:ext cx="4430058" cy="2491907"/>
           </a:xfrm>
           <a:prstGeom prst="rect">
             <a:avLst/>
@@ -3571,10 +7056,10 @@
       </p:pic>
       <p:pic>
         <p:nvPicPr>
-          <p:cNvPr id="22" name="Picture 21">
+          <p:cNvPr id="2" name="Picture 1">
             <a:extLst>
               <a:ext uri="{FF2B5EF4-FFF2-40B4-BE49-F238E27FC236}">
-                <a16:creationId xmlns:a16="http://schemas.microsoft.com/office/drawing/2014/main" id="{483DF61A-BE1B-4DC8-81B5-2E02EE12AF9F}"/>
+                <a16:creationId xmlns:a16="http://schemas.microsoft.com/office/drawing/2014/main" id="{9AC09962-74FE-46C3-B5DA-6D67D6BC2EE2}"/>
               </a:ext>
             </a:extLst>
           </p:cNvPr>
@@ -3591,8 +7076,8 @@
         </p:blipFill>
         <p:spPr>
           <a:xfrm>
-            <a:off x="7761942" y="4421265"/>
-            <a:ext cx="4430058" cy="2491907"/>
+            <a:off x="4061194" y="4394896"/>
+            <a:ext cx="3703950" cy="2518276"/>
           </a:xfrm>
           <a:prstGeom prst="rect">
             <a:avLst/>
@@ -3609,13 +7094,13 @@
   <p:clrMapOvr>
     <a:masterClrMapping/>
   </p:clrMapOvr>
-  <mc:AlternateContent xmlns:mc="http://schemas.openxmlformats.org/markup-compatibility/2006">
-    <mc:Choice xmlns:p159="http://schemas.microsoft.com/office/powerpoint/2015/09/main" Requires="p159">
-      <p:transition xmlns:p14="http://schemas.microsoft.com/office/powerpoint/2010/main" spd="slow" p14:dur="2000">
-        <p159:morph option="byObject"/>
+  <mc:AlternateContent xmlns:mc="http://schemas.openxmlformats.org/markup-compatibility/2006" xmlns:p14="http://schemas.microsoft.com/office/powerpoint/2010/main">
+    <mc:Choice Requires="p14">
+      <p:transition spd="slow" p14:dur="3400">
+        <p14:reveal/>
       </p:transition>
     </mc:Choice>
-    <mc:Fallback>
+    <mc:Fallback xmlns="">
       <p:transition spd="slow">
         <p:fade/>
       </p:transition>
@@ -4394,7 +7879,7 @@
                                           </p:stCondLst>
                                         </p:cTn>
                                         <p:tgtEl>
-                                          <p:spTgt spid="19"/>
+                                          <p:spTgt spid="22"/>
                                         </p:tgtEl>
                                         <p:attrNameLst>
                                           <p:attrName>style.visibility</p:attrName>
@@ -4408,7 +7893,7 @@
                                       <p:cBhvr>
                                         <p:cTn id="58" dur="1000"/>
                                         <p:tgtEl>
-                                          <p:spTgt spid="19"/>
+                                          <p:spTgt spid="22"/>
                                         </p:tgtEl>
                                       </p:cBhvr>
                                     </p:animEffect>
@@ -4416,7 +7901,7 @@
                                       <p:cBhvr>
                                         <p:cTn id="59" dur="1000" fill="hold"/>
                                         <p:tgtEl>
-                                          <p:spTgt spid="19"/>
+                                          <p:spTgt spid="22"/>
                                         </p:tgtEl>
                                         <p:attrNameLst>
                                           <p:attrName>ppt_x</p:attrName>
@@ -4439,7 +7924,7 @@
                                       <p:cBhvr>
                                         <p:cTn id="60" dur="1000" fill="hold"/>
                                         <p:tgtEl>
-                                          <p:spTgt spid="19"/>
+                                          <p:spTgt spid="22"/>
                                         </p:tgtEl>
                                         <p:attrNameLst>
                                           <p:attrName>ppt_y</p:attrName>
@@ -4493,7 +7978,7 @@
                                           </p:stCondLst>
                                         </p:cTn>
                                         <p:tgtEl>
-                                          <p:spTgt spid="22"/>
+                                          <p:spTgt spid="2"/>
                                         </p:tgtEl>
                                         <p:attrNameLst>
                                           <p:attrName>style.visibility</p:attrName>
@@ -4507,7 +7992,7 @@
                                       <p:cBhvr>
                                         <p:cTn id="65" dur="1000"/>
                                         <p:tgtEl>
-                                          <p:spTgt spid="22"/>
+                                          <p:spTgt spid="2"/>
                                         </p:tgtEl>
                                       </p:cBhvr>
                                     </p:animEffect>
@@ -4515,7 +8000,7 @@
                                       <p:cBhvr>
                                         <p:cTn id="66" dur="1000" fill="hold"/>
                                         <p:tgtEl>
-                                          <p:spTgt spid="22"/>
+                                          <p:spTgt spid="2"/>
                                         </p:tgtEl>
                                         <p:attrNameLst>
                                           <p:attrName>ppt_x</p:attrName>
@@ -4538,7 +8023,7 @@
                                       <p:cBhvr>
                                         <p:cTn id="67" dur="1000" fill="hold"/>
                                         <p:tgtEl>
-                                          <p:spTgt spid="22"/>
+                                          <p:spTgt spid="2"/>
                                         </p:tgtEl>
                                         <p:attrNameLst>
                                           <p:attrName>ppt_y</p:attrName>
@@ -4616,12 +8101,12 @@
           <a:chExt cx="0" cy="0"/>
         </a:xfrm>
       </p:grpSpPr>
-      <p:sp>
+      <p:sp useBgFill="1">
         <p:nvSpPr>
-          <p:cNvPr id="9" name="Rectangle 8">
+          <p:cNvPr id="21" name="Rectangle 20">
             <a:extLst>
               <a:ext uri="{FF2B5EF4-FFF2-40B4-BE49-F238E27FC236}">
-                <a16:creationId xmlns:a16="http://schemas.microsoft.com/office/drawing/2014/main" id="{42A4FC2C-047E-45A5-965D-8E1E3BF09BC6}"/>
+                <a16:creationId xmlns:a16="http://schemas.microsoft.com/office/drawing/2014/main" id="{907EF6B7-1338-4443-8C46-6A318D952DFD}"/>
               </a:ext>
               <a:ext uri="{C183D7F6-B498-43B3-948B-1728B52AA6E4}">
                 <adec:decorative xmlns:adec="http://schemas.microsoft.com/office/drawing/2017/decorative" val="1"/>
@@ -4639,15 +8124,14 @@
             </p:extLst>
           </p:nvPr>
         </p:nvSpPr>
-        <p:spPr bwMode="white">
+        <p:spPr>
           <a:xfrm>
-            <a:off x="1524" y="0"/>
+            <a:off x="3048" y="0"/>
             <a:ext cx="12188952" cy="6858000"/>
           </a:xfrm>
           <a:prstGeom prst="rect">
             <a:avLst/>
           </a:prstGeom>
-          <a:noFill/>
           <a:ln>
             <a:noFill/>
           </a:ln>
@@ -4670,113 +8154,1463 @@
         </p:style>
         <p:txBody>
           <a:bodyPr rtlCol="0" anchor="ctr"/>
-          <a:lstStyle>
-            <a:defPPr>
-              <a:defRPr lang="en-US"/>
-            </a:defPPr>
-            <a:lvl1pPr marL="0" algn="l" defTabSz="914400" rtl="0" eaLnBrk="1" latinLnBrk="0" hangingPunct="1">
-              <a:defRPr sz="1800" kern="1200">
-                <a:solidFill>
-                  <a:schemeClr val="lt1"/>
-                </a:solidFill>
-                <a:latin typeface="+mn-lt"/>
-                <a:ea typeface="+mn-ea"/>
-                <a:cs typeface="+mn-cs"/>
-              </a:defRPr>
-            </a:lvl1pPr>
-            <a:lvl2pPr marL="457200" algn="l" defTabSz="914400" rtl="0" eaLnBrk="1" latinLnBrk="0" hangingPunct="1">
-              <a:defRPr sz="1800" kern="1200">
-                <a:solidFill>
-                  <a:schemeClr val="lt1"/>
-                </a:solidFill>
-                <a:latin typeface="+mn-lt"/>
-                <a:ea typeface="+mn-ea"/>
-                <a:cs typeface="+mn-cs"/>
-              </a:defRPr>
-            </a:lvl2pPr>
-            <a:lvl3pPr marL="914400" algn="l" defTabSz="914400" rtl="0" eaLnBrk="1" latinLnBrk="0" hangingPunct="1">
-              <a:defRPr sz="1800" kern="1200">
-                <a:solidFill>
-                  <a:schemeClr val="lt1"/>
-                </a:solidFill>
-                <a:latin typeface="+mn-lt"/>
-                <a:ea typeface="+mn-ea"/>
-                <a:cs typeface="+mn-cs"/>
-              </a:defRPr>
-            </a:lvl3pPr>
-            <a:lvl4pPr marL="1371600" algn="l" defTabSz="914400" rtl="0" eaLnBrk="1" latinLnBrk="0" hangingPunct="1">
-              <a:defRPr sz="1800" kern="1200">
-                <a:solidFill>
-                  <a:schemeClr val="lt1"/>
-                </a:solidFill>
-                <a:latin typeface="+mn-lt"/>
-                <a:ea typeface="+mn-ea"/>
-                <a:cs typeface="+mn-cs"/>
-              </a:defRPr>
-            </a:lvl4pPr>
-            <a:lvl5pPr marL="1828800" algn="l" defTabSz="914400" rtl="0" eaLnBrk="1" latinLnBrk="0" hangingPunct="1">
-              <a:defRPr sz="1800" kern="1200">
-                <a:solidFill>
-                  <a:schemeClr val="lt1"/>
-                </a:solidFill>
-                <a:latin typeface="+mn-lt"/>
-                <a:ea typeface="+mn-ea"/>
-                <a:cs typeface="+mn-cs"/>
-              </a:defRPr>
-            </a:lvl5pPr>
-            <a:lvl6pPr marL="2286000" algn="l" defTabSz="914400" rtl="0" eaLnBrk="1" latinLnBrk="0" hangingPunct="1">
-              <a:defRPr sz="1800" kern="1200">
-                <a:solidFill>
-                  <a:schemeClr val="lt1"/>
-                </a:solidFill>
-                <a:latin typeface="+mn-lt"/>
-                <a:ea typeface="+mn-ea"/>
-                <a:cs typeface="+mn-cs"/>
-              </a:defRPr>
-            </a:lvl6pPr>
-            <a:lvl7pPr marL="2743200" algn="l" defTabSz="914400" rtl="0" eaLnBrk="1" latinLnBrk="0" hangingPunct="1">
-              <a:defRPr sz="1800" kern="1200">
-                <a:solidFill>
-                  <a:schemeClr val="lt1"/>
-                </a:solidFill>
-                <a:latin typeface="+mn-lt"/>
-                <a:ea typeface="+mn-ea"/>
-                <a:cs typeface="+mn-cs"/>
-              </a:defRPr>
-            </a:lvl7pPr>
-            <a:lvl8pPr marL="3200400" algn="l" defTabSz="914400" rtl="0" eaLnBrk="1" latinLnBrk="0" hangingPunct="1">
-              <a:defRPr sz="1800" kern="1200">
-                <a:solidFill>
-                  <a:schemeClr val="lt1"/>
-                </a:solidFill>
-                <a:latin typeface="+mn-lt"/>
-                <a:ea typeface="+mn-ea"/>
-                <a:cs typeface="+mn-cs"/>
-              </a:defRPr>
-            </a:lvl8pPr>
-            <a:lvl9pPr marL="3657600" algn="l" defTabSz="914400" rtl="0" eaLnBrk="1" latinLnBrk="0" hangingPunct="1">
-              <a:defRPr sz="1800" kern="1200">
-                <a:solidFill>
-                  <a:schemeClr val="lt1"/>
-                </a:solidFill>
-                <a:latin typeface="+mn-lt"/>
-                <a:ea typeface="+mn-ea"/>
-                <a:cs typeface="+mn-cs"/>
-              </a:defRPr>
-            </a:lvl9pPr>
-          </a:lstStyle>
+          <a:lstStyle/>
           <a:p>
             <a:pPr algn="ctr"/>
             <a:endParaRPr lang="en-US"/>
           </a:p>
         </p:txBody>
       </p:sp>
+      <p:sp>
+        <p:nvSpPr>
+          <p:cNvPr id="23" name="Freeform: Shape 22">
+            <a:extLst>
+              <a:ext uri="{FF2B5EF4-FFF2-40B4-BE49-F238E27FC236}">
+                <a16:creationId xmlns:a16="http://schemas.microsoft.com/office/drawing/2014/main" id="{DAAE4CDD-124C-4DCF-9584-B6033B545DD5}"/>
+              </a:ext>
+              <a:ext uri="{C183D7F6-B498-43B3-948B-1728B52AA6E4}">
+                <adec:decorative xmlns:adec="http://schemas.microsoft.com/office/drawing/2017/decorative" val="1"/>
+              </a:ext>
+            </a:extLst>
+          </p:cNvPr>
+          <p:cNvSpPr>
+            <a:spLocks noGrp="1" noRot="1" noChangeAspect="1" noMove="1" noResize="1" noEditPoints="1" noAdjustHandles="1" noChangeArrowheads="1" noChangeShapeType="1" noTextEdit="1"/>
+          </p:cNvSpPr>
+          <p:nvPr>
+            <p:extLst>
+              <p:ext uri="{386F3935-93C4-4BCD-93E2-E3B085C9AB24}">
+                <p16:designElem xmlns:p16="http://schemas.microsoft.com/office/powerpoint/2015/main" val="1"/>
+              </p:ext>
+            </p:extLst>
+          </p:nvPr>
+        </p:nvSpPr>
+        <p:spPr>
+          <a:xfrm>
+            <a:off x="1" y="0"/>
+            <a:ext cx="4167271" cy="6858000"/>
+          </a:xfrm>
+          <a:custGeom>
+            <a:avLst/>
+            <a:gdLst>
+              <a:gd name="connsiteX0" fmla="*/ 0 w 4167271"/>
+              <a:gd name="connsiteY0" fmla="*/ 0 h 6858000"/>
+              <a:gd name="connsiteX1" fmla="*/ 2259550 w 4167271"/>
+              <a:gd name="connsiteY1" fmla="*/ 0 h 6858000"/>
+              <a:gd name="connsiteX2" fmla="*/ 2387803 w 4167271"/>
+              <a:gd name="connsiteY2" fmla="*/ 82222 h 6858000"/>
+              <a:gd name="connsiteX3" fmla="*/ 4167271 w 4167271"/>
+              <a:gd name="connsiteY3" fmla="*/ 3429000 h 6858000"/>
+              <a:gd name="connsiteX4" fmla="*/ 2387803 w 4167271"/>
+              <a:gd name="connsiteY4" fmla="*/ 6775779 h 6858000"/>
+              <a:gd name="connsiteX5" fmla="*/ 2259550 w 4167271"/>
+              <a:gd name="connsiteY5" fmla="*/ 6858000 h 6858000"/>
+              <a:gd name="connsiteX6" fmla="*/ 0 w 4167271"/>
+              <a:gd name="connsiteY6" fmla="*/ 6858000 h 6858000"/>
+            </a:gdLst>
+            <a:ahLst/>
+            <a:cxnLst>
+              <a:cxn ang="0">
+                <a:pos x="connsiteX0" y="connsiteY0"/>
+              </a:cxn>
+              <a:cxn ang="0">
+                <a:pos x="connsiteX1" y="connsiteY1"/>
+              </a:cxn>
+              <a:cxn ang="0">
+                <a:pos x="connsiteX2" y="connsiteY2"/>
+              </a:cxn>
+              <a:cxn ang="0">
+                <a:pos x="connsiteX3" y="connsiteY3"/>
+              </a:cxn>
+              <a:cxn ang="0">
+                <a:pos x="connsiteX4" y="connsiteY4"/>
+              </a:cxn>
+              <a:cxn ang="0">
+                <a:pos x="connsiteX5" y="connsiteY5"/>
+              </a:cxn>
+              <a:cxn ang="0">
+                <a:pos x="connsiteX6" y="connsiteY6"/>
+              </a:cxn>
+            </a:cxnLst>
+            <a:rect l="l" t="t" r="r" b="b"/>
+            <a:pathLst>
+              <a:path w="4167271" h="6858000">
+                <a:moveTo>
+                  <a:pt x="0" y="0"/>
+                </a:moveTo>
+                <a:lnTo>
+                  <a:pt x="2259550" y="0"/>
+                </a:lnTo>
+                <a:lnTo>
+                  <a:pt x="2387803" y="82222"/>
+                </a:lnTo>
+                <a:cubicBezTo>
+                  <a:pt x="3461407" y="807534"/>
+                  <a:pt x="4167271" y="2035835"/>
+                  <a:pt x="4167271" y="3429000"/>
+                </a:cubicBezTo>
+                <a:cubicBezTo>
+                  <a:pt x="4167271" y="4822165"/>
+                  <a:pt x="3461407" y="6050467"/>
+                  <a:pt x="2387803" y="6775779"/>
+                </a:cubicBezTo>
+                <a:lnTo>
+                  <a:pt x="2259550" y="6858000"/>
+                </a:lnTo>
+                <a:lnTo>
+                  <a:pt x="0" y="6858000"/>
+                </a:lnTo>
+                <a:close/>
+              </a:path>
+            </a:pathLst>
+          </a:custGeom>
+          <a:solidFill>
+            <a:schemeClr val="accent2"/>
+          </a:solidFill>
+          <a:ln>
+            <a:noFill/>
+          </a:ln>
+        </p:spPr>
+        <p:style>
+          <a:lnRef idx="2">
+            <a:schemeClr val="accent1">
+              <a:shade val="50000"/>
+            </a:schemeClr>
+          </a:lnRef>
+          <a:fillRef idx="1">
+            <a:schemeClr val="accent1"/>
+          </a:fillRef>
+          <a:effectRef idx="0">
+            <a:schemeClr val="accent1"/>
+          </a:effectRef>
+          <a:fontRef idx="minor">
+            <a:schemeClr val="lt1"/>
+          </a:fontRef>
+        </p:style>
+        <p:txBody>
+          <a:bodyPr rtlCol="0" anchor="ctr"/>
+          <a:lstStyle/>
+          <a:p>
+            <a:pPr algn="ctr"/>
+            <a:endParaRPr lang="en-US"/>
+          </a:p>
+        </p:txBody>
+      </p:sp>
+      <p:sp>
+        <p:nvSpPr>
+          <p:cNvPr id="2" name="Title 1">
+            <a:extLst>
+              <a:ext uri="{FF2B5EF4-FFF2-40B4-BE49-F238E27FC236}">
+                <a16:creationId xmlns:a16="http://schemas.microsoft.com/office/drawing/2014/main" id="{E9257632-BA4F-45A8-8C2C-FBBA73A52C7C}"/>
+              </a:ext>
+            </a:extLst>
+          </p:cNvPr>
+          <p:cNvSpPr>
+            <a:spLocks noGrp="1"/>
+          </p:cNvSpPr>
+          <p:nvPr>
+            <p:ph type="title"/>
+          </p:nvPr>
+        </p:nvSpPr>
+        <p:spPr>
+          <a:xfrm>
+            <a:off x="686833" y="1136074"/>
+            <a:ext cx="3206293" cy="4478662"/>
+          </a:xfrm>
+        </p:spPr>
+        <p:txBody>
+          <a:bodyPr>
+            <a:normAutofit/>
+          </a:bodyPr>
+          <a:lstStyle/>
+          <a:p>
+            <a:r>
+              <a:rPr lang="en-US" b="1" dirty="0">
+                <a:solidFill>
+                  <a:srgbClr val="FFFFFF"/>
+                </a:solidFill>
+              </a:rPr>
+              <a:t>Output</a:t>
+            </a:r>
+          </a:p>
+        </p:txBody>
+      </p:sp>
+      <p:sp>
+        <p:nvSpPr>
+          <p:cNvPr id="25" name="Arc 24">
+            <a:extLst>
+              <a:ext uri="{FF2B5EF4-FFF2-40B4-BE49-F238E27FC236}">
+                <a16:creationId xmlns:a16="http://schemas.microsoft.com/office/drawing/2014/main" id="{081E4A58-353D-44AE-B2FC-2A74E2E400F7}"/>
+              </a:ext>
+              <a:ext uri="{C183D7F6-B498-43B3-948B-1728B52AA6E4}">
+                <adec:decorative xmlns:adec="http://schemas.microsoft.com/office/drawing/2017/decorative" val="1"/>
+              </a:ext>
+            </a:extLst>
+          </p:cNvPr>
+          <p:cNvSpPr>
+            <a:spLocks noGrp="1" noRot="1" noChangeAspect="1" noMove="1" noResize="1" noEditPoints="1" noAdjustHandles="1" noChangeArrowheads="1" noChangeShapeType="1" noTextEdit="1"/>
+          </p:cNvSpPr>
+          <p:nvPr>
+            <p:extLst>
+              <p:ext uri="{386F3935-93C4-4BCD-93E2-E3B085C9AB24}">
+                <p16:designElem xmlns:p16="http://schemas.microsoft.com/office/powerpoint/2015/main" val="1"/>
+              </p:ext>
+            </p:extLst>
+          </p:nvPr>
+        </p:nvSpPr>
+        <p:spPr>
+          <a:xfrm flipV="1">
+            <a:off x="7550402" y="2455479"/>
+            <a:ext cx="4083433" cy="4083433"/>
+          </a:xfrm>
+          <a:prstGeom prst="arc">
+            <a:avLst/>
+          </a:prstGeom>
+          <a:ln w="127000" cap="rnd">
+            <a:solidFill>
+              <a:schemeClr val="accent4"/>
+            </a:solidFill>
+            <a:prstDash val="dash"/>
+          </a:ln>
+        </p:spPr>
+        <p:style>
+          <a:lnRef idx="1">
+            <a:schemeClr val="accent1"/>
+          </a:lnRef>
+          <a:fillRef idx="0">
+            <a:schemeClr val="accent1"/>
+          </a:fillRef>
+          <a:effectRef idx="0">
+            <a:schemeClr val="accent1"/>
+          </a:effectRef>
+          <a:fontRef idx="minor">
+            <a:schemeClr val="tx1"/>
+          </a:fontRef>
+        </p:style>
+        <p:txBody>
+          <a:bodyPr rtlCol="0" anchor="ctr"/>
+          <a:lstStyle/>
+          <a:p>
+            <a:pPr algn="ctr"/>
+            <a:endParaRPr lang="en-US" dirty="0"/>
+          </a:p>
+        </p:txBody>
+      </p:sp>
+      <p:sp>
+        <p:nvSpPr>
+          <p:cNvPr id="7" name="Content Placeholder 6">
+            <a:extLst>
+              <a:ext uri="{FF2B5EF4-FFF2-40B4-BE49-F238E27FC236}">
+                <a16:creationId xmlns:a16="http://schemas.microsoft.com/office/drawing/2014/main" id="{72933616-7FFE-4538-A5F9-1E02CC981C0A}"/>
+              </a:ext>
+            </a:extLst>
+          </p:cNvPr>
+          <p:cNvSpPr>
+            <a:spLocks noGrp="1"/>
+          </p:cNvSpPr>
+          <p:nvPr>
+            <p:ph idx="1"/>
+          </p:nvPr>
+        </p:nvSpPr>
+        <p:spPr>
+          <a:xfrm>
+            <a:off x="4447308" y="577489"/>
+            <a:ext cx="6906491" cy="5585619"/>
+          </a:xfrm>
+        </p:spPr>
+        <p:txBody>
+          <a:bodyPr anchor="ctr">
+            <a:normAutofit/>
+          </a:bodyPr>
+          <a:lstStyle/>
+          <a:p>
+            <a:r>
+              <a:rPr lang="en-US" sz="2600" b="1" dirty="0"/>
+              <a:t>Coefficient of determination</a:t>
+            </a:r>
+            <a:r>
+              <a:rPr lang="en-US" sz="2600" dirty="0"/>
+              <a:t>: 0.9990356371118271</a:t>
+            </a:r>
+          </a:p>
+          <a:p>
+            <a:endParaRPr lang="en-US" sz="2600" dirty="0"/>
+          </a:p>
+          <a:p>
+            <a:r>
+              <a:rPr lang="en-US" sz="2600" b="1" dirty="0"/>
+              <a:t>Intercept</a:t>
+            </a:r>
+            <a:r>
+              <a:rPr lang="en-US" sz="2600" dirty="0"/>
+              <a:t>: -0.0027011866939048446</a:t>
+            </a:r>
+          </a:p>
+          <a:p>
+            <a:endParaRPr lang="en-US" sz="2600" dirty="0"/>
+          </a:p>
+          <a:p>
+            <a:r>
+              <a:rPr lang="en-US" sz="2600" b="1" dirty="0"/>
+              <a:t>Slope</a:t>
+            </a:r>
+            <a:r>
+              <a:rPr lang="en-US" sz="2600" dirty="0"/>
+              <a:t>: [-0.56716585  0.83525458  0.73050852]</a:t>
+            </a:r>
+          </a:p>
+          <a:p>
+            <a:endParaRPr lang="en-US" sz="2600" dirty="0"/>
+          </a:p>
+          <a:p>
+            <a:r>
+              <a:rPr lang="en-US" sz="2600" b="1" dirty="0"/>
+              <a:t>Predicted Response</a:t>
+            </a:r>
+            <a:r>
+              <a:rPr lang="en-US" sz="2600" dirty="0"/>
+              <a:t>:</a:t>
+            </a:r>
+          </a:p>
+          <a:p>
+            <a:r>
+              <a:rPr lang="en-US" sz="2600" dirty="0"/>
+              <a:t>[14.76649833 14.50642203 14.22146635 ... 50.61213251 50.68180058</a:t>
+            </a:r>
+          </a:p>
+          <a:p>
+            <a:r>
+              <a:rPr lang="en-US" sz="2600" dirty="0"/>
+              <a:t> 51.71499697]</a:t>
+            </a:r>
+          </a:p>
+        </p:txBody>
+      </p:sp>
+    </p:spTree>
+    <p:extLst>
+      <p:ext uri="{BB962C8B-B14F-4D97-AF65-F5344CB8AC3E}">
+        <p14:creationId xmlns:p14="http://schemas.microsoft.com/office/powerpoint/2010/main" val="2842118397"/>
+      </p:ext>
+    </p:extLst>
+  </p:cSld>
+  <p:clrMapOvr>
+    <a:masterClrMapping/>
+  </p:clrMapOvr>
+</p:sld>
+</file>
+
+<file path=ppt/slides/slide11.xml><?xml version="1.0" encoding="utf-8"?>
+<p:sld xmlns:a="http://schemas.openxmlformats.org/drawingml/2006/main" xmlns:r="http://schemas.openxmlformats.org/officeDocument/2006/relationships" xmlns:p="http://schemas.openxmlformats.org/presentationml/2006/main">
+  <p:cSld>
+    <p:bg>
+      <p:bgPr>
+        <a:solidFill>
+          <a:schemeClr val="bg1"/>
+        </a:solidFill>
+        <a:effectLst/>
+      </p:bgPr>
+    </p:bg>
+    <p:spTree>
+      <p:nvGrpSpPr>
+        <p:cNvPr id="1" name=""/>
+        <p:cNvGrpSpPr/>
+        <p:nvPr/>
+      </p:nvGrpSpPr>
+      <p:grpSpPr>
+        <a:xfrm>
+          <a:off x="0" y="0"/>
+          <a:ext cx="0" cy="0"/>
+          <a:chOff x="0" y="0"/>
+          <a:chExt cx="0" cy="0"/>
+        </a:xfrm>
+      </p:grpSpPr>
+      <p:sp>
+        <p:nvSpPr>
+          <p:cNvPr id="2" name="Title 1">
+            <a:extLst>
+              <a:ext uri="{FF2B5EF4-FFF2-40B4-BE49-F238E27FC236}">
+                <a16:creationId xmlns:a16="http://schemas.microsoft.com/office/drawing/2014/main" id="{0C472398-C41A-4197-B0BD-47F082DAAAC9}"/>
+              </a:ext>
+            </a:extLst>
+          </p:cNvPr>
+          <p:cNvSpPr>
+            <a:spLocks noGrp="1"/>
+          </p:cNvSpPr>
+          <p:nvPr>
+            <p:ph type="title"/>
+          </p:nvPr>
+        </p:nvSpPr>
+        <p:spPr>
+          <a:xfrm>
+            <a:off x="4965430" y="629266"/>
+            <a:ext cx="6586491" cy="1676603"/>
+          </a:xfrm>
+        </p:spPr>
+        <p:txBody>
+          <a:bodyPr>
+            <a:normAutofit/>
+          </a:bodyPr>
+          <a:lstStyle/>
+          <a:p>
+            <a:r>
+              <a:rPr lang="en-US" sz="5400" dirty="0"/>
+              <a:t>Model and Functions</a:t>
+            </a:r>
+          </a:p>
+        </p:txBody>
+      </p:sp>
+      <p:pic>
+        <p:nvPicPr>
+          <p:cNvPr id="14" name="Picture 13" descr="Background pattern&#10;&#10;Description automatically generated">
+            <a:extLst>
+              <a:ext uri="{FF2B5EF4-FFF2-40B4-BE49-F238E27FC236}">
+                <a16:creationId xmlns:a16="http://schemas.microsoft.com/office/drawing/2014/main" id="{F8079306-227A-43EC-A25E-457C364B5427}"/>
+              </a:ext>
+            </a:extLst>
+          </p:cNvPr>
+          <p:cNvPicPr>
+            <a:picLocks noChangeAspect="1"/>
+          </p:cNvPicPr>
+          <p:nvPr/>
+        </p:nvPicPr>
+        <p:blipFill rotWithShape="1">
+          <a:blip r:embed="rId2"/>
+          <a:srcRect l="20029" r="36373" b="-1"/>
+          <a:stretch/>
+        </p:blipFill>
+        <p:spPr>
+          <a:xfrm>
+            <a:off x="20" y="10"/>
+            <a:ext cx="4635571" cy="6857990"/>
+          </a:xfrm>
+          <a:prstGeom prst="rect">
+            <a:avLst/>
+          </a:prstGeom>
+          <a:effectLst/>
+        </p:spPr>
+      </p:pic>
+      <p:sp>
+        <p:nvSpPr>
+          <p:cNvPr id="18" name="Rectangle 17">
+            <a:extLst>
+              <a:ext uri="{FF2B5EF4-FFF2-40B4-BE49-F238E27FC236}">
+                <a16:creationId xmlns:a16="http://schemas.microsoft.com/office/drawing/2014/main" id="{7269EBCC-2006-4BB1-87B8-1E132C787EDF}"/>
+              </a:ext>
+              <a:ext uri="{C183D7F6-B498-43B3-948B-1728B52AA6E4}">
+                <adec:decorative xmlns:adec="http://schemas.microsoft.com/office/drawing/2017/decorative" val="1"/>
+              </a:ext>
+            </a:extLst>
+          </p:cNvPr>
+          <p:cNvSpPr>
+            <a:spLocks noGrp="1" noRot="1" noChangeAspect="1" noMove="1" noResize="1" noEditPoints="1" noAdjustHandles="1" noChangeArrowheads="1" noChangeShapeType="1" noTextEdit="1"/>
+          </p:cNvSpPr>
+          <p:nvPr>
+            <p:extLst>
+              <p:ext uri="{386F3935-93C4-4BCD-93E2-E3B085C9AB24}">
+                <p16:designElem xmlns:p16="http://schemas.microsoft.com/office/powerpoint/2015/main" val="1"/>
+              </p:ext>
+            </p:extLst>
+          </p:nvPr>
+        </p:nvSpPr>
+        <p:spPr>
+          <a:xfrm>
+            <a:off x="4635591" y="0"/>
+            <a:ext cx="126124" cy="6858000"/>
+          </a:xfrm>
+          <a:prstGeom prst="rect">
+            <a:avLst/>
+          </a:prstGeom>
+          <a:solidFill>
+            <a:schemeClr val="accent1"/>
+          </a:solidFill>
+          <a:ln>
+            <a:noFill/>
+          </a:ln>
+        </p:spPr>
+        <p:style>
+          <a:lnRef idx="2">
+            <a:schemeClr val="accent1">
+              <a:shade val="50000"/>
+            </a:schemeClr>
+          </a:lnRef>
+          <a:fillRef idx="1">
+            <a:schemeClr val="accent1"/>
+          </a:fillRef>
+          <a:effectRef idx="0">
+            <a:schemeClr val="accent1"/>
+          </a:effectRef>
+          <a:fontRef idx="minor">
+            <a:schemeClr val="lt1"/>
+          </a:fontRef>
+        </p:style>
+        <p:txBody>
+          <a:bodyPr rtlCol="0" anchor="ctr"/>
+          <a:lstStyle/>
+          <a:p>
+            <a:pPr algn="ctr"/>
+            <a:endParaRPr lang="en-US"/>
+          </a:p>
+        </p:txBody>
+      </p:sp>
+      <p:sp>
+        <p:nvSpPr>
+          <p:cNvPr id="9" name="Rectangle 5">
+            <a:extLst>
+              <a:ext uri="{FF2B5EF4-FFF2-40B4-BE49-F238E27FC236}">
+                <a16:creationId xmlns:a16="http://schemas.microsoft.com/office/drawing/2014/main" id="{851EE71C-E7BB-424E-BFA5-0A6703B6D85F}"/>
+              </a:ext>
+            </a:extLst>
+          </p:cNvPr>
+          <p:cNvSpPr>
+            <a:spLocks noChangeArrowheads="1"/>
+          </p:cNvSpPr>
+          <p:nvPr/>
+        </p:nvSpPr>
+        <p:spPr bwMode="auto">
+          <a:xfrm>
+            <a:off x="0" y="137854"/>
+            <a:ext cx="184731" cy="184666"/>
+          </a:xfrm>
+          <a:prstGeom prst="rect">
+            <a:avLst/>
+          </a:prstGeom>
+          <a:solidFill>
+            <a:srgbClr val="F6F6F6"/>
+          </a:solidFill>
+          <a:ln>
+            <a:noFill/>
+          </a:ln>
+          <a:effectLst/>
+          <a:extLst>
+            <a:ext uri="{91240B29-F687-4F45-9708-019B960494DF}">
+              <a14:hiddenLine xmlns:a14="http://schemas.microsoft.com/office/drawing/2010/main" w="9525">
+                <a:solidFill>
+                  <a:schemeClr val="tx1"/>
+                </a:solidFill>
+                <a:miter lim="800000"/>
+                <a:headEnd/>
+                <a:tailEnd/>
+              </a14:hiddenLine>
+            </a:ext>
+            <a:ext uri="{AF507438-7753-43E0-B8FC-AC1667EBCBE1}">
+              <a14:hiddenEffects xmlns:a14="http://schemas.microsoft.com/office/drawing/2010/main">
+                <a:effectLst>
+                  <a:outerShdw dist="35921" dir="2700000" algn="ctr" rotWithShape="0">
+                    <a:schemeClr val="bg2"/>
+                  </a:outerShdw>
+                </a:effectLst>
+              </a14:hiddenEffects>
+            </a:ext>
+          </a:extLst>
+        </p:spPr>
+        <p:txBody>
+          <a:bodyPr vert="horz" wrap="none" lIns="91440" tIns="0" rIns="91440" bIns="0" numCol="1" anchor="ctr" anchorCtr="0" compatLnSpc="1">
+            <a:prstTxWarp prst="textNoShape">
+              <a:avLst/>
+            </a:prstTxWarp>
+            <a:spAutoFit/>
+          </a:bodyPr>
+          <a:lstStyle>
+            <a:lvl1pPr eaLnBrk="0" fontAlgn="base" hangingPunct="0">
+              <a:spcBef>
+                <a:spcPct val="30000"/>
+              </a:spcBef>
+              <a:spcAft>
+                <a:spcPct val="0"/>
+              </a:spcAft>
+              <a:defRPr sz="1200">
+                <a:solidFill>
+                  <a:schemeClr val="tx1"/>
+                </a:solidFill>
+                <a:latin typeface="Arial" panose="020B0604020202020204" pitchFamily="34" charset="0"/>
+              </a:defRPr>
+            </a:lvl1pPr>
+            <a:lvl2pPr eaLnBrk="0" fontAlgn="base" hangingPunct="0">
+              <a:spcBef>
+                <a:spcPct val="30000"/>
+              </a:spcBef>
+              <a:spcAft>
+                <a:spcPct val="0"/>
+              </a:spcAft>
+              <a:defRPr sz="1200">
+                <a:solidFill>
+                  <a:schemeClr val="tx1"/>
+                </a:solidFill>
+                <a:latin typeface="Arial" panose="020B0604020202020204" pitchFamily="34" charset="0"/>
+              </a:defRPr>
+            </a:lvl2pPr>
+            <a:lvl3pPr eaLnBrk="0" fontAlgn="base" hangingPunct="0">
+              <a:spcBef>
+                <a:spcPct val="30000"/>
+              </a:spcBef>
+              <a:spcAft>
+                <a:spcPct val="0"/>
+              </a:spcAft>
+              <a:defRPr sz="1200">
+                <a:solidFill>
+                  <a:schemeClr val="tx1"/>
+                </a:solidFill>
+                <a:latin typeface="Arial" panose="020B0604020202020204" pitchFamily="34" charset="0"/>
+              </a:defRPr>
+            </a:lvl3pPr>
+            <a:lvl4pPr eaLnBrk="0" fontAlgn="base" hangingPunct="0">
+              <a:spcBef>
+                <a:spcPct val="30000"/>
+              </a:spcBef>
+              <a:spcAft>
+                <a:spcPct val="0"/>
+              </a:spcAft>
+              <a:defRPr sz="1200">
+                <a:solidFill>
+                  <a:schemeClr val="tx1"/>
+                </a:solidFill>
+                <a:latin typeface="Arial" panose="020B0604020202020204" pitchFamily="34" charset="0"/>
+              </a:defRPr>
+            </a:lvl4pPr>
+            <a:lvl5pPr eaLnBrk="0" fontAlgn="base" hangingPunct="0">
+              <a:spcBef>
+                <a:spcPct val="30000"/>
+              </a:spcBef>
+              <a:spcAft>
+                <a:spcPct val="0"/>
+              </a:spcAft>
+              <a:defRPr sz="1200">
+                <a:solidFill>
+                  <a:schemeClr val="tx1"/>
+                </a:solidFill>
+                <a:latin typeface="Arial" panose="020B0604020202020204" pitchFamily="34" charset="0"/>
+              </a:defRPr>
+            </a:lvl5pPr>
+            <a:lvl6pPr eaLnBrk="0" fontAlgn="base" hangingPunct="0">
+              <a:spcBef>
+                <a:spcPct val="30000"/>
+              </a:spcBef>
+              <a:spcAft>
+                <a:spcPct val="0"/>
+              </a:spcAft>
+              <a:defRPr sz="1200">
+                <a:solidFill>
+                  <a:schemeClr val="tx1"/>
+                </a:solidFill>
+                <a:latin typeface="Arial" panose="020B0604020202020204" pitchFamily="34" charset="0"/>
+              </a:defRPr>
+            </a:lvl6pPr>
+            <a:lvl7pPr eaLnBrk="0" fontAlgn="base" hangingPunct="0">
+              <a:spcBef>
+                <a:spcPct val="30000"/>
+              </a:spcBef>
+              <a:spcAft>
+                <a:spcPct val="0"/>
+              </a:spcAft>
+              <a:defRPr sz="1200">
+                <a:solidFill>
+                  <a:schemeClr val="tx1"/>
+                </a:solidFill>
+                <a:latin typeface="Arial" panose="020B0604020202020204" pitchFamily="34" charset="0"/>
+              </a:defRPr>
+            </a:lvl7pPr>
+            <a:lvl8pPr eaLnBrk="0" fontAlgn="base" hangingPunct="0">
+              <a:spcBef>
+                <a:spcPct val="30000"/>
+              </a:spcBef>
+              <a:spcAft>
+                <a:spcPct val="0"/>
+              </a:spcAft>
+              <a:defRPr sz="1200">
+                <a:solidFill>
+                  <a:schemeClr val="tx1"/>
+                </a:solidFill>
+                <a:latin typeface="Arial" panose="020B0604020202020204" pitchFamily="34" charset="0"/>
+              </a:defRPr>
+            </a:lvl8pPr>
+            <a:lvl9pPr eaLnBrk="0" fontAlgn="base" hangingPunct="0">
+              <a:spcBef>
+                <a:spcPct val="30000"/>
+              </a:spcBef>
+              <a:spcAft>
+                <a:spcPct val="0"/>
+              </a:spcAft>
+              <a:defRPr sz="1200">
+                <a:solidFill>
+                  <a:schemeClr val="tx1"/>
+                </a:solidFill>
+                <a:latin typeface="Arial" panose="020B0604020202020204" pitchFamily="34" charset="0"/>
+              </a:defRPr>
+            </a:lvl9pPr>
+          </a:lstStyle>
+          <a:p>
+            <a:pPr marL="0" marR="0" lvl="0" indent="0" algn="l" defTabSz="914400" rtl="0" eaLnBrk="0" fontAlgn="base" latinLnBrk="0" hangingPunct="0">
+              <a:lnSpc>
+                <a:spcPct val="100000"/>
+              </a:lnSpc>
+              <a:spcBef>
+                <a:spcPct val="30000"/>
+              </a:spcBef>
+              <a:spcAft>
+                <a:spcPct val="0"/>
+              </a:spcAft>
+              <a:buClrTx/>
+              <a:buSzTx/>
+              <a:buFontTx/>
+              <a:buNone/>
+              <a:tabLst/>
+            </a:pPr>
+            <a:endParaRPr kumimoji="0" lang="en-US" altLang="en-US" sz="1200" b="0" i="0" u="none" strike="noStrike" cap="none" normalizeH="0" baseline="0" dirty="0">
+              <a:ln>
+                <a:noFill/>
+              </a:ln>
+              <a:solidFill>
+                <a:schemeClr val="tx1"/>
+              </a:solidFill>
+              <a:effectLst/>
+              <a:latin typeface="Arial" panose="020B0604020202020204" pitchFamily="34" charset="0"/>
+            </a:endParaRPr>
+          </a:p>
+        </p:txBody>
+      </p:sp>
+      <p:sp>
+        <p:nvSpPr>
+          <p:cNvPr id="10" name="Rectangle 6">
+            <a:extLst>
+              <a:ext uri="{FF2B5EF4-FFF2-40B4-BE49-F238E27FC236}">
+                <a16:creationId xmlns:a16="http://schemas.microsoft.com/office/drawing/2014/main" id="{C3557BCF-73D7-41A5-9B19-6C9FC29B6560}"/>
+              </a:ext>
+            </a:extLst>
+          </p:cNvPr>
+          <p:cNvSpPr>
+            <a:spLocks noChangeArrowheads="1"/>
+          </p:cNvSpPr>
+          <p:nvPr/>
+        </p:nvSpPr>
+        <p:spPr bwMode="auto">
+          <a:xfrm>
+            <a:off x="152400" y="288666"/>
+            <a:ext cx="184731" cy="184666"/>
+          </a:xfrm>
+          <a:prstGeom prst="rect">
+            <a:avLst/>
+          </a:prstGeom>
+          <a:solidFill>
+            <a:srgbClr val="F6F6F6"/>
+          </a:solidFill>
+          <a:ln>
+            <a:noFill/>
+          </a:ln>
+          <a:effectLst/>
+          <a:extLst>
+            <a:ext uri="{91240B29-F687-4F45-9708-019B960494DF}">
+              <a14:hiddenLine xmlns:a14="http://schemas.microsoft.com/office/drawing/2010/main" w="9525">
+                <a:solidFill>
+                  <a:schemeClr val="tx1"/>
+                </a:solidFill>
+                <a:miter lim="800000"/>
+                <a:headEnd/>
+                <a:tailEnd/>
+              </a14:hiddenLine>
+            </a:ext>
+            <a:ext uri="{AF507438-7753-43E0-B8FC-AC1667EBCBE1}">
+              <a14:hiddenEffects xmlns:a14="http://schemas.microsoft.com/office/drawing/2010/main">
+                <a:effectLst>
+                  <a:outerShdw dist="35921" dir="2700000" algn="ctr" rotWithShape="0">
+                    <a:schemeClr val="bg2"/>
+                  </a:outerShdw>
+                </a:effectLst>
+              </a14:hiddenEffects>
+            </a:ext>
+          </a:extLst>
+        </p:spPr>
+        <p:txBody>
+          <a:bodyPr vert="horz" wrap="none" lIns="91440" tIns="0" rIns="91440" bIns="0" numCol="1" anchor="ctr" anchorCtr="0" compatLnSpc="1">
+            <a:prstTxWarp prst="textNoShape">
+              <a:avLst/>
+            </a:prstTxWarp>
+            <a:spAutoFit/>
+          </a:bodyPr>
+          <a:lstStyle>
+            <a:lvl1pPr eaLnBrk="0" fontAlgn="base" hangingPunct="0">
+              <a:spcBef>
+                <a:spcPct val="30000"/>
+              </a:spcBef>
+              <a:spcAft>
+                <a:spcPct val="0"/>
+              </a:spcAft>
+              <a:defRPr sz="1200">
+                <a:solidFill>
+                  <a:schemeClr val="tx1"/>
+                </a:solidFill>
+                <a:latin typeface="Arial" panose="020B0604020202020204" pitchFamily="34" charset="0"/>
+              </a:defRPr>
+            </a:lvl1pPr>
+            <a:lvl2pPr eaLnBrk="0" fontAlgn="base" hangingPunct="0">
+              <a:spcBef>
+                <a:spcPct val="30000"/>
+              </a:spcBef>
+              <a:spcAft>
+                <a:spcPct val="0"/>
+              </a:spcAft>
+              <a:defRPr sz="1200">
+                <a:solidFill>
+                  <a:schemeClr val="tx1"/>
+                </a:solidFill>
+                <a:latin typeface="Arial" panose="020B0604020202020204" pitchFamily="34" charset="0"/>
+              </a:defRPr>
+            </a:lvl2pPr>
+            <a:lvl3pPr eaLnBrk="0" fontAlgn="base" hangingPunct="0">
+              <a:spcBef>
+                <a:spcPct val="30000"/>
+              </a:spcBef>
+              <a:spcAft>
+                <a:spcPct val="0"/>
+              </a:spcAft>
+              <a:defRPr sz="1200">
+                <a:solidFill>
+                  <a:schemeClr val="tx1"/>
+                </a:solidFill>
+                <a:latin typeface="Arial" panose="020B0604020202020204" pitchFamily="34" charset="0"/>
+              </a:defRPr>
+            </a:lvl3pPr>
+            <a:lvl4pPr eaLnBrk="0" fontAlgn="base" hangingPunct="0">
+              <a:spcBef>
+                <a:spcPct val="30000"/>
+              </a:spcBef>
+              <a:spcAft>
+                <a:spcPct val="0"/>
+              </a:spcAft>
+              <a:defRPr sz="1200">
+                <a:solidFill>
+                  <a:schemeClr val="tx1"/>
+                </a:solidFill>
+                <a:latin typeface="Arial" panose="020B0604020202020204" pitchFamily="34" charset="0"/>
+              </a:defRPr>
+            </a:lvl4pPr>
+            <a:lvl5pPr eaLnBrk="0" fontAlgn="base" hangingPunct="0">
+              <a:spcBef>
+                <a:spcPct val="30000"/>
+              </a:spcBef>
+              <a:spcAft>
+                <a:spcPct val="0"/>
+              </a:spcAft>
+              <a:defRPr sz="1200">
+                <a:solidFill>
+                  <a:schemeClr val="tx1"/>
+                </a:solidFill>
+                <a:latin typeface="Arial" panose="020B0604020202020204" pitchFamily="34" charset="0"/>
+              </a:defRPr>
+            </a:lvl5pPr>
+            <a:lvl6pPr eaLnBrk="0" fontAlgn="base" hangingPunct="0">
+              <a:spcBef>
+                <a:spcPct val="30000"/>
+              </a:spcBef>
+              <a:spcAft>
+                <a:spcPct val="0"/>
+              </a:spcAft>
+              <a:defRPr sz="1200">
+                <a:solidFill>
+                  <a:schemeClr val="tx1"/>
+                </a:solidFill>
+                <a:latin typeface="Arial" panose="020B0604020202020204" pitchFamily="34" charset="0"/>
+              </a:defRPr>
+            </a:lvl6pPr>
+            <a:lvl7pPr eaLnBrk="0" fontAlgn="base" hangingPunct="0">
+              <a:spcBef>
+                <a:spcPct val="30000"/>
+              </a:spcBef>
+              <a:spcAft>
+                <a:spcPct val="0"/>
+              </a:spcAft>
+              <a:defRPr sz="1200">
+                <a:solidFill>
+                  <a:schemeClr val="tx1"/>
+                </a:solidFill>
+                <a:latin typeface="Arial" panose="020B0604020202020204" pitchFamily="34" charset="0"/>
+              </a:defRPr>
+            </a:lvl7pPr>
+            <a:lvl8pPr eaLnBrk="0" fontAlgn="base" hangingPunct="0">
+              <a:spcBef>
+                <a:spcPct val="30000"/>
+              </a:spcBef>
+              <a:spcAft>
+                <a:spcPct val="0"/>
+              </a:spcAft>
+              <a:defRPr sz="1200">
+                <a:solidFill>
+                  <a:schemeClr val="tx1"/>
+                </a:solidFill>
+                <a:latin typeface="Arial" panose="020B0604020202020204" pitchFamily="34" charset="0"/>
+              </a:defRPr>
+            </a:lvl8pPr>
+            <a:lvl9pPr eaLnBrk="0" fontAlgn="base" hangingPunct="0">
+              <a:spcBef>
+                <a:spcPct val="30000"/>
+              </a:spcBef>
+              <a:spcAft>
+                <a:spcPct val="0"/>
+              </a:spcAft>
+              <a:defRPr sz="1200">
+                <a:solidFill>
+                  <a:schemeClr val="tx1"/>
+                </a:solidFill>
+                <a:latin typeface="Arial" panose="020B0604020202020204" pitchFamily="34" charset="0"/>
+              </a:defRPr>
+            </a:lvl9pPr>
+          </a:lstStyle>
+          <a:p>
+            <a:pPr marL="0" marR="0" lvl="0" indent="0" algn="l" defTabSz="914400" rtl="0" eaLnBrk="0" fontAlgn="base" latinLnBrk="0" hangingPunct="0">
+              <a:lnSpc>
+                <a:spcPct val="100000"/>
+              </a:lnSpc>
+              <a:spcBef>
+                <a:spcPct val="30000"/>
+              </a:spcBef>
+              <a:spcAft>
+                <a:spcPct val="0"/>
+              </a:spcAft>
+              <a:buClrTx/>
+              <a:buSzTx/>
+              <a:buFontTx/>
+              <a:buNone/>
+              <a:tabLst/>
+            </a:pPr>
+            <a:endParaRPr kumimoji="0" lang="en-US" altLang="en-US" sz="1200" b="0" i="0" u="none" strike="noStrike" cap="none" normalizeH="0" baseline="0" dirty="0">
+              <a:ln>
+                <a:noFill/>
+              </a:ln>
+              <a:solidFill>
+                <a:schemeClr val="tx1"/>
+              </a:solidFill>
+              <a:effectLst/>
+              <a:latin typeface="Arial" panose="020B0604020202020204" pitchFamily="34" charset="0"/>
+            </a:endParaRPr>
+          </a:p>
+        </p:txBody>
+      </p:sp>
+      <p:sp>
+        <p:nvSpPr>
+          <p:cNvPr id="11" name="Rectangle 7">
+            <a:extLst>
+              <a:ext uri="{FF2B5EF4-FFF2-40B4-BE49-F238E27FC236}">
+                <a16:creationId xmlns:a16="http://schemas.microsoft.com/office/drawing/2014/main" id="{C72FB3F5-F68C-419B-A1EF-53F9713E6968}"/>
+              </a:ext>
+            </a:extLst>
+          </p:cNvPr>
+          <p:cNvSpPr>
+            <a:spLocks noChangeArrowheads="1"/>
+          </p:cNvSpPr>
+          <p:nvPr/>
+        </p:nvSpPr>
+        <p:spPr bwMode="auto">
+          <a:xfrm>
+            <a:off x="304800" y="441066"/>
+            <a:ext cx="184731" cy="184666"/>
+          </a:xfrm>
+          <a:prstGeom prst="rect">
+            <a:avLst/>
+          </a:prstGeom>
+          <a:solidFill>
+            <a:srgbClr val="F6F6F6"/>
+          </a:solidFill>
+          <a:ln>
+            <a:noFill/>
+          </a:ln>
+          <a:effectLst/>
+          <a:extLst>
+            <a:ext uri="{91240B29-F687-4F45-9708-019B960494DF}">
+              <a14:hiddenLine xmlns:a14="http://schemas.microsoft.com/office/drawing/2010/main" w="9525">
+                <a:solidFill>
+                  <a:schemeClr val="tx1"/>
+                </a:solidFill>
+                <a:miter lim="800000"/>
+                <a:headEnd/>
+                <a:tailEnd/>
+              </a14:hiddenLine>
+            </a:ext>
+            <a:ext uri="{AF507438-7753-43E0-B8FC-AC1667EBCBE1}">
+              <a14:hiddenEffects xmlns:a14="http://schemas.microsoft.com/office/drawing/2010/main">
+                <a:effectLst>
+                  <a:outerShdw dist="35921" dir="2700000" algn="ctr" rotWithShape="0">
+                    <a:schemeClr val="bg2"/>
+                  </a:outerShdw>
+                </a:effectLst>
+              </a14:hiddenEffects>
+            </a:ext>
+          </a:extLst>
+        </p:spPr>
+        <p:txBody>
+          <a:bodyPr vert="horz" wrap="none" lIns="91440" tIns="0" rIns="91440" bIns="0" numCol="1" anchor="ctr" anchorCtr="0" compatLnSpc="1">
+            <a:prstTxWarp prst="textNoShape">
+              <a:avLst/>
+            </a:prstTxWarp>
+            <a:spAutoFit/>
+          </a:bodyPr>
+          <a:lstStyle>
+            <a:lvl1pPr eaLnBrk="0" fontAlgn="base" hangingPunct="0">
+              <a:spcBef>
+                <a:spcPct val="30000"/>
+              </a:spcBef>
+              <a:spcAft>
+                <a:spcPct val="0"/>
+              </a:spcAft>
+              <a:defRPr sz="1200">
+                <a:solidFill>
+                  <a:schemeClr val="tx1"/>
+                </a:solidFill>
+                <a:latin typeface="Arial" panose="020B0604020202020204" pitchFamily="34" charset="0"/>
+              </a:defRPr>
+            </a:lvl1pPr>
+            <a:lvl2pPr eaLnBrk="0" fontAlgn="base" hangingPunct="0">
+              <a:spcBef>
+                <a:spcPct val="30000"/>
+              </a:spcBef>
+              <a:spcAft>
+                <a:spcPct val="0"/>
+              </a:spcAft>
+              <a:defRPr sz="1200">
+                <a:solidFill>
+                  <a:schemeClr val="tx1"/>
+                </a:solidFill>
+                <a:latin typeface="Arial" panose="020B0604020202020204" pitchFamily="34" charset="0"/>
+              </a:defRPr>
+            </a:lvl2pPr>
+            <a:lvl3pPr eaLnBrk="0" fontAlgn="base" hangingPunct="0">
+              <a:spcBef>
+                <a:spcPct val="30000"/>
+              </a:spcBef>
+              <a:spcAft>
+                <a:spcPct val="0"/>
+              </a:spcAft>
+              <a:defRPr sz="1200">
+                <a:solidFill>
+                  <a:schemeClr val="tx1"/>
+                </a:solidFill>
+                <a:latin typeface="Arial" panose="020B0604020202020204" pitchFamily="34" charset="0"/>
+              </a:defRPr>
+            </a:lvl3pPr>
+            <a:lvl4pPr eaLnBrk="0" fontAlgn="base" hangingPunct="0">
+              <a:spcBef>
+                <a:spcPct val="30000"/>
+              </a:spcBef>
+              <a:spcAft>
+                <a:spcPct val="0"/>
+              </a:spcAft>
+              <a:defRPr sz="1200">
+                <a:solidFill>
+                  <a:schemeClr val="tx1"/>
+                </a:solidFill>
+                <a:latin typeface="Arial" panose="020B0604020202020204" pitchFamily="34" charset="0"/>
+              </a:defRPr>
+            </a:lvl4pPr>
+            <a:lvl5pPr eaLnBrk="0" fontAlgn="base" hangingPunct="0">
+              <a:spcBef>
+                <a:spcPct val="30000"/>
+              </a:spcBef>
+              <a:spcAft>
+                <a:spcPct val="0"/>
+              </a:spcAft>
+              <a:defRPr sz="1200">
+                <a:solidFill>
+                  <a:schemeClr val="tx1"/>
+                </a:solidFill>
+                <a:latin typeface="Arial" panose="020B0604020202020204" pitchFamily="34" charset="0"/>
+              </a:defRPr>
+            </a:lvl5pPr>
+            <a:lvl6pPr eaLnBrk="0" fontAlgn="base" hangingPunct="0">
+              <a:spcBef>
+                <a:spcPct val="30000"/>
+              </a:spcBef>
+              <a:spcAft>
+                <a:spcPct val="0"/>
+              </a:spcAft>
+              <a:defRPr sz="1200">
+                <a:solidFill>
+                  <a:schemeClr val="tx1"/>
+                </a:solidFill>
+                <a:latin typeface="Arial" panose="020B0604020202020204" pitchFamily="34" charset="0"/>
+              </a:defRPr>
+            </a:lvl6pPr>
+            <a:lvl7pPr eaLnBrk="0" fontAlgn="base" hangingPunct="0">
+              <a:spcBef>
+                <a:spcPct val="30000"/>
+              </a:spcBef>
+              <a:spcAft>
+                <a:spcPct val="0"/>
+              </a:spcAft>
+              <a:defRPr sz="1200">
+                <a:solidFill>
+                  <a:schemeClr val="tx1"/>
+                </a:solidFill>
+                <a:latin typeface="Arial" panose="020B0604020202020204" pitchFamily="34" charset="0"/>
+              </a:defRPr>
+            </a:lvl7pPr>
+            <a:lvl8pPr eaLnBrk="0" fontAlgn="base" hangingPunct="0">
+              <a:spcBef>
+                <a:spcPct val="30000"/>
+              </a:spcBef>
+              <a:spcAft>
+                <a:spcPct val="0"/>
+              </a:spcAft>
+              <a:defRPr sz="1200">
+                <a:solidFill>
+                  <a:schemeClr val="tx1"/>
+                </a:solidFill>
+                <a:latin typeface="Arial" panose="020B0604020202020204" pitchFamily="34" charset="0"/>
+              </a:defRPr>
+            </a:lvl8pPr>
+            <a:lvl9pPr eaLnBrk="0" fontAlgn="base" hangingPunct="0">
+              <a:spcBef>
+                <a:spcPct val="30000"/>
+              </a:spcBef>
+              <a:spcAft>
+                <a:spcPct val="0"/>
+              </a:spcAft>
+              <a:defRPr sz="1200">
+                <a:solidFill>
+                  <a:schemeClr val="tx1"/>
+                </a:solidFill>
+                <a:latin typeface="Arial" panose="020B0604020202020204" pitchFamily="34" charset="0"/>
+              </a:defRPr>
+            </a:lvl9pPr>
+          </a:lstStyle>
+          <a:p>
+            <a:pPr marL="0" marR="0" lvl="0" indent="0" algn="l" defTabSz="914400" rtl="0" eaLnBrk="0" fontAlgn="base" latinLnBrk="0" hangingPunct="0">
+              <a:lnSpc>
+                <a:spcPct val="100000"/>
+              </a:lnSpc>
+              <a:spcBef>
+                <a:spcPct val="30000"/>
+              </a:spcBef>
+              <a:spcAft>
+                <a:spcPct val="0"/>
+              </a:spcAft>
+              <a:buClrTx/>
+              <a:buSzTx/>
+              <a:buFontTx/>
+              <a:buNone/>
+              <a:tabLst/>
+            </a:pPr>
+            <a:endParaRPr kumimoji="0" lang="en-US" altLang="en-US" sz="1200" b="0" i="0" u="none" strike="noStrike" cap="none" normalizeH="0" baseline="0" dirty="0">
+              <a:ln>
+                <a:noFill/>
+              </a:ln>
+              <a:solidFill>
+                <a:schemeClr val="tx1"/>
+              </a:solidFill>
+              <a:effectLst/>
+              <a:latin typeface="Arial" panose="020B0604020202020204" pitchFamily="34" charset="0"/>
+            </a:endParaRPr>
+          </a:p>
+        </p:txBody>
+      </p:sp>
+      <p:graphicFrame>
+        <p:nvGraphicFramePr>
+          <p:cNvPr id="13" name="Content Placeholder 2">
+            <a:extLst>
+              <a:ext uri="{FF2B5EF4-FFF2-40B4-BE49-F238E27FC236}">
+                <a16:creationId xmlns:a16="http://schemas.microsoft.com/office/drawing/2014/main" id="{9BAF41C4-2CE1-4773-9E46-CE000D080E1D}"/>
+              </a:ext>
+            </a:extLst>
+          </p:cNvPr>
+          <p:cNvGraphicFramePr>
+            <a:graphicFrameLocks noGrp="1"/>
+          </p:cNvGraphicFramePr>
+          <p:nvPr>
+            <p:ph idx="1"/>
+            <p:extLst>
+              <p:ext uri="{D42A27DB-BD31-4B8C-83A1-F6EECF244321}">
+                <p14:modId xmlns:p14="http://schemas.microsoft.com/office/powerpoint/2010/main" val="4165532330"/>
+              </p:ext>
+            </p:extLst>
+          </p:nvPr>
+        </p:nvGraphicFramePr>
+        <p:xfrm>
+          <a:off x="4965431" y="2438400"/>
+          <a:ext cx="6586489" cy="3785419"/>
+        </p:xfrm>
+        <a:graphic>
+          <a:graphicData uri="http://schemas.openxmlformats.org/drawingml/2006/diagram">
+            <dgm:relIds xmlns:dgm="http://schemas.openxmlformats.org/drawingml/2006/diagram" xmlns:r="http://schemas.openxmlformats.org/officeDocument/2006/relationships" r:dm="rId3" r:lo="rId4" r:qs="rId5" r:cs="rId6"/>
+          </a:graphicData>
+        </a:graphic>
+      </p:graphicFrame>
+    </p:spTree>
+    <p:extLst>
+      <p:ext uri="{BB962C8B-B14F-4D97-AF65-F5344CB8AC3E}">
+        <p14:creationId xmlns:p14="http://schemas.microsoft.com/office/powerpoint/2010/main" val="3908488432"/>
+      </p:ext>
+    </p:extLst>
+  </p:cSld>
+  <p:clrMapOvr>
+    <a:masterClrMapping/>
+  </p:clrMapOvr>
+  <p:transition spd="slow">
+    <p:push dir="u"/>
+  </p:transition>
+  <p:timing>
+    <p:tnLst>
+      <p:par>
+        <p:cTn id="1" dur="indefinite" restart="never" nodeType="tmRoot">
+          <p:childTnLst>
+            <p:seq concurrent="1" nextAc="seek">
+              <p:cTn id="2" dur="indefinite" nodeType="mainSeq">
+                <p:childTnLst>
+                  <p:par>
+                    <p:cTn id="3" fill="hold">
+                      <p:stCondLst>
+                        <p:cond delay="indefinite"/>
+                      </p:stCondLst>
+                      <p:childTnLst>
+                        <p:par>
+                          <p:cTn id="4" fill="hold">
+                            <p:stCondLst>
+                              <p:cond delay="0"/>
+                            </p:stCondLst>
+                            <p:childTnLst>
+                              <p:par>
+                                <p:cTn id="5" presetID="42" presetClass="entr" presetSubtype="0" fill="hold" grpId="0" nodeType="clickEffect">
+                                  <p:stCondLst>
+                                    <p:cond delay="0"/>
+                                  </p:stCondLst>
+                                  <p:childTnLst>
+                                    <p:set>
+                                      <p:cBhvr>
+                                        <p:cTn id="6" dur="1" fill="hold">
+                                          <p:stCondLst>
+                                            <p:cond delay="0"/>
+                                          </p:stCondLst>
+                                        </p:cTn>
+                                        <p:tgtEl>
+                                          <p:spTgt spid="13"/>
+                                        </p:tgtEl>
+                                        <p:attrNameLst>
+                                          <p:attrName>style.visibility</p:attrName>
+                                        </p:attrNameLst>
+                                      </p:cBhvr>
+                                      <p:to>
+                                        <p:strVal val="visible"/>
+                                      </p:to>
+                                    </p:set>
+                                    <p:animEffect transition="in" filter="fade">
+                                      <p:cBhvr>
+                                        <p:cTn id="7" dur="1500"/>
+                                        <p:tgtEl>
+                                          <p:spTgt spid="13"/>
+                                        </p:tgtEl>
+                                      </p:cBhvr>
+                                    </p:animEffect>
+                                    <p:anim calcmode="lin" valueType="num">
+                                      <p:cBhvr>
+                                        <p:cTn id="8" dur="1500" fill="hold"/>
+                                        <p:tgtEl>
+                                          <p:spTgt spid="13"/>
+                                        </p:tgtEl>
+                                        <p:attrNameLst>
+                                          <p:attrName>ppt_x</p:attrName>
+                                        </p:attrNameLst>
+                                      </p:cBhvr>
+                                      <p:tavLst>
+                                        <p:tav tm="0">
+                                          <p:val>
+                                            <p:strVal val="#ppt_x"/>
+                                          </p:val>
+                                        </p:tav>
+                                        <p:tav tm="100000">
+                                          <p:val>
+                                            <p:strVal val="#ppt_x"/>
+                                          </p:val>
+                                        </p:tav>
+                                      </p:tavLst>
+                                    </p:anim>
+                                    <p:anim calcmode="lin" valueType="num">
+                                      <p:cBhvr>
+                                        <p:cTn id="9" dur="1500" fill="hold"/>
+                                        <p:tgtEl>
+                                          <p:spTgt spid="13"/>
+                                        </p:tgtEl>
+                                        <p:attrNameLst>
+                                          <p:attrName>ppt_y</p:attrName>
+                                        </p:attrNameLst>
+                                      </p:cBhvr>
+                                      <p:tavLst>
+                                        <p:tav tm="0">
+                                          <p:val>
+                                            <p:strVal val="#ppt_y+.1"/>
+                                          </p:val>
+                                        </p:tav>
+                                        <p:tav tm="100000">
+                                          <p:val>
+                                            <p:strVal val="#ppt_y"/>
+                                          </p:val>
+                                        </p:tav>
+                                      </p:tavLst>
+                                    </p:anim>
+                                  </p:childTnLst>
+                                </p:cTn>
+                              </p:par>
+                            </p:childTnLst>
+                          </p:cTn>
+                        </p:par>
+                      </p:childTnLst>
+                    </p:cTn>
+                  </p:par>
+                  <p:par>
+                    <p:cTn id="10" fill="hold">
+                      <p:stCondLst>
+                        <p:cond delay="indefinite"/>
+                      </p:stCondLst>
+                      <p:childTnLst>
+                        <p:par>
+                          <p:cTn id="11" fill="hold">
+                            <p:stCondLst>
+                              <p:cond delay="0"/>
+                            </p:stCondLst>
+                            <p:childTnLst>
+                              <p:par>
+                                <p:cTn id="12" presetID="42" presetClass="entr" presetSubtype="0" fill="hold" grpId="0" nodeType="clickEffect">
+                                  <p:stCondLst>
+                                    <p:cond delay="0"/>
+                                  </p:stCondLst>
+                                  <p:childTnLst>
+                                    <p:set>
+                                      <p:cBhvr>
+                                        <p:cTn id="13" dur="1" fill="hold">
+                                          <p:stCondLst>
+                                            <p:cond delay="0"/>
+                                          </p:stCondLst>
+                                        </p:cTn>
+                                        <p:tgtEl>
+                                          <p:spTgt spid="2"/>
+                                        </p:tgtEl>
+                                        <p:attrNameLst>
+                                          <p:attrName>style.visibility</p:attrName>
+                                        </p:attrNameLst>
+                                      </p:cBhvr>
+                                      <p:to>
+                                        <p:strVal val="visible"/>
+                                      </p:to>
+                                    </p:set>
+                                    <p:animEffect transition="in" filter="fade">
+                                      <p:cBhvr>
+                                        <p:cTn id="14" dur="1000"/>
+                                        <p:tgtEl>
+                                          <p:spTgt spid="2"/>
+                                        </p:tgtEl>
+                                      </p:cBhvr>
+                                    </p:animEffect>
+                                    <p:anim calcmode="lin" valueType="num">
+                                      <p:cBhvr>
+                                        <p:cTn id="15" dur="1000" fill="hold"/>
+                                        <p:tgtEl>
+                                          <p:spTgt spid="2"/>
+                                        </p:tgtEl>
+                                        <p:attrNameLst>
+                                          <p:attrName>ppt_x</p:attrName>
+                                        </p:attrNameLst>
+                                      </p:cBhvr>
+                                      <p:tavLst>
+                                        <p:tav tm="0">
+                                          <p:val>
+                                            <p:strVal val="#ppt_x"/>
+                                          </p:val>
+                                        </p:tav>
+                                        <p:tav tm="100000">
+                                          <p:val>
+                                            <p:strVal val="#ppt_x"/>
+                                          </p:val>
+                                        </p:tav>
+                                      </p:tavLst>
+                                    </p:anim>
+                                    <p:anim calcmode="lin" valueType="num">
+                                      <p:cBhvr>
+                                        <p:cTn id="16" dur="1000" fill="hold"/>
+                                        <p:tgtEl>
+                                          <p:spTgt spid="2"/>
+                                        </p:tgtEl>
+                                        <p:attrNameLst>
+                                          <p:attrName>ppt_y</p:attrName>
+                                        </p:attrNameLst>
+                                      </p:cBhvr>
+                                      <p:tavLst>
+                                        <p:tav tm="0">
+                                          <p:val>
+                                            <p:strVal val="#ppt_y+.1"/>
+                                          </p:val>
+                                        </p:tav>
+                                        <p:tav tm="100000">
+                                          <p:val>
+                                            <p:strVal val="#ppt_y"/>
+                                          </p:val>
+                                        </p:tav>
+                                      </p:tavLst>
+                                    </p:anim>
+                                  </p:childTnLst>
+                                </p:cTn>
+                              </p:par>
+                            </p:childTnLst>
+                          </p:cTn>
+                        </p:par>
+                      </p:childTnLst>
+                    </p:cTn>
+                  </p:par>
+                </p:childTnLst>
+              </p:cTn>
+              <p:prevCondLst>
+                <p:cond evt="onPrev" delay="0">
+                  <p:tgtEl>
+                    <p:sldTgt/>
+                  </p:tgtEl>
+                </p:cond>
+              </p:prevCondLst>
+              <p:nextCondLst>
+                <p:cond evt="onNext" delay="0">
+                  <p:tgtEl>
+                    <p:sldTgt/>
+                  </p:tgtEl>
+                </p:cond>
+              </p:nextCondLst>
+            </p:seq>
+          </p:childTnLst>
+        </p:cTn>
+      </p:par>
+    </p:tnLst>
+    <p:bldLst>
+      <p:bldP spid="2" grpId="0"/>
+      <p:bldGraphic spid="13" grpId="0">
+        <p:bldAsOne/>
+      </p:bldGraphic>
+    </p:bldLst>
+  </p:timing>
+</p:sld>
+</file>
+
+<file path=ppt/slides/slide12.xml><?xml version="1.0" encoding="utf-8"?>
+<p:sld xmlns:a="http://schemas.openxmlformats.org/drawingml/2006/main" xmlns:r="http://schemas.openxmlformats.org/officeDocument/2006/relationships" xmlns:p="http://schemas.openxmlformats.org/presentationml/2006/main">
+  <p:cSld>
+    <p:bg>
+      <p:bgPr>
+        <a:solidFill>
+          <a:schemeClr val="bg1"/>
+        </a:solidFill>
+        <a:effectLst/>
+      </p:bgPr>
+    </p:bg>
+    <p:spTree>
+      <p:nvGrpSpPr>
+        <p:cNvPr id="1" name=""/>
+        <p:cNvGrpSpPr/>
+        <p:nvPr/>
+      </p:nvGrpSpPr>
+      <p:grpSpPr>
+        <a:xfrm>
+          <a:off x="0" y="0"/>
+          <a:ext cx="0" cy="0"/>
+          <a:chOff x="0" y="0"/>
+          <a:chExt cx="0" cy="0"/>
+        </a:xfrm>
+      </p:grpSpPr>
       <p:pic>
         <p:nvPicPr>
           <p:cNvPr id="4" name="Content Placeholder 3">
             <a:extLst>
               <a:ext uri="{FF2B5EF4-FFF2-40B4-BE49-F238E27FC236}">
-                <a16:creationId xmlns:a16="http://schemas.microsoft.com/office/drawing/2014/main" id="{447BF77A-107B-4FAE-AD78-4DD610A703BC}"/>
+                <a16:creationId xmlns:a16="http://schemas.microsoft.com/office/drawing/2014/main" id="{D8D4EF06-9DA1-41D6-9A46-180F8958C591}"/>
               </a:ext>
             </a:extLst>
           </p:cNvPr>
@@ -4789,29 +9623,248 @@
         </p:nvPicPr>
         <p:blipFill rotWithShape="1">
           <a:blip r:embed="rId2"/>
-          <a:srcRect b="19"/>
+          <a:srcRect l="5333" r="5332" b="-1"/>
           <a:stretch/>
         </p:blipFill>
         <p:spPr>
           <a:xfrm>
-            <a:off x="20" y="1282"/>
-            <a:ext cx="12191980" cy="6856718"/>
+            <a:off x="195304" y="130639"/>
+            <a:ext cx="12191980" cy="6857990"/>
           </a:xfrm>
           <a:prstGeom prst="rect">
             <a:avLst/>
           </a:prstGeom>
         </p:spPr>
       </p:pic>
+      <p:sp>
+        <p:nvSpPr>
+          <p:cNvPr id="22" name="Rectangle 21">
+            <a:extLst>
+              <a:ext uri="{FF2B5EF4-FFF2-40B4-BE49-F238E27FC236}">
+                <a16:creationId xmlns:a16="http://schemas.microsoft.com/office/drawing/2014/main" id="{37C89E4B-3C9F-44B9-8B86-D9E3D112D8EC}"/>
+              </a:ext>
+              <a:ext uri="{C183D7F6-B498-43B3-948B-1728B52AA6E4}">
+                <adec:decorative xmlns:adec="http://schemas.microsoft.com/office/drawing/2017/decorative" val="1"/>
+              </a:ext>
+            </a:extLst>
+          </p:cNvPr>
+          <p:cNvSpPr>
+            <a:spLocks noGrp="1" noRot="1" noChangeAspect="1" noMove="1" noResize="1" noEditPoints="1" noAdjustHandles="1" noChangeArrowheads="1" noChangeShapeType="1" noTextEdit="1"/>
+          </p:cNvSpPr>
+          <p:nvPr>
+            <p:extLst>
+              <p:ext uri="{386F3935-93C4-4BCD-93E2-E3B085C9AB24}">
+                <p16:designElem xmlns:p16="http://schemas.microsoft.com/office/powerpoint/2015/main" val="1"/>
+              </p:ext>
+            </p:extLst>
+          </p:nvPr>
+        </p:nvSpPr>
+        <p:spPr>
+          <a:xfrm>
+            <a:off x="0" y="5320142"/>
+            <a:ext cx="12192000" cy="736551"/>
+          </a:xfrm>
+          <a:prstGeom prst="rect">
+            <a:avLst/>
+          </a:prstGeom>
+          <a:solidFill>
+            <a:schemeClr val="bg1">
+              <a:alpha val="93000"/>
+            </a:schemeClr>
+          </a:solidFill>
+          <a:ln>
+            <a:noFill/>
+          </a:ln>
+        </p:spPr>
+        <p:style>
+          <a:lnRef idx="2">
+            <a:schemeClr val="accent1">
+              <a:shade val="50000"/>
+            </a:schemeClr>
+          </a:lnRef>
+          <a:fillRef idx="1">
+            <a:schemeClr val="accent1"/>
+          </a:fillRef>
+          <a:effectRef idx="0">
+            <a:schemeClr val="accent1"/>
+          </a:effectRef>
+          <a:fontRef idx="minor">
+            <a:schemeClr val="lt1"/>
+          </a:fontRef>
+        </p:style>
+        <p:txBody>
+          <a:bodyPr rtlCol="0" anchor="ctr"/>
+          <a:lstStyle/>
+          <a:p>
+            <a:pPr algn="ctr"/>
+            <a:endParaRPr lang="en-US"/>
+          </a:p>
+        </p:txBody>
+      </p:sp>
+      <p:sp>
+        <p:nvSpPr>
+          <p:cNvPr id="2" name="Title 1">
+            <a:extLst>
+              <a:ext uri="{FF2B5EF4-FFF2-40B4-BE49-F238E27FC236}">
+                <a16:creationId xmlns:a16="http://schemas.microsoft.com/office/drawing/2014/main" id="{832A5564-6B61-445D-AC99-2D6E3E6477B7}"/>
+              </a:ext>
+            </a:extLst>
+          </p:cNvPr>
+          <p:cNvSpPr>
+            <a:spLocks noGrp="1"/>
+          </p:cNvSpPr>
+          <p:nvPr>
+            <p:ph type="title"/>
+          </p:nvPr>
+        </p:nvSpPr>
+        <p:spPr>
+          <a:xfrm>
+            <a:off x="523875" y="5317240"/>
+            <a:ext cx="11210925" cy="744836"/>
+          </a:xfrm>
+        </p:spPr>
+        <p:txBody>
+          <a:bodyPr vert="horz" lIns="91440" tIns="45720" rIns="91440" bIns="45720" rtlCol="0" anchor="ctr">
+            <a:normAutofit/>
+          </a:bodyPr>
+          <a:lstStyle/>
+          <a:p>
+            <a:pPr algn="ctr"/>
+            <a:r>
+              <a:rPr lang="en-US" sz="3600">
+                <a:solidFill>
+                  <a:schemeClr val="tx1">
+                    <a:lumMod val="85000"/>
+                    <a:lumOff val="15000"/>
+                  </a:schemeClr>
+                </a:solidFill>
+              </a:rPr>
+              <a:t>Input/Output Plot</a:t>
+            </a:r>
+          </a:p>
+        </p:txBody>
+      </p:sp>
+      <p:cxnSp>
+        <p:nvCxnSpPr>
+          <p:cNvPr id="24" name="Straight Connector 23">
+            <a:extLst>
+              <a:ext uri="{FF2B5EF4-FFF2-40B4-BE49-F238E27FC236}">
+                <a16:creationId xmlns:a16="http://schemas.microsoft.com/office/drawing/2014/main" id="{AA2EAA10-076F-46BD-8F0F-B9A2FB77A85C}"/>
+              </a:ext>
+              <a:ext uri="{C183D7F6-B498-43B3-948B-1728B52AA6E4}">
+                <adec:decorative xmlns:adec="http://schemas.microsoft.com/office/drawing/2017/decorative" val="1"/>
+              </a:ext>
+            </a:extLst>
+          </p:cNvPr>
+          <p:cNvCxnSpPr>
+            <a:cxnSpLocks noGrp="1" noRot="1" noChangeAspect="1" noMove="1" noResize="1" noEditPoints="1" noAdjustHandles="1" noChangeArrowheads="1" noChangeShapeType="1"/>
+          </p:cNvCxnSpPr>
+          <p:nvPr>
+            <p:extLst>
+              <p:ext uri="{386F3935-93C4-4BCD-93E2-E3B085C9AB24}">
+                <p16:designElem xmlns:p16="http://schemas.microsoft.com/office/powerpoint/2015/main" val="1"/>
+              </p:ext>
+            </p:extLst>
+          </p:nvPr>
+        </p:nvCxnSpPr>
+        <p:spPr>
+          <a:xfrm>
+            <a:off x="0" y="5241983"/>
+            <a:ext cx="12192000" cy="0"/>
+          </a:xfrm>
+          <a:prstGeom prst="line">
+            <a:avLst/>
+          </a:prstGeom>
+          <a:ln w="41275">
+            <a:solidFill>
+              <a:schemeClr val="bg1">
+                <a:alpha val="90000"/>
+              </a:schemeClr>
+            </a:solidFill>
+          </a:ln>
+        </p:spPr>
+        <p:style>
+          <a:lnRef idx="1">
+            <a:schemeClr val="accent1"/>
+          </a:lnRef>
+          <a:fillRef idx="0">
+            <a:schemeClr val="accent1"/>
+          </a:fillRef>
+          <a:effectRef idx="0">
+            <a:schemeClr val="accent1"/>
+          </a:effectRef>
+          <a:fontRef idx="minor">
+            <a:schemeClr val="tx1"/>
+          </a:fontRef>
+        </p:style>
+      </p:cxnSp>
+      <p:cxnSp>
+        <p:nvCxnSpPr>
+          <p:cNvPr id="26" name="Straight Connector 25">
+            <a:extLst>
+              <a:ext uri="{FF2B5EF4-FFF2-40B4-BE49-F238E27FC236}">
+                <a16:creationId xmlns:a16="http://schemas.microsoft.com/office/drawing/2014/main" id="{D891E407-403B-4764-86C9-33A56D3BCAA3}"/>
+              </a:ext>
+              <a:ext uri="{C183D7F6-B498-43B3-948B-1728B52AA6E4}">
+                <adec:decorative xmlns:adec="http://schemas.microsoft.com/office/drawing/2017/decorative" val="1"/>
+              </a:ext>
+            </a:extLst>
+          </p:cNvPr>
+          <p:cNvCxnSpPr>
+            <a:cxnSpLocks noGrp="1" noRot="1" noChangeAspect="1" noMove="1" noResize="1" noEditPoints="1" noAdjustHandles="1" noChangeArrowheads="1" noChangeShapeType="1"/>
+          </p:cNvCxnSpPr>
+          <p:nvPr>
+            <p:extLst>
+              <p:ext uri="{386F3935-93C4-4BCD-93E2-E3B085C9AB24}">
+                <p16:designElem xmlns:p16="http://schemas.microsoft.com/office/powerpoint/2015/main" val="1"/>
+              </p:ext>
+            </p:extLst>
+          </p:nvPr>
+        </p:nvCxnSpPr>
+        <p:spPr>
+          <a:xfrm>
+            <a:off x="0" y="6134852"/>
+            <a:ext cx="12192000" cy="0"/>
+          </a:xfrm>
+          <a:prstGeom prst="line">
+            <a:avLst/>
+          </a:prstGeom>
+          <a:ln w="41275">
+            <a:solidFill>
+              <a:schemeClr val="bg1">
+                <a:alpha val="90000"/>
+              </a:schemeClr>
+            </a:solidFill>
+          </a:ln>
+        </p:spPr>
+        <p:style>
+          <a:lnRef idx="1">
+            <a:schemeClr val="accent1"/>
+          </a:lnRef>
+          <a:fillRef idx="0">
+            <a:schemeClr val="accent1"/>
+          </a:fillRef>
+          <a:effectRef idx="0">
+            <a:schemeClr val="accent1"/>
+          </a:effectRef>
+          <a:fontRef idx="minor">
+            <a:schemeClr val="tx1"/>
+          </a:fontRef>
+        </p:style>
+      </p:cxnSp>
     </p:spTree>
     <p:extLst>
       <p:ext uri="{BB962C8B-B14F-4D97-AF65-F5344CB8AC3E}">
-        <p14:creationId xmlns:p14="http://schemas.microsoft.com/office/powerpoint/2010/main" val="4199140132"/>
+        <p14:creationId xmlns:p14="http://schemas.microsoft.com/office/powerpoint/2010/main" val="3976882652"/>
       </p:ext>
     </p:extLst>
   </p:cSld>
   <p:clrMapOvr>
     <a:masterClrMapping/>
   </p:clrMapOvr>
+  <p:transition spd="slow">
+    <p:push dir="u"/>
+  </p:transition>
   <p:timing>
     <p:tnLst>
       <p:par>
@@ -5165,6 +10218,9 @@
   <p:clrMapOvr>
     <a:masterClrMapping/>
   </p:clrMapOvr>
+  <p:transition spd="slow">
+    <p:push dir="u"/>
+  </p:transition>
   <p:timing>
     <p:tnLst>
       <p:par>
@@ -5510,6 +10566,9 @@
   <p:clrMapOvr>
     <a:masterClrMapping/>
   </p:clrMapOvr>
+  <p:transition spd="slow">
+    <p:push dir="u"/>
+  </p:transition>
   <p:timing>
     <p:tnLst>
       <p:par>
@@ -5855,6 +10914,9 @@
   <p:clrMapOvr>
     <a:masterClrMapping/>
   </p:clrMapOvr>
+  <p:transition spd="slow">
+    <p:push dir="u"/>
+  </p:transition>
   <p:timing>
     <p:tnLst>
       <p:par>
@@ -6208,6 +11270,9 @@
   <p:clrMapOvr>
     <a:masterClrMapping/>
   </p:clrMapOvr>
+  <p:transition spd="slow">
+    <p:push dir="r"/>
+  </p:transition>
   <p:timing>
     <p:tnLst>
       <p:par>
@@ -7584,7 +12649,7 @@
           <p:cNvPr id="4" name="Content Placeholder 3">
             <a:extLst>
               <a:ext uri="{FF2B5EF4-FFF2-40B4-BE49-F238E27FC236}">
-                <a16:creationId xmlns:a16="http://schemas.microsoft.com/office/drawing/2014/main" id="{D5E8ED19-1A31-43F6-91E7-B8FD9890FA68}"/>
+                <a16:creationId xmlns:a16="http://schemas.microsoft.com/office/drawing/2014/main" id="{447BF77A-107B-4FAE-AD78-4DD610A703BC}"/>
               </a:ext>
             </a:extLst>
           </p:cNvPr>
@@ -7602,7 +12667,7 @@
         </p:blipFill>
         <p:spPr>
           <a:xfrm>
-            <a:off x="20" y="1282"/>
+            <a:off x="-186027" y="9859"/>
             <a:ext cx="12191980" cy="6856718"/>
           </a:xfrm>
           <a:prstGeom prst="rect">
@@ -7613,7 +12678,7 @@
     </p:spTree>
     <p:extLst>
       <p:ext uri="{BB962C8B-B14F-4D97-AF65-F5344CB8AC3E}">
-        <p14:creationId xmlns:p14="http://schemas.microsoft.com/office/powerpoint/2010/main" val="3164539950"/>
+        <p14:creationId xmlns:p14="http://schemas.microsoft.com/office/powerpoint/2010/main" val="4199140132"/>
       </p:ext>
     </p:extLst>
   </p:cSld>
